--- a/Roll no 25.pptx
+++ b/Roll no 25.pptx
@@ -5,7 +5,7 @@
     <p:sldMasterId id="2147483799" r:id="rId4"/>
   </p:sldMasterIdLst>
   <p:notesMasterIdLst>
-    <p:notesMasterId r:id="rId16"/>
+    <p:notesMasterId r:id="rId17"/>
   </p:notesMasterIdLst>
   <p:sldIdLst>
     <p:sldId id="257" r:id="rId5"/>
@@ -13,26 +13,27 @@
     <p:sldId id="259" r:id="rId7"/>
     <p:sldId id="260" r:id="rId8"/>
     <p:sldId id="261" r:id="rId9"/>
-    <p:sldId id="262" r:id="rId10"/>
-    <p:sldId id="265" r:id="rId11"/>
-    <p:sldId id="274" r:id="rId12"/>
-    <p:sldId id="275" r:id="rId13"/>
-    <p:sldId id="273" r:id="rId14"/>
-    <p:sldId id="272" r:id="rId15"/>
+    <p:sldId id="276" r:id="rId10"/>
+    <p:sldId id="277" r:id="rId11"/>
+    <p:sldId id="265" r:id="rId12"/>
+    <p:sldId id="274" r:id="rId13"/>
+    <p:sldId id="275" r:id="rId14"/>
+    <p:sldId id="273" r:id="rId15"/>
+    <p:sldId id="272" r:id="rId16"/>
   </p:sldIdLst>
   <p:sldSz cx="9144000" cy="5143500" type="screen16x9"/>
   <p:notesSz cx="6858000" cy="9144000"/>
   <p:embeddedFontLst>
     <p:embeddedFont>
       <p:font typeface="Trebuchet MS" panose="020B0603020202020204" pitchFamily="34" charset="0"/>
-      <p:regular r:id="rId17"/>
-      <p:bold r:id="rId18"/>
-      <p:italic r:id="rId19"/>
-      <p:boldItalic r:id="rId20"/>
+      <p:regular r:id="rId18"/>
+      <p:bold r:id="rId19"/>
+      <p:italic r:id="rId20"/>
+      <p:boldItalic r:id="rId21"/>
     </p:embeddedFont>
     <p:embeddedFont>
       <p:font typeface="Wingdings 3" panose="05040102010807070707" pitchFamily="18" charset="2"/>
-      <p:regular r:id="rId21"/>
+      <p:regular r:id="rId22"/>
     </p:embeddedFont>
   </p:embeddedFontLst>
   <p:defaultTextStyle>
@@ -833,6 +834,115 @@
   <p:cSld>
     <p:spTree>
       <p:nvGrpSpPr>
+        <p:cNvPr id="1" name="Shape 124"/>
+        <p:cNvGrpSpPr/>
+        <p:nvPr/>
+      </p:nvGrpSpPr>
+      <p:grpSpPr>
+        <a:xfrm>
+          <a:off x="0" y="0"/>
+          <a:ext cx="0" cy="0"/>
+          <a:chOff x="0" y="0"/>
+          <a:chExt cx="0" cy="0"/>
+        </a:xfrm>
+      </p:grpSpPr>
+      <p:sp>
+        <p:nvSpPr>
+          <p:cNvPr id="125" name="Google Shape;125;gca62970c0b_2_15:notes"/>
+          <p:cNvSpPr>
+            <a:spLocks noGrp="1" noRot="1" noChangeAspect="1"/>
+          </p:cNvSpPr>
+          <p:nvPr>
+            <p:ph type="sldImg" idx="2"/>
+          </p:nvPr>
+        </p:nvSpPr>
+        <p:spPr>
+          <a:xfrm>
+            <a:off x="381000" y="685800"/>
+            <a:ext cx="6096000" cy="3429000"/>
+          </a:xfrm>
+          <a:custGeom>
+            <a:avLst/>
+            <a:gdLst/>
+            <a:ahLst/>
+            <a:cxnLst/>
+            <a:rect l="l" t="t" r="r" b="b"/>
+            <a:pathLst>
+              <a:path w="120000" h="120000" extrusionOk="0">
+                <a:moveTo>
+                  <a:pt x="0" y="0"/>
+                </a:moveTo>
+                <a:lnTo>
+                  <a:pt x="120000" y="0"/>
+                </a:lnTo>
+                <a:lnTo>
+                  <a:pt x="120000" y="120000"/>
+                </a:lnTo>
+                <a:lnTo>
+                  <a:pt x="0" y="120000"/>
+                </a:lnTo>
+                <a:close/>
+              </a:path>
+            </a:pathLst>
+          </a:custGeom>
+        </p:spPr>
+      </p:sp>
+      <p:sp>
+        <p:nvSpPr>
+          <p:cNvPr id="126" name="Google Shape;126;gca62970c0b_2_15:notes"/>
+          <p:cNvSpPr txBox="1">
+            <a:spLocks noGrp="1"/>
+          </p:cNvSpPr>
+          <p:nvPr>
+            <p:ph type="body" idx="1"/>
+          </p:nvPr>
+        </p:nvSpPr>
+        <p:spPr>
+          <a:xfrm>
+            <a:off x="685800" y="4343400"/>
+            <a:ext cx="5486400" cy="4114800"/>
+          </a:xfrm>
+          <a:prstGeom prst="rect">
+            <a:avLst/>
+          </a:prstGeom>
+        </p:spPr>
+        <p:txBody>
+          <a:bodyPr spcFirstLastPara="1" wrap="square" lIns="91425" tIns="91425" rIns="91425" bIns="91425" anchor="t" anchorCtr="0">
+            <a:noAutofit/>
+          </a:bodyPr>
+          <a:lstStyle/>
+          <a:p>
+            <a:pPr marL="0" lvl="0" indent="0" algn="l" rtl="0">
+              <a:spcBef>
+                <a:spcPts val="0"/>
+              </a:spcBef>
+              <a:spcAft>
+                <a:spcPts val="0"/>
+              </a:spcAft>
+              <a:buNone/>
+            </a:pPr>
+            <a:endParaRPr/>
+          </a:p>
+        </p:txBody>
+      </p:sp>
+    </p:spTree>
+    <p:extLst>
+      <p:ext uri="{BB962C8B-B14F-4D97-AF65-F5344CB8AC3E}">
+        <p14:creationId xmlns:p14="http://schemas.microsoft.com/office/powerpoint/2010/main" val="1544083180"/>
+      </p:ext>
+    </p:extLst>
+  </p:cSld>
+  <p:clrMapOvr>
+    <a:masterClrMapping/>
+  </p:clrMapOvr>
+</p:notes>
+</file>
+
+<file path=ppt/notesSlides/notesSlide11.xml><?xml version="1.0" encoding="utf-8"?>
+<p:notes xmlns:a="http://schemas.openxmlformats.org/drawingml/2006/main" xmlns:r="http://schemas.openxmlformats.org/officeDocument/2006/relationships" xmlns:p="http://schemas.openxmlformats.org/presentationml/2006/main" showMasterSp="0" showMasterPhAnim="0">
+  <p:cSld>
+    <p:spTree>
+      <p:nvGrpSpPr>
         <p:cNvPr id="1" name="Shape 171"/>
         <p:cNvGrpSpPr/>
         <p:nvPr/>
@@ -937,7 +1047,7 @@
 </p:notes>
 </file>
 
-<file path=ppt/notesSlides/notesSlide11.xml><?xml version="1.0" encoding="utf-8"?>
+<file path=ppt/notesSlides/notesSlide12.xml><?xml version="1.0" encoding="utf-8"?>
 <p:notes xmlns:a="http://schemas.openxmlformats.org/drawingml/2006/main" xmlns:r="http://schemas.openxmlformats.org/officeDocument/2006/relationships" xmlns:p="http://schemas.openxmlformats.org/presentationml/2006/main" showMasterSp="0" showMasterPhAnim="0">
   <p:cSld>
     <p:spTree>
@@ -1487,7 +1597,13 @@
   <p:cSld>
     <p:spTree>
       <p:nvGrpSpPr>
-        <p:cNvPr id="1" name="Shape 107"/>
+        <p:cNvPr id="1" name="Shape 107">
+          <a:extLst>
+            <a:ext uri="{FF2B5EF4-FFF2-40B4-BE49-F238E27FC236}">
+              <a16:creationId xmlns:a16="http://schemas.microsoft.com/office/drawing/2014/main" id="{71A6C259-B808-75DA-23F4-57D4E7CF0FCD}"/>
+            </a:ext>
+          </a:extLst>
+        </p:cNvPr>
         <p:cNvGrpSpPr/>
         <p:nvPr/>
       </p:nvGrpSpPr>
@@ -1501,7 +1617,13 @@
       </p:grpSpPr>
       <p:sp>
         <p:nvSpPr>
-          <p:cNvPr id="108" name="Google Shape;108;gca62970c0b_2_47:notes"/>
+          <p:cNvPr id="108" name="Google Shape;108;gca62970c0b_2_47:notes">
+            <a:extLst>
+              <a:ext uri="{FF2B5EF4-FFF2-40B4-BE49-F238E27FC236}">
+                <a16:creationId xmlns:a16="http://schemas.microsoft.com/office/drawing/2014/main" id="{0CC6A31C-B687-3284-A4B6-D6E3387214C1}"/>
+              </a:ext>
+            </a:extLst>
+          </p:cNvPr>
           <p:cNvSpPr>
             <a:spLocks noGrp="1" noRot="1" noChangeAspect="1"/>
           </p:cNvSpPr>
@@ -1542,7 +1664,13 @@
       </p:sp>
       <p:sp>
         <p:nvSpPr>
-          <p:cNvPr id="109" name="Google Shape;109;gca62970c0b_2_47:notes"/>
+          <p:cNvPr id="109" name="Google Shape;109;gca62970c0b_2_47:notes">
+            <a:extLst>
+              <a:ext uri="{FF2B5EF4-FFF2-40B4-BE49-F238E27FC236}">
+                <a16:creationId xmlns:a16="http://schemas.microsoft.com/office/drawing/2014/main" id="{6F004026-AE73-DAF1-5728-EC4350AF3B64}"/>
+              </a:ext>
+            </a:extLst>
+          </p:cNvPr>
           <p:cNvSpPr txBox="1">
             <a:spLocks noGrp="1"/>
           </p:cNvSpPr>
@@ -1581,7 +1709,7 @@
     </p:spTree>
     <p:extLst>
       <p:ext uri="{BB962C8B-B14F-4D97-AF65-F5344CB8AC3E}">
-        <p14:creationId xmlns:p14="http://schemas.microsoft.com/office/powerpoint/2010/main" val="4214993971"/>
+        <p14:creationId xmlns:p14="http://schemas.microsoft.com/office/powerpoint/2010/main" val="1672044928"/>
       </p:ext>
     </p:extLst>
   </p:cSld>
@@ -1596,7 +1724,13 @@
   <p:cSld>
     <p:spTree>
       <p:nvGrpSpPr>
-        <p:cNvPr id="1" name="Shape 124"/>
+        <p:cNvPr id="1" name="Shape 107">
+          <a:extLst>
+            <a:ext uri="{FF2B5EF4-FFF2-40B4-BE49-F238E27FC236}">
+              <a16:creationId xmlns:a16="http://schemas.microsoft.com/office/drawing/2014/main" id="{DD5C3EFD-CD3B-C283-0ADB-F83D25905E71}"/>
+            </a:ext>
+          </a:extLst>
+        </p:cNvPr>
         <p:cNvGrpSpPr/>
         <p:nvPr/>
       </p:nvGrpSpPr>
@@ -1610,7 +1744,13 @@
       </p:grpSpPr>
       <p:sp>
         <p:nvSpPr>
-          <p:cNvPr id="125" name="Google Shape;125;gca62970c0b_2_15:notes"/>
+          <p:cNvPr id="108" name="Google Shape;108;gca62970c0b_2_47:notes">
+            <a:extLst>
+              <a:ext uri="{FF2B5EF4-FFF2-40B4-BE49-F238E27FC236}">
+                <a16:creationId xmlns:a16="http://schemas.microsoft.com/office/drawing/2014/main" id="{FA14F168-4FFB-1BF7-971E-379C4B51F894}"/>
+              </a:ext>
+            </a:extLst>
+          </p:cNvPr>
           <p:cNvSpPr>
             <a:spLocks noGrp="1" noRot="1" noChangeAspect="1"/>
           </p:cNvSpPr>
@@ -1651,7 +1791,13 @@
       </p:sp>
       <p:sp>
         <p:nvSpPr>
-          <p:cNvPr id="126" name="Google Shape;126;gca62970c0b_2_15:notes"/>
+          <p:cNvPr id="109" name="Google Shape;109;gca62970c0b_2_47:notes">
+            <a:extLst>
+              <a:ext uri="{FF2B5EF4-FFF2-40B4-BE49-F238E27FC236}">
+                <a16:creationId xmlns:a16="http://schemas.microsoft.com/office/drawing/2014/main" id="{C514189E-E600-85AE-0754-BF21380B1BA2}"/>
+              </a:ext>
+            </a:extLst>
+          </p:cNvPr>
           <p:cNvSpPr txBox="1">
             <a:spLocks noGrp="1"/>
           </p:cNvSpPr>
@@ -1690,7 +1836,7 @@
     </p:spTree>
     <p:extLst>
       <p:ext uri="{BB962C8B-B14F-4D97-AF65-F5344CB8AC3E}">
-        <p14:creationId xmlns:p14="http://schemas.microsoft.com/office/powerpoint/2010/main" val="1434485559"/>
+        <p14:creationId xmlns:p14="http://schemas.microsoft.com/office/powerpoint/2010/main" val="2848049576"/>
       </p:ext>
     </p:extLst>
   </p:cSld>
@@ -1799,7 +1945,7 @@
     </p:spTree>
     <p:extLst>
       <p:ext uri="{BB962C8B-B14F-4D97-AF65-F5344CB8AC3E}">
-        <p14:creationId xmlns:p14="http://schemas.microsoft.com/office/powerpoint/2010/main" val="2738285555"/>
+        <p14:creationId xmlns:p14="http://schemas.microsoft.com/office/powerpoint/2010/main" val="1434485559"/>
       </p:ext>
     </p:extLst>
   </p:cSld>
@@ -1908,7 +2054,7 @@
     </p:spTree>
     <p:extLst>
       <p:ext uri="{BB962C8B-B14F-4D97-AF65-F5344CB8AC3E}">
-        <p14:creationId xmlns:p14="http://schemas.microsoft.com/office/powerpoint/2010/main" val="1544083180"/>
+        <p14:creationId xmlns:p14="http://schemas.microsoft.com/office/powerpoint/2010/main" val="2738285555"/>
       </p:ext>
     </p:extLst>
   </p:cSld>
@@ -2641,7 +2787,7 @@
             <a:fld id="{B61BEF0D-F0BB-DE4B-95CE-6DB70DBA9567}" type="datetimeFigureOut">
               <a:rPr lang="en-US" smtClean="0"/>
               <a:pPr/>
-              <a:t>10/4/2024</a:t>
+              <a:t>10/9/2024</a:t>
             </a:fld>
             <a:endParaRPr lang="en-US" dirty="0"/>
           </a:p>
@@ -2912,7 +3058,7 @@
             <a:fld id="{B61BEF0D-F0BB-DE4B-95CE-6DB70DBA9567}" type="datetimeFigureOut">
               <a:rPr lang="en-US" smtClean="0"/>
               <a:pPr/>
-              <a:t>10/4/2024</a:t>
+              <a:t>10/9/2024</a:t>
             </a:fld>
             <a:endParaRPr lang="en-US" dirty="0"/>
           </a:p>
@@ -3246,7 +3392,7 @@
             <a:fld id="{B61BEF0D-F0BB-DE4B-95CE-6DB70DBA9567}" type="datetimeFigureOut">
               <a:rPr lang="en-US" smtClean="0"/>
               <a:pPr/>
-              <a:t>10/4/2024</a:t>
+              <a:t>10/9/2024</a:t>
             </a:fld>
             <a:endParaRPr lang="en-US" dirty="0"/>
           </a:p>
@@ -3607,7 +3753,7 @@
             <a:fld id="{B61BEF0D-F0BB-DE4B-95CE-6DB70DBA9567}" type="datetimeFigureOut">
               <a:rPr lang="en-US" smtClean="0"/>
               <a:pPr/>
-              <a:t>10/4/2024</a:t>
+              <a:t>10/9/2024</a:t>
             </a:fld>
             <a:endParaRPr lang="en-US" dirty="0"/>
           </a:p>
@@ -3941,7 +4087,7 @@
             <a:fld id="{B61BEF0D-F0BB-DE4B-95CE-6DB70DBA9567}" type="datetimeFigureOut">
               <a:rPr lang="en-US" smtClean="0"/>
               <a:pPr/>
-              <a:t>10/4/2024</a:t>
+              <a:t>10/9/2024</a:t>
             </a:fld>
             <a:endParaRPr lang="en-US" dirty="0"/>
           </a:p>
@@ -4354,7 +4500,7 @@
             <a:fld id="{B61BEF0D-F0BB-DE4B-95CE-6DB70DBA9567}" type="datetimeFigureOut">
               <a:rPr lang="en-US" smtClean="0"/>
               <a:pPr/>
-              <a:t>10/4/2024</a:t>
+              <a:t>10/9/2024</a:t>
             </a:fld>
             <a:endParaRPr lang="en-US" dirty="0"/>
           </a:p>
@@ -4543,7 +4689,7 @@
           <a:p>
             <a:fld id="{55C6B4A9-1611-4792-9094-5F34BCA07E0B}" type="datetimeFigureOut">
               <a:rPr lang="en-US" smtClean="0"/>
-              <a:t>10/4/2024</a:t>
+              <a:t>10/9/2024</a:t>
             </a:fld>
             <a:endParaRPr lang="en-US" dirty="0"/>
           </a:p>
@@ -4743,7 +4889,7 @@
             <a:fld id="{B61BEF0D-F0BB-DE4B-95CE-6DB70DBA9567}" type="datetimeFigureOut">
               <a:rPr lang="en-US" smtClean="0"/>
               <a:pPr/>
-              <a:t>10/4/2024</a:t>
+              <a:t>10/9/2024</a:t>
             </a:fld>
             <a:endParaRPr lang="en-US" dirty="0"/>
           </a:p>
@@ -6689,7 +6835,7 @@
             <a:fld id="{B61BEF0D-F0BB-DE4B-95CE-6DB70DBA9567}" type="datetimeFigureOut">
               <a:rPr lang="en-US" smtClean="0"/>
               <a:pPr/>
-              <a:t>10/4/2024</a:t>
+              <a:t>10/9/2024</a:t>
             </a:fld>
             <a:endParaRPr lang="en-US" dirty="0"/>
           </a:p>
@@ -6956,7 +7102,7 @@
             <a:fld id="{B61BEF0D-F0BB-DE4B-95CE-6DB70DBA9567}" type="datetimeFigureOut">
               <a:rPr lang="en-US" smtClean="0"/>
               <a:pPr/>
-              <a:t>10/4/2024</a:t>
+              <a:t>10/9/2024</a:t>
             </a:fld>
             <a:endParaRPr lang="en-US" dirty="0"/>
           </a:p>
@@ -7207,7 +7353,7 @@
           <a:p>
             <a:fld id="{EB712588-04B1-427B-82EE-E8DB90309F08}" type="datetimeFigureOut">
               <a:rPr lang="en-US" smtClean="0"/>
-              <a:t>10/4/2024</a:t>
+              <a:t>10/9/2024</a:t>
             </a:fld>
             <a:endParaRPr lang="en-US" dirty="0"/>
           </a:p>
@@ -7601,7 +7747,7 @@
             <a:fld id="{B61BEF0D-F0BB-DE4B-95CE-6DB70DBA9567}" type="datetimeFigureOut">
               <a:rPr lang="en-US" smtClean="0"/>
               <a:pPr/>
-              <a:t>10/4/2024</a:t>
+              <a:t>10/9/2024</a:t>
             </a:fld>
             <a:endParaRPr lang="en-US" dirty="0"/>
           </a:p>
@@ -7744,7 +7890,7 @@
             <a:fld id="{B61BEF0D-F0BB-DE4B-95CE-6DB70DBA9567}" type="datetimeFigureOut">
               <a:rPr lang="en-US" smtClean="0"/>
               <a:pPr/>
-              <a:t>10/4/2024</a:t>
+              <a:t>10/9/2024</a:t>
             </a:fld>
             <a:endParaRPr lang="en-US" dirty="0"/>
           </a:p>
@@ -7859,7 +8005,7 @@
             <a:fld id="{B61BEF0D-F0BB-DE4B-95CE-6DB70DBA9567}" type="datetimeFigureOut">
               <a:rPr lang="en-US" smtClean="0"/>
               <a:pPr/>
-              <a:t>10/4/2024</a:t>
+              <a:t>10/9/2024</a:t>
             </a:fld>
             <a:endParaRPr lang="en-US" dirty="0"/>
           </a:p>
@@ -8132,7 +8278,7 @@
           <a:p>
             <a:fld id="{42A54C80-263E-416B-A8E0-580EDEADCBDC}" type="datetimeFigureOut">
               <a:rPr lang="en-US" smtClean="0"/>
-              <a:t>10/4/2024</a:t>
+              <a:t>10/9/2024</a:t>
             </a:fld>
             <a:endParaRPr lang="en-US" dirty="0"/>
           </a:p>
@@ -8415,7 +8561,7 @@
             <a:fld id="{B61BEF0D-F0BB-DE4B-95CE-6DB70DBA9567}" type="datetimeFigureOut">
               <a:rPr lang="en-US" smtClean="0"/>
               <a:pPr/>
-              <a:t>10/4/2024</a:t>
+              <a:t>10/9/2024</a:t>
             </a:fld>
             <a:endParaRPr lang="en-US" dirty="0"/>
           </a:p>
@@ -9178,7 +9324,7 @@
             <a:fld id="{B61BEF0D-F0BB-DE4B-95CE-6DB70DBA9567}" type="datetimeFigureOut">
               <a:rPr lang="en-US" smtClean="0"/>
               <a:pPr/>
-              <a:t>10/4/2024</a:t>
+              <a:t>10/9/2024</a:t>
             </a:fld>
             <a:endParaRPr lang="en-US" dirty="0"/>
           </a:p>
@@ -9835,6 +9981,29 @@
               </a:rPr>
               <a:t>Presented By: Geetesh Ganesh Karjavkar (25)</a:t>
             </a:r>
+            <a:br>
+              <a:rPr lang="en" sz="1600" dirty="0">
+                <a:solidFill>
+                  <a:srgbClr val="000000"/>
+                </a:solidFill>
+                <a:latin typeface="Arial"/>
+                <a:ea typeface="Arial"/>
+                <a:cs typeface="Arial"/>
+                <a:sym typeface="Arial"/>
+              </a:rPr>
+            </a:br>
+            <a:r>
+              <a:rPr lang="en" sz="1600" dirty="0">
+                <a:solidFill>
+                  <a:srgbClr val="000000"/>
+                </a:solidFill>
+                <a:latin typeface="Arial"/>
+                <a:ea typeface="Arial"/>
+                <a:cs typeface="Arial"/>
+                <a:sym typeface="Arial"/>
+              </a:rPr>
+              <a:t>																						 (TE I.T)</a:t>
+            </a:r>
             <a:endParaRPr sz="1600" dirty="0">
               <a:solidFill>
                 <a:srgbClr val="000000"/>
@@ -9897,7 +10066,7 @@
         </p:nvSpPr>
         <p:spPr>
           <a:xfrm>
-            <a:off x="1628000" y="238650"/>
+            <a:off x="1566397" y="223884"/>
             <a:ext cx="7198500" cy="2769959"/>
           </a:xfrm>
           <a:prstGeom prst="rect">
@@ -10099,7 +10268,7 @@
         </p:nvSpPr>
         <p:spPr>
           <a:xfrm>
-            <a:off x="502197" y="1561232"/>
+            <a:off x="3458449" y="1827150"/>
             <a:ext cx="3539400" cy="2021036"/>
           </a:xfrm>
           <a:prstGeom prst="rect">
@@ -10247,6 +10416,140 @@
   <p:cSld>
     <p:spTree>
       <p:nvGrpSpPr>
+        <p:cNvPr id="1" name="Shape 127"/>
+        <p:cNvGrpSpPr/>
+        <p:nvPr/>
+      </p:nvGrpSpPr>
+      <p:grpSpPr>
+        <a:xfrm>
+          <a:off x="0" y="0"/>
+          <a:ext cx="0" cy="0"/>
+          <a:chOff x="0" y="0"/>
+          <a:chExt cx="0" cy="0"/>
+        </a:xfrm>
+      </p:grpSpPr>
+      <p:sp>
+        <p:nvSpPr>
+          <p:cNvPr id="128" name="Google Shape;128;p24"/>
+          <p:cNvSpPr txBox="1">
+            <a:spLocks noGrp="1"/>
+          </p:cNvSpPr>
+          <p:nvPr>
+            <p:ph type="title"/>
+          </p:nvPr>
+        </p:nvSpPr>
+        <p:spPr>
+          <a:prstGeom prst="rect">
+            <a:avLst/>
+          </a:prstGeom>
+        </p:spPr>
+        <p:txBody>
+          <a:bodyPr spcFirstLastPara="1" wrap="square" lIns="91425" tIns="91425" rIns="91425" bIns="91425" anchor="t" anchorCtr="0">
+            <a:noAutofit/>
+          </a:bodyPr>
+          <a:lstStyle/>
+          <a:p>
+            <a:pPr marL="0" lvl="0" indent="0" algn="ctr" rtl="0">
+              <a:spcBef>
+                <a:spcPts val="0"/>
+              </a:spcBef>
+              <a:spcAft>
+                <a:spcPts val="0"/>
+              </a:spcAft>
+              <a:buNone/>
+            </a:pPr>
+            <a:r>
+              <a:rPr lang="en-US" sz="2900" b="1" dirty="0">
+                <a:latin typeface="Times New Roman" pitchFamily="18" charset="0"/>
+                <a:cs typeface="Times New Roman" pitchFamily="18" charset="0"/>
+              </a:rPr>
+              <a:t>SYSTEM OVERVIEW</a:t>
+            </a:r>
+          </a:p>
+        </p:txBody>
+      </p:sp>
+      <p:sp>
+        <p:nvSpPr>
+          <p:cNvPr id="129" name="Google Shape;129;p24"/>
+          <p:cNvSpPr txBox="1">
+            <a:spLocks noGrp="1"/>
+          </p:cNvSpPr>
+          <p:nvPr>
+            <p:ph type="body" idx="1"/>
+          </p:nvPr>
+        </p:nvSpPr>
+        <p:spPr>
+          <a:prstGeom prst="rect">
+            <a:avLst/>
+          </a:prstGeom>
+        </p:spPr>
+        <p:txBody>
+          <a:bodyPr spcFirstLastPara="1" wrap="square" lIns="91425" tIns="91425" rIns="91425" bIns="91425" anchor="t" anchorCtr="0">
+            <a:normAutofit/>
+          </a:bodyPr>
+          <a:lstStyle/>
+          <a:p>
+            <a:pPr marL="0" lvl="0" indent="0" algn="l" rtl="0">
+              <a:spcBef>
+                <a:spcPts val="0"/>
+              </a:spcBef>
+              <a:spcAft>
+                <a:spcPts val="1200"/>
+              </a:spcAft>
+              <a:buNone/>
+            </a:pPr>
+            <a:endParaRPr lang="en-US" dirty="0"/>
+          </a:p>
+        </p:txBody>
+      </p:sp>
+      <p:pic>
+        <p:nvPicPr>
+          <p:cNvPr id="3" name="Picture 2">
+            <a:extLst>
+              <a:ext uri="{FF2B5EF4-FFF2-40B4-BE49-F238E27FC236}">
+                <a16:creationId xmlns:a16="http://schemas.microsoft.com/office/drawing/2014/main" id="{B68BE17F-51B0-C922-EBF6-7DCA9F77E16F}"/>
+              </a:ext>
+            </a:extLst>
+          </p:cNvPr>
+          <p:cNvPicPr>
+            <a:picLocks noChangeAspect="1"/>
+          </p:cNvPicPr>
+          <p:nvPr/>
+        </p:nvPicPr>
+        <p:blipFill>
+          <a:blip r:embed="rId3"/>
+          <a:stretch>
+            <a:fillRect/>
+          </a:stretch>
+        </p:blipFill>
+        <p:spPr>
+          <a:xfrm>
+            <a:off x="2023707" y="1426962"/>
+            <a:ext cx="5096586" cy="2867425"/>
+          </a:xfrm>
+          <a:prstGeom prst="rect">
+            <a:avLst/>
+          </a:prstGeom>
+        </p:spPr>
+      </p:pic>
+    </p:spTree>
+    <p:extLst>
+      <p:ext uri="{BB962C8B-B14F-4D97-AF65-F5344CB8AC3E}">
+        <p14:creationId xmlns:p14="http://schemas.microsoft.com/office/powerpoint/2010/main" val="192572254"/>
+      </p:ext>
+    </p:extLst>
+  </p:cSld>
+  <p:clrMapOvr>
+    <a:masterClrMapping/>
+  </p:clrMapOvr>
+</p:sld>
+</file>
+
+<file path=ppt/slides/slide11.xml><?xml version="1.0" encoding="utf-8"?>
+<p:sld xmlns:a="http://schemas.openxmlformats.org/drawingml/2006/main" xmlns:r="http://schemas.openxmlformats.org/officeDocument/2006/relationships" xmlns:p="http://schemas.openxmlformats.org/presentationml/2006/main">
+  <p:cSld>
+    <p:spTree>
+      <p:nvGrpSpPr>
         <p:cNvPr id="1" name="Shape 174"/>
         <p:cNvGrpSpPr/>
         <p:nvPr/>
@@ -10443,7 +10746,7 @@
 </p:sld>
 </file>
 
-<file path=ppt/slides/slide11.xml><?xml version="1.0" encoding="utf-8"?>
+<file path=ppt/slides/slide12.xml><?xml version="1.0" encoding="utf-8"?>
 <p:sld xmlns:a="http://schemas.openxmlformats.org/drawingml/2006/main" xmlns:r="http://schemas.openxmlformats.org/officeDocument/2006/relationships" xmlns:p="http://schemas.openxmlformats.org/presentationml/2006/main">
   <p:cSld>
     <p:spTree>
@@ -11691,7 +11994,13 @@
   <p:cSld>
     <p:spTree>
       <p:nvGrpSpPr>
-        <p:cNvPr id="1" name="Shape 110"/>
+        <p:cNvPr id="1" name="Shape 110">
+          <a:extLst>
+            <a:ext uri="{FF2B5EF4-FFF2-40B4-BE49-F238E27FC236}">
+              <a16:creationId xmlns:a16="http://schemas.microsoft.com/office/drawing/2014/main" id="{55B2BB6E-C373-1E1D-F857-22FE8AA4D8DC}"/>
+            </a:ext>
+          </a:extLst>
+        </p:cNvPr>
         <p:cNvGrpSpPr/>
         <p:nvPr/>
       </p:nvGrpSpPr>
@@ -11705,7 +12014,13 @@
       </p:grpSpPr>
       <p:sp>
         <p:nvSpPr>
-          <p:cNvPr id="111" name="Google Shape;111;p21"/>
+          <p:cNvPr id="111" name="Google Shape;111;p21">
+            <a:extLst>
+              <a:ext uri="{FF2B5EF4-FFF2-40B4-BE49-F238E27FC236}">
+                <a16:creationId xmlns:a16="http://schemas.microsoft.com/office/drawing/2014/main" id="{6269AD94-9BFF-C773-E944-9D0E58EEDAF4}"/>
+              </a:ext>
+            </a:extLst>
+          </p:cNvPr>
           <p:cNvSpPr txBox="1">
             <a:spLocks noGrp="1"/>
           </p:cNvSpPr>
@@ -11715,7 +12030,7 @@
         </p:nvSpPr>
         <p:spPr>
           <a:xfrm>
-            <a:off x="478324" y="-106907"/>
+            <a:off x="311700" y="161317"/>
             <a:ext cx="8520600" cy="572700"/>
           </a:xfrm>
           <a:prstGeom prst="rect">
@@ -11759,10 +12074,10 @@
       </p:sp>
       <p:graphicFrame>
         <p:nvGraphicFramePr>
-          <p:cNvPr id="5" name="Table 4">
+          <p:cNvPr id="6" name="Table 5">
             <a:extLst>
               <a:ext uri="{FF2B5EF4-FFF2-40B4-BE49-F238E27FC236}">
-                <a16:creationId xmlns:a16="http://schemas.microsoft.com/office/drawing/2014/main" id="{0E7D1C89-90FF-256F-3C11-E57BD2CF397B}"/>
+                <a16:creationId xmlns:a16="http://schemas.microsoft.com/office/drawing/2014/main" id="{F1E44A07-D774-4428-A6C7-8F55429B6C34}"/>
               </a:ext>
             </a:extLst>
           </p:cNvPr>
@@ -11772,4779 +12087,1611 @@
           <p:nvPr>
             <p:extLst>
               <p:ext uri="{D42A27DB-BD31-4B8C-83A1-F6EECF244321}">
-                <p14:modId xmlns:p14="http://schemas.microsoft.com/office/powerpoint/2010/main" val="2037062820"/>
+                <p14:modId xmlns:p14="http://schemas.microsoft.com/office/powerpoint/2010/main" val="1467198298"/>
               </p:ext>
             </p:extLst>
           </p:nvPr>
         </p:nvGraphicFramePr>
         <p:xfrm>
-          <a:off x="2" y="465793"/>
-          <a:ext cx="9143998" cy="4869180"/>
+          <a:off x="311700" y="846638"/>
+          <a:ext cx="8520600" cy="4069080"/>
         </p:xfrm>
         <a:graphic>
           <a:graphicData uri="http://schemas.openxmlformats.org/drawingml/2006/table">
             <a:tbl>
-              <a:tblPr firstRow="1" bandRow="1"/>
+              <a:tblPr firstRow="1" bandRow="1">
+                <a:tableStyleId>{37D83386-13FC-43DB-8499-5F42DD60CBE9}</a:tableStyleId>
+              </a:tblPr>
               <a:tblGrid>
-                <a:gridCol w="430712">
+                <a:gridCol w="634015">
                   <a:extLst>
                     <a:ext uri="{9D8B030D-6E8A-4147-A177-3AD203B41FA5}">
-                      <a16:colId xmlns:a16="http://schemas.microsoft.com/office/drawing/2014/main" val="3623881069"/>
+                      <a16:colId xmlns:a16="http://schemas.microsoft.com/office/drawing/2014/main" val="4202910363"/>
                     </a:ext>
                   </a:extLst>
                 </a:gridCol>
-                <a:gridCol w="1167459">
+                <a:gridCol w="1315233">
                   <a:extLst>
                     <a:ext uri="{9D8B030D-6E8A-4147-A177-3AD203B41FA5}">
-                      <a16:colId xmlns:a16="http://schemas.microsoft.com/office/drawing/2014/main" val="3774096984"/>
+                      <a16:colId xmlns:a16="http://schemas.microsoft.com/office/drawing/2014/main" val="2451810770"/>
                     </a:ext>
                   </a:extLst>
                 </a:gridCol>
-                <a:gridCol w="2040226">
+                <a:gridCol w="2311052">
                   <a:extLst>
                     <a:ext uri="{9D8B030D-6E8A-4147-A177-3AD203B41FA5}">
-                      <a16:colId xmlns:a16="http://schemas.microsoft.com/office/drawing/2014/main" val="3178700448"/>
+                      <a16:colId xmlns:a16="http://schemas.microsoft.com/office/drawing/2014/main" val="377651226"/>
                     </a:ext>
                   </a:extLst>
                 </a:gridCol>
-                <a:gridCol w="1088119">
+                <a:gridCol w="1033397">
                   <a:extLst>
                     <a:ext uri="{9D8B030D-6E8A-4147-A177-3AD203B41FA5}">
-                      <a16:colId xmlns:a16="http://schemas.microsoft.com/office/drawing/2014/main" val="3961306407"/>
+                      <a16:colId xmlns:a16="http://schemas.microsoft.com/office/drawing/2014/main" val="4030478309"/>
                     </a:ext>
                   </a:extLst>
                 </a:gridCol>
-                <a:gridCol w="1960884">
+                <a:gridCol w="1806803">
                   <a:extLst>
                     <a:ext uri="{9D8B030D-6E8A-4147-A177-3AD203B41FA5}">
-                      <a16:colId xmlns:a16="http://schemas.microsoft.com/office/drawing/2014/main" val="863529302"/>
+                      <a16:colId xmlns:a16="http://schemas.microsoft.com/office/drawing/2014/main" val="3300647693"/>
                     </a:ext>
                   </a:extLst>
                 </a:gridCol>
-                <a:gridCol w="2456598">
+                <a:gridCol w="1420100">
                   <a:extLst>
                     <a:ext uri="{9D8B030D-6E8A-4147-A177-3AD203B41FA5}">
-                      <a16:colId xmlns:a16="http://schemas.microsoft.com/office/drawing/2014/main" val="1344124095"/>
+                      <a16:colId xmlns:a16="http://schemas.microsoft.com/office/drawing/2014/main" val="101045522"/>
                     </a:ext>
                   </a:extLst>
                 </a:gridCol>
               </a:tblGrid>
-              <a:tr h="671517">
+              <a:tr h="0">
                 <a:tc>
                   <a:txBody>
                     <a:bodyPr/>
-                    <a:lstStyle>
-                      <a:lvl1pPr marL="0" algn="l" defTabSz="342900" rtl="0" eaLnBrk="1" latinLnBrk="0" hangingPunct="1">
-                        <a:defRPr sz="1350" b="1" kern="1200">
+                    <a:lstStyle/>
+                    <a:p>
+                      <a:pPr marL="0" marR="0" lvl="0" indent="0" algn="ctr" defTabSz="342900" rtl="0" eaLnBrk="1" fontAlgn="auto" latinLnBrk="0" hangingPunct="1">
+                        <a:lnSpc>
+                          <a:spcPct val="100000"/>
+                        </a:lnSpc>
+                        <a:spcBef>
+                          <a:spcPts val="0"/>
+                        </a:spcBef>
+                        <a:spcAft>
+                          <a:spcPts val="0"/>
+                        </a:spcAft>
+                        <a:buClrTx/>
+                        <a:buSzTx/>
+                        <a:buFontTx/>
+                        <a:buNone/>
+                        <a:tabLst/>
+                        <a:defRPr/>
+                      </a:pPr>
+                      <a:r>
+                        <a:rPr kumimoji="0" lang="en-US" sz="1350" b="1" i="0" u="none" strike="noStrike" kern="1200" cap="none" spc="0" normalizeH="0" baseline="0" noProof="0" dirty="0">
+                          <a:ln>
+                            <a:noFill/>
+                          </a:ln>
                           <a:solidFill>
-                            <a:schemeClr val="lt1"/>
+                            <a:prstClr val="black"/>
                           </a:solidFill>
-                          <a:latin typeface="Gill Sans MT" panose="020B0502020104020203"/>
-                        </a:defRPr>
-                      </a:lvl1pPr>
-                      <a:lvl2pPr marL="342900" algn="l" defTabSz="342900" rtl="0" eaLnBrk="1" latinLnBrk="0" hangingPunct="1">
-                        <a:defRPr sz="1350" b="1" kern="1200">
-                          <a:solidFill>
-                            <a:schemeClr val="lt1"/>
-                          </a:solidFill>
-                          <a:latin typeface="Gill Sans MT" panose="020B0502020104020203"/>
-                        </a:defRPr>
-                      </a:lvl2pPr>
-                      <a:lvl3pPr marL="685800" algn="l" defTabSz="342900" rtl="0" eaLnBrk="1" latinLnBrk="0" hangingPunct="1">
-                        <a:defRPr sz="1350" b="1" kern="1200">
-                          <a:solidFill>
-                            <a:schemeClr val="lt1"/>
-                          </a:solidFill>
-                          <a:latin typeface="Gill Sans MT" panose="020B0502020104020203"/>
-                        </a:defRPr>
-                      </a:lvl3pPr>
-                      <a:lvl4pPr marL="1028700" algn="l" defTabSz="342900" rtl="0" eaLnBrk="1" latinLnBrk="0" hangingPunct="1">
-                        <a:defRPr sz="1350" b="1" kern="1200">
-                          <a:solidFill>
-                            <a:schemeClr val="lt1"/>
-                          </a:solidFill>
-                          <a:latin typeface="Gill Sans MT" panose="020B0502020104020203"/>
-                        </a:defRPr>
-                      </a:lvl4pPr>
-                      <a:lvl5pPr marL="1371600" algn="l" defTabSz="342900" rtl="0" eaLnBrk="1" latinLnBrk="0" hangingPunct="1">
-                        <a:defRPr sz="1350" b="1" kern="1200">
-                          <a:solidFill>
-                            <a:schemeClr val="lt1"/>
-                          </a:solidFill>
-                          <a:latin typeface="Gill Sans MT" panose="020B0502020104020203"/>
-                        </a:defRPr>
-                      </a:lvl5pPr>
-                      <a:lvl6pPr marL="1714500" algn="l" defTabSz="342900" rtl="0" eaLnBrk="1" latinLnBrk="0" hangingPunct="1">
-                        <a:defRPr sz="1350" b="1" kern="1200">
-                          <a:solidFill>
-                            <a:schemeClr val="lt1"/>
-                          </a:solidFill>
-                          <a:latin typeface="Gill Sans MT" panose="020B0502020104020203"/>
-                        </a:defRPr>
-                      </a:lvl6pPr>
-                      <a:lvl7pPr marL="2057400" algn="l" defTabSz="342900" rtl="0" eaLnBrk="1" latinLnBrk="0" hangingPunct="1">
-                        <a:defRPr sz="1350" b="1" kern="1200">
-                          <a:solidFill>
-                            <a:schemeClr val="lt1"/>
-                          </a:solidFill>
-                          <a:latin typeface="Gill Sans MT" panose="020B0502020104020203"/>
-                        </a:defRPr>
-                      </a:lvl7pPr>
-                      <a:lvl8pPr marL="2400300" algn="l" defTabSz="342900" rtl="0" eaLnBrk="1" latinLnBrk="0" hangingPunct="1">
-                        <a:defRPr sz="1350" b="1" kern="1200">
-                          <a:solidFill>
-                            <a:schemeClr val="lt1"/>
-                          </a:solidFill>
-                          <a:latin typeface="Gill Sans MT" panose="020B0502020104020203"/>
-                        </a:defRPr>
-                      </a:lvl8pPr>
-                      <a:lvl9pPr marL="2743200" algn="l" defTabSz="342900" rtl="0" eaLnBrk="1" latinLnBrk="0" hangingPunct="1">
-                        <a:defRPr sz="1350" b="1" kern="1200">
-                          <a:solidFill>
-                            <a:schemeClr val="lt1"/>
-                          </a:solidFill>
-                          <a:latin typeface="Gill Sans MT" panose="020B0502020104020203"/>
-                        </a:defRPr>
-                      </a:lvl9pPr>
-                    </a:lstStyle>
-                    <a:p>
-                      <a:pPr algn="ctr"/>
-                      <a:r>
-                        <a:rPr lang="en-US" b="1" i="0">
-                          <a:solidFill>
-                            <a:schemeClr val="tx1"/>
-                          </a:solidFill>
+                          <a:effectLst/>
+                          <a:uLnTx/>
+                          <a:uFillTx/>
                           <a:latin typeface="Times New Roman" panose="02020603050405020304" pitchFamily="18" charset="0"/>
+                          <a:ea typeface="+mn-ea"/>
                           <a:cs typeface="Times New Roman" panose="02020603050405020304" pitchFamily="18" charset="0"/>
                         </a:rPr>
                         <a:t>Sr. No.</a:t>
                       </a:r>
                     </a:p>
+                    <a:p>
+                      <a:endParaRPr lang="en-IN" dirty="0"/>
+                    </a:p>
                   </a:txBody>
-                  <a:tcPr anchor="ctr">
-                    <a:lnL w="12700">
-                      <a:solidFill>
-                        <a:sysClr val="windowText" lastClr="000000"/>
-                      </a:solidFill>
-                    </a:lnL>
-                    <a:lnR w="12700">
-                      <a:solidFill>
-                        <a:sysClr val="windowText" lastClr="000000"/>
-                      </a:solidFill>
-                    </a:lnR>
-                    <a:lnT w="12700">
-                      <a:solidFill>
-                        <a:sysClr val="windowText" lastClr="000000"/>
-                      </a:solidFill>
-                    </a:lnT>
-                    <a:lnB w="12700">
-                      <a:solidFill>
-                        <a:sysClr val="windowText" lastClr="000000"/>
-                      </a:solidFill>
-                    </a:lnB>
-                    <a:lnTlToBr w="12700" cmpd="sng">
-                      <a:noFill/>
-                      <a:prstDash val="solid"/>
-                    </a:lnTlToBr>
-                    <a:lnBlToTr w="12700" cmpd="sng">
-                      <a:noFill/>
-                      <a:prstDash val="solid"/>
-                    </a:lnBlToTr>
-                    <a:solidFill>
-                      <a:srgbClr val="EBEBEB">
-                        <a:lumMod val="90000"/>
-                      </a:srgbClr>
-                    </a:solidFill>
-                  </a:tcPr>
+                  <a:tcPr/>
                 </a:tc>
                 <a:tc>
                   <a:txBody>
                     <a:bodyPr/>
-                    <a:lstStyle>
-                      <a:lvl1pPr marL="0" algn="l" defTabSz="342900" rtl="0" eaLnBrk="1" latinLnBrk="0" hangingPunct="1">
-                        <a:defRPr sz="1350" b="1" kern="1200">
+                    <a:lstStyle/>
+                    <a:p>
+                      <a:pPr marL="0" marR="0" lvl="0" indent="0" algn="ctr" defTabSz="342900" rtl="0" eaLnBrk="1" fontAlgn="auto" latinLnBrk="0" hangingPunct="1">
+                        <a:lnSpc>
+                          <a:spcPct val="100000"/>
+                        </a:lnSpc>
+                        <a:spcBef>
+                          <a:spcPts val="0"/>
+                        </a:spcBef>
+                        <a:spcAft>
+                          <a:spcPts val="0"/>
+                        </a:spcAft>
+                        <a:buClrTx/>
+                        <a:buSzTx/>
+                        <a:buFontTx/>
+                        <a:buNone/>
+                        <a:tabLst/>
+                        <a:defRPr/>
+                      </a:pPr>
+                      <a:r>
+                        <a:rPr kumimoji="0" lang="en-US" sz="1350" b="1" i="0" u="none" strike="noStrike" kern="1200" cap="none" spc="0" normalizeH="0" baseline="0" noProof="0" dirty="0">
+                          <a:ln>
+                            <a:noFill/>
+                          </a:ln>
                           <a:solidFill>
-                            <a:schemeClr val="lt1"/>
+                            <a:prstClr val="black"/>
                           </a:solidFill>
-                          <a:latin typeface="Gill Sans MT" panose="020B0502020104020203"/>
-                        </a:defRPr>
-                      </a:lvl1pPr>
-                      <a:lvl2pPr marL="342900" algn="l" defTabSz="342900" rtl="0" eaLnBrk="1" latinLnBrk="0" hangingPunct="1">
-                        <a:defRPr sz="1350" b="1" kern="1200">
-                          <a:solidFill>
-                            <a:schemeClr val="lt1"/>
-                          </a:solidFill>
-                          <a:latin typeface="Gill Sans MT" panose="020B0502020104020203"/>
-                        </a:defRPr>
-                      </a:lvl2pPr>
-                      <a:lvl3pPr marL="685800" algn="l" defTabSz="342900" rtl="0" eaLnBrk="1" latinLnBrk="0" hangingPunct="1">
-                        <a:defRPr sz="1350" b="1" kern="1200">
-                          <a:solidFill>
-                            <a:schemeClr val="lt1"/>
-                          </a:solidFill>
-                          <a:latin typeface="Gill Sans MT" panose="020B0502020104020203"/>
-                        </a:defRPr>
-                      </a:lvl3pPr>
-                      <a:lvl4pPr marL="1028700" algn="l" defTabSz="342900" rtl="0" eaLnBrk="1" latinLnBrk="0" hangingPunct="1">
-                        <a:defRPr sz="1350" b="1" kern="1200">
-                          <a:solidFill>
-                            <a:schemeClr val="lt1"/>
-                          </a:solidFill>
-                          <a:latin typeface="Gill Sans MT" panose="020B0502020104020203"/>
-                        </a:defRPr>
-                      </a:lvl4pPr>
-                      <a:lvl5pPr marL="1371600" algn="l" defTabSz="342900" rtl="0" eaLnBrk="1" latinLnBrk="0" hangingPunct="1">
-                        <a:defRPr sz="1350" b="1" kern="1200">
-                          <a:solidFill>
-                            <a:schemeClr val="lt1"/>
-                          </a:solidFill>
-                          <a:latin typeface="Gill Sans MT" panose="020B0502020104020203"/>
-                        </a:defRPr>
-                      </a:lvl5pPr>
-                      <a:lvl6pPr marL="1714500" algn="l" defTabSz="342900" rtl="0" eaLnBrk="1" latinLnBrk="0" hangingPunct="1">
-                        <a:defRPr sz="1350" b="1" kern="1200">
-                          <a:solidFill>
-                            <a:schemeClr val="lt1"/>
-                          </a:solidFill>
-                          <a:latin typeface="Gill Sans MT" panose="020B0502020104020203"/>
-                        </a:defRPr>
-                      </a:lvl6pPr>
-                      <a:lvl7pPr marL="2057400" algn="l" defTabSz="342900" rtl="0" eaLnBrk="1" latinLnBrk="0" hangingPunct="1">
-                        <a:defRPr sz="1350" b="1" kern="1200">
-                          <a:solidFill>
-                            <a:schemeClr val="lt1"/>
-                          </a:solidFill>
-                          <a:latin typeface="Gill Sans MT" panose="020B0502020104020203"/>
-                        </a:defRPr>
-                      </a:lvl7pPr>
-                      <a:lvl8pPr marL="2400300" algn="l" defTabSz="342900" rtl="0" eaLnBrk="1" latinLnBrk="0" hangingPunct="1">
-                        <a:defRPr sz="1350" b="1" kern="1200">
-                          <a:solidFill>
-                            <a:schemeClr val="lt1"/>
-                          </a:solidFill>
-                          <a:latin typeface="Gill Sans MT" panose="020B0502020104020203"/>
-                        </a:defRPr>
-                      </a:lvl8pPr>
-                      <a:lvl9pPr marL="2743200" algn="l" defTabSz="342900" rtl="0" eaLnBrk="1" latinLnBrk="0" hangingPunct="1">
-                        <a:defRPr sz="1350" b="1" kern="1200">
-                          <a:solidFill>
-                            <a:schemeClr val="lt1"/>
-                          </a:solidFill>
-                          <a:latin typeface="Gill Sans MT" panose="020B0502020104020203"/>
-                        </a:defRPr>
-                      </a:lvl9pPr>
-                    </a:lstStyle>
-                    <a:p>
-                      <a:pPr algn="ctr"/>
-                      <a:r>
-                        <a:rPr lang="en-US" b="1" i="0" dirty="0">
-                          <a:solidFill>
-                            <a:schemeClr val="tx1"/>
-                          </a:solidFill>
+                          <a:effectLst/>
+                          <a:uLnTx/>
+                          <a:uFillTx/>
                           <a:latin typeface="Times New Roman" panose="02020603050405020304" pitchFamily="18" charset="0"/>
+                          <a:ea typeface="+mn-ea"/>
                           <a:cs typeface="Times New Roman" panose="02020603050405020304" pitchFamily="18" charset="0"/>
                         </a:rPr>
                         <a:t>Authors</a:t>
                       </a:r>
                     </a:p>
+                    <a:p>
+                      <a:endParaRPr lang="en-IN" dirty="0"/>
+                    </a:p>
                   </a:txBody>
-                  <a:tcPr anchor="ctr">
-                    <a:lnL w="12700">
-                      <a:solidFill>
-                        <a:sysClr val="windowText" lastClr="000000"/>
-                      </a:solidFill>
-                    </a:lnL>
-                    <a:lnR w="12700">
-                      <a:solidFill>
-                        <a:sysClr val="windowText" lastClr="000000"/>
-                      </a:solidFill>
-                    </a:lnR>
-                    <a:lnT w="12700">
-                      <a:solidFill>
-                        <a:sysClr val="windowText" lastClr="000000"/>
-                      </a:solidFill>
-                    </a:lnT>
-                    <a:lnB w="12700">
-                      <a:solidFill>
-                        <a:sysClr val="windowText" lastClr="000000"/>
-                      </a:solidFill>
-                    </a:lnB>
-                    <a:lnTlToBr w="12700" cmpd="sng">
-                      <a:noFill/>
-                      <a:prstDash val="solid"/>
-                    </a:lnTlToBr>
-                    <a:lnBlToTr w="12700" cmpd="sng">
-                      <a:noFill/>
-                      <a:prstDash val="solid"/>
-                    </a:lnBlToTr>
-                    <a:solidFill>
-                      <a:srgbClr val="EBEBEB">
-                        <a:lumMod val="90000"/>
-                      </a:srgbClr>
-                    </a:solidFill>
-                  </a:tcPr>
+                  <a:tcPr/>
                 </a:tc>
                 <a:tc>
                   <a:txBody>
                     <a:bodyPr/>
-                    <a:lstStyle>
-                      <a:lvl1pPr marL="0" algn="l" defTabSz="342900" rtl="0" eaLnBrk="1" latinLnBrk="0" hangingPunct="1">
-                        <a:defRPr sz="1350" b="1" kern="1200">
+                    <a:lstStyle/>
+                    <a:p>
+                      <a:pPr marL="0" marR="0" lvl="0" indent="0" algn="ctr" defTabSz="342900" rtl="0" eaLnBrk="1" fontAlgn="auto" latinLnBrk="0" hangingPunct="1">
+                        <a:lnSpc>
+                          <a:spcPct val="100000"/>
+                        </a:lnSpc>
+                        <a:spcBef>
+                          <a:spcPts val="0"/>
+                        </a:spcBef>
+                        <a:spcAft>
+                          <a:spcPts val="0"/>
+                        </a:spcAft>
+                        <a:buClrTx/>
+                        <a:buSzTx/>
+                        <a:buFontTx/>
+                        <a:buNone/>
+                        <a:tabLst/>
+                        <a:defRPr/>
+                      </a:pPr>
+                      <a:r>
+                        <a:rPr kumimoji="0" lang="en-US" sz="1350" b="1" i="0" u="none" strike="noStrike" kern="1200" cap="none" spc="0" normalizeH="0" baseline="0" noProof="0" dirty="0">
+                          <a:ln>
+                            <a:noFill/>
+                          </a:ln>
                           <a:solidFill>
-                            <a:schemeClr val="lt1"/>
+                            <a:prstClr val="black"/>
                           </a:solidFill>
-                          <a:latin typeface="Gill Sans MT" panose="020B0502020104020203"/>
-                        </a:defRPr>
-                      </a:lvl1pPr>
-                      <a:lvl2pPr marL="342900" algn="l" defTabSz="342900" rtl="0" eaLnBrk="1" latinLnBrk="0" hangingPunct="1">
-                        <a:defRPr sz="1350" b="1" kern="1200">
-                          <a:solidFill>
-                            <a:schemeClr val="lt1"/>
-                          </a:solidFill>
-                          <a:latin typeface="Gill Sans MT" panose="020B0502020104020203"/>
-                        </a:defRPr>
-                      </a:lvl2pPr>
-                      <a:lvl3pPr marL="685800" algn="l" defTabSz="342900" rtl="0" eaLnBrk="1" latinLnBrk="0" hangingPunct="1">
-                        <a:defRPr sz="1350" b="1" kern="1200">
-                          <a:solidFill>
-                            <a:schemeClr val="lt1"/>
-                          </a:solidFill>
-                          <a:latin typeface="Gill Sans MT" panose="020B0502020104020203"/>
-                        </a:defRPr>
-                      </a:lvl3pPr>
-                      <a:lvl4pPr marL="1028700" algn="l" defTabSz="342900" rtl="0" eaLnBrk="1" latinLnBrk="0" hangingPunct="1">
-                        <a:defRPr sz="1350" b="1" kern="1200">
-                          <a:solidFill>
-                            <a:schemeClr val="lt1"/>
-                          </a:solidFill>
-                          <a:latin typeface="Gill Sans MT" panose="020B0502020104020203"/>
-                        </a:defRPr>
-                      </a:lvl4pPr>
-                      <a:lvl5pPr marL="1371600" algn="l" defTabSz="342900" rtl="0" eaLnBrk="1" latinLnBrk="0" hangingPunct="1">
-                        <a:defRPr sz="1350" b="1" kern="1200">
-                          <a:solidFill>
-                            <a:schemeClr val="lt1"/>
-                          </a:solidFill>
-                          <a:latin typeface="Gill Sans MT" panose="020B0502020104020203"/>
-                        </a:defRPr>
-                      </a:lvl5pPr>
-                      <a:lvl6pPr marL="1714500" algn="l" defTabSz="342900" rtl="0" eaLnBrk="1" latinLnBrk="0" hangingPunct="1">
-                        <a:defRPr sz="1350" b="1" kern="1200">
-                          <a:solidFill>
-                            <a:schemeClr val="lt1"/>
-                          </a:solidFill>
-                          <a:latin typeface="Gill Sans MT" panose="020B0502020104020203"/>
-                        </a:defRPr>
-                      </a:lvl6pPr>
-                      <a:lvl7pPr marL="2057400" algn="l" defTabSz="342900" rtl="0" eaLnBrk="1" latinLnBrk="0" hangingPunct="1">
-                        <a:defRPr sz="1350" b="1" kern="1200">
-                          <a:solidFill>
-                            <a:schemeClr val="lt1"/>
-                          </a:solidFill>
-                          <a:latin typeface="Gill Sans MT" panose="020B0502020104020203"/>
-                        </a:defRPr>
-                      </a:lvl7pPr>
-                      <a:lvl8pPr marL="2400300" algn="l" defTabSz="342900" rtl="0" eaLnBrk="1" latinLnBrk="0" hangingPunct="1">
-                        <a:defRPr sz="1350" b="1" kern="1200">
-                          <a:solidFill>
-                            <a:schemeClr val="lt1"/>
-                          </a:solidFill>
-                          <a:latin typeface="Gill Sans MT" panose="020B0502020104020203"/>
-                        </a:defRPr>
-                      </a:lvl8pPr>
-                      <a:lvl9pPr marL="2743200" algn="l" defTabSz="342900" rtl="0" eaLnBrk="1" latinLnBrk="0" hangingPunct="1">
-                        <a:defRPr sz="1350" b="1" kern="1200">
-                          <a:solidFill>
-                            <a:schemeClr val="lt1"/>
-                          </a:solidFill>
-                          <a:latin typeface="Gill Sans MT" panose="020B0502020104020203"/>
-                        </a:defRPr>
-                      </a:lvl9pPr>
-                    </a:lstStyle>
-                    <a:p>
-                      <a:pPr algn="ctr"/>
-                      <a:r>
-                        <a:rPr lang="en-US" b="1" i="0">
-                          <a:solidFill>
-                            <a:schemeClr val="tx1"/>
-                          </a:solidFill>
+                          <a:effectLst/>
+                          <a:uLnTx/>
+                          <a:uFillTx/>
                           <a:latin typeface="Times New Roman" panose="02020603050405020304" pitchFamily="18" charset="0"/>
+                          <a:ea typeface="+mn-ea"/>
                           <a:cs typeface="Times New Roman" panose="02020603050405020304" pitchFamily="18" charset="0"/>
                         </a:rPr>
                         <a:t>Name of the paper</a:t>
                       </a:r>
                     </a:p>
+                    <a:p>
+                      <a:endParaRPr lang="en-IN" dirty="0"/>
+                    </a:p>
                   </a:txBody>
-                  <a:tcPr anchor="ctr">
-                    <a:lnL w="12700">
-                      <a:solidFill>
-                        <a:sysClr val="windowText" lastClr="000000"/>
-                      </a:solidFill>
-                    </a:lnL>
-                    <a:lnR w="12700">
-                      <a:solidFill>
-                        <a:sysClr val="windowText" lastClr="000000"/>
-                      </a:solidFill>
-                    </a:lnR>
-                    <a:lnT w="12700">
-                      <a:solidFill>
-                        <a:sysClr val="windowText" lastClr="000000"/>
-                      </a:solidFill>
-                    </a:lnT>
-                    <a:lnB w="12700">
-                      <a:solidFill>
-                        <a:sysClr val="windowText" lastClr="000000"/>
-                      </a:solidFill>
-                    </a:lnB>
-                    <a:lnTlToBr w="12700" cmpd="sng">
-                      <a:noFill/>
-                      <a:prstDash val="solid"/>
-                    </a:lnTlToBr>
-                    <a:lnBlToTr w="12700" cmpd="sng">
-                      <a:noFill/>
-                      <a:prstDash val="solid"/>
-                    </a:lnBlToTr>
-                    <a:solidFill>
-                      <a:srgbClr val="EBEBEB">
-                        <a:lumMod val="90000"/>
-                      </a:srgbClr>
-                    </a:solidFill>
-                  </a:tcPr>
+                  <a:tcPr/>
                 </a:tc>
                 <a:tc>
                   <a:txBody>
                     <a:bodyPr/>
-                    <a:lstStyle>
-                      <a:lvl1pPr marL="0" algn="l" defTabSz="342900" rtl="0" eaLnBrk="1" latinLnBrk="0" hangingPunct="1">
-                        <a:defRPr sz="1350" b="1" kern="1200">
+                    <a:lstStyle/>
+                    <a:p>
+                      <a:pPr marL="0" marR="0" lvl="0" indent="0" algn="ctr" defTabSz="342900" rtl="0" eaLnBrk="1" fontAlgn="auto" latinLnBrk="0" hangingPunct="1">
+                        <a:lnSpc>
+                          <a:spcPct val="100000"/>
+                        </a:lnSpc>
+                        <a:spcBef>
+                          <a:spcPts val="0"/>
+                        </a:spcBef>
+                        <a:spcAft>
+                          <a:spcPts val="0"/>
+                        </a:spcAft>
+                        <a:buClrTx/>
+                        <a:buSzTx/>
+                        <a:buFontTx/>
+                        <a:buNone/>
+                        <a:tabLst/>
+                        <a:defRPr/>
+                      </a:pPr>
+                      <a:r>
+                        <a:rPr kumimoji="0" lang="en-US" sz="1350" b="1" i="0" u="none" strike="noStrike" kern="1200" cap="none" spc="0" normalizeH="0" baseline="0" noProof="0" dirty="0">
+                          <a:ln>
+                            <a:noFill/>
+                          </a:ln>
                           <a:solidFill>
-                            <a:schemeClr val="lt1"/>
+                            <a:prstClr val="black"/>
                           </a:solidFill>
-                          <a:latin typeface="Gill Sans MT" panose="020B0502020104020203"/>
-                        </a:defRPr>
-                      </a:lvl1pPr>
-                      <a:lvl2pPr marL="342900" algn="l" defTabSz="342900" rtl="0" eaLnBrk="1" latinLnBrk="0" hangingPunct="1">
-                        <a:defRPr sz="1350" b="1" kern="1200">
-                          <a:solidFill>
-                            <a:schemeClr val="lt1"/>
-                          </a:solidFill>
-                          <a:latin typeface="Gill Sans MT" panose="020B0502020104020203"/>
-                        </a:defRPr>
-                      </a:lvl2pPr>
-                      <a:lvl3pPr marL="685800" algn="l" defTabSz="342900" rtl="0" eaLnBrk="1" latinLnBrk="0" hangingPunct="1">
-                        <a:defRPr sz="1350" b="1" kern="1200">
-                          <a:solidFill>
-                            <a:schemeClr val="lt1"/>
-                          </a:solidFill>
-                          <a:latin typeface="Gill Sans MT" panose="020B0502020104020203"/>
-                        </a:defRPr>
-                      </a:lvl3pPr>
-                      <a:lvl4pPr marL="1028700" algn="l" defTabSz="342900" rtl="0" eaLnBrk="1" latinLnBrk="0" hangingPunct="1">
-                        <a:defRPr sz="1350" b="1" kern="1200">
-                          <a:solidFill>
-                            <a:schemeClr val="lt1"/>
-                          </a:solidFill>
-                          <a:latin typeface="Gill Sans MT" panose="020B0502020104020203"/>
-                        </a:defRPr>
-                      </a:lvl4pPr>
-                      <a:lvl5pPr marL="1371600" algn="l" defTabSz="342900" rtl="0" eaLnBrk="1" latinLnBrk="0" hangingPunct="1">
-                        <a:defRPr sz="1350" b="1" kern="1200">
-                          <a:solidFill>
-                            <a:schemeClr val="lt1"/>
-                          </a:solidFill>
-                          <a:latin typeface="Gill Sans MT" panose="020B0502020104020203"/>
-                        </a:defRPr>
-                      </a:lvl5pPr>
-                      <a:lvl6pPr marL="1714500" algn="l" defTabSz="342900" rtl="0" eaLnBrk="1" latinLnBrk="0" hangingPunct="1">
-                        <a:defRPr sz="1350" b="1" kern="1200">
-                          <a:solidFill>
-                            <a:schemeClr val="lt1"/>
-                          </a:solidFill>
-                          <a:latin typeface="Gill Sans MT" panose="020B0502020104020203"/>
-                        </a:defRPr>
-                      </a:lvl6pPr>
-                      <a:lvl7pPr marL="2057400" algn="l" defTabSz="342900" rtl="0" eaLnBrk="1" latinLnBrk="0" hangingPunct="1">
-                        <a:defRPr sz="1350" b="1" kern="1200">
-                          <a:solidFill>
-                            <a:schemeClr val="lt1"/>
-                          </a:solidFill>
-                          <a:latin typeface="Gill Sans MT" panose="020B0502020104020203"/>
-                        </a:defRPr>
-                      </a:lvl7pPr>
-                      <a:lvl8pPr marL="2400300" algn="l" defTabSz="342900" rtl="0" eaLnBrk="1" latinLnBrk="0" hangingPunct="1">
-                        <a:defRPr sz="1350" b="1" kern="1200">
-                          <a:solidFill>
-                            <a:schemeClr val="lt1"/>
-                          </a:solidFill>
-                          <a:latin typeface="Gill Sans MT" panose="020B0502020104020203"/>
-                        </a:defRPr>
-                      </a:lvl8pPr>
-                      <a:lvl9pPr marL="2743200" algn="l" defTabSz="342900" rtl="0" eaLnBrk="1" latinLnBrk="0" hangingPunct="1">
-                        <a:defRPr sz="1350" b="1" kern="1200">
-                          <a:solidFill>
-                            <a:schemeClr val="lt1"/>
-                          </a:solidFill>
-                          <a:latin typeface="Gill Sans MT" panose="020B0502020104020203"/>
-                        </a:defRPr>
-                      </a:lvl9pPr>
-                    </a:lstStyle>
-                    <a:p>
-                      <a:pPr algn="ctr"/>
-                      <a:r>
-                        <a:rPr lang="en-US" b="1" i="0" dirty="0">
-                          <a:solidFill>
-                            <a:schemeClr val="tx1"/>
-                          </a:solidFill>
+                          <a:effectLst/>
+                          <a:uLnTx/>
+                          <a:uFillTx/>
                           <a:latin typeface="Times New Roman" panose="02020603050405020304" pitchFamily="18" charset="0"/>
+                          <a:ea typeface="+mn-ea"/>
                           <a:cs typeface="Times New Roman" panose="02020603050405020304" pitchFamily="18" charset="0"/>
                         </a:rPr>
                         <a:t>Year of Publication</a:t>
                       </a:r>
                     </a:p>
+                    <a:p>
+                      <a:endParaRPr lang="en-IN" dirty="0"/>
+                    </a:p>
                   </a:txBody>
-                  <a:tcPr anchor="ctr">
-                    <a:lnL w="12700">
-                      <a:solidFill>
-                        <a:sysClr val="windowText" lastClr="000000"/>
-                      </a:solidFill>
-                    </a:lnL>
-                    <a:lnR w="12700">
-                      <a:solidFill>
-                        <a:sysClr val="windowText" lastClr="000000"/>
-                      </a:solidFill>
-                    </a:lnR>
-                    <a:lnT w="12700">
-                      <a:solidFill>
-                        <a:sysClr val="windowText" lastClr="000000"/>
-                      </a:solidFill>
-                    </a:lnT>
-                    <a:lnB w="12700">
-                      <a:solidFill>
-                        <a:sysClr val="windowText" lastClr="000000"/>
-                      </a:solidFill>
-                    </a:lnB>
-                    <a:lnTlToBr w="12700" cmpd="sng">
-                      <a:noFill/>
-                      <a:prstDash val="solid"/>
-                    </a:lnTlToBr>
-                    <a:lnBlToTr w="12700" cmpd="sng">
-                      <a:noFill/>
-                      <a:prstDash val="solid"/>
-                    </a:lnBlToTr>
-                    <a:solidFill>
-                      <a:srgbClr val="EBEBEB">
-                        <a:lumMod val="90000"/>
-                      </a:srgbClr>
-                    </a:solidFill>
-                  </a:tcPr>
+                  <a:tcPr/>
                 </a:tc>
                 <a:tc>
                   <a:txBody>
                     <a:bodyPr/>
-                    <a:lstStyle>
-                      <a:lvl1pPr marL="0" algn="l" defTabSz="342900" rtl="0" eaLnBrk="1" latinLnBrk="0" hangingPunct="1">
-                        <a:defRPr sz="1350" b="1" kern="1200">
+                    <a:lstStyle/>
+                    <a:p>
+                      <a:pPr marL="0" marR="0" lvl="0" indent="0" algn="ctr" defTabSz="342900" rtl="0" eaLnBrk="1" fontAlgn="auto" latinLnBrk="0" hangingPunct="1">
+                        <a:lnSpc>
+                          <a:spcPct val="100000"/>
+                        </a:lnSpc>
+                        <a:spcBef>
+                          <a:spcPts val="0"/>
+                        </a:spcBef>
+                        <a:spcAft>
+                          <a:spcPts val="0"/>
+                        </a:spcAft>
+                        <a:buClrTx/>
+                        <a:buSzTx/>
+                        <a:buFontTx/>
+                        <a:buNone/>
+                        <a:tabLst/>
+                        <a:defRPr/>
+                      </a:pPr>
+                      <a:r>
+                        <a:rPr kumimoji="0" lang="en-US" sz="1350" b="1" i="0" u="none" strike="noStrike" kern="1200" cap="none" spc="0" normalizeH="0" baseline="0" noProof="0" dirty="0">
+                          <a:ln>
+                            <a:noFill/>
+                          </a:ln>
                           <a:solidFill>
-                            <a:schemeClr val="lt1"/>
+                            <a:prstClr val="black"/>
                           </a:solidFill>
-                          <a:latin typeface="Gill Sans MT" panose="020B0502020104020203"/>
-                        </a:defRPr>
-                      </a:lvl1pPr>
-                      <a:lvl2pPr marL="342900" algn="l" defTabSz="342900" rtl="0" eaLnBrk="1" latinLnBrk="0" hangingPunct="1">
-                        <a:defRPr sz="1350" b="1" kern="1200">
-                          <a:solidFill>
-                            <a:schemeClr val="lt1"/>
-                          </a:solidFill>
-                          <a:latin typeface="Gill Sans MT" panose="020B0502020104020203"/>
-                        </a:defRPr>
-                      </a:lvl2pPr>
-                      <a:lvl3pPr marL="685800" algn="l" defTabSz="342900" rtl="0" eaLnBrk="1" latinLnBrk="0" hangingPunct="1">
-                        <a:defRPr sz="1350" b="1" kern="1200">
-                          <a:solidFill>
-                            <a:schemeClr val="lt1"/>
-                          </a:solidFill>
-                          <a:latin typeface="Gill Sans MT" panose="020B0502020104020203"/>
-                        </a:defRPr>
-                      </a:lvl3pPr>
-                      <a:lvl4pPr marL="1028700" algn="l" defTabSz="342900" rtl="0" eaLnBrk="1" latinLnBrk="0" hangingPunct="1">
-                        <a:defRPr sz="1350" b="1" kern="1200">
-                          <a:solidFill>
-                            <a:schemeClr val="lt1"/>
-                          </a:solidFill>
-                          <a:latin typeface="Gill Sans MT" panose="020B0502020104020203"/>
-                        </a:defRPr>
-                      </a:lvl4pPr>
-                      <a:lvl5pPr marL="1371600" algn="l" defTabSz="342900" rtl="0" eaLnBrk="1" latinLnBrk="0" hangingPunct="1">
-                        <a:defRPr sz="1350" b="1" kern="1200">
-                          <a:solidFill>
-                            <a:schemeClr val="lt1"/>
-                          </a:solidFill>
-                          <a:latin typeface="Gill Sans MT" panose="020B0502020104020203"/>
-                        </a:defRPr>
-                      </a:lvl5pPr>
-                      <a:lvl6pPr marL="1714500" algn="l" defTabSz="342900" rtl="0" eaLnBrk="1" latinLnBrk="0" hangingPunct="1">
-                        <a:defRPr sz="1350" b="1" kern="1200">
-                          <a:solidFill>
-                            <a:schemeClr val="lt1"/>
-                          </a:solidFill>
-                          <a:latin typeface="Gill Sans MT" panose="020B0502020104020203"/>
-                        </a:defRPr>
-                      </a:lvl6pPr>
-                      <a:lvl7pPr marL="2057400" algn="l" defTabSz="342900" rtl="0" eaLnBrk="1" latinLnBrk="0" hangingPunct="1">
-                        <a:defRPr sz="1350" b="1" kern="1200">
-                          <a:solidFill>
-                            <a:schemeClr val="lt1"/>
-                          </a:solidFill>
-                          <a:latin typeface="Gill Sans MT" panose="020B0502020104020203"/>
-                        </a:defRPr>
-                      </a:lvl7pPr>
-                      <a:lvl8pPr marL="2400300" algn="l" defTabSz="342900" rtl="0" eaLnBrk="1" latinLnBrk="0" hangingPunct="1">
-                        <a:defRPr sz="1350" b="1" kern="1200">
-                          <a:solidFill>
-                            <a:schemeClr val="lt1"/>
-                          </a:solidFill>
-                          <a:latin typeface="Gill Sans MT" panose="020B0502020104020203"/>
-                        </a:defRPr>
-                      </a:lvl8pPr>
-                      <a:lvl9pPr marL="2743200" algn="l" defTabSz="342900" rtl="0" eaLnBrk="1" latinLnBrk="0" hangingPunct="1">
-                        <a:defRPr sz="1350" b="1" kern="1200">
-                          <a:solidFill>
-                            <a:schemeClr val="lt1"/>
-                          </a:solidFill>
-                          <a:latin typeface="Gill Sans MT" panose="020B0502020104020203"/>
-                        </a:defRPr>
-                      </a:lvl9pPr>
-                    </a:lstStyle>
-                    <a:p>
-                      <a:pPr algn="ctr"/>
-                      <a:r>
-                        <a:rPr lang="en-US" b="1" i="0" dirty="0">
-                          <a:solidFill>
-                            <a:schemeClr val="tx1"/>
-                          </a:solidFill>
+                          <a:effectLst/>
+                          <a:uLnTx/>
+                          <a:uFillTx/>
                           <a:latin typeface="Times New Roman" panose="02020603050405020304" pitchFamily="18" charset="0"/>
+                          <a:ea typeface="+mn-ea"/>
                           <a:cs typeface="Times New Roman" panose="02020603050405020304" pitchFamily="18" charset="0"/>
                         </a:rPr>
                         <a:t>Description</a:t>
                       </a:r>
                     </a:p>
+                    <a:p>
+                      <a:endParaRPr lang="en-IN" dirty="0"/>
+                    </a:p>
                   </a:txBody>
-                  <a:tcPr anchor="ctr">
-                    <a:lnL w="12700">
-                      <a:solidFill>
-                        <a:sysClr val="windowText" lastClr="000000"/>
-                      </a:solidFill>
-                    </a:lnL>
-                    <a:lnR w="12700">
-                      <a:solidFill>
-                        <a:sysClr val="windowText" lastClr="000000"/>
-                      </a:solidFill>
-                    </a:lnR>
-                    <a:lnT w="12700">
-                      <a:solidFill>
-                        <a:sysClr val="windowText" lastClr="000000"/>
-                      </a:solidFill>
-                    </a:lnT>
-                    <a:lnB w="12700">
-                      <a:solidFill>
-                        <a:sysClr val="windowText" lastClr="000000"/>
-                      </a:solidFill>
-                    </a:lnB>
-                    <a:lnTlToBr w="12700" cmpd="sng">
-                      <a:noFill/>
-                      <a:prstDash val="solid"/>
-                    </a:lnTlToBr>
-                    <a:lnBlToTr w="12700" cmpd="sng">
-                      <a:noFill/>
-                      <a:prstDash val="solid"/>
-                    </a:lnBlToTr>
-                    <a:solidFill>
-                      <a:srgbClr val="EBEBEB">
-                        <a:lumMod val="90000"/>
-                      </a:srgbClr>
-                    </a:solidFill>
-                  </a:tcPr>
+                  <a:tcPr/>
                 </a:tc>
                 <a:tc>
                   <a:txBody>
                     <a:bodyPr/>
-                    <a:lstStyle>
-                      <a:lvl1pPr marL="0" algn="l" defTabSz="342900" rtl="0" eaLnBrk="1" latinLnBrk="0" hangingPunct="1">
-                        <a:defRPr sz="1350" b="1" kern="1200">
+                    <a:lstStyle/>
+                    <a:p>
+                      <a:pPr marL="0" marR="0" lvl="0" indent="0" algn="ctr" defTabSz="342900" rtl="0" eaLnBrk="1" fontAlgn="auto" latinLnBrk="0" hangingPunct="1">
+                        <a:lnSpc>
+                          <a:spcPct val="100000"/>
+                        </a:lnSpc>
+                        <a:spcBef>
+                          <a:spcPts val="0"/>
+                        </a:spcBef>
+                        <a:spcAft>
+                          <a:spcPts val="0"/>
+                        </a:spcAft>
+                        <a:buClrTx/>
+                        <a:buSzTx/>
+                        <a:buFontTx/>
+                        <a:buNone/>
+                        <a:tabLst/>
+                        <a:defRPr/>
+                      </a:pPr>
+                      <a:r>
+                        <a:rPr kumimoji="0" lang="en-US" sz="1350" b="1" i="0" u="none" strike="noStrike" kern="1200" cap="none" spc="0" normalizeH="0" baseline="0" noProof="0" dirty="0">
+                          <a:ln>
+                            <a:noFill/>
+                          </a:ln>
                           <a:solidFill>
-                            <a:schemeClr val="lt1"/>
+                            <a:prstClr val="black"/>
                           </a:solidFill>
-                          <a:latin typeface="Gill Sans MT" panose="020B0502020104020203"/>
-                        </a:defRPr>
-                      </a:lvl1pPr>
-                      <a:lvl2pPr marL="342900" algn="l" defTabSz="342900" rtl="0" eaLnBrk="1" latinLnBrk="0" hangingPunct="1">
-                        <a:defRPr sz="1350" b="1" kern="1200">
-                          <a:solidFill>
-                            <a:schemeClr val="lt1"/>
-                          </a:solidFill>
-                          <a:latin typeface="Gill Sans MT" panose="020B0502020104020203"/>
-                        </a:defRPr>
-                      </a:lvl2pPr>
-                      <a:lvl3pPr marL="685800" algn="l" defTabSz="342900" rtl="0" eaLnBrk="1" latinLnBrk="0" hangingPunct="1">
-                        <a:defRPr sz="1350" b="1" kern="1200">
-                          <a:solidFill>
-                            <a:schemeClr val="lt1"/>
-                          </a:solidFill>
-                          <a:latin typeface="Gill Sans MT" panose="020B0502020104020203"/>
-                        </a:defRPr>
-                      </a:lvl3pPr>
-                      <a:lvl4pPr marL="1028700" algn="l" defTabSz="342900" rtl="0" eaLnBrk="1" latinLnBrk="0" hangingPunct="1">
-                        <a:defRPr sz="1350" b="1" kern="1200">
-                          <a:solidFill>
-                            <a:schemeClr val="lt1"/>
-                          </a:solidFill>
-                          <a:latin typeface="Gill Sans MT" panose="020B0502020104020203"/>
-                        </a:defRPr>
-                      </a:lvl4pPr>
-                      <a:lvl5pPr marL="1371600" algn="l" defTabSz="342900" rtl="0" eaLnBrk="1" latinLnBrk="0" hangingPunct="1">
-                        <a:defRPr sz="1350" b="1" kern="1200">
-                          <a:solidFill>
-                            <a:schemeClr val="lt1"/>
-                          </a:solidFill>
-                          <a:latin typeface="Gill Sans MT" panose="020B0502020104020203"/>
-                        </a:defRPr>
-                      </a:lvl5pPr>
-                      <a:lvl6pPr marL="1714500" algn="l" defTabSz="342900" rtl="0" eaLnBrk="1" latinLnBrk="0" hangingPunct="1">
-                        <a:defRPr sz="1350" b="1" kern="1200">
-                          <a:solidFill>
-                            <a:schemeClr val="lt1"/>
-                          </a:solidFill>
-                          <a:latin typeface="Gill Sans MT" panose="020B0502020104020203"/>
-                        </a:defRPr>
-                      </a:lvl6pPr>
-                      <a:lvl7pPr marL="2057400" algn="l" defTabSz="342900" rtl="0" eaLnBrk="1" latinLnBrk="0" hangingPunct="1">
-                        <a:defRPr sz="1350" b="1" kern="1200">
-                          <a:solidFill>
-                            <a:schemeClr val="lt1"/>
-                          </a:solidFill>
-                          <a:latin typeface="Gill Sans MT" panose="020B0502020104020203"/>
-                        </a:defRPr>
-                      </a:lvl7pPr>
-                      <a:lvl8pPr marL="2400300" algn="l" defTabSz="342900" rtl="0" eaLnBrk="1" latinLnBrk="0" hangingPunct="1">
-                        <a:defRPr sz="1350" b="1" kern="1200">
-                          <a:solidFill>
-                            <a:schemeClr val="lt1"/>
-                          </a:solidFill>
-                          <a:latin typeface="Gill Sans MT" panose="020B0502020104020203"/>
-                        </a:defRPr>
-                      </a:lvl8pPr>
-                      <a:lvl9pPr marL="2743200" algn="l" defTabSz="342900" rtl="0" eaLnBrk="1" latinLnBrk="0" hangingPunct="1">
-                        <a:defRPr sz="1350" b="1" kern="1200">
-                          <a:solidFill>
-                            <a:schemeClr val="lt1"/>
-                          </a:solidFill>
-                          <a:latin typeface="Gill Sans MT" panose="020B0502020104020203"/>
-                        </a:defRPr>
-                      </a:lvl9pPr>
-                    </a:lstStyle>
-                    <a:p>
-                      <a:pPr algn="ctr"/>
-                      <a:r>
-                        <a:rPr lang="en-US" b="1" i="0" dirty="0">
-                          <a:solidFill>
-                            <a:schemeClr val="tx1"/>
-                          </a:solidFill>
+                          <a:effectLst/>
+                          <a:uLnTx/>
+                          <a:uFillTx/>
                           <a:latin typeface="Times New Roman" panose="02020603050405020304" pitchFamily="18" charset="0"/>
+                          <a:ea typeface="+mn-ea"/>
                           <a:cs typeface="Times New Roman" panose="02020603050405020304" pitchFamily="18" charset="0"/>
                         </a:rPr>
                         <a:t>Limitations</a:t>
                       </a:r>
                     </a:p>
+                    <a:p>
+                      <a:endParaRPr lang="en-IN" dirty="0"/>
+                    </a:p>
                   </a:txBody>
-                  <a:tcPr anchor="ctr">
-                    <a:lnL w="12700">
-                      <a:solidFill>
-                        <a:sysClr val="windowText" lastClr="000000"/>
-                      </a:solidFill>
-                    </a:lnL>
-                    <a:lnR w="12700">
-                      <a:solidFill>
-                        <a:sysClr val="windowText" lastClr="000000"/>
-                      </a:solidFill>
-                    </a:lnR>
-                    <a:lnT w="12700">
-                      <a:solidFill>
-                        <a:sysClr val="windowText" lastClr="000000"/>
-                      </a:solidFill>
-                    </a:lnT>
-                    <a:lnB w="12700">
-                      <a:solidFill>
-                        <a:sysClr val="windowText" lastClr="000000"/>
-                      </a:solidFill>
-                    </a:lnB>
-                    <a:lnTlToBr w="12700" cmpd="sng">
-                      <a:noFill/>
-                      <a:prstDash val="solid"/>
-                    </a:lnTlToBr>
-                    <a:lnBlToTr w="12700" cmpd="sng">
-                      <a:noFill/>
-                      <a:prstDash val="solid"/>
-                    </a:lnBlToTr>
-                    <a:solidFill>
-                      <a:srgbClr val="EBEBEB">
-                        <a:lumMod val="90000"/>
-                      </a:srgbClr>
-                    </a:solidFill>
-                  </a:tcPr>
+                  <a:tcPr/>
                 </a:tc>
                 <a:extLst>
                   <a:ext uri="{0D108BD9-81ED-4DB2-BD59-A6C34878D82A}">
-                    <a16:rowId xmlns:a16="http://schemas.microsoft.com/office/drawing/2014/main" val="2566934622"/>
+                    <a16:rowId xmlns:a16="http://schemas.microsoft.com/office/drawing/2014/main" val="2015306878"/>
                   </a:ext>
                 </a:extLst>
               </a:tr>
-              <a:tr h="866474">
+              <a:tr h="745451">
                 <a:tc>
                   <a:txBody>
                     <a:bodyPr/>
-                    <a:lstStyle>
-                      <a:lvl1pPr marL="0" algn="l" defTabSz="342900" rtl="0" eaLnBrk="1" latinLnBrk="0" hangingPunct="1">
-                        <a:defRPr sz="1350" kern="1200">
+                    <a:lstStyle/>
+                    <a:p>
+                      <a:pPr marL="0" marR="0" lvl="0" indent="0" algn="ctr" defTabSz="342900" rtl="0" eaLnBrk="1" fontAlgn="auto" latinLnBrk="0" hangingPunct="1">
+                        <a:lnSpc>
+                          <a:spcPct val="100000"/>
+                        </a:lnSpc>
+                        <a:spcBef>
+                          <a:spcPts val="0"/>
+                        </a:spcBef>
+                        <a:spcAft>
+                          <a:spcPts val="0"/>
+                        </a:spcAft>
+                        <a:buClrTx/>
+                        <a:buSzTx/>
+                        <a:buFontTx/>
+                        <a:buNone/>
+                        <a:tabLst/>
+                        <a:defRPr/>
+                      </a:pPr>
+                      <a:endParaRPr kumimoji="0" lang="en-US" sz="1350" b="1" i="0" u="none" strike="noStrike" kern="1200" cap="none" spc="0" normalizeH="0" baseline="0" noProof="0" dirty="0">
+                        <a:ln>
+                          <a:noFill/>
+                        </a:ln>
+                        <a:solidFill>
+                          <a:prstClr val="black"/>
+                        </a:solidFill>
+                        <a:effectLst/>
+                        <a:uLnTx/>
+                        <a:uFillTx/>
+                        <a:latin typeface="Times New Roman" panose="02020603050405020304" pitchFamily="18" charset="0"/>
+                        <a:ea typeface="+mn-ea"/>
+                        <a:cs typeface="Times New Roman" panose="02020603050405020304" pitchFamily="18" charset="0"/>
+                      </a:endParaRPr>
+                    </a:p>
+                    <a:p>
+                      <a:pPr marL="0" marR="0" lvl="0" indent="0" algn="ctr" defTabSz="342900" rtl="0" eaLnBrk="1" fontAlgn="auto" latinLnBrk="0" hangingPunct="1">
+                        <a:lnSpc>
+                          <a:spcPct val="100000"/>
+                        </a:lnSpc>
+                        <a:spcBef>
+                          <a:spcPts val="0"/>
+                        </a:spcBef>
+                        <a:spcAft>
+                          <a:spcPts val="0"/>
+                        </a:spcAft>
+                        <a:buClrTx/>
+                        <a:buSzTx/>
+                        <a:buFontTx/>
+                        <a:buNone/>
+                        <a:tabLst/>
+                        <a:defRPr/>
+                      </a:pPr>
+                      <a:r>
+                        <a:rPr kumimoji="0" lang="en-US" sz="1350" b="1" i="0" u="none" strike="noStrike" kern="1200" cap="none" spc="0" normalizeH="0" baseline="0" noProof="0" dirty="0">
+                          <a:ln>
+                            <a:noFill/>
+                          </a:ln>
                           <a:solidFill>
-                            <a:schemeClr val="dk1"/>
+                            <a:prstClr val="black"/>
                           </a:solidFill>
-                          <a:latin typeface="Gill Sans MT" panose="020B0502020104020203"/>
-                        </a:defRPr>
-                      </a:lvl1pPr>
-                      <a:lvl2pPr marL="342900" algn="l" defTabSz="342900" rtl="0" eaLnBrk="1" latinLnBrk="0" hangingPunct="1">
-                        <a:defRPr sz="1350" kern="1200">
-                          <a:solidFill>
-                            <a:schemeClr val="dk1"/>
-                          </a:solidFill>
-                          <a:latin typeface="Gill Sans MT" panose="020B0502020104020203"/>
-                        </a:defRPr>
-                      </a:lvl2pPr>
-                      <a:lvl3pPr marL="685800" algn="l" defTabSz="342900" rtl="0" eaLnBrk="1" latinLnBrk="0" hangingPunct="1">
-                        <a:defRPr sz="1350" kern="1200">
-                          <a:solidFill>
-                            <a:schemeClr val="dk1"/>
-                          </a:solidFill>
-                          <a:latin typeface="Gill Sans MT" panose="020B0502020104020203"/>
-                        </a:defRPr>
-                      </a:lvl3pPr>
-                      <a:lvl4pPr marL="1028700" algn="l" defTabSz="342900" rtl="0" eaLnBrk="1" latinLnBrk="0" hangingPunct="1">
-                        <a:defRPr sz="1350" kern="1200">
-                          <a:solidFill>
-                            <a:schemeClr val="dk1"/>
-                          </a:solidFill>
-                          <a:latin typeface="Gill Sans MT" panose="020B0502020104020203"/>
-                        </a:defRPr>
-                      </a:lvl4pPr>
-                      <a:lvl5pPr marL="1371600" algn="l" defTabSz="342900" rtl="0" eaLnBrk="1" latinLnBrk="0" hangingPunct="1">
-                        <a:defRPr sz="1350" kern="1200">
-                          <a:solidFill>
-                            <a:schemeClr val="dk1"/>
-                          </a:solidFill>
-                          <a:latin typeface="Gill Sans MT" panose="020B0502020104020203"/>
-                        </a:defRPr>
-                      </a:lvl5pPr>
-                      <a:lvl6pPr marL="1714500" algn="l" defTabSz="342900" rtl="0" eaLnBrk="1" latinLnBrk="0" hangingPunct="1">
-                        <a:defRPr sz="1350" kern="1200">
-                          <a:solidFill>
-                            <a:schemeClr val="dk1"/>
-                          </a:solidFill>
-                          <a:latin typeface="Gill Sans MT" panose="020B0502020104020203"/>
-                        </a:defRPr>
-                      </a:lvl6pPr>
-                      <a:lvl7pPr marL="2057400" algn="l" defTabSz="342900" rtl="0" eaLnBrk="1" latinLnBrk="0" hangingPunct="1">
-                        <a:defRPr sz="1350" kern="1200">
-                          <a:solidFill>
-                            <a:schemeClr val="dk1"/>
-                          </a:solidFill>
-                          <a:latin typeface="Gill Sans MT" panose="020B0502020104020203"/>
-                        </a:defRPr>
-                      </a:lvl7pPr>
-                      <a:lvl8pPr marL="2400300" algn="l" defTabSz="342900" rtl="0" eaLnBrk="1" latinLnBrk="0" hangingPunct="1">
-                        <a:defRPr sz="1350" kern="1200">
-                          <a:solidFill>
-                            <a:schemeClr val="dk1"/>
-                          </a:solidFill>
-                          <a:latin typeface="Gill Sans MT" panose="020B0502020104020203"/>
-                        </a:defRPr>
-                      </a:lvl8pPr>
-                      <a:lvl9pPr marL="2743200" algn="l" defTabSz="342900" rtl="0" eaLnBrk="1" latinLnBrk="0" hangingPunct="1">
-                        <a:defRPr sz="1350" kern="1200">
-                          <a:solidFill>
-                            <a:schemeClr val="dk1"/>
-                          </a:solidFill>
-                          <a:latin typeface="Gill Sans MT" panose="020B0502020104020203"/>
-                        </a:defRPr>
-                      </a:lvl9pPr>
-                    </a:lstStyle>
-                    <a:p>
-                      <a:pPr algn="ctr"/>
-                      <a:r>
-                        <a:rPr lang="en-US" b="1" i="0">
-                          <a:solidFill>
-                            <a:schemeClr val="tx1"/>
-                          </a:solidFill>
+                          <a:effectLst/>
+                          <a:uLnTx/>
+                          <a:uFillTx/>
                           <a:latin typeface="Times New Roman" panose="02020603050405020304" pitchFamily="18" charset="0"/>
+                          <a:ea typeface="+mn-ea"/>
                           <a:cs typeface="Times New Roman" panose="02020603050405020304" pitchFamily="18" charset="0"/>
                         </a:rPr>
                         <a:t>1.</a:t>
                       </a:r>
                     </a:p>
+                    <a:p>
+                      <a:endParaRPr lang="en-IN" dirty="0"/>
+                    </a:p>
                   </a:txBody>
-                  <a:tcPr anchor="ctr">
-                    <a:lnL w="12700">
-                      <a:solidFill>
-                        <a:sysClr val="windowText" lastClr="000000"/>
-                      </a:solidFill>
-                    </a:lnL>
-                    <a:lnR w="12700">
-                      <a:solidFill>
-                        <a:sysClr val="windowText" lastClr="000000"/>
-                      </a:solidFill>
-                    </a:lnR>
-                    <a:lnT w="12700">
-                      <a:solidFill>
-                        <a:sysClr val="windowText" lastClr="000000"/>
-                      </a:solidFill>
-                    </a:lnT>
-                    <a:lnB w="12700">
-                      <a:solidFill>
-                        <a:sysClr val="windowText" lastClr="000000"/>
-                      </a:solidFill>
-                    </a:lnB>
-                    <a:lnTlToBr w="12700" cmpd="sng">
-                      <a:noFill/>
-                      <a:prstDash val="solid"/>
-                    </a:lnTlToBr>
-                    <a:lnBlToTr w="12700" cmpd="sng">
-                      <a:noFill/>
-                      <a:prstDash val="solid"/>
-                    </a:lnBlToTr>
-                    <a:solidFill>
-                      <a:srgbClr val="EBEBEB"/>
-                    </a:solidFill>
-                  </a:tcPr>
+                  <a:tcPr/>
                 </a:tc>
                 <a:tc>
                   <a:txBody>
                     <a:bodyPr/>
-                    <a:lstStyle>
-                      <a:lvl1pPr marL="0" algn="l" defTabSz="342900" rtl="0" eaLnBrk="1" latinLnBrk="0" hangingPunct="1">
-                        <a:defRPr sz="1350" kern="1200">
+                    <a:lstStyle/>
+                    <a:p>
+                      <a:pPr marL="0" marR="0" lvl="0" indent="0" algn="ctr" defTabSz="342900" rtl="0" eaLnBrk="1" fontAlgn="auto" latinLnBrk="0" hangingPunct="1">
+                        <a:lnSpc>
+                          <a:spcPct val="100000"/>
+                        </a:lnSpc>
+                        <a:spcBef>
+                          <a:spcPts val="0"/>
+                        </a:spcBef>
+                        <a:spcAft>
+                          <a:spcPts val="0"/>
+                        </a:spcAft>
+                        <a:buClrTx/>
+                        <a:buSzTx/>
+                        <a:buFontTx/>
+                        <a:buNone/>
+                        <a:tabLst/>
+                        <a:defRPr/>
+                      </a:pPr>
+                      <a:r>
+                        <a:rPr kumimoji="0" lang="da-DK" sz="1350" b="1" i="0" u="none" strike="noStrike" kern="1200" cap="none" spc="0" normalizeH="0" baseline="0" noProof="0" dirty="0">
+                          <a:ln>
+                            <a:noFill/>
+                          </a:ln>
                           <a:solidFill>
-                            <a:schemeClr val="dk1"/>
+                            <a:prstClr val="black"/>
                           </a:solidFill>
-                          <a:latin typeface="Gill Sans MT" panose="020B0502020104020203"/>
-                        </a:defRPr>
-                      </a:lvl1pPr>
-                      <a:lvl2pPr marL="342900" algn="l" defTabSz="342900" rtl="0" eaLnBrk="1" latinLnBrk="0" hangingPunct="1">
-                        <a:defRPr sz="1350" kern="1200">
-                          <a:solidFill>
-                            <a:schemeClr val="dk1"/>
-                          </a:solidFill>
-                          <a:latin typeface="Gill Sans MT" panose="020B0502020104020203"/>
-                        </a:defRPr>
-                      </a:lvl2pPr>
-                      <a:lvl3pPr marL="685800" algn="l" defTabSz="342900" rtl="0" eaLnBrk="1" latinLnBrk="0" hangingPunct="1">
-                        <a:defRPr sz="1350" kern="1200">
-                          <a:solidFill>
-                            <a:schemeClr val="dk1"/>
-                          </a:solidFill>
-                          <a:latin typeface="Gill Sans MT" panose="020B0502020104020203"/>
-                        </a:defRPr>
-                      </a:lvl3pPr>
-                      <a:lvl4pPr marL="1028700" algn="l" defTabSz="342900" rtl="0" eaLnBrk="1" latinLnBrk="0" hangingPunct="1">
-                        <a:defRPr sz="1350" kern="1200">
-                          <a:solidFill>
-                            <a:schemeClr val="dk1"/>
-                          </a:solidFill>
-                          <a:latin typeface="Gill Sans MT" panose="020B0502020104020203"/>
-                        </a:defRPr>
-                      </a:lvl4pPr>
-                      <a:lvl5pPr marL="1371600" algn="l" defTabSz="342900" rtl="0" eaLnBrk="1" latinLnBrk="0" hangingPunct="1">
-                        <a:defRPr sz="1350" kern="1200">
-                          <a:solidFill>
-                            <a:schemeClr val="dk1"/>
-                          </a:solidFill>
-                          <a:latin typeface="Gill Sans MT" panose="020B0502020104020203"/>
-                        </a:defRPr>
-                      </a:lvl5pPr>
-                      <a:lvl6pPr marL="1714500" algn="l" defTabSz="342900" rtl="0" eaLnBrk="1" latinLnBrk="0" hangingPunct="1">
-                        <a:defRPr sz="1350" kern="1200">
-                          <a:solidFill>
-                            <a:schemeClr val="dk1"/>
-                          </a:solidFill>
-                          <a:latin typeface="Gill Sans MT" panose="020B0502020104020203"/>
-                        </a:defRPr>
-                      </a:lvl6pPr>
-                      <a:lvl7pPr marL="2057400" algn="l" defTabSz="342900" rtl="0" eaLnBrk="1" latinLnBrk="0" hangingPunct="1">
-                        <a:defRPr sz="1350" kern="1200">
-                          <a:solidFill>
-                            <a:schemeClr val="dk1"/>
-                          </a:solidFill>
-                          <a:latin typeface="Gill Sans MT" panose="020B0502020104020203"/>
-                        </a:defRPr>
-                      </a:lvl7pPr>
-                      <a:lvl8pPr marL="2400300" algn="l" defTabSz="342900" rtl="0" eaLnBrk="1" latinLnBrk="0" hangingPunct="1">
-                        <a:defRPr sz="1350" kern="1200">
-                          <a:solidFill>
-                            <a:schemeClr val="dk1"/>
-                          </a:solidFill>
-                          <a:latin typeface="Gill Sans MT" panose="020B0502020104020203"/>
-                        </a:defRPr>
-                      </a:lvl8pPr>
-                      <a:lvl9pPr marL="2743200" algn="l" defTabSz="342900" rtl="0" eaLnBrk="1" latinLnBrk="0" hangingPunct="1">
-                        <a:defRPr sz="1350" kern="1200">
-                          <a:solidFill>
-                            <a:schemeClr val="dk1"/>
-                          </a:solidFill>
-                          <a:latin typeface="Gill Sans MT" panose="020B0502020104020203"/>
-                        </a:defRPr>
-                      </a:lvl9pPr>
-                    </a:lstStyle>
-                    <a:p>
-                      <a:pPr algn="ctr"/>
-                      <a:r>
-                        <a:rPr lang="da-DK" b="1" i="0" dirty="0">
-                          <a:solidFill>
-                            <a:schemeClr val="tx1"/>
-                          </a:solidFill>
+                          <a:effectLst/>
+                          <a:uLnTx/>
+                          <a:uFillTx/>
                           <a:latin typeface="Times New Roman" panose="02020603050405020304" pitchFamily="18" charset="0"/>
+                          <a:ea typeface="+mn-ea"/>
                           <a:cs typeface="Times New Roman" panose="02020603050405020304" pitchFamily="18" charset="0"/>
                         </a:rPr>
                         <a:t> Ying Fan</a:t>
                       </a:r>
                     </a:p>
                     <a:p>
-                      <a:pPr algn="ctr"/>
+                      <a:pPr marL="0" marR="0" lvl="0" indent="0" algn="ctr" defTabSz="342900" rtl="0" eaLnBrk="1" fontAlgn="auto" latinLnBrk="0" hangingPunct="1">
+                        <a:lnSpc>
+                          <a:spcPct val="100000"/>
+                        </a:lnSpc>
+                        <a:spcBef>
+                          <a:spcPts val="0"/>
+                        </a:spcBef>
+                        <a:spcAft>
+                          <a:spcPts val="0"/>
+                        </a:spcAft>
+                        <a:buClrTx/>
+                        <a:buSzTx/>
+                        <a:buFontTx/>
+                        <a:buNone/>
+                        <a:tabLst/>
+                        <a:defRPr/>
+                      </a:pPr>
                       <a:r>
-                        <a:rPr lang="da-DK" b="1" i="0" dirty="0">
+                        <a:rPr kumimoji="0" lang="da-DK" sz="1350" b="1" i="0" u="none" strike="noStrike" kern="1200" cap="none" spc="0" normalizeH="0" baseline="0" noProof="0" dirty="0">
+                          <a:ln>
+                            <a:noFill/>
+                          </a:ln>
                           <a:solidFill>
-                            <a:schemeClr val="tx1"/>
+                            <a:prstClr val="black"/>
                           </a:solidFill>
+                          <a:effectLst/>
+                          <a:uLnTx/>
+                          <a:uFillTx/>
                           <a:latin typeface="Times New Roman" panose="02020603050405020304" pitchFamily="18" charset="0"/>
+                          <a:ea typeface="+mn-ea"/>
                           <a:cs typeface="Times New Roman" panose="02020603050405020304" pitchFamily="18" charset="0"/>
                         </a:rPr>
                         <a:t>, Olivia Watkins</a:t>
                       </a:r>
-                      <a:endParaRPr lang="en-US" b="1" i="0" dirty="0">
+                      <a:endParaRPr kumimoji="0" lang="en-US" sz="1350" b="1" i="0" u="none" strike="noStrike" kern="1200" cap="none" spc="0" normalizeH="0" baseline="0" noProof="0" dirty="0">
+                        <a:ln>
+                          <a:noFill/>
+                        </a:ln>
                         <a:solidFill>
-                          <a:schemeClr val="tx1"/>
+                          <a:prstClr val="black"/>
                         </a:solidFill>
+                        <a:effectLst/>
+                        <a:uLnTx/>
+                        <a:uFillTx/>
                         <a:latin typeface="Times New Roman" panose="02020603050405020304" pitchFamily="18" charset="0"/>
+                        <a:ea typeface="+mn-ea"/>
                         <a:cs typeface="Times New Roman" panose="02020603050405020304" pitchFamily="18" charset="0"/>
                       </a:endParaRPr>
                     </a:p>
+                    <a:p>
+                      <a:endParaRPr lang="en-IN" dirty="0"/>
+                    </a:p>
                   </a:txBody>
-                  <a:tcPr anchor="ctr">
-                    <a:lnL w="12700">
-                      <a:solidFill>
-                        <a:sysClr val="windowText" lastClr="000000"/>
-                      </a:solidFill>
-                    </a:lnL>
-                    <a:lnR w="12700">
-                      <a:solidFill>
-                        <a:sysClr val="windowText" lastClr="000000"/>
-                      </a:solidFill>
-                    </a:lnR>
-                    <a:lnT w="12700">
-                      <a:solidFill>
-                        <a:sysClr val="windowText" lastClr="000000"/>
-                      </a:solidFill>
-                    </a:lnT>
-                    <a:lnB w="12700">
-                      <a:solidFill>
-                        <a:sysClr val="windowText" lastClr="000000"/>
-                      </a:solidFill>
-                    </a:lnB>
-                    <a:lnTlToBr w="12700" cmpd="sng">
-                      <a:noFill/>
-                      <a:prstDash val="solid"/>
-                    </a:lnTlToBr>
-                    <a:lnBlToTr w="12700" cmpd="sng">
-                      <a:noFill/>
-                      <a:prstDash val="solid"/>
-                    </a:lnBlToTr>
-                    <a:solidFill>
-                      <a:srgbClr val="EBEBEB"/>
-                    </a:solidFill>
-                  </a:tcPr>
+                  <a:tcPr/>
                 </a:tc>
                 <a:tc>
                   <a:txBody>
                     <a:bodyPr/>
-                    <a:lstStyle>
-                      <a:lvl1pPr marL="0" algn="l" defTabSz="342900" rtl="0" eaLnBrk="1" latinLnBrk="0" hangingPunct="1">
-                        <a:defRPr sz="1350" kern="1200">
-                          <a:solidFill>
-                            <a:schemeClr val="dk1"/>
-                          </a:solidFill>
-                          <a:latin typeface="Gill Sans MT" panose="020B0502020104020203"/>
-                        </a:defRPr>
-                      </a:lvl1pPr>
-                      <a:lvl2pPr marL="342900" algn="l" defTabSz="342900" rtl="0" eaLnBrk="1" latinLnBrk="0" hangingPunct="1">
-                        <a:defRPr sz="1350" kern="1200">
-                          <a:solidFill>
-                            <a:schemeClr val="dk1"/>
-                          </a:solidFill>
-                          <a:latin typeface="Gill Sans MT" panose="020B0502020104020203"/>
-                        </a:defRPr>
-                      </a:lvl2pPr>
-                      <a:lvl3pPr marL="685800" algn="l" defTabSz="342900" rtl="0" eaLnBrk="1" latinLnBrk="0" hangingPunct="1">
-                        <a:defRPr sz="1350" kern="1200">
-                          <a:solidFill>
-                            <a:schemeClr val="dk1"/>
-                          </a:solidFill>
-                          <a:latin typeface="Gill Sans MT" panose="020B0502020104020203"/>
-                        </a:defRPr>
-                      </a:lvl3pPr>
-                      <a:lvl4pPr marL="1028700" algn="l" defTabSz="342900" rtl="0" eaLnBrk="1" latinLnBrk="0" hangingPunct="1">
-                        <a:defRPr sz="1350" kern="1200">
-                          <a:solidFill>
-                            <a:schemeClr val="dk1"/>
-                          </a:solidFill>
-                          <a:latin typeface="Gill Sans MT" panose="020B0502020104020203"/>
-                        </a:defRPr>
-                      </a:lvl4pPr>
-                      <a:lvl5pPr marL="1371600" algn="l" defTabSz="342900" rtl="0" eaLnBrk="1" latinLnBrk="0" hangingPunct="1">
-                        <a:defRPr sz="1350" kern="1200">
-                          <a:solidFill>
-                            <a:schemeClr val="dk1"/>
-                          </a:solidFill>
-                          <a:latin typeface="Gill Sans MT" panose="020B0502020104020203"/>
-                        </a:defRPr>
-                      </a:lvl5pPr>
-                      <a:lvl6pPr marL="1714500" algn="l" defTabSz="342900" rtl="0" eaLnBrk="1" latinLnBrk="0" hangingPunct="1">
-                        <a:defRPr sz="1350" kern="1200">
-                          <a:solidFill>
-                            <a:schemeClr val="dk1"/>
-                          </a:solidFill>
-                          <a:latin typeface="Gill Sans MT" panose="020B0502020104020203"/>
-                        </a:defRPr>
-                      </a:lvl6pPr>
-                      <a:lvl7pPr marL="2057400" algn="l" defTabSz="342900" rtl="0" eaLnBrk="1" latinLnBrk="0" hangingPunct="1">
-                        <a:defRPr sz="1350" kern="1200">
-                          <a:solidFill>
-                            <a:schemeClr val="dk1"/>
-                          </a:solidFill>
-                          <a:latin typeface="Gill Sans MT" panose="020B0502020104020203"/>
-                        </a:defRPr>
-                      </a:lvl7pPr>
-                      <a:lvl8pPr marL="2400300" algn="l" defTabSz="342900" rtl="0" eaLnBrk="1" latinLnBrk="0" hangingPunct="1">
-                        <a:defRPr sz="1350" kern="1200">
-                          <a:solidFill>
-                            <a:schemeClr val="dk1"/>
-                          </a:solidFill>
-                          <a:latin typeface="Gill Sans MT" panose="020B0502020104020203"/>
-                        </a:defRPr>
-                      </a:lvl8pPr>
-                      <a:lvl9pPr marL="2743200" algn="l" defTabSz="342900" rtl="0" eaLnBrk="1" latinLnBrk="0" hangingPunct="1">
-                        <a:defRPr sz="1350" kern="1200">
-                          <a:solidFill>
-                            <a:schemeClr val="dk1"/>
-                          </a:solidFill>
-                          <a:latin typeface="Gill Sans MT" panose="020B0502020104020203"/>
-                        </a:defRPr>
-                      </a:lvl9pPr>
-                    </a:lstStyle>
+                    <a:lstStyle/>
                     <a:p>
-                      <a:pPr lvl="0" algn="ctr">
+                      <a:pPr marL="0" marR="0" lvl="0" indent="0" algn="ctr" defTabSz="342900" rtl="0" eaLnBrk="1" fontAlgn="auto" latinLnBrk="0" hangingPunct="1">
+                        <a:lnSpc>
+                          <a:spcPct val="100000"/>
+                        </a:lnSpc>
+                        <a:spcBef>
+                          <a:spcPts val="0"/>
+                        </a:spcBef>
+                        <a:spcAft>
+                          <a:spcPts val="0"/>
+                        </a:spcAft>
+                        <a:buClrTx/>
+                        <a:buSzTx/>
+                        <a:buFontTx/>
                         <a:buNone/>
+                        <a:tabLst/>
+                        <a:defRPr/>
                       </a:pPr>
                       <a:r>
-                        <a:rPr lang="en-US" b="1" i="0" dirty="0">
+                        <a:rPr kumimoji="0" lang="en-US" sz="1350" b="1" i="0" u="none" strike="noStrike" kern="1200" cap="none" spc="0" normalizeH="0" baseline="0" noProof="0" dirty="0">
+                          <a:ln>
+                            <a:noFill/>
+                          </a:ln>
                           <a:solidFill>
-                            <a:schemeClr val="tx1"/>
+                            <a:prstClr val="black"/>
                           </a:solidFill>
+                          <a:effectLst/>
+                          <a:uLnTx/>
+                          <a:uFillTx/>
                           <a:latin typeface="Times New Roman" panose="02020603050405020304" pitchFamily="18" charset="0"/>
+                          <a:ea typeface="+mn-ea"/>
                           <a:cs typeface="Times New Roman" panose="02020603050405020304" pitchFamily="18" charset="0"/>
                         </a:rPr>
                         <a:t>DPOK: Reinforcement Learning for</a:t>
                       </a:r>
                     </a:p>
                     <a:p>
-                      <a:pPr lvl="0" algn="ctr">
+                      <a:pPr marL="0" marR="0" lvl="0" indent="0" algn="ctr" defTabSz="342900" rtl="0" eaLnBrk="1" fontAlgn="auto" latinLnBrk="0" hangingPunct="1">
+                        <a:lnSpc>
+                          <a:spcPct val="100000"/>
+                        </a:lnSpc>
+                        <a:spcBef>
+                          <a:spcPts val="0"/>
+                        </a:spcBef>
+                        <a:spcAft>
+                          <a:spcPts val="0"/>
+                        </a:spcAft>
+                        <a:buClrTx/>
+                        <a:buSzTx/>
+                        <a:buFontTx/>
                         <a:buNone/>
+                        <a:tabLst/>
+                        <a:defRPr/>
                       </a:pPr>
                       <a:r>
-                        <a:rPr lang="en-US" b="1" i="0" dirty="0">
+                        <a:rPr kumimoji="0" lang="en-US" sz="1350" b="1" i="0" u="none" strike="noStrike" kern="1200" cap="none" spc="0" normalizeH="0" baseline="0" noProof="0" dirty="0">
+                          <a:ln>
+                            <a:noFill/>
+                          </a:ln>
                           <a:solidFill>
-                            <a:schemeClr val="tx1"/>
+                            <a:prstClr val="black"/>
                           </a:solidFill>
+                          <a:effectLst/>
+                          <a:uLnTx/>
+                          <a:uFillTx/>
                           <a:latin typeface="Times New Roman" panose="02020603050405020304" pitchFamily="18" charset="0"/>
+                          <a:ea typeface="+mn-ea"/>
                           <a:cs typeface="Times New Roman" panose="02020603050405020304" pitchFamily="18" charset="0"/>
                         </a:rPr>
                         <a:t>Fine-tuning Text-to-Image Diffusion Models</a:t>
                       </a:r>
                     </a:p>
+                    <a:p>
+                      <a:endParaRPr lang="en-IN" dirty="0"/>
+                    </a:p>
                   </a:txBody>
-                  <a:tcPr anchor="ctr">
-                    <a:lnL w="12700">
-                      <a:solidFill>
-                        <a:sysClr val="windowText" lastClr="000000"/>
-                      </a:solidFill>
-                    </a:lnL>
-                    <a:lnR w="12700">
-                      <a:solidFill>
-                        <a:sysClr val="windowText" lastClr="000000"/>
-                      </a:solidFill>
-                    </a:lnR>
-                    <a:lnT w="12700">
-                      <a:solidFill>
-                        <a:sysClr val="windowText" lastClr="000000"/>
-                      </a:solidFill>
-                    </a:lnT>
-                    <a:lnB w="12700">
-                      <a:solidFill>
-                        <a:sysClr val="windowText" lastClr="000000"/>
-                      </a:solidFill>
-                    </a:lnB>
-                    <a:lnTlToBr w="12700" cmpd="sng">
-                      <a:noFill/>
-                      <a:prstDash val="solid"/>
-                    </a:lnTlToBr>
-                    <a:lnBlToTr w="12700" cmpd="sng">
-                      <a:noFill/>
-                      <a:prstDash val="solid"/>
-                    </a:lnBlToTr>
-                    <a:solidFill>
-                      <a:srgbClr val="EBEBEB"/>
-                    </a:solidFill>
-                  </a:tcPr>
+                  <a:tcPr/>
                 </a:tc>
                 <a:tc>
                   <a:txBody>
                     <a:bodyPr/>
-                    <a:lstStyle>
-                      <a:lvl1pPr marL="0" algn="l" defTabSz="342900" rtl="0" eaLnBrk="1" latinLnBrk="0" hangingPunct="1">
-                        <a:defRPr sz="1350" kern="1200">
+                    <a:lstStyle/>
+                    <a:p>
+                      <a:pPr marL="0" marR="0" lvl="0" indent="0" algn="ctr" defTabSz="342900" rtl="0" eaLnBrk="1" fontAlgn="auto" latinLnBrk="0" hangingPunct="1">
+                        <a:lnSpc>
+                          <a:spcPct val="100000"/>
+                        </a:lnSpc>
+                        <a:spcBef>
+                          <a:spcPts val="0"/>
+                        </a:spcBef>
+                        <a:spcAft>
+                          <a:spcPts val="0"/>
+                        </a:spcAft>
+                        <a:buClrTx/>
+                        <a:buSzTx/>
+                        <a:buFontTx/>
+                        <a:buNone/>
+                        <a:tabLst/>
+                        <a:defRPr/>
+                      </a:pPr>
+                      <a:endParaRPr kumimoji="0" lang="en-US" sz="1350" b="1" i="0" u="none" strike="noStrike" kern="1200" cap="none" spc="0" normalizeH="0" baseline="0" noProof="0" dirty="0">
+                        <a:ln>
+                          <a:noFill/>
+                        </a:ln>
+                        <a:solidFill>
+                          <a:prstClr val="black"/>
+                        </a:solidFill>
+                        <a:effectLst/>
+                        <a:uLnTx/>
+                        <a:uFillTx/>
+                        <a:latin typeface="Times New Roman" panose="02020603050405020304" pitchFamily="18" charset="0"/>
+                        <a:ea typeface="+mn-ea"/>
+                        <a:cs typeface="Times New Roman" panose="02020603050405020304" pitchFamily="18" charset="0"/>
+                      </a:endParaRPr>
+                    </a:p>
+                    <a:p>
+                      <a:pPr marL="0" marR="0" lvl="0" indent="0" algn="ctr" defTabSz="342900" rtl="0" eaLnBrk="1" fontAlgn="auto" latinLnBrk="0" hangingPunct="1">
+                        <a:lnSpc>
+                          <a:spcPct val="100000"/>
+                        </a:lnSpc>
+                        <a:spcBef>
+                          <a:spcPts val="0"/>
+                        </a:spcBef>
+                        <a:spcAft>
+                          <a:spcPts val="0"/>
+                        </a:spcAft>
+                        <a:buClrTx/>
+                        <a:buSzTx/>
+                        <a:buFontTx/>
+                        <a:buNone/>
+                        <a:tabLst/>
+                        <a:defRPr/>
+                      </a:pPr>
+                      <a:r>
+                        <a:rPr kumimoji="0" lang="en-US" sz="1350" b="1" i="0" u="none" strike="noStrike" kern="1200" cap="none" spc="0" normalizeH="0" baseline="0" noProof="0" dirty="0">
+                          <a:ln>
+                            <a:noFill/>
+                          </a:ln>
                           <a:solidFill>
-                            <a:schemeClr val="dk1"/>
+                            <a:prstClr val="black"/>
                           </a:solidFill>
-                          <a:latin typeface="Gill Sans MT" panose="020B0502020104020203"/>
-                        </a:defRPr>
-                      </a:lvl1pPr>
-                      <a:lvl2pPr marL="342900" algn="l" defTabSz="342900" rtl="0" eaLnBrk="1" latinLnBrk="0" hangingPunct="1">
-                        <a:defRPr sz="1350" kern="1200">
-                          <a:solidFill>
-                            <a:schemeClr val="dk1"/>
-                          </a:solidFill>
-                          <a:latin typeface="Gill Sans MT" panose="020B0502020104020203"/>
-                        </a:defRPr>
-                      </a:lvl2pPr>
-                      <a:lvl3pPr marL="685800" algn="l" defTabSz="342900" rtl="0" eaLnBrk="1" latinLnBrk="0" hangingPunct="1">
-                        <a:defRPr sz="1350" kern="1200">
-                          <a:solidFill>
-                            <a:schemeClr val="dk1"/>
-                          </a:solidFill>
-                          <a:latin typeface="Gill Sans MT" panose="020B0502020104020203"/>
-                        </a:defRPr>
-                      </a:lvl3pPr>
-                      <a:lvl4pPr marL="1028700" algn="l" defTabSz="342900" rtl="0" eaLnBrk="1" latinLnBrk="0" hangingPunct="1">
-                        <a:defRPr sz="1350" kern="1200">
-                          <a:solidFill>
-                            <a:schemeClr val="dk1"/>
-                          </a:solidFill>
-                          <a:latin typeface="Gill Sans MT" panose="020B0502020104020203"/>
-                        </a:defRPr>
-                      </a:lvl4pPr>
-                      <a:lvl5pPr marL="1371600" algn="l" defTabSz="342900" rtl="0" eaLnBrk="1" latinLnBrk="0" hangingPunct="1">
-                        <a:defRPr sz="1350" kern="1200">
-                          <a:solidFill>
-                            <a:schemeClr val="dk1"/>
-                          </a:solidFill>
-                          <a:latin typeface="Gill Sans MT" panose="020B0502020104020203"/>
-                        </a:defRPr>
-                      </a:lvl5pPr>
-                      <a:lvl6pPr marL="1714500" algn="l" defTabSz="342900" rtl="0" eaLnBrk="1" latinLnBrk="0" hangingPunct="1">
-                        <a:defRPr sz="1350" kern="1200">
-                          <a:solidFill>
-                            <a:schemeClr val="dk1"/>
-                          </a:solidFill>
-                          <a:latin typeface="Gill Sans MT" panose="020B0502020104020203"/>
-                        </a:defRPr>
-                      </a:lvl6pPr>
-                      <a:lvl7pPr marL="2057400" algn="l" defTabSz="342900" rtl="0" eaLnBrk="1" latinLnBrk="0" hangingPunct="1">
-                        <a:defRPr sz="1350" kern="1200">
-                          <a:solidFill>
-                            <a:schemeClr val="dk1"/>
-                          </a:solidFill>
-                          <a:latin typeface="Gill Sans MT" panose="020B0502020104020203"/>
-                        </a:defRPr>
-                      </a:lvl7pPr>
-                      <a:lvl8pPr marL="2400300" algn="l" defTabSz="342900" rtl="0" eaLnBrk="1" latinLnBrk="0" hangingPunct="1">
-                        <a:defRPr sz="1350" kern="1200">
-                          <a:solidFill>
-                            <a:schemeClr val="dk1"/>
-                          </a:solidFill>
-                          <a:latin typeface="Gill Sans MT" panose="020B0502020104020203"/>
-                        </a:defRPr>
-                      </a:lvl8pPr>
-                      <a:lvl9pPr marL="2743200" algn="l" defTabSz="342900" rtl="0" eaLnBrk="1" latinLnBrk="0" hangingPunct="1">
-                        <a:defRPr sz="1350" kern="1200">
-                          <a:solidFill>
-                            <a:schemeClr val="dk1"/>
-                          </a:solidFill>
-                          <a:latin typeface="Gill Sans MT" panose="020B0502020104020203"/>
-                        </a:defRPr>
-                      </a:lvl9pPr>
-                    </a:lstStyle>
-                    <a:p>
-                      <a:pPr algn="ctr"/>
-                      <a:r>
-                        <a:rPr lang="en-US" b="1" i="0" dirty="0">
-                          <a:solidFill>
-                            <a:schemeClr val="tx1"/>
-                          </a:solidFill>
+                          <a:effectLst/>
+                          <a:uLnTx/>
+                          <a:uFillTx/>
                           <a:latin typeface="Times New Roman" panose="02020603050405020304" pitchFamily="18" charset="0"/>
+                          <a:ea typeface="+mn-ea"/>
                           <a:cs typeface="Times New Roman" panose="02020603050405020304" pitchFamily="18" charset="0"/>
                         </a:rPr>
                         <a:t>2024</a:t>
                       </a:r>
                     </a:p>
+                    <a:p>
+                      <a:endParaRPr lang="en-IN" dirty="0"/>
+                    </a:p>
                   </a:txBody>
-                  <a:tcPr anchor="ctr">
-                    <a:lnL w="12700">
-                      <a:solidFill>
-                        <a:sysClr val="windowText" lastClr="000000"/>
-                      </a:solidFill>
-                    </a:lnL>
-                    <a:lnR w="12700">
-                      <a:solidFill>
-                        <a:sysClr val="windowText" lastClr="000000"/>
-                      </a:solidFill>
-                    </a:lnR>
-                    <a:lnT w="12700">
-                      <a:solidFill>
-                        <a:sysClr val="windowText" lastClr="000000"/>
-                      </a:solidFill>
-                    </a:lnT>
-                    <a:lnB w="12700">
-                      <a:solidFill>
-                        <a:sysClr val="windowText" lastClr="000000"/>
-                      </a:solidFill>
-                    </a:lnB>
-                    <a:lnTlToBr w="12700" cmpd="sng">
-                      <a:noFill/>
-                      <a:prstDash val="solid"/>
-                    </a:lnTlToBr>
-                    <a:lnBlToTr w="12700" cmpd="sng">
-                      <a:noFill/>
-                      <a:prstDash val="solid"/>
-                    </a:lnBlToTr>
-                    <a:solidFill>
-                      <a:srgbClr val="EBEBEB"/>
-                    </a:solidFill>
-                  </a:tcPr>
+                  <a:tcPr/>
                 </a:tc>
                 <a:tc>
                   <a:txBody>
                     <a:bodyPr/>
-                    <a:lstStyle>
-                      <a:lvl1pPr marL="0" algn="l" defTabSz="342900" rtl="0" eaLnBrk="1" latinLnBrk="0" hangingPunct="1">
-                        <a:defRPr sz="1350" kern="1200">
+                    <a:lstStyle/>
+                    <a:p>
+                      <a:pPr marL="0" marR="0" lvl="0" indent="0" algn="ctr" defTabSz="342900" rtl="0" eaLnBrk="1" fontAlgn="auto" latinLnBrk="0" hangingPunct="1">
+                        <a:lnSpc>
+                          <a:spcPct val="100000"/>
+                        </a:lnSpc>
+                        <a:spcBef>
+                          <a:spcPts val="0"/>
+                        </a:spcBef>
+                        <a:spcAft>
+                          <a:spcPts val="0"/>
+                        </a:spcAft>
+                        <a:buClrTx/>
+                        <a:buSzTx/>
+                        <a:buFontTx/>
+                        <a:buNone/>
+                        <a:tabLst/>
+                        <a:defRPr/>
+                      </a:pPr>
+                      <a:r>
+                        <a:rPr kumimoji="0" lang="en-US" sz="1350" b="1" i="0" u="none" strike="noStrike" kern="1200" cap="none" spc="0" normalizeH="0" baseline="0" noProof="0" dirty="0">
+                          <a:ln>
+                            <a:noFill/>
+                          </a:ln>
                           <a:solidFill>
-                            <a:schemeClr val="dk1"/>
+                            <a:prstClr val="black"/>
                           </a:solidFill>
-                          <a:latin typeface="Gill Sans MT" panose="020B0502020104020203"/>
-                        </a:defRPr>
-                      </a:lvl1pPr>
-                      <a:lvl2pPr marL="342900" algn="l" defTabSz="342900" rtl="0" eaLnBrk="1" latinLnBrk="0" hangingPunct="1">
-                        <a:defRPr sz="1350" kern="1200">
-                          <a:solidFill>
-                            <a:schemeClr val="dk1"/>
-                          </a:solidFill>
-                          <a:latin typeface="Gill Sans MT" panose="020B0502020104020203"/>
-                        </a:defRPr>
-                      </a:lvl2pPr>
-                      <a:lvl3pPr marL="685800" algn="l" defTabSz="342900" rtl="0" eaLnBrk="1" latinLnBrk="0" hangingPunct="1">
-                        <a:defRPr sz="1350" kern="1200">
-                          <a:solidFill>
-                            <a:schemeClr val="dk1"/>
-                          </a:solidFill>
-                          <a:latin typeface="Gill Sans MT" panose="020B0502020104020203"/>
-                        </a:defRPr>
-                      </a:lvl3pPr>
-                      <a:lvl4pPr marL="1028700" algn="l" defTabSz="342900" rtl="0" eaLnBrk="1" latinLnBrk="0" hangingPunct="1">
-                        <a:defRPr sz="1350" kern="1200">
-                          <a:solidFill>
-                            <a:schemeClr val="dk1"/>
-                          </a:solidFill>
-                          <a:latin typeface="Gill Sans MT" panose="020B0502020104020203"/>
-                        </a:defRPr>
-                      </a:lvl4pPr>
-                      <a:lvl5pPr marL="1371600" algn="l" defTabSz="342900" rtl="0" eaLnBrk="1" latinLnBrk="0" hangingPunct="1">
-                        <a:defRPr sz="1350" kern="1200">
-                          <a:solidFill>
-                            <a:schemeClr val="dk1"/>
-                          </a:solidFill>
-                          <a:latin typeface="Gill Sans MT" panose="020B0502020104020203"/>
-                        </a:defRPr>
-                      </a:lvl5pPr>
-                      <a:lvl6pPr marL="1714500" algn="l" defTabSz="342900" rtl="0" eaLnBrk="1" latinLnBrk="0" hangingPunct="1">
-                        <a:defRPr sz="1350" kern="1200">
-                          <a:solidFill>
-                            <a:schemeClr val="dk1"/>
-                          </a:solidFill>
-                          <a:latin typeface="Gill Sans MT" panose="020B0502020104020203"/>
-                        </a:defRPr>
-                      </a:lvl6pPr>
-                      <a:lvl7pPr marL="2057400" algn="l" defTabSz="342900" rtl="0" eaLnBrk="1" latinLnBrk="0" hangingPunct="1">
-                        <a:defRPr sz="1350" kern="1200">
-                          <a:solidFill>
-                            <a:schemeClr val="dk1"/>
-                          </a:solidFill>
-                          <a:latin typeface="Gill Sans MT" panose="020B0502020104020203"/>
-                        </a:defRPr>
-                      </a:lvl7pPr>
-                      <a:lvl8pPr marL="2400300" algn="l" defTabSz="342900" rtl="0" eaLnBrk="1" latinLnBrk="0" hangingPunct="1">
-                        <a:defRPr sz="1350" kern="1200">
-                          <a:solidFill>
-                            <a:schemeClr val="dk1"/>
-                          </a:solidFill>
-                          <a:latin typeface="Gill Sans MT" panose="020B0502020104020203"/>
-                        </a:defRPr>
-                      </a:lvl8pPr>
-                      <a:lvl9pPr marL="2743200" algn="l" defTabSz="342900" rtl="0" eaLnBrk="1" latinLnBrk="0" hangingPunct="1">
-                        <a:defRPr sz="1350" kern="1200">
-                          <a:solidFill>
-                            <a:schemeClr val="dk1"/>
-                          </a:solidFill>
-                          <a:latin typeface="Gill Sans MT" panose="020B0502020104020203"/>
-                        </a:defRPr>
-                      </a:lvl9pPr>
-                    </a:lstStyle>
-                    <a:p>
-                      <a:pPr algn="ctr"/>
-                      <a:r>
-                        <a:rPr lang="en-US" b="1" i="0">
-                          <a:solidFill>
-                            <a:schemeClr val="tx1"/>
-                          </a:solidFill>
+                          <a:effectLst/>
+                          <a:uLnTx/>
+                          <a:uFillTx/>
                           <a:latin typeface="Times New Roman" panose="02020603050405020304" pitchFamily="18" charset="0"/>
+                          <a:ea typeface="+mn-ea"/>
                           <a:cs typeface="Times New Roman" panose="02020603050405020304" pitchFamily="18" charset="0"/>
                         </a:rPr>
                         <a:t>Enhances diffusion models using reinforcement learning.</a:t>
                       </a:r>
-                      <a:endParaRPr lang="en-US" b="1" i="0" dirty="0">
-                        <a:solidFill>
-                          <a:schemeClr val="tx1"/>
-                        </a:solidFill>
-                        <a:latin typeface="Times New Roman" panose="02020603050405020304" pitchFamily="18" charset="0"/>
-                        <a:cs typeface="Times New Roman" panose="02020603050405020304" pitchFamily="18" charset="0"/>
-                      </a:endParaRPr>
+                    </a:p>
+                    <a:p>
+                      <a:endParaRPr lang="en-IN" dirty="0"/>
                     </a:p>
                   </a:txBody>
-                  <a:tcPr anchor="ctr">
-                    <a:lnL w="12700">
-                      <a:solidFill>
-                        <a:sysClr val="windowText" lastClr="000000"/>
-                      </a:solidFill>
-                    </a:lnL>
-                    <a:lnR w="12700">
-                      <a:solidFill>
-                        <a:sysClr val="windowText" lastClr="000000"/>
-                      </a:solidFill>
-                    </a:lnR>
-                    <a:lnT w="12700">
-                      <a:solidFill>
-                        <a:sysClr val="windowText" lastClr="000000"/>
-                      </a:solidFill>
-                    </a:lnT>
-                    <a:lnB w="12700">
-                      <a:solidFill>
-                        <a:sysClr val="windowText" lastClr="000000"/>
-                      </a:solidFill>
-                    </a:lnB>
-                    <a:lnTlToBr w="12700" cmpd="sng">
-                      <a:noFill/>
-                      <a:prstDash val="solid"/>
-                    </a:lnTlToBr>
-                    <a:lnBlToTr w="12700" cmpd="sng">
-                      <a:noFill/>
-                      <a:prstDash val="solid"/>
-                    </a:lnBlToTr>
-                    <a:solidFill>
-                      <a:srgbClr val="EBEBEB"/>
-                    </a:solidFill>
-                  </a:tcPr>
+                  <a:tcPr/>
                 </a:tc>
                 <a:tc>
                   <a:txBody>
                     <a:bodyPr/>
-                    <a:lstStyle>
-                      <a:lvl1pPr marL="0" algn="l" defTabSz="342900" rtl="0" eaLnBrk="1" latinLnBrk="0" hangingPunct="1">
-                        <a:defRPr sz="1350" kern="1200">
+                    <a:lstStyle/>
+                    <a:p>
+                      <a:pPr marL="0" marR="0" lvl="0" indent="0" algn="ctr" defTabSz="342900" rtl="0" eaLnBrk="1" fontAlgn="auto" latinLnBrk="0" hangingPunct="1">
+                        <a:lnSpc>
+                          <a:spcPct val="100000"/>
+                        </a:lnSpc>
+                        <a:spcBef>
+                          <a:spcPts val="0"/>
+                        </a:spcBef>
+                        <a:spcAft>
+                          <a:spcPts val="0"/>
+                        </a:spcAft>
+                        <a:buClrTx/>
+                        <a:buSzTx/>
+                        <a:buFontTx/>
+                        <a:buNone/>
+                        <a:tabLst/>
+                        <a:defRPr/>
+                      </a:pPr>
+                      <a:r>
+                        <a:rPr kumimoji="0" lang="en-US" sz="1350" b="1" i="0" u="none" strike="noStrike" kern="1200" cap="none" spc="0" normalizeH="0" baseline="0" noProof="0" dirty="0">
+                          <a:ln>
+                            <a:noFill/>
+                          </a:ln>
                           <a:solidFill>
-                            <a:schemeClr val="dk1"/>
+                            <a:prstClr val="black"/>
                           </a:solidFill>
-                          <a:latin typeface="Gill Sans MT" panose="020B0502020104020203"/>
-                        </a:defRPr>
-                      </a:lvl1pPr>
-                      <a:lvl2pPr marL="342900" algn="l" defTabSz="342900" rtl="0" eaLnBrk="1" latinLnBrk="0" hangingPunct="1">
-                        <a:defRPr sz="1350" kern="1200">
-                          <a:solidFill>
-                            <a:schemeClr val="dk1"/>
-                          </a:solidFill>
-                          <a:latin typeface="Gill Sans MT" panose="020B0502020104020203"/>
-                        </a:defRPr>
-                      </a:lvl2pPr>
-                      <a:lvl3pPr marL="685800" algn="l" defTabSz="342900" rtl="0" eaLnBrk="1" latinLnBrk="0" hangingPunct="1">
-                        <a:defRPr sz="1350" kern="1200">
-                          <a:solidFill>
-                            <a:schemeClr val="dk1"/>
-                          </a:solidFill>
-                          <a:latin typeface="Gill Sans MT" panose="020B0502020104020203"/>
-                        </a:defRPr>
-                      </a:lvl3pPr>
-                      <a:lvl4pPr marL="1028700" algn="l" defTabSz="342900" rtl="0" eaLnBrk="1" latinLnBrk="0" hangingPunct="1">
-                        <a:defRPr sz="1350" kern="1200">
-                          <a:solidFill>
-                            <a:schemeClr val="dk1"/>
-                          </a:solidFill>
-                          <a:latin typeface="Gill Sans MT" panose="020B0502020104020203"/>
-                        </a:defRPr>
-                      </a:lvl4pPr>
-                      <a:lvl5pPr marL="1371600" algn="l" defTabSz="342900" rtl="0" eaLnBrk="1" latinLnBrk="0" hangingPunct="1">
-                        <a:defRPr sz="1350" kern="1200">
-                          <a:solidFill>
-                            <a:schemeClr val="dk1"/>
-                          </a:solidFill>
-                          <a:latin typeface="Gill Sans MT" panose="020B0502020104020203"/>
-                        </a:defRPr>
-                      </a:lvl5pPr>
-                      <a:lvl6pPr marL="1714500" algn="l" defTabSz="342900" rtl="0" eaLnBrk="1" latinLnBrk="0" hangingPunct="1">
-                        <a:defRPr sz="1350" kern="1200">
-                          <a:solidFill>
-                            <a:schemeClr val="dk1"/>
-                          </a:solidFill>
-                          <a:latin typeface="Gill Sans MT" panose="020B0502020104020203"/>
-                        </a:defRPr>
-                      </a:lvl6pPr>
-                      <a:lvl7pPr marL="2057400" algn="l" defTabSz="342900" rtl="0" eaLnBrk="1" latinLnBrk="0" hangingPunct="1">
-                        <a:defRPr sz="1350" kern="1200">
-                          <a:solidFill>
-                            <a:schemeClr val="dk1"/>
-                          </a:solidFill>
-                          <a:latin typeface="Gill Sans MT" panose="020B0502020104020203"/>
-                        </a:defRPr>
-                      </a:lvl7pPr>
-                      <a:lvl8pPr marL="2400300" algn="l" defTabSz="342900" rtl="0" eaLnBrk="1" latinLnBrk="0" hangingPunct="1">
-                        <a:defRPr sz="1350" kern="1200">
-                          <a:solidFill>
-                            <a:schemeClr val="dk1"/>
-                          </a:solidFill>
-                          <a:latin typeface="Gill Sans MT" panose="020B0502020104020203"/>
-                        </a:defRPr>
-                      </a:lvl8pPr>
-                      <a:lvl9pPr marL="2743200" algn="l" defTabSz="342900" rtl="0" eaLnBrk="1" latinLnBrk="0" hangingPunct="1">
-                        <a:defRPr sz="1350" kern="1200">
-                          <a:solidFill>
-                            <a:schemeClr val="dk1"/>
-                          </a:solidFill>
-                          <a:latin typeface="Gill Sans MT" panose="020B0502020104020203"/>
-                        </a:defRPr>
-                      </a:lvl9pPr>
-                    </a:lstStyle>
-                    <a:p>
-                      <a:pPr algn="ctr"/>
-                      <a:r>
-                        <a:rPr lang="en-US" b="1" i="0" dirty="0">
-                          <a:solidFill>
-                            <a:schemeClr val="tx1"/>
-                          </a:solidFill>
+                          <a:effectLst/>
+                          <a:uLnTx/>
+                          <a:uFillTx/>
                           <a:latin typeface="Times New Roman" panose="02020603050405020304" pitchFamily="18" charset="0"/>
+                          <a:ea typeface="+mn-ea"/>
                           <a:cs typeface="Times New Roman" panose="02020603050405020304" pitchFamily="18" charset="0"/>
                         </a:rPr>
                         <a:t>Generalization issues; high computational cost.</a:t>
                       </a:r>
                     </a:p>
+                    <a:p>
+                      <a:endParaRPr lang="en-IN" dirty="0"/>
+                    </a:p>
                   </a:txBody>
-                  <a:tcPr anchor="ctr">
-                    <a:lnL w="12700">
-                      <a:solidFill>
-                        <a:sysClr val="windowText" lastClr="000000"/>
-                      </a:solidFill>
-                    </a:lnL>
-                    <a:lnR w="12700">
-                      <a:solidFill>
-                        <a:sysClr val="windowText" lastClr="000000"/>
-                      </a:solidFill>
-                    </a:lnR>
-                    <a:lnT w="12700">
-                      <a:solidFill>
-                        <a:sysClr val="windowText" lastClr="000000"/>
-                      </a:solidFill>
-                    </a:lnT>
-                    <a:lnB w="12700">
-                      <a:solidFill>
-                        <a:sysClr val="windowText" lastClr="000000"/>
-                      </a:solidFill>
-                    </a:lnB>
-                    <a:lnTlToBr w="12700" cmpd="sng">
-                      <a:noFill/>
-                      <a:prstDash val="solid"/>
-                    </a:lnTlToBr>
-                    <a:lnBlToTr w="12700" cmpd="sng">
-                      <a:noFill/>
-                      <a:prstDash val="solid"/>
-                    </a:lnBlToTr>
-                    <a:solidFill>
-                      <a:srgbClr val="EBEBEB"/>
-                    </a:solidFill>
-                  </a:tcPr>
+                  <a:tcPr/>
                 </a:tc>
                 <a:extLst>
                   <a:ext uri="{0D108BD9-81ED-4DB2-BD59-A6C34878D82A}">
-                    <a16:rowId xmlns:a16="http://schemas.microsoft.com/office/drawing/2014/main" val="4169843404"/>
+                    <a16:rowId xmlns:a16="http://schemas.microsoft.com/office/drawing/2014/main" val="417664965"/>
                   </a:ext>
                 </a:extLst>
               </a:tr>
-              <a:tr h="671517">
+              <a:tr h="934472">
                 <a:tc>
                   <a:txBody>
                     <a:bodyPr/>
-                    <a:lstStyle>
-                      <a:lvl1pPr marL="0" algn="l" defTabSz="342900" rtl="0" eaLnBrk="1" latinLnBrk="0" hangingPunct="1">
-                        <a:defRPr sz="1350" kern="1200">
+                    <a:lstStyle/>
+                    <a:p>
+                      <a:pPr marL="0" marR="0" lvl="0" indent="0" algn="ctr" defTabSz="342900" rtl="0" eaLnBrk="1" fontAlgn="auto" latinLnBrk="0" hangingPunct="1">
+                        <a:lnSpc>
+                          <a:spcPct val="100000"/>
+                        </a:lnSpc>
+                        <a:spcBef>
+                          <a:spcPts val="0"/>
+                        </a:spcBef>
+                        <a:spcAft>
+                          <a:spcPts val="0"/>
+                        </a:spcAft>
+                        <a:buClrTx/>
+                        <a:buSzTx/>
+                        <a:buFontTx/>
+                        <a:buNone/>
+                        <a:tabLst/>
+                        <a:defRPr/>
+                      </a:pPr>
+                      <a:endParaRPr kumimoji="0" lang="en-US" sz="1350" b="1" i="0" u="none" strike="noStrike" kern="1200" cap="none" spc="0" normalizeH="0" baseline="0" noProof="0" dirty="0">
+                        <a:ln>
+                          <a:noFill/>
+                        </a:ln>
+                        <a:solidFill>
+                          <a:prstClr val="black"/>
+                        </a:solidFill>
+                        <a:effectLst/>
+                        <a:uLnTx/>
+                        <a:uFillTx/>
+                        <a:latin typeface="Times New Roman" panose="02020603050405020304" pitchFamily="18" charset="0"/>
+                        <a:ea typeface="+mn-ea"/>
+                        <a:cs typeface="Times New Roman" panose="02020603050405020304" pitchFamily="18" charset="0"/>
+                      </a:endParaRPr>
+                    </a:p>
+                    <a:p>
+                      <a:pPr marL="0" marR="0" lvl="0" indent="0" algn="ctr" defTabSz="342900" rtl="0" eaLnBrk="1" fontAlgn="auto" latinLnBrk="0" hangingPunct="1">
+                        <a:lnSpc>
+                          <a:spcPct val="100000"/>
+                        </a:lnSpc>
+                        <a:spcBef>
+                          <a:spcPts val="0"/>
+                        </a:spcBef>
+                        <a:spcAft>
+                          <a:spcPts val="0"/>
+                        </a:spcAft>
+                        <a:buClrTx/>
+                        <a:buSzTx/>
+                        <a:buFontTx/>
+                        <a:buNone/>
+                        <a:tabLst/>
+                        <a:defRPr/>
+                      </a:pPr>
+                      <a:r>
+                        <a:rPr kumimoji="0" lang="en-US" sz="1350" b="1" i="0" u="none" strike="noStrike" kern="1200" cap="none" spc="0" normalizeH="0" baseline="0" noProof="0" dirty="0">
+                          <a:ln>
+                            <a:noFill/>
+                          </a:ln>
                           <a:solidFill>
-                            <a:schemeClr val="dk1"/>
+                            <a:prstClr val="black"/>
                           </a:solidFill>
-                          <a:latin typeface="Gill Sans MT" panose="020B0502020104020203"/>
-                        </a:defRPr>
-                      </a:lvl1pPr>
-                      <a:lvl2pPr marL="342900" algn="l" defTabSz="342900" rtl="0" eaLnBrk="1" latinLnBrk="0" hangingPunct="1">
-                        <a:defRPr sz="1350" kern="1200">
-                          <a:solidFill>
-                            <a:schemeClr val="dk1"/>
-                          </a:solidFill>
-                          <a:latin typeface="Gill Sans MT" panose="020B0502020104020203"/>
-                        </a:defRPr>
-                      </a:lvl2pPr>
-                      <a:lvl3pPr marL="685800" algn="l" defTabSz="342900" rtl="0" eaLnBrk="1" latinLnBrk="0" hangingPunct="1">
-                        <a:defRPr sz="1350" kern="1200">
-                          <a:solidFill>
-                            <a:schemeClr val="dk1"/>
-                          </a:solidFill>
-                          <a:latin typeface="Gill Sans MT" panose="020B0502020104020203"/>
-                        </a:defRPr>
-                      </a:lvl3pPr>
-                      <a:lvl4pPr marL="1028700" algn="l" defTabSz="342900" rtl="0" eaLnBrk="1" latinLnBrk="0" hangingPunct="1">
-                        <a:defRPr sz="1350" kern="1200">
-                          <a:solidFill>
-                            <a:schemeClr val="dk1"/>
-                          </a:solidFill>
-                          <a:latin typeface="Gill Sans MT" panose="020B0502020104020203"/>
-                        </a:defRPr>
-                      </a:lvl4pPr>
-                      <a:lvl5pPr marL="1371600" algn="l" defTabSz="342900" rtl="0" eaLnBrk="1" latinLnBrk="0" hangingPunct="1">
-                        <a:defRPr sz="1350" kern="1200">
-                          <a:solidFill>
-                            <a:schemeClr val="dk1"/>
-                          </a:solidFill>
-                          <a:latin typeface="Gill Sans MT" panose="020B0502020104020203"/>
-                        </a:defRPr>
-                      </a:lvl5pPr>
-                      <a:lvl6pPr marL="1714500" algn="l" defTabSz="342900" rtl="0" eaLnBrk="1" latinLnBrk="0" hangingPunct="1">
-                        <a:defRPr sz="1350" kern="1200">
-                          <a:solidFill>
-                            <a:schemeClr val="dk1"/>
-                          </a:solidFill>
-                          <a:latin typeface="Gill Sans MT" panose="020B0502020104020203"/>
-                        </a:defRPr>
-                      </a:lvl6pPr>
-                      <a:lvl7pPr marL="2057400" algn="l" defTabSz="342900" rtl="0" eaLnBrk="1" latinLnBrk="0" hangingPunct="1">
-                        <a:defRPr sz="1350" kern="1200">
-                          <a:solidFill>
-                            <a:schemeClr val="dk1"/>
-                          </a:solidFill>
-                          <a:latin typeface="Gill Sans MT" panose="020B0502020104020203"/>
-                        </a:defRPr>
-                      </a:lvl7pPr>
-                      <a:lvl8pPr marL="2400300" algn="l" defTabSz="342900" rtl="0" eaLnBrk="1" latinLnBrk="0" hangingPunct="1">
-                        <a:defRPr sz="1350" kern="1200">
-                          <a:solidFill>
-                            <a:schemeClr val="dk1"/>
-                          </a:solidFill>
-                          <a:latin typeface="Gill Sans MT" panose="020B0502020104020203"/>
-                        </a:defRPr>
-                      </a:lvl8pPr>
-                      <a:lvl9pPr marL="2743200" algn="l" defTabSz="342900" rtl="0" eaLnBrk="1" latinLnBrk="0" hangingPunct="1">
-                        <a:defRPr sz="1350" kern="1200">
-                          <a:solidFill>
-                            <a:schemeClr val="dk1"/>
-                          </a:solidFill>
-                          <a:latin typeface="Gill Sans MT" panose="020B0502020104020203"/>
-                        </a:defRPr>
-                      </a:lvl9pPr>
-                    </a:lstStyle>
-                    <a:p>
-                      <a:pPr algn="ctr"/>
-                      <a:r>
-                        <a:rPr lang="en-US" b="1" i="0">
-                          <a:solidFill>
-                            <a:schemeClr val="tx1"/>
-                          </a:solidFill>
+                          <a:effectLst/>
+                          <a:uLnTx/>
+                          <a:uFillTx/>
                           <a:latin typeface="Times New Roman" panose="02020603050405020304" pitchFamily="18" charset="0"/>
+                          <a:ea typeface="+mn-ea"/>
                           <a:cs typeface="Times New Roman" panose="02020603050405020304" pitchFamily="18" charset="0"/>
                         </a:rPr>
                         <a:t>2.</a:t>
                       </a:r>
                     </a:p>
+                    <a:p>
+                      <a:endParaRPr lang="en-IN" dirty="0"/>
+                    </a:p>
                   </a:txBody>
-                  <a:tcPr anchor="ctr">
-                    <a:lnL w="12700">
-                      <a:solidFill>
-                        <a:sysClr val="windowText" lastClr="000000"/>
-                      </a:solidFill>
-                    </a:lnL>
-                    <a:lnR w="12700">
-                      <a:solidFill>
-                        <a:sysClr val="windowText" lastClr="000000"/>
-                      </a:solidFill>
-                    </a:lnR>
-                    <a:lnT w="12700">
-                      <a:solidFill>
-                        <a:sysClr val="windowText" lastClr="000000"/>
-                      </a:solidFill>
-                    </a:lnT>
-                    <a:lnB w="12700">
-                      <a:solidFill>
-                        <a:sysClr val="windowText" lastClr="000000"/>
-                      </a:solidFill>
-                    </a:lnB>
-                    <a:lnTlToBr w="12700" cmpd="sng">
-                      <a:noFill/>
-                      <a:prstDash val="solid"/>
-                    </a:lnTlToBr>
-                    <a:lnBlToTr w="12700" cmpd="sng">
-                      <a:noFill/>
-                      <a:prstDash val="solid"/>
-                    </a:lnBlToTr>
-                    <a:solidFill>
-                      <a:srgbClr val="4D1434">
-                        <a:tint val="20000"/>
-                      </a:srgbClr>
-                    </a:solidFill>
-                  </a:tcPr>
+                  <a:tcPr/>
                 </a:tc>
                 <a:tc>
                   <a:txBody>
                     <a:bodyPr/>
-                    <a:lstStyle>
-                      <a:lvl1pPr marL="0" algn="l" defTabSz="342900" rtl="0" eaLnBrk="1" latinLnBrk="0" hangingPunct="1">
-                        <a:defRPr sz="1350" kern="1200">
+                    <a:lstStyle/>
+                    <a:p>
+                      <a:pPr marL="0" marR="0" lvl="0" indent="0" algn="ctr" defTabSz="342900" rtl="0" eaLnBrk="1" fontAlgn="auto" latinLnBrk="0" hangingPunct="1">
+                        <a:lnSpc>
+                          <a:spcPct val="100000"/>
+                        </a:lnSpc>
+                        <a:spcBef>
+                          <a:spcPts val="0"/>
+                        </a:spcBef>
+                        <a:spcAft>
+                          <a:spcPts val="0"/>
+                        </a:spcAft>
+                        <a:buClrTx/>
+                        <a:buSzTx/>
+                        <a:buFontTx/>
+                        <a:buNone/>
+                        <a:tabLst/>
+                        <a:defRPr/>
+                      </a:pPr>
+                      <a:endParaRPr kumimoji="0" lang="en-US" sz="1350" b="1" i="0" u="none" strike="noStrike" kern="1200" cap="none" spc="0" normalizeH="0" baseline="0" noProof="0" dirty="0">
+                        <a:ln>
+                          <a:noFill/>
+                        </a:ln>
+                        <a:solidFill>
+                          <a:prstClr val="black"/>
+                        </a:solidFill>
+                        <a:effectLst/>
+                        <a:uLnTx/>
+                        <a:uFillTx/>
+                        <a:latin typeface="Times New Roman" panose="02020603050405020304" pitchFamily="18" charset="0"/>
+                        <a:ea typeface="+mn-ea"/>
+                        <a:cs typeface="Times New Roman" panose="02020603050405020304" pitchFamily="18" charset="0"/>
+                      </a:endParaRPr>
+                    </a:p>
+                    <a:p>
+                      <a:pPr marL="0" marR="0" lvl="0" indent="0" algn="ctr" defTabSz="342900" rtl="0" eaLnBrk="1" fontAlgn="auto" latinLnBrk="0" hangingPunct="1">
+                        <a:lnSpc>
+                          <a:spcPct val="100000"/>
+                        </a:lnSpc>
+                        <a:spcBef>
+                          <a:spcPts val="0"/>
+                        </a:spcBef>
+                        <a:spcAft>
+                          <a:spcPts val="0"/>
+                        </a:spcAft>
+                        <a:buClrTx/>
+                        <a:buSzTx/>
+                        <a:buFontTx/>
+                        <a:buNone/>
+                        <a:tabLst/>
+                        <a:defRPr/>
+                      </a:pPr>
+                      <a:r>
+                        <a:rPr kumimoji="0" lang="en-US" sz="1350" b="1" i="0" u="none" strike="noStrike" kern="1200" cap="none" spc="0" normalizeH="0" baseline="0" noProof="0" dirty="0">
+                          <a:ln>
+                            <a:noFill/>
+                          </a:ln>
                           <a:solidFill>
-                            <a:schemeClr val="dk1"/>
+                            <a:prstClr val="black"/>
                           </a:solidFill>
-                          <a:latin typeface="Gill Sans MT" panose="020B0502020104020203"/>
-                        </a:defRPr>
-                      </a:lvl1pPr>
-                      <a:lvl2pPr marL="342900" algn="l" defTabSz="342900" rtl="0" eaLnBrk="1" latinLnBrk="0" hangingPunct="1">
-                        <a:defRPr sz="1350" kern="1200">
-                          <a:solidFill>
-                            <a:schemeClr val="dk1"/>
-                          </a:solidFill>
-                          <a:latin typeface="Gill Sans MT" panose="020B0502020104020203"/>
-                        </a:defRPr>
-                      </a:lvl2pPr>
-                      <a:lvl3pPr marL="685800" algn="l" defTabSz="342900" rtl="0" eaLnBrk="1" latinLnBrk="0" hangingPunct="1">
-                        <a:defRPr sz="1350" kern="1200">
-                          <a:solidFill>
-                            <a:schemeClr val="dk1"/>
-                          </a:solidFill>
-                          <a:latin typeface="Gill Sans MT" panose="020B0502020104020203"/>
-                        </a:defRPr>
-                      </a:lvl3pPr>
-                      <a:lvl4pPr marL="1028700" algn="l" defTabSz="342900" rtl="0" eaLnBrk="1" latinLnBrk="0" hangingPunct="1">
-                        <a:defRPr sz="1350" kern="1200">
-                          <a:solidFill>
-                            <a:schemeClr val="dk1"/>
-                          </a:solidFill>
-                          <a:latin typeface="Gill Sans MT" panose="020B0502020104020203"/>
-                        </a:defRPr>
-                      </a:lvl4pPr>
-                      <a:lvl5pPr marL="1371600" algn="l" defTabSz="342900" rtl="0" eaLnBrk="1" latinLnBrk="0" hangingPunct="1">
-                        <a:defRPr sz="1350" kern="1200">
-                          <a:solidFill>
-                            <a:schemeClr val="dk1"/>
-                          </a:solidFill>
-                          <a:latin typeface="Gill Sans MT" panose="020B0502020104020203"/>
-                        </a:defRPr>
-                      </a:lvl5pPr>
-                      <a:lvl6pPr marL="1714500" algn="l" defTabSz="342900" rtl="0" eaLnBrk="1" latinLnBrk="0" hangingPunct="1">
-                        <a:defRPr sz="1350" kern="1200">
-                          <a:solidFill>
-                            <a:schemeClr val="dk1"/>
-                          </a:solidFill>
-                          <a:latin typeface="Gill Sans MT" panose="020B0502020104020203"/>
-                        </a:defRPr>
-                      </a:lvl6pPr>
-                      <a:lvl7pPr marL="2057400" algn="l" defTabSz="342900" rtl="0" eaLnBrk="1" latinLnBrk="0" hangingPunct="1">
-                        <a:defRPr sz="1350" kern="1200">
-                          <a:solidFill>
-                            <a:schemeClr val="dk1"/>
-                          </a:solidFill>
-                          <a:latin typeface="Gill Sans MT" panose="020B0502020104020203"/>
-                        </a:defRPr>
-                      </a:lvl7pPr>
-                      <a:lvl8pPr marL="2400300" algn="l" defTabSz="342900" rtl="0" eaLnBrk="1" latinLnBrk="0" hangingPunct="1">
-                        <a:defRPr sz="1350" kern="1200">
-                          <a:solidFill>
-                            <a:schemeClr val="dk1"/>
-                          </a:solidFill>
-                          <a:latin typeface="Gill Sans MT" panose="020B0502020104020203"/>
-                        </a:defRPr>
-                      </a:lvl8pPr>
-                      <a:lvl9pPr marL="2743200" algn="l" defTabSz="342900" rtl="0" eaLnBrk="1" latinLnBrk="0" hangingPunct="1">
-                        <a:defRPr sz="1350" kern="1200">
-                          <a:solidFill>
-                            <a:schemeClr val="dk1"/>
-                          </a:solidFill>
-                          <a:latin typeface="Gill Sans MT" panose="020B0502020104020203"/>
-                        </a:defRPr>
-                      </a:lvl9pPr>
-                    </a:lstStyle>
-                    <a:p>
-                      <a:pPr algn="ctr"/>
-                      <a:r>
-                        <a:rPr lang="en-US" b="1" i="0" dirty="0">
-                          <a:solidFill>
-                            <a:schemeClr val="tx1"/>
-                          </a:solidFill>
+                          <a:effectLst/>
+                          <a:uLnTx/>
+                          <a:uFillTx/>
                           <a:latin typeface="Times New Roman" panose="02020603050405020304" pitchFamily="18" charset="0"/>
+                          <a:ea typeface="+mn-ea"/>
                           <a:cs typeface="Times New Roman" panose="02020603050405020304" pitchFamily="18" charset="0"/>
                         </a:rPr>
                         <a:t>Wenliang Zhao</a:t>
                       </a:r>
                     </a:p>
+                    <a:p>
+                      <a:endParaRPr lang="en-IN" dirty="0"/>
+                    </a:p>
                   </a:txBody>
-                  <a:tcPr anchor="ctr">
-                    <a:lnL w="12700">
-                      <a:solidFill>
-                        <a:sysClr val="windowText" lastClr="000000"/>
-                      </a:solidFill>
-                    </a:lnL>
-                    <a:lnR w="12700">
-                      <a:solidFill>
-                        <a:sysClr val="windowText" lastClr="000000"/>
-                      </a:solidFill>
-                    </a:lnR>
-                    <a:lnT w="12700">
-                      <a:solidFill>
-                        <a:sysClr val="windowText" lastClr="000000"/>
-                      </a:solidFill>
-                    </a:lnT>
-                    <a:lnB w="12700">
-                      <a:solidFill>
-                        <a:sysClr val="windowText" lastClr="000000"/>
-                      </a:solidFill>
-                    </a:lnB>
-                    <a:lnTlToBr w="12700" cmpd="sng">
-                      <a:noFill/>
-                      <a:prstDash val="solid"/>
-                    </a:lnTlToBr>
-                    <a:lnBlToTr w="12700" cmpd="sng">
-                      <a:noFill/>
-                      <a:prstDash val="solid"/>
-                    </a:lnBlToTr>
-                    <a:solidFill>
-                      <a:srgbClr val="4D1434">
-                        <a:tint val="20000"/>
-                      </a:srgbClr>
-                    </a:solidFill>
-                  </a:tcPr>
+                  <a:tcPr/>
                 </a:tc>
                 <a:tc>
                   <a:txBody>
                     <a:bodyPr/>
-                    <a:lstStyle>
-                      <a:lvl1pPr marL="0" algn="l" defTabSz="342900" rtl="0" eaLnBrk="1" latinLnBrk="0" hangingPunct="1">
-                        <a:defRPr sz="1350" kern="1200">
+                    <a:lstStyle/>
+                    <a:p>
+                      <a:pPr marL="0" marR="0" lvl="0" indent="0" algn="ctr" defTabSz="342900" rtl="0" eaLnBrk="1" fontAlgn="auto" latinLnBrk="0" hangingPunct="1">
+                        <a:lnSpc>
+                          <a:spcPct val="100000"/>
+                        </a:lnSpc>
+                        <a:spcBef>
+                          <a:spcPts val="0"/>
+                        </a:spcBef>
+                        <a:spcAft>
+                          <a:spcPts val="0"/>
+                        </a:spcAft>
+                        <a:buClrTx/>
+                        <a:buSzTx/>
+                        <a:buFontTx/>
+                        <a:buNone/>
+                        <a:tabLst/>
+                        <a:defRPr/>
+                      </a:pPr>
+                      <a:r>
+                        <a:rPr kumimoji="0" lang="en-US" sz="1350" b="1" i="0" u="none" strike="noStrike" kern="1200" cap="none" spc="0" normalizeH="0" baseline="0" noProof="0" dirty="0">
+                          <a:ln>
+                            <a:noFill/>
+                          </a:ln>
                           <a:solidFill>
-                            <a:schemeClr val="dk1"/>
+                            <a:prstClr val="black"/>
                           </a:solidFill>
-                          <a:latin typeface="Gill Sans MT" panose="020B0502020104020203"/>
-                        </a:defRPr>
-                      </a:lvl1pPr>
-                      <a:lvl2pPr marL="342900" algn="l" defTabSz="342900" rtl="0" eaLnBrk="1" latinLnBrk="0" hangingPunct="1">
-                        <a:defRPr sz="1350" kern="1200">
-                          <a:solidFill>
-                            <a:schemeClr val="dk1"/>
-                          </a:solidFill>
-                          <a:latin typeface="Gill Sans MT" panose="020B0502020104020203"/>
-                        </a:defRPr>
-                      </a:lvl2pPr>
-                      <a:lvl3pPr marL="685800" algn="l" defTabSz="342900" rtl="0" eaLnBrk="1" latinLnBrk="0" hangingPunct="1">
-                        <a:defRPr sz="1350" kern="1200">
-                          <a:solidFill>
-                            <a:schemeClr val="dk1"/>
-                          </a:solidFill>
-                          <a:latin typeface="Gill Sans MT" panose="020B0502020104020203"/>
-                        </a:defRPr>
-                      </a:lvl3pPr>
-                      <a:lvl4pPr marL="1028700" algn="l" defTabSz="342900" rtl="0" eaLnBrk="1" latinLnBrk="0" hangingPunct="1">
-                        <a:defRPr sz="1350" kern="1200">
-                          <a:solidFill>
-                            <a:schemeClr val="dk1"/>
-                          </a:solidFill>
-                          <a:latin typeface="Gill Sans MT" panose="020B0502020104020203"/>
-                        </a:defRPr>
-                      </a:lvl4pPr>
-                      <a:lvl5pPr marL="1371600" algn="l" defTabSz="342900" rtl="0" eaLnBrk="1" latinLnBrk="0" hangingPunct="1">
-                        <a:defRPr sz="1350" kern="1200">
-                          <a:solidFill>
-                            <a:schemeClr val="dk1"/>
-                          </a:solidFill>
-                          <a:latin typeface="Gill Sans MT" panose="020B0502020104020203"/>
-                        </a:defRPr>
-                      </a:lvl5pPr>
-                      <a:lvl6pPr marL="1714500" algn="l" defTabSz="342900" rtl="0" eaLnBrk="1" latinLnBrk="0" hangingPunct="1">
-                        <a:defRPr sz="1350" kern="1200">
-                          <a:solidFill>
-                            <a:schemeClr val="dk1"/>
-                          </a:solidFill>
-                          <a:latin typeface="Gill Sans MT" panose="020B0502020104020203"/>
-                        </a:defRPr>
-                      </a:lvl6pPr>
-                      <a:lvl7pPr marL="2057400" algn="l" defTabSz="342900" rtl="0" eaLnBrk="1" latinLnBrk="0" hangingPunct="1">
-                        <a:defRPr sz="1350" kern="1200">
-                          <a:solidFill>
-                            <a:schemeClr val="dk1"/>
-                          </a:solidFill>
-                          <a:latin typeface="Gill Sans MT" panose="020B0502020104020203"/>
-                        </a:defRPr>
-                      </a:lvl7pPr>
-                      <a:lvl8pPr marL="2400300" algn="l" defTabSz="342900" rtl="0" eaLnBrk="1" latinLnBrk="0" hangingPunct="1">
-                        <a:defRPr sz="1350" kern="1200">
-                          <a:solidFill>
-                            <a:schemeClr val="dk1"/>
-                          </a:solidFill>
-                          <a:latin typeface="Gill Sans MT" panose="020B0502020104020203"/>
-                        </a:defRPr>
-                      </a:lvl8pPr>
-                      <a:lvl9pPr marL="2743200" algn="l" defTabSz="342900" rtl="0" eaLnBrk="1" latinLnBrk="0" hangingPunct="1">
-                        <a:defRPr sz="1350" kern="1200">
-                          <a:solidFill>
-                            <a:schemeClr val="dk1"/>
-                          </a:solidFill>
-                          <a:latin typeface="Gill Sans MT" panose="020B0502020104020203"/>
-                        </a:defRPr>
-                      </a:lvl9pPr>
-                    </a:lstStyle>
-                    <a:p>
-                      <a:pPr algn="ctr"/>
-                      <a:r>
-                        <a:rPr lang="en-US" b="1" i="0" dirty="0">
-                          <a:solidFill>
-                            <a:schemeClr val="tx1"/>
-                          </a:solidFill>
+                          <a:effectLst/>
+                          <a:uLnTx/>
+                          <a:uFillTx/>
                           <a:latin typeface="Times New Roman" panose="02020603050405020304" pitchFamily="18" charset="0"/>
+                          <a:ea typeface="+mn-ea"/>
                           <a:cs typeface="Times New Roman" panose="02020603050405020304" pitchFamily="18" charset="0"/>
                         </a:rPr>
                         <a:t>Unleashing Text-to-Image Diffusion Models for Visual Perception</a:t>
                       </a:r>
                     </a:p>
+                    <a:p>
+                      <a:endParaRPr lang="en-IN" dirty="0"/>
+                    </a:p>
                   </a:txBody>
-                  <a:tcPr anchor="ctr">
-                    <a:lnL w="12700">
-                      <a:solidFill>
-                        <a:sysClr val="windowText" lastClr="000000"/>
-                      </a:solidFill>
-                    </a:lnL>
-                    <a:lnR w="12700">
-                      <a:solidFill>
-                        <a:sysClr val="windowText" lastClr="000000"/>
-                      </a:solidFill>
-                    </a:lnR>
-                    <a:lnT w="12700">
-                      <a:solidFill>
-                        <a:sysClr val="windowText" lastClr="000000"/>
-                      </a:solidFill>
-                    </a:lnT>
-                    <a:lnB w="12700">
-                      <a:solidFill>
-                        <a:sysClr val="windowText" lastClr="000000"/>
-                      </a:solidFill>
-                    </a:lnB>
-                    <a:lnTlToBr w="12700" cmpd="sng">
-                      <a:noFill/>
-                      <a:prstDash val="solid"/>
-                    </a:lnTlToBr>
-                    <a:lnBlToTr w="12700" cmpd="sng">
-                      <a:noFill/>
-                      <a:prstDash val="solid"/>
-                    </a:lnBlToTr>
-                    <a:solidFill>
-                      <a:srgbClr val="4D1434">
-                        <a:tint val="20000"/>
-                      </a:srgbClr>
-                    </a:solidFill>
-                  </a:tcPr>
+                  <a:tcPr/>
                 </a:tc>
                 <a:tc>
                   <a:txBody>
                     <a:bodyPr/>
-                    <a:lstStyle>
-                      <a:lvl1pPr marL="0" algn="l" defTabSz="342900" rtl="0" eaLnBrk="1" latinLnBrk="0" hangingPunct="1">
-                        <a:defRPr sz="1350" kern="1200">
+                    <a:lstStyle/>
+                    <a:p>
+                      <a:pPr marL="0" marR="0" lvl="0" indent="0" algn="ctr" defTabSz="342900" rtl="0" eaLnBrk="1" fontAlgn="auto" latinLnBrk="0" hangingPunct="1">
+                        <a:lnSpc>
+                          <a:spcPct val="100000"/>
+                        </a:lnSpc>
+                        <a:spcBef>
+                          <a:spcPts val="0"/>
+                        </a:spcBef>
+                        <a:spcAft>
+                          <a:spcPts val="0"/>
+                        </a:spcAft>
+                        <a:buClrTx/>
+                        <a:buSzTx/>
+                        <a:buFontTx/>
+                        <a:buNone/>
+                        <a:tabLst/>
+                        <a:defRPr/>
+                      </a:pPr>
+                      <a:endParaRPr kumimoji="0" lang="en-US" sz="1350" b="1" i="0" u="none" strike="noStrike" kern="1200" cap="none" spc="0" normalizeH="0" baseline="0" noProof="0" dirty="0">
+                        <a:ln>
+                          <a:noFill/>
+                        </a:ln>
+                        <a:solidFill>
+                          <a:prstClr val="black"/>
+                        </a:solidFill>
+                        <a:effectLst/>
+                        <a:uLnTx/>
+                        <a:uFillTx/>
+                        <a:latin typeface="Times New Roman" panose="02020603050405020304" pitchFamily="18" charset="0"/>
+                        <a:ea typeface="+mn-ea"/>
+                        <a:cs typeface="Times New Roman" panose="02020603050405020304" pitchFamily="18" charset="0"/>
+                      </a:endParaRPr>
+                    </a:p>
+                    <a:p>
+                      <a:pPr marL="0" marR="0" lvl="0" indent="0" algn="ctr" defTabSz="342900" rtl="0" eaLnBrk="1" fontAlgn="auto" latinLnBrk="0" hangingPunct="1">
+                        <a:lnSpc>
+                          <a:spcPct val="100000"/>
+                        </a:lnSpc>
+                        <a:spcBef>
+                          <a:spcPts val="0"/>
+                        </a:spcBef>
+                        <a:spcAft>
+                          <a:spcPts val="0"/>
+                        </a:spcAft>
+                        <a:buClrTx/>
+                        <a:buSzTx/>
+                        <a:buFontTx/>
+                        <a:buNone/>
+                        <a:tabLst/>
+                        <a:defRPr/>
+                      </a:pPr>
+                      <a:r>
+                        <a:rPr kumimoji="0" lang="en-US" sz="1350" b="1" i="0" u="none" strike="noStrike" kern="1200" cap="none" spc="0" normalizeH="0" baseline="0" noProof="0" dirty="0">
+                          <a:ln>
+                            <a:noFill/>
+                          </a:ln>
                           <a:solidFill>
-                            <a:schemeClr val="dk1"/>
+                            <a:prstClr val="black"/>
                           </a:solidFill>
-                          <a:latin typeface="Gill Sans MT" panose="020B0502020104020203"/>
-                        </a:defRPr>
-                      </a:lvl1pPr>
-                      <a:lvl2pPr marL="342900" algn="l" defTabSz="342900" rtl="0" eaLnBrk="1" latinLnBrk="0" hangingPunct="1">
-                        <a:defRPr sz="1350" kern="1200">
-                          <a:solidFill>
-                            <a:schemeClr val="dk1"/>
-                          </a:solidFill>
-                          <a:latin typeface="Gill Sans MT" panose="020B0502020104020203"/>
-                        </a:defRPr>
-                      </a:lvl2pPr>
-                      <a:lvl3pPr marL="685800" algn="l" defTabSz="342900" rtl="0" eaLnBrk="1" latinLnBrk="0" hangingPunct="1">
-                        <a:defRPr sz="1350" kern="1200">
-                          <a:solidFill>
-                            <a:schemeClr val="dk1"/>
-                          </a:solidFill>
-                          <a:latin typeface="Gill Sans MT" panose="020B0502020104020203"/>
-                        </a:defRPr>
-                      </a:lvl3pPr>
-                      <a:lvl4pPr marL="1028700" algn="l" defTabSz="342900" rtl="0" eaLnBrk="1" latinLnBrk="0" hangingPunct="1">
-                        <a:defRPr sz="1350" kern="1200">
-                          <a:solidFill>
-                            <a:schemeClr val="dk1"/>
-                          </a:solidFill>
-                          <a:latin typeface="Gill Sans MT" panose="020B0502020104020203"/>
-                        </a:defRPr>
-                      </a:lvl4pPr>
-                      <a:lvl5pPr marL="1371600" algn="l" defTabSz="342900" rtl="0" eaLnBrk="1" latinLnBrk="0" hangingPunct="1">
-                        <a:defRPr sz="1350" kern="1200">
-                          <a:solidFill>
-                            <a:schemeClr val="dk1"/>
-                          </a:solidFill>
-                          <a:latin typeface="Gill Sans MT" panose="020B0502020104020203"/>
-                        </a:defRPr>
-                      </a:lvl5pPr>
-                      <a:lvl6pPr marL="1714500" algn="l" defTabSz="342900" rtl="0" eaLnBrk="1" latinLnBrk="0" hangingPunct="1">
-                        <a:defRPr sz="1350" kern="1200">
-                          <a:solidFill>
-                            <a:schemeClr val="dk1"/>
-                          </a:solidFill>
-                          <a:latin typeface="Gill Sans MT" panose="020B0502020104020203"/>
-                        </a:defRPr>
-                      </a:lvl6pPr>
-                      <a:lvl7pPr marL="2057400" algn="l" defTabSz="342900" rtl="0" eaLnBrk="1" latinLnBrk="0" hangingPunct="1">
-                        <a:defRPr sz="1350" kern="1200">
-                          <a:solidFill>
-                            <a:schemeClr val="dk1"/>
-                          </a:solidFill>
-                          <a:latin typeface="Gill Sans MT" panose="020B0502020104020203"/>
-                        </a:defRPr>
-                      </a:lvl7pPr>
-                      <a:lvl8pPr marL="2400300" algn="l" defTabSz="342900" rtl="0" eaLnBrk="1" latinLnBrk="0" hangingPunct="1">
-                        <a:defRPr sz="1350" kern="1200">
-                          <a:solidFill>
-                            <a:schemeClr val="dk1"/>
-                          </a:solidFill>
-                          <a:latin typeface="Gill Sans MT" panose="020B0502020104020203"/>
-                        </a:defRPr>
-                      </a:lvl8pPr>
-                      <a:lvl9pPr marL="2743200" algn="l" defTabSz="342900" rtl="0" eaLnBrk="1" latinLnBrk="0" hangingPunct="1">
-                        <a:defRPr sz="1350" kern="1200">
-                          <a:solidFill>
-                            <a:schemeClr val="dk1"/>
-                          </a:solidFill>
-                          <a:latin typeface="Gill Sans MT" panose="020B0502020104020203"/>
-                        </a:defRPr>
-                      </a:lvl9pPr>
-                    </a:lstStyle>
-                    <a:p>
-                      <a:pPr algn="ctr"/>
-                      <a:r>
-                        <a:rPr lang="en-US" b="1" i="0">
-                          <a:solidFill>
-                            <a:schemeClr val="tx1"/>
-                          </a:solidFill>
+                          <a:effectLst/>
+                          <a:uLnTx/>
+                          <a:uFillTx/>
                           <a:latin typeface="Times New Roman" panose="02020603050405020304" pitchFamily="18" charset="0"/>
+                          <a:ea typeface="+mn-ea"/>
                           <a:cs typeface="Times New Roman" panose="02020603050405020304" pitchFamily="18" charset="0"/>
                         </a:rPr>
                         <a:t>2023</a:t>
                       </a:r>
                     </a:p>
+                    <a:p>
+                      <a:endParaRPr lang="en-IN" dirty="0"/>
+                    </a:p>
                   </a:txBody>
-                  <a:tcPr anchor="ctr">
-                    <a:lnL w="12700">
-                      <a:solidFill>
-                        <a:sysClr val="windowText" lastClr="000000"/>
-                      </a:solidFill>
-                    </a:lnL>
-                    <a:lnR w="12700">
-                      <a:solidFill>
-                        <a:sysClr val="windowText" lastClr="000000"/>
-                      </a:solidFill>
-                    </a:lnR>
-                    <a:lnT w="12700">
-                      <a:solidFill>
-                        <a:sysClr val="windowText" lastClr="000000"/>
-                      </a:solidFill>
-                    </a:lnT>
-                    <a:lnB w="12700">
-                      <a:solidFill>
-                        <a:sysClr val="windowText" lastClr="000000"/>
-                      </a:solidFill>
-                    </a:lnB>
-                    <a:lnTlToBr w="12700" cmpd="sng">
-                      <a:noFill/>
-                      <a:prstDash val="solid"/>
-                    </a:lnTlToBr>
-                    <a:lnBlToTr w="12700" cmpd="sng">
-                      <a:noFill/>
-                      <a:prstDash val="solid"/>
-                    </a:lnBlToTr>
-                    <a:solidFill>
-                      <a:srgbClr val="4D1434">
-                        <a:tint val="20000"/>
-                      </a:srgbClr>
-                    </a:solidFill>
-                  </a:tcPr>
+                  <a:tcPr/>
                 </a:tc>
                 <a:tc>
                   <a:txBody>
                     <a:bodyPr/>
-                    <a:lstStyle>
-                      <a:lvl1pPr marL="0" algn="l" defTabSz="342900" rtl="0" eaLnBrk="1" latinLnBrk="0" hangingPunct="1">
-                        <a:defRPr sz="1350" kern="1200">
+                    <a:lstStyle/>
+                    <a:p>
+                      <a:pPr marL="0" marR="0" lvl="0" indent="0" algn="ctr" defTabSz="342900" rtl="0" eaLnBrk="1" fontAlgn="auto" latinLnBrk="0" hangingPunct="1">
+                        <a:lnSpc>
+                          <a:spcPct val="100000"/>
+                        </a:lnSpc>
+                        <a:spcBef>
+                          <a:spcPts val="0"/>
+                        </a:spcBef>
+                        <a:spcAft>
+                          <a:spcPts val="0"/>
+                        </a:spcAft>
+                        <a:buClrTx/>
+                        <a:buSzTx/>
+                        <a:buFontTx/>
+                        <a:buNone/>
+                        <a:tabLst/>
+                        <a:defRPr/>
+                      </a:pPr>
+                      <a:r>
+                        <a:rPr kumimoji="0" lang="en-US" sz="1350" b="1" i="0" u="none" strike="noStrike" kern="1200" cap="none" spc="0" normalizeH="0" baseline="0" noProof="0" dirty="0">
+                          <a:ln>
+                            <a:noFill/>
+                          </a:ln>
                           <a:solidFill>
-                            <a:schemeClr val="dk1"/>
+                            <a:prstClr val="black"/>
                           </a:solidFill>
-                          <a:latin typeface="Gill Sans MT" panose="020B0502020104020203"/>
-                        </a:defRPr>
-                      </a:lvl1pPr>
-                      <a:lvl2pPr marL="342900" algn="l" defTabSz="342900" rtl="0" eaLnBrk="1" latinLnBrk="0" hangingPunct="1">
-                        <a:defRPr sz="1350" kern="1200">
-                          <a:solidFill>
-                            <a:schemeClr val="dk1"/>
-                          </a:solidFill>
-                          <a:latin typeface="Gill Sans MT" panose="020B0502020104020203"/>
-                        </a:defRPr>
-                      </a:lvl2pPr>
-                      <a:lvl3pPr marL="685800" algn="l" defTabSz="342900" rtl="0" eaLnBrk="1" latinLnBrk="0" hangingPunct="1">
-                        <a:defRPr sz="1350" kern="1200">
-                          <a:solidFill>
-                            <a:schemeClr val="dk1"/>
-                          </a:solidFill>
-                          <a:latin typeface="Gill Sans MT" panose="020B0502020104020203"/>
-                        </a:defRPr>
-                      </a:lvl3pPr>
-                      <a:lvl4pPr marL="1028700" algn="l" defTabSz="342900" rtl="0" eaLnBrk="1" latinLnBrk="0" hangingPunct="1">
-                        <a:defRPr sz="1350" kern="1200">
-                          <a:solidFill>
-                            <a:schemeClr val="dk1"/>
-                          </a:solidFill>
-                          <a:latin typeface="Gill Sans MT" panose="020B0502020104020203"/>
-                        </a:defRPr>
-                      </a:lvl4pPr>
-                      <a:lvl5pPr marL="1371600" algn="l" defTabSz="342900" rtl="0" eaLnBrk="1" latinLnBrk="0" hangingPunct="1">
-                        <a:defRPr sz="1350" kern="1200">
-                          <a:solidFill>
-                            <a:schemeClr val="dk1"/>
-                          </a:solidFill>
-                          <a:latin typeface="Gill Sans MT" panose="020B0502020104020203"/>
-                        </a:defRPr>
-                      </a:lvl5pPr>
-                      <a:lvl6pPr marL="1714500" algn="l" defTabSz="342900" rtl="0" eaLnBrk="1" latinLnBrk="0" hangingPunct="1">
-                        <a:defRPr sz="1350" kern="1200">
-                          <a:solidFill>
-                            <a:schemeClr val="dk1"/>
-                          </a:solidFill>
-                          <a:latin typeface="Gill Sans MT" panose="020B0502020104020203"/>
-                        </a:defRPr>
-                      </a:lvl6pPr>
-                      <a:lvl7pPr marL="2057400" algn="l" defTabSz="342900" rtl="0" eaLnBrk="1" latinLnBrk="0" hangingPunct="1">
-                        <a:defRPr sz="1350" kern="1200">
-                          <a:solidFill>
-                            <a:schemeClr val="dk1"/>
-                          </a:solidFill>
-                          <a:latin typeface="Gill Sans MT" panose="020B0502020104020203"/>
-                        </a:defRPr>
-                      </a:lvl7pPr>
-                      <a:lvl8pPr marL="2400300" algn="l" defTabSz="342900" rtl="0" eaLnBrk="1" latinLnBrk="0" hangingPunct="1">
-                        <a:defRPr sz="1350" kern="1200">
-                          <a:solidFill>
-                            <a:schemeClr val="dk1"/>
-                          </a:solidFill>
-                          <a:latin typeface="Gill Sans MT" panose="020B0502020104020203"/>
-                        </a:defRPr>
-                      </a:lvl8pPr>
-                      <a:lvl9pPr marL="2743200" algn="l" defTabSz="342900" rtl="0" eaLnBrk="1" latinLnBrk="0" hangingPunct="1">
-                        <a:defRPr sz="1350" kern="1200">
-                          <a:solidFill>
-                            <a:schemeClr val="dk1"/>
-                          </a:solidFill>
-                          <a:latin typeface="Gill Sans MT" panose="020B0502020104020203"/>
-                        </a:defRPr>
-                      </a:lvl9pPr>
-                    </a:lstStyle>
-                    <a:p>
-                      <a:pPr algn="ctr"/>
-                      <a:r>
-                        <a:rPr lang="en-US" b="1" i="0" dirty="0">
-                          <a:solidFill>
-                            <a:schemeClr val="tx1"/>
-                          </a:solidFill>
+                          <a:effectLst/>
+                          <a:uLnTx/>
+                          <a:uFillTx/>
                           <a:latin typeface="Times New Roman" panose="02020603050405020304" pitchFamily="18" charset="0"/>
+                          <a:ea typeface="+mn-ea"/>
                           <a:cs typeface="Times New Roman" panose="02020603050405020304" pitchFamily="18" charset="0"/>
                         </a:rPr>
                         <a:t>Utilizes diffusion models for improved visual clarity.</a:t>
                       </a:r>
                     </a:p>
+                    <a:p>
+                      <a:endParaRPr lang="en-IN" dirty="0"/>
+                    </a:p>
                   </a:txBody>
-                  <a:tcPr anchor="ctr">
-                    <a:lnL w="12700">
-                      <a:solidFill>
-                        <a:sysClr val="windowText" lastClr="000000"/>
-                      </a:solidFill>
-                    </a:lnL>
-                    <a:lnR w="12700">
-                      <a:solidFill>
-                        <a:sysClr val="windowText" lastClr="000000"/>
-                      </a:solidFill>
-                    </a:lnR>
-                    <a:lnT w="12700">
-                      <a:solidFill>
-                        <a:sysClr val="windowText" lastClr="000000"/>
-                      </a:solidFill>
-                    </a:lnT>
-                    <a:lnB w="12700">
-                      <a:solidFill>
-                        <a:sysClr val="windowText" lastClr="000000"/>
-                      </a:solidFill>
-                    </a:lnB>
-                    <a:lnTlToBr w="12700" cmpd="sng">
-                      <a:noFill/>
-                      <a:prstDash val="solid"/>
-                    </a:lnTlToBr>
-                    <a:lnBlToTr w="12700" cmpd="sng">
-                      <a:noFill/>
-                      <a:prstDash val="solid"/>
-                    </a:lnBlToTr>
-                    <a:solidFill>
-                      <a:srgbClr val="4D1434">
-                        <a:tint val="20000"/>
-                      </a:srgbClr>
-                    </a:solidFill>
-                  </a:tcPr>
+                  <a:tcPr/>
                 </a:tc>
                 <a:tc>
                   <a:txBody>
                     <a:bodyPr/>
-                    <a:lstStyle>
-                      <a:lvl1pPr marL="0" algn="l" defTabSz="342900" rtl="0" eaLnBrk="1" latinLnBrk="0" hangingPunct="1">
-                        <a:defRPr sz="1350" kern="1200">
+                    <a:lstStyle/>
+                    <a:p>
+                      <a:pPr marL="0" marR="0" lvl="0" indent="0" algn="ctr" defTabSz="342900" rtl="0" eaLnBrk="1" fontAlgn="auto" latinLnBrk="0" hangingPunct="1">
+                        <a:lnSpc>
+                          <a:spcPct val="100000"/>
+                        </a:lnSpc>
+                        <a:spcBef>
+                          <a:spcPts val="0"/>
+                        </a:spcBef>
+                        <a:spcAft>
+                          <a:spcPts val="0"/>
+                        </a:spcAft>
+                        <a:buClrTx/>
+                        <a:buSzTx/>
+                        <a:buFontTx/>
+                        <a:buNone/>
+                        <a:tabLst/>
+                        <a:defRPr/>
+                      </a:pPr>
+                      <a:r>
+                        <a:rPr kumimoji="0" lang="en-US" sz="1350" b="1" i="0" u="none" strike="noStrike" kern="1200" cap="none" spc="0" normalizeH="0" baseline="0" noProof="0" dirty="0">
+                          <a:ln>
+                            <a:noFill/>
+                          </a:ln>
                           <a:solidFill>
-                            <a:schemeClr val="dk1"/>
+                            <a:prstClr val="black"/>
                           </a:solidFill>
-                          <a:latin typeface="Gill Sans MT" panose="020B0502020104020203"/>
-                        </a:defRPr>
-                      </a:lvl1pPr>
-                      <a:lvl2pPr marL="342900" algn="l" defTabSz="342900" rtl="0" eaLnBrk="1" latinLnBrk="0" hangingPunct="1">
-                        <a:defRPr sz="1350" kern="1200">
-                          <a:solidFill>
-                            <a:schemeClr val="dk1"/>
-                          </a:solidFill>
-                          <a:latin typeface="Gill Sans MT" panose="020B0502020104020203"/>
-                        </a:defRPr>
-                      </a:lvl2pPr>
-                      <a:lvl3pPr marL="685800" algn="l" defTabSz="342900" rtl="0" eaLnBrk="1" latinLnBrk="0" hangingPunct="1">
-                        <a:defRPr sz="1350" kern="1200">
-                          <a:solidFill>
-                            <a:schemeClr val="dk1"/>
-                          </a:solidFill>
-                          <a:latin typeface="Gill Sans MT" panose="020B0502020104020203"/>
-                        </a:defRPr>
-                      </a:lvl3pPr>
-                      <a:lvl4pPr marL="1028700" algn="l" defTabSz="342900" rtl="0" eaLnBrk="1" latinLnBrk="0" hangingPunct="1">
-                        <a:defRPr sz="1350" kern="1200">
-                          <a:solidFill>
-                            <a:schemeClr val="dk1"/>
-                          </a:solidFill>
-                          <a:latin typeface="Gill Sans MT" panose="020B0502020104020203"/>
-                        </a:defRPr>
-                      </a:lvl4pPr>
-                      <a:lvl5pPr marL="1371600" algn="l" defTabSz="342900" rtl="0" eaLnBrk="1" latinLnBrk="0" hangingPunct="1">
-                        <a:defRPr sz="1350" kern="1200">
-                          <a:solidFill>
-                            <a:schemeClr val="dk1"/>
-                          </a:solidFill>
-                          <a:latin typeface="Gill Sans MT" panose="020B0502020104020203"/>
-                        </a:defRPr>
-                      </a:lvl5pPr>
-                      <a:lvl6pPr marL="1714500" algn="l" defTabSz="342900" rtl="0" eaLnBrk="1" latinLnBrk="0" hangingPunct="1">
-                        <a:defRPr sz="1350" kern="1200">
-                          <a:solidFill>
-                            <a:schemeClr val="dk1"/>
-                          </a:solidFill>
-                          <a:latin typeface="Gill Sans MT" panose="020B0502020104020203"/>
-                        </a:defRPr>
-                      </a:lvl6pPr>
-                      <a:lvl7pPr marL="2057400" algn="l" defTabSz="342900" rtl="0" eaLnBrk="1" latinLnBrk="0" hangingPunct="1">
-                        <a:defRPr sz="1350" kern="1200">
-                          <a:solidFill>
-                            <a:schemeClr val="dk1"/>
-                          </a:solidFill>
-                          <a:latin typeface="Gill Sans MT" panose="020B0502020104020203"/>
-                        </a:defRPr>
-                      </a:lvl7pPr>
-                      <a:lvl8pPr marL="2400300" algn="l" defTabSz="342900" rtl="0" eaLnBrk="1" latinLnBrk="0" hangingPunct="1">
-                        <a:defRPr sz="1350" kern="1200">
-                          <a:solidFill>
-                            <a:schemeClr val="dk1"/>
-                          </a:solidFill>
-                          <a:latin typeface="Gill Sans MT" panose="020B0502020104020203"/>
-                        </a:defRPr>
-                      </a:lvl8pPr>
-                      <a:lvl9pPr marL="2743200" algn="l" defTabSz="342900" rtl="0" eaLnBrk="1" latinLnBrk="0" hangingPunct="1">
-                        <a:defRPr sz="1350" kern="1200">
-                          <a:solidFill>
-                            <a:schemeClr val="dk1"/>
-                          </a:solidFill>
-                          <a:latin typeface="Gill Sans MT" panose="020B0502020104020203"/>
-                        </a:defRPr>
-                      </a:lvl9pPr>
-                    </a:lstStyle>
-                    <a:p>
-                      <a:pPr algn="ctr"/>
-                      <a:r>
-                        <a:rPr lang="en-US" b="1" i="0" dirty="0">
-                          <a:solidFill>
-                            <a:schemeClr val="tx1"/>
-                          </a:solidFill>
+                          <a:effectLst/>
+                          <a:uLnTx/>
+                          <a:uFillTx/>
                           <a:latin typeface="Times New Roman" panose="02020603050405020304" pitchFamily="18" charset="0"/>
+                          <a:ea typeface="+mn-ea"/>
                           <a:cs typeface="Times New Roman" panose="02020603050405020304" pitchFamily="18" charset="0"/>
                         </a:rPr>
                         <a:t>Limited practical applications discussed.</a:t>
                       </a:r>
                     </a:p>
+                    <a:p>
+                      <a:endParaRPr lang="en-IN" dirty="0"/>
+                    </a:p>
                   </a:txBody>
-                  <a:tcPr anchor="ctr">
-                    <a:lnL w="12700">
-                      <a:solidFill>
-                        <a:sysClr val="windowText" lastClr="000000"/>
-                      </a:solidFill>
-                    </a:lnL>
-                    <a:lnR w="12700">
-                      <a:solidFill>
-                        <a:sysClr val="windowText" lastClr="000000"/>
-                      </a:solidFill>
-                    </a:lnR>
-                    <a:lnT w="12700">
-                      <a:solidFill>
-                        <a:sysClr val="windowText" lastClr="000000"/>
-                      </a:solidFill>
-                    </a:lnT>
-                    <a:lnB w="12700">
-                      <a:solidFill>
-                        <a:sysClr val="windowText" lastClr="000000"/>
-                      </a:solidFill>
-                    </a:lnB>
-                    <a:lnTlToBr w="12700" cmpd="sng">
-                      <a:noFill/>
-                      <a:prstDash val="solid"/>
-                    </a:lnTlToBr>
-                    <a:lnBlToTr w="12700" cmpd="sng">
-                      <a:noFill/>
-                      <a:prstDash val="solid"/>
-                    </a:lnBlToTr>
-                    <a:solidFill>
-                      <a:srgbClr val="4D1434">
-                        <a:tint val="20000"/>
-                      </a:srgbClr>
-                    </a:solidFill>
-                  </a:tcPr>
+                  <a:tcPr/>
                 </a:tc>
                 <a:extLst>
                   <a:ext uri="{0D108BD9-81ED-4DB2-BD59-A6C34878D82A}">
-                    <a16:rowId xmlns:a16="http://schemas.microsoft.com/office/drawing/2014/main" val="2399804842"/>
+                    <a16:rowId xmlns:a16="http://schemas.microsoft.com/office/drawing/2014/main" val="1896568391"/>
                   </a:ext>
                 </a:extLst>
               </a:tr>
-              <a:tr h="866474">
+              <a:tr h="934472">
                 <a:tc>
                   <a:txBody>
                     <a:bodyPr/>
-                    <a:lstStyle>
-                      <a:lvl1pPr marL="0" algn="l" defTabSz="342900" rtl="0" eaLnBrk="1" latinLnBrk="0" hangingPunct="1">
-                        <a:defRPr sz="1350" kern="1200">
+                    <a:lstStyle/>
+                    <a:p>
+                      <a:pPr marL="0" marR="0" lvl="0" indent="0" algn="ctr" defTabSz="342900" rtl="0" eaLnBrk="1" fontAlgn="auto" latinLnBrk="0" hangingPunct="1">
+                        <a:lnSpc>
+                          <a:spcPct val="100000"/>
+                        </a:lnSpc>
+                        <a:spcBef>
+                          <a:spcPts val="0"/>
+                        </a:spcBef>
+                        <a:spcAft>
+                          <a:spcPts val="0"/>
+                        </a:spcAft>
+                        <a:buClrTx/>
+                        <a:buSzTx/>
+                        <a:buFontTx/>
+                        <a:buNone/>
+                        <a:tabLst/>
+                        <a:defRPr/>
+                      </a:pPr>
+                      <a:endParaRPr kumimoji="0" lang="en-US" sz="1350" b="1" i="0" u="none" strike="noStrike" kern="1200" cap="none" spc="0" normalizeH="0" baseline="0" noProof="0" dirty="0">
+                        <a:ln>
+                          <a:noFill/>
+                        </a:ln>
+                        <a:solidFill>
+                          <a:prstClr val="black"/>
+                        </a:solidFill>
+                        <a:effectLst/>
+                        <a:uLnTx/>
+                        <a:uFillTx/>
+                        <a:latin typeface="Times New Roman" panose="02020603050405020304" pitchFamily="18" charset="0"/>
+                        <a:ea typeface="+mn-ea"/>
+                        <a:cs typeface="Times New Roman" panose="02020603050405020304" pitchFamily="18" charset="0"/>
+                      </a:endParaRPr>
+                    </a:p>
+                    <a:p>
+                      <a:pPr marL="0" marR="0" lvl="0" indent="0" algn="ctr" defTabSz="342900" rtl="0" eaLnBrk="1" fontAlgn="auto" latinLnBrk="0" hangingPunct="1">
+                        <a:lnSpc>
+                          <a:spcPct val="100000"/>
+                        </a:lnSpc>
+                        <a:spcBef>
+                          <a:spcPts val="0"/>
+                        </a:spcBef>
+                        <a:spcAft>
+                          <a:spcPts val="0"/>
+                        </a:spcAft>
+                        <a:buClrTx/>
+                        <a:buSzTx/>
+                        <a:buFontTx/>
+                        <a:buNone/>
+                        <a:tabLst/>
+                        <a:defRPr/>
+                      </a:pPr>
+                      <a:r>
+                        <a:rPr kumimoji="0" lang="en-US" sz="1350" b="1" i="0" u="none" strike="noStrike" kern="1200" cap="none" spc="0" normalizeH="0" baseline="0" noProof="0" dirty="0">
+                          <a:ln>
+                            <a:noFill/>
+                          </a:ln>
                           <a:solidFill>
-                            <a:schemeClr val="dk1"/>
+                            <a:prstClr val="black"/>
                           </a:solidFill>
-                          <a:latin typeface="Gill Sans MT" panose="020B0502020104020203"/>
-                        </a:defRPr>
-                      </a:lvl1pPr>
-                      <a:lvl2pPr marL="342900" algn="l" defTabSz="342900" rtl="0" eaLnBrk="1" latinLnBrk="0" hangingPunct="1">
-                        <a:defRPr sz="1350" kern="1200">
-                          <a:solidFill>
-                            <a:schemeClr val="dk1"/>
-                          </a:solidFill>
-                          <a:latin typeface="Gill Sans MT" panose="020B0502020104020203"/>
-                        </a:defRPr>
-                      </a:lvl2pPr>
-                      <a:lvl3pPr marL="685800" algn="l" defTabSz="342900" rtl="0" eaLnBrk="1" latinLnBrk="0" hangingPunct="1">
-                        <a:defRPr sz="1350" kern="1200">
-                          <a:solidFill>
-                            <a:schemeClr val="dk1"/>
-                          </a:solidFill>
-                          <a:latin typeface="Gill Sans MT" panose="020B0502020104020203"/>
-                        </a:defRPr>
-                      </a:lvl3pPr>
-                      <a:lvl4pPr marL="1028700" algn="l" defTabSz="342900" rtl="0" eaLnBrk="1" latinLnBrk="0" hangingPunct="1">
-                        <a:defRPr sz="1350" kern="1200">
-                          <a:solidFill>
-                            <a:schemeClr val="dk1"/>
-                          </a:solidFill>
-                          <a:latin typeface="Gill Sans MT" panose="020B0502020104020203"/>
-                        </a:defRPr>
-                      </a:lvl4pPr>
-                      <a:lvl5pPr marL="1371600" algn="l" defTabSz="342900" rtl="0" eaLnBrk="1" latinLnBrk="0" hangingPunct="1">
-                        <a:defRPr sz="1350" kern="1200">
-                          <a:solidFill>
-                            <a:schemeClr val="dk1"/>
-                          </a:solidFill>
-                          <a:latin typeface="Gill Sans MT" panose="020B0502020104020203"/>
-                        </a:defRPr>
-                      </a:lvl5pPr>
-                      <a:lvl6pPr marL="1714500" algn="l" defTabSz="342900" rtl="0" eaLnBrk="1" latinLnBrk="0" hangingPunct="1">
-                        <a:defRPr sz="1350" kern="1200">
-                          <a:solidFill>
-                            <a:schemeClr val="dk1"/>
-                          </a:solidFill>
-                          <a:latin typeface="Gill Sans MT" panose="020B0502020104020203"/>
-                        </a:defRPr>
-                      </a:lvl6pPr>
-                      <a:lvl7pPr marL="2057400" algn="l" defTabSz="342900" rtl="0" eaLnBrk="1" latinLnBrk="0" hangingPunct="1">
-                        <a:defRPr sz="1350" kern="1200">
-                          <a:solidFill>
-                            <a:schemeClr val="dk1"/>
-                          </a:solidFill>
-                          <a:latin typeface="Gill Sans MT" panose="020B0502020104020203"/>
-                        </a:defRPr>
-                      </a:lvl7pPr>
-                      <a:lvl8pPr marL="2400300" algn="l" defTabSz="342900" rtl="0" eaLnBrk="1" latinLnBrk="0" hangingPunct="1">
-                        <a:defRPr sz="1350" kern="1200">
-                          <a:solidFill>
-                            <a:schemeClr val="dk1"/>
-                          </a:solidFill>
-                          <a:latin typeface="Gill Sans MT" panose="020B0502020104020203"/>
-                        </a:defRPr>
-                      </a:lvl8pPr>
-                      <a:lvl9pPr marL="2743200" algn="l" defTabSz="342900" rtl="0" eaLnBrk="1" latinLnBrk="0" hangingPunct="1">
-                        <a:defRPr sz="1350" kern="1200">
-                          <a:solidFill>
-                            <a:schemeClr val="dk1"/>
-                          </a:solidFill>
-                          <a:latin typeface="Gill Sans MT" panose="020B0502020104020203"/>
-                        </a:defRPr>
-                      </a:lvl9pPr>
-                    </a:lstStyle>
-                    <a:p>
-                      <a:pPr algn="ctr"/>
-                      <a:r>
-                        <a:rPr lang="en-US" b="1" i="0">
-                          <a:solidFill>
-                            <a:schemeClr val="tx1"/>
-                          </a:solidFill>
+                          <a:effectLst/>
+                          <a:uLnTx/>
+                          <a:uFillTx/>
                           <a:latin typeface="Times New Roman" panose="02020603050405020304" pitchFamily="18" charset="0"/>
+                          <a:ea typeface="+mn-ea"/>
                           <a:cs typeface="Times New Roman" panose="02020603050405020304" pitchFamily="18" charset="0"/>
                         </a:rPr>
                         <a:t>3.</a:t>
                       </a:r>
                     </a:p>
+                    <a:p>
+                      <a:endParaRPr lang="en-IN" dirty="0"/>
+                    </a:p>
                   </a:txBody>
-                  <a:tcPr anchor="ctr">
-                    <a:lnL w="12700">
-                      <a:solidFill>
-                        <a:sysClr val="windowText" lastClr="000000"/>
-                      </a:solidFill>
-                    </a:lnL>
-                    <a:lnR w="12700">
-                      <a:solidFill>
-                        <a:sysClr val="windowText" lastClr="000000"/>
-                      </a:solidFill>
-                    </a:lnR>
-                    <a:lnT w="12700">
-                      <a:solidFill>
-                        <a:sysClr val="windowText" lastClr="000000"/>
-                      </a:solidFill>
-                    </a:lnT>
-                    <a:lnB w="12700">
-                      <a:solidFill>
-                        <a:sysClr val="windowText" lastClr="000000"/>
-                      </a:solidFill>
-                    </a:lnB>
-                    <a:lnTlToBr w="12700" cmpd="sng">
-                      <a:noFill/>
-                      <a:prstDash val="solid"/>
-                    </a:lnTlToBr>
-                    <a:lnBlToTr w="12700" cmpd="sng">
-                      <a:noFill/>
-                      <a:prstDash val="solid"/>
-                    </a:lnBlToTr>
-                    <a:solidFill>
-                      <a:srgbClr val="EBEBEB"/>
-                    </a:solidFill>
-                  </a:tcPr>
+                  <a:tcPr/>
                 </a:tc>
                 <a:tc>
                   <a:txBody>
                     <a:bodyPr/>
-                    <a:lstStyle>
-                      <a:lvl1pPr marL="0" algn="l" defTabSz="342900" rtl="0" eaLnBrk="1" latinLnBrk="0" hangingPunct="1">
-                        <a:defRPr sz="1350" kern="1200">
+                    <a:lstStyle/>
+                    <a:p>
+                      <a:pPr marL="0" marR="0" lvl="0" indent="0" algn="ctr" defTabSz="342900" rtl="0" eaLnBrk="1" fontAlgn="auto" latinLnBrk="0" hangingPunct="1">
+                        <a:lnSpc>
+                          <a:spcPct val="100000"/>
+                        </a:lnSpc>
+                        <a:spcBef>
+                          <a:spcPts val="0"/>
+                        </a:spcBef>
+                        <a:spcAft>
+                          <a:spcPts val="0"/>
+                        </a:spcAft>
+                        <a:buClrTx/>
+                        <a:buSzTx/>
+                        <a:buFontTx/>
+                        <a:buNone/>
+                        <a:tabLst/>
+                        <a:defRPr/>
+                      </a:pPr>
+                      <a:endParaRPr kumimoji="0" lang="en-US" sz="1350" b="1" i="0" u="none" strike="noStrike" kern="1200" cap="none" spc="0" normalizeH="0" baseline="0" noProof="0" dirty="0">
+                        <a:ln>
+                          <a:noFill/>
+                        </a:ln>
+                        <a:solidFill>
+                          <a:prstClr val="black"/>
+                        </a:solidFill>
+                        <a:effectLst/>
+                        <a:uLnTx/>
+                        <a:uFillTx/>
+                        <a:latin typeface="Times New Roman" panose="02020603050405020304" pitchFamily="18" charset="0"/>
+                        <a:ea typeface="+mn-ea"/>
+                        <a:cs typeface="Times New Roman" panose="02020603050405020304" pitchFamily="18" charset="0"/>
+                      </a:endParaRPr>
+                    </a:p>
+                    <a:p>
+                      <a:pPr marL="0" marR="0" lvl="0" indent="0" algn="ctr" defTabSz="342900" rtl="0" eaLnBrk="1" fontAlgn="auto" latinLnBrk="0" hangingPunct="1">
+                        <a:lnSpc>
+                          <a:spcPct val="100000"/>
+                        </a:lnSpc>
+                        <a:spcBef>
+                          <a:spcPts val="0"/>
+                        </a:spcBef>
+                        <a:spcAft>
+                          <a:spcPts val="0"/>
+                        </a:spcAft>
+                        <a:buClrTx/>
+                        <a:buSzTx/>
+                        <a:buFontTx/>
+                        <a:buNone/>
+                        <a:tabLst/>
+                        <a:defRPr/>
+                      </a:pPr>
+                      <a:r>
+                        <a:rPr kumimoji="0" lang="en-US" sz="1350" b="1" i="0" u="none" strike="noStrike" kern="1200" cap="none" spc="0" normalizeH="0" baseline="0" noProof="0" dirty="0">
+                          <a:ln>
+                            <a:noFill/>
+                          </a:ln>
                           <a:solidFill>
-                            <a:schemeClr val="dk1"/>
+                            <a:prstClr val="black"/>
                           </a:solidFill>
-                          <a:latin typeface="Gill Sans MT" panose="020B0502020104020203"/>
-                        </a:defRPr>
-                      </a:lvl1pPr>
-                      <a:lvl2pPr marL="342900" algn="l" defTabSz="342900" rtl="0" eaLnBrk="1" latinLnBrk="0" hangingPunct="1">
-                        <a:defRPr sz="1350" kern="1200">
-                          <a:solidFill>
-                            <a:schemeClr val="dk1"/>
-                          </a:solidFill>
-                          <a:latin typeface="Gill Sans MT" panose="020B0502020104020203"/>
-                        </a:defRPr>
-                      </a:lvl2pPr>
-                      <a:lvl3pPr marL="685800" algn="l" defTabSz="342900" rtl="0" eaLnBrk="1" latinLnBrk="0" hangingPunct="1">
-                        <a:defRPr sz="1350" kern="1200">
-                          <a:solidFill>
-                            <a:schemeClr val="dk1"/>
-                          </a:solidFill>
-                          <a:latin typeface="Gill Sans MT" panose="020B0502020104020203"/>
-                        </a:defRPr>
-                      </a:lvl3pPr>
-                      <a:lvl4pPr marL="1028700" algn="l" defTabSz="342900" rtl="0" eaLnBrk="1" latinLnBrk="0" hangingPunct="1">
-                        <a:defRPr sz="1350" kern="1200">
-                          <a:solidFill>
-                            <a:schemeClr val="dk1"/>
-                          </a:solidFill>
-                          <a:latin typeface="Gill Sans MT" panose="020B0502020104020203"/>
-                        </a:defRPr>
-                      </a:lvl4pPr>
-                      <a:lvl5pPr marL="1371600" algn="l" defTabSz="342900" rtl="0" eaLnBrk="1" latinLnBrk="0" hangingPunct="1">
-                        <a:defRPr sz="1350" kern="1200">
-                          <a:solidFill>
-                            <a:schemeClr val="dk1"/>
-                          </a:solidFill>
-                          <a:latin typeface="Gill Sans MT" panose="020B0502020104020203"/>
-                        </a:defRPr>
-                      </a:lvl5pPr>
-                      <a:lvl6pPr marL="1714500" algn="l" defTabSz="342900" rtl="0" eaLnBrk="1" latinLnBrk="0" hangingPunct="1">
-                        <a:defRPr sz="1350" kern="1200">
-                          <a:solidFill>
-                            <a:schemeClr val="dk1"/>
-                          </a:solidFill>
-                          <a:latin typeface="Gill Sans MT" panose="020B0502020104020203"/>
-                        </a:defRPr>
-                      </a:lvl6pPr>
-                      <a:lvl7pPr marL="2057400" algn="l" defTabSz="342900" rtl="0" eaLnBrk="1" latinLnBrk="0" hangingPunct="1">
-                        <a:defRPr sz="1350" kern="1200">
-                          <a:solidFill>
-                            <a:schemeClr val="dk1"/>
-                          </a:solidFill>
-                          <a:latin typeface="Gill Sans MT" panose="020B0502020104020203"/>
-                        </a:defRPr>
-                      </a:lvl7pPr>
-                      <a:lvl8pPr marL="2400300" algn="l" defTabSz="342900" rtl="0" eaLnBrk="1" latinLnBrk="0" hangingPunct="1">
-                        <a:defRPr sz="1350" kern="1200">
-                          <a:solidFill>
-                            <a:schemeClr val="dk1"/>
-                          </a:solidFill>
-                          <a:latin typeface="Gill Sans MT" panose="020B0502020104020203"/>
-                        </a:defRPr>
-                      </a:lvl8pPr>
-                      <a:lvl9pPr marL="2743200" algn="l" defTabSz="342900" rtl="0" eaLnBrk="1" latinLnBrk="0" hangingPunct="1">
-                        <a:defRPr sz="1350" kern="1200">
-                          <a:solidFill>
-                            <a:schemeClr val="dk1"/>
-                          </a:solidFill>
-                          <a:latin typeface="Gill Sans MT" panose="020B0502020104020203"/>
-                        </a:defRPr>
-                      </a:lvl9pPr>
-                    </a:lstStyle>
-                    <a:p>
-                      <a:pPr algn="ctr"/>
-                      <a:r>
-                        <a:rPr lang="en-US" b="1" i="0" dirty="0">
-                          <a:solidFill>
-                            <a:schemeClr val="tx1"/>
-                          </a:solidFill>
+                          <a:effectLst/>
+                          <a:uLnTx/>
+                          <a:uFillTx/>
                           <a:latin typeface="Times New Roman" panose="02020603050405020304" pitchFamily="18" charset="0"/>
+                          <a:ea typeface="+mn-ea"/>
                           <a:cs typeface="Times New Roman" panose="02020603050405020304" pitchFamily="18" charset="0"/>
                         </a:rPr>
                         <a:t>Chitwan </a:t>
                       </a:r>
                       <a:r>
-                        <a:rPr lang="en-US" b="1" i="0" dirty="0" err="1">
+                        <a:rPr kumimoji="0" lang="en-US" sz="1350" b="1" i="0" u="none" strike="noStrike" kern="1200" cap="none" spc="0" normalizeH="0" baseline="0" noProof="0" dirty="0" err="1">
+                          <a:ln>
+                            <a:noFill/>
+                          </a:ln>
                           <a:solidFill>
-                            <a:schemeClr val="tx1"/>
+                            <a:prstClr val="black"/>
                           </a:solidFill>
+                          <a:effectLst/>
+                          <a:uLnTx/>
+                          <a:uFillTx/>
                           <a:latin typeface="Times New Roman" panose="02020603050405020304" pitchFamily="18" charset="0"/>
+                          <a:ea typeface="+mn-ea"/>
                           <a:cs typeface="Times New Roman" panose="02020603050405020304" pitchFamily="18" charset="0"/>
                         </a:rPr>
                         <a:t>Saharia</a:t>
                       </a:r>
-                      <a:endParaRPr lang="en-US" b="1" i="0" dirty="0">
+                      <a:endParaRPr kumimoji="0" lang="en-US" sz="1350" b="1" i="0" u="none" strike="noStrike" kern="1200" cap="none" spc="0" normalizeH="0" baseline="0" noProof="0" dirty="0">
+                        <a:ln>
+                          <a:noFill/>
+                        </a:ln>
                         <a:solidFill>
-                          <a:schemeClr val="tx1"/>
+                          <a:prstClr val="black"/>
                         </a:solidFill>
+                        <a:effectLst/>
+                        <a:uLnTx/>
+                        <a:uFillTx/>
                         <a:latin typeface="Times New Roman" panose="02020603050405020304" pitchFamily="18" charset="0"/>
+                        <a:ea typeface="+mn-ea"/>
                         <a:cs typeface="Times New Roman" panose="02020603050405020304" pitchFamily="18" charset="0"/>
                       </a:endParaRPr>
                     </a:p>
+                    <a:p>
+                      <a:endParaRPr lang="en-IN" dirty="0"/>
+                    </a:p>
                   </a:txBody>
-                  <a:tcPr anchor="ctr">
-                    <a:lnL w="12700">
-                      <a:solidFill>
-                        <a:sysClr val="windowText" lastClr="000000"/>
-                      </a:solidFill>
-                    </a:lnL>
-                    <a:lnR w="12700">
-                      <a:solidFill>
-                        <a:sysClr val="windowText" lastClr="000000"/>
-                      </a:solidFill>
-                    </a:lnR>
-                    <a:lnT w="12700">
-                      <a:solidFill>
-                        <a:sysClr val="windowText" lastClr="000000"/>
-                      </a:solidFill>
-                    </a:lnT>
-                    <a:lnB w="12700">
-                      <a:solidFill>
-                        <a:sysClr val="windowText" lastClr="000000"/>
-                      </a:solidFill>
-                    </a:lnB>
-                    <a:lnTlToBr w="12700" cmpd="sng">
-                      <a:noFill/>
-                      <a:prstDash val="solid"/>
-                    </a:lnTlToBr>
-                    <a:lnBlToTr w="12700" cmpd="sng">
-                      <a:noFill/>
-                      <a:prstDash val="solid"/>
-                    </a:lnBlToTr>
-                    <a:solidFill>
-                      <a:srgbClr val="EBEBEB"/>
-                    </a:solidFill>
-                  </a:tcPr>
+                  <a:tcPr/>
                 </a:tc>
                 <a:tc>
                   <a:txBody>
                     <a:bodyPr/>
-                    <a:lstStyle>
-                      <a:lvl1pPr marL="0" algn="l" defTabSz="342900" rtl="0" eaLnBrk="1" latinLnBrk="0" hangingPunct="1">
-                        <a:defRPr sz="1350" kern="1200">
+                    <a:lstStyle/>
+                    <a:p>
+                      <a:pPr marL="0" marR="0" lvl="0" indent="0" algn="ctr" defTabSz="342900" rtl="0" eaLnBrk="1" fontAlgn="auto" latinLnBrk="0" hangingPunct="1">
+                        <a:lnSpc>
+                          <a:spcPct val="100000"/>
+                        </a:lnSpc>
+                        <a:spcBef>
+                          <a:spcPts val="0"/>
+                        </a:spcBef>
+                        <a:spcAft>
+                          <a:spcPts val="0"/>
+                        </a:spcAft>
+                        <a:buClrTx/>
+                        <a:buSzTx/>
+                        <a:buFontTx/>
+                        <a:buNone/>
+                        <a:tabLst/>
+                        <a:defRPr/>
+                      </a:pPr>
+                      <a:r>
+                        <a:rPr kumimoji="0" lang="en-US" sz="1350" b="1" i="0" u="none" strike="noStrike" kern="1200" cap="none" spc="0" normalizeH="0" baseline="0" noProof="0" dirty="0">
+                          <a:ln>
+                            <a:noFill/>
+                          </a:ln>
                           <a:solidFill>
-                            <a:schemeClr val="dk1"/>
+                            <a:prstClr val="black"/>
                           </a:solidFill>
-                          <a:latin typeface="Gill Sans MT" panose="020B0502020104020203"/>
-                        </a:defRPr>
-                      </a:lvl1pPr>
-                      <a:lvl2pPr marL="342900" algn="l" defTabSz="342900" rtl="0" eaLnBrk="1" latinLnBrk="0" hangingPunct="1">
-                        <a:defRPr sz="1350" kern="1200">
-                          <a:solidFill>
-                            <a:schemeClr val="dk1"/>
-                          </a:solidFill>
-                          <a:latin typeface="Gill Sans MT" panose="020B0502020104020203"/>
-                        </a:defRPr>
-                      </a:lvl2pPr>
-                      <a:lvl3pPr marL="685800" algn="l" defTabSz="342900" rtl="0" eaLnBrk="1" latinLnBrk="0" hangingPunct="1">
-                        <a:defRPr sz="1350" kern="1200">
-                          <a:solidFill>
-                            <a:schemeClr val="dk1"/>
-                          </a:solidFill>
-                          <a:latin typeface="Gill Sans MT" panose="020B0502020104020203"/>
-                        </a:defRPr>
-                      </a:lvl3pPr>
-                      <a:lvl4pPr marL="1028700" algn="l" defTabSz="342900" rtl="0" eaLnBrk="1" latinLnBrk="0" hangingPunct="1">
-                        <a:defRPr sz="1350" kern="1200">
-                          <a:solidFill>
-                            <a:schemeClr val="dk1"/>
-                          </a:solidFill>
-                          <a:latin typeface="Gill Sans MT" panose="020B0502020104020203"/>
-                        </a:defRPr>
-                      </a:lvl4pPr>
-                      <a:lvl5pPr marL="1371600" algn="l" defTabSz="342900" rtl="0" eaLnBrk="1" latinLnBrk="0" hangingPunct="1">
-                        <a:defRPr sz="1350" kern="1200">
-                          <a:solidFill>
-                            <a:schemeClr val="dk1"/>
-                          </a:solidFill>
-                          <a:latin typeface="Gill Sans MT" panose="020B0502020104020203"/>
-                        </a:defRPr>
-                      </a:lvl5pPr>
-                      <a:lvl6pPr marL="1714500" algn="l" defTabSz="342900" rtl="0" eaLnBrk="1" latinLnBrk="0" hangingPunct="1">
-                        <a:defRPr sz="1350" kern="1200">
-                          <a:solidFill>
-                            <a:schemeClr val="dk1"/>
-                          </a:solidFill>
-                          <a:latin typeface="Gill Sans MT" panose="020B0502020104020203"/>
-                        </a:defRPr>
-                      </a:lvl6pPr>
-                      <a:lvl7pPr marL="2057400" algn="l" defTabSz="342900" rtl="0" eaLnBrk="1" latinLnBrk="0" hangingPunct="1">
-                        <a:defRPr sz="1350" kern="1200">
-                          <a:solidFill>
-                            <a:schemeClr val="dk1"/>
-                          </a:solidFill>
-                          <a:latin typeface="Gill Sans MT" panose="020B0502020104020203"/>
-                        </a:defRPr>
-                      </a:lvl7pPr>
-                      <a:lvl8pPr marL="2400300" algn="l" defTabSz="342900" rtl="0" eaLnBrk="1" latinLnBrk="0" hangingPunct="1">
-                        <a:defRPr sz="1350" kern="1200">
-                          <a:solidFill>
-                            <a:schemeClr val="dk1"/>
-                          </a:solidFill>
-                          <a:latin typeface="Gill Sans MT" panose="020B0502020104020203"/>
-                        </a:defRPr>
-                      </a:lvl8pPr>
-                      <a:lvl9pPr marL="2743200" algn="l" defTabSz="342900" rtl="0" eaLnBrk="1" latinLnBrk="0" hangingPunct="1">
-                        <a:defRPr sz="1350" kern="1200">
-                          <a:solidFill>
-                            <a:schemeClr val="dk1"/>
-                          </a:solidFill>
-                          <a:latin typeface="Gill Sans MT" panose="020B0502020104020203"/>
-                        </a:defRPr>
-                      </a:lvl9pPr>
-                    </a:lstStyle>
-                    <a:p>
-                      <a:pPr algn="ctr"/>
-                      <a:r>
-                        <a:rPr lang="en-US" b="1" i="0" dirty="0">
-                          <a:solidFill>
-                            <a:schemeClr val="tx1"/>
-                          </a:solidFill>
+                          <a:effectLst/>
+                          <a:uLnTx/>
+                          <a:uFillTx/>
                           <a:latin typeface="Times New Roman" panose="02020603050405020304" pitchFamily="18" charset="0"/>
+                          <a:ea typeface="+mn-ea"/>
                           <a:cs typeface="Times New Roman" panose="02020603050405020304" pitchFamily="18" charset="0"/>
                         </a:rPr>
                         <a:t>Photorealistic Text-to-Image Diffusion Models</a:t>
                       </a:r>
                     </a:p>
                     <a:p>
-                      <a:pPr algn="ctr"/>
+                      <a:pPr marL="0" marR="0" lvl="0" indent="0" algn="ctr" defTabSz="342900" rtl="0" eaLnBrk="1" fontAlgn="auto" latinLnBrk="0" hangingPunct="1">
+                        <a:lnSpc>
+                          <a:spcPct val="100000"/>
+                        </a:lnSpc>
+                        <a:spcBef>
+                          <a:spcPts val="0"/>
+                        </a:spcBef>
+                        <a:spcAft>
+                          <a:spcPts val="0"/>
+                        </a:spcAft>
+                        <a:buClrTx/>
+                        <a:buSzTx/>
+                        <a:buFontTx/>
+                        <a:buNone/>
+                        <a:tabLst/>
+                        <a:defRPr/>
+                      </a:pPr>
                       <a:r>
-                        <a:rPr lang="en-US" b="1" i="0" dirty="0">
+                        <a:rPr kumimoji="0" lang="en-US" sz="1350" b="1" i="0" u="none" strike="noStrike" kern="1200" cap="none" spc="0" normalizeH="0" baseline="0" noProof="0" dirty="0">
+                          <a:ln>
+                            <a:noFill/>
+                          </a:ln>
                           <a:solidFill>
-                            <a:schemeClr val="tx1"/>
+                            <a:prstClr val="black"/>
                           </a:solidFill>
+                          <a:effectLst/>
+                          <a:uLnTx/>
+                          <a:uFillTx/>
                           <a:latin typeface="Times New Roman" panose="02020603050405020304" pitchFamily="18" charset="0"/>
+                          <a:ea typeface="+mn-ea"/>
                           <a:cs typeface="Times New Roman" panose="02020603050405020304" pitchFamily="18" charset="0"/>
                         </a:rPr>
                         <a:t>with Deep Language Understanding</a:t>
                       </a:r>
                     </a:p>
+                    <a:p>
+                      <a:endParaRPr lang="en-IN" dirty="0"/>
+                    </a:p>
                   </a:txBody>
-                  <a:tcPr anchor="ctr">
-                    <a:lnL w="12700">
-                      <a:solidFill>
-                        <a:sysClr val="windowText" lastClr="000000"/>
-                      </a:solidFill>
-                    </a:lnL>
-                    <a:lnR w="12700">
-                      <a:solidFill>
-                        <a:sysClr val="windowText" lastClr="000000"/>
-                      </a:solidFill>
-                    </a:lnR>
-                    <a:lnT w="12700">
-                      <a:solidFill>
-                        <a:sysClr val="windowText" lastClr="000000"/>
-                      </a:solidFill>
-                    </a:lnT>
-                    <a:lnB w="12700">
-                      <a:solidFill>
-                        <a:sysClr val="windowText" lastClr="000000"/>
-                      </a:solidFill>
-                    </a:lnB>
-                    <a:lnTlToBr w="12700" cmpd="sng">
-                      <a:noFill/>
-                      <a:prstDash val="solid"/>
-                    </a:lnTlToBr>
-                    <a:lnBlToTr w="12700" cmpd="sng">
-                      <a:noFill/>
-                      <a:prstDash val="solid"/>
-                    </a:lnBlToTr>
-                    <a:solidFill>
-                      <a:srgbClr val="EBEBEB"/>
-                    </a:solidFill>
-                  </a:tcPr>
+                  <a:tcPr/>
                 </a:tc>
                 <a:tc>
                   <a:txBody>
                     <a:bodyPr/>
-                    <a:lstStyle>
-                      <a:lvl1pPr marL="0" algn="l" defTabSz="342900" rtl="0" eaLnBrk="1" latinLnBrk="0" hangingPunct="1">
-                        <a:defRPr sz="1350" kern="1200">
+                    <a:lstStyle/>
+                    <a:p>
+                      <a:pPr marL="0" marR="0" lvl="0" indent="0" algn="ctr" defTabSz="342900" rtl="0" eaLnBrk="1" fontAlgn="auto" latinLnBrk="0" hangingPunct="1">
+                        <a:lnSpc>
+                          <a:spcPct val="100000"/>
+                        </a:lnSpc>
+                        <a:spcBef>
+                          <a:spcPts val="0"/>
+                        </a:spcBef>
+                        <a:spcAft>
+                          <a:spcPts val="0"/>
+                        </a:spcAft>
+                        <a:buClrTx/>
+                        <a:buSzTx/>
+                        <a:buFontTx/>
+                        <a:buNone/>
+                        <a:tabLst/>
+                        <a:defRPr/>
+                      </a:pPr>
+                      <a:endParaRPr kumimoji="0" lang="en-US" sz="1350" b="1" i="0" u="none" strike="noStrike" kern="1200" cap="none" spc="0" normalizeH="0" baseline="0" noProof="0" dirty="0">
+                        <a:ln>
+                          <a:noFill/>
+                        </a:ln>
+                        <a:solidFill>
+                          <a:prstClr val="black"/>
+                        </a:solidFill>
+                        <a:effectLst/>
+                        <a:uLnTx/>
+                        <a:uFillTx/>
+                        <a:latin typeface="Times New Roman" panose="02020603050405020304" pitchFamily="18" charset="0"/>
+                        <a:ea typeface="+mn-ea"/>
+                        <a:cs typeface="Times New Roman" panose="02020603050405020304" pitchFamily="18" charset="0"/>
+                      </a:endParaRPr>
+                    </a:p>
+                    <a:p>
+                      <a:pPr marL="0" marR="0" lvl="0" indent="0" algn="ctr" defTabSz="342900" rtl="0" eaLnBrk="1" fontAlgn="auto" latinLnBrk="0" hangingPunct="1">
+                        <a:lnSpc>
+                          <a:spcPct val="100000"/>
+                        </a:lnSpc>
+                        <a:spcBef>
+                          <a:spcPts val="0"/>
+                        </a:spcBef>
+                        <a:spcAft>
+                          <a:spcPts val="0"/>
+                        </a:spcAft>
+                        <a:buClrTx/>
+                        <a:buSzTx/>
+                        <a:buFontTx/>
+                        <a:buNone/>
+                        <a:tabLst/>
+                        <a:defRPr/>
+                      </a:pPr>
+                      <a:r>
+                        <a:rPr kumimoji="0" lang="en-US" sz="1350" b="1" i="0" u="none" strike="noStrike" kern="1200" cap="none" spc="0" normalizeH="0" baseline="0" noProof="0" dirty="0">
+                          <a:ln>
+                            <a:noFill/>
+                          </a:ln>
                           <a:solidFill>
-                            <a:schemeClr val="dk1"/>
+                            <a:prstClr val="black"/>
                           </a:solidFill>
-                          <a:latin typeface="Gill Sans MT" panose="020B0502020104020203"/>
-                        </a:defRPr>
-                      </a:lvl1pPr>
-                      <a:lvl2pPr marL="342900" algn="l" defTabSz="342900" rtl="0" eaLnBrk="1" latinLnBrk="0" hangingPunct="1">
-                        <a:defRPr sz="1350" kern="1200">
-                          <a:solidFill>
-                            <a:schemeClr val="dk1"/>
-                          </a:solidFill>
-                          <a:latin typeface="Gill Sans MT" panose="020B0502020104020203"/>
-                        </a:defRPr>
-                      </a:lvl2pPr>
-                      <a:lvl3pPr marL="685800" algn="l" defTabSz="342900" rtl="0" eaLnBrk="1" latinLnBrk="0" hangingPunct="1">
-                        <a:defRPr sz="1350" kern="1200">
-                          <a:solidFill>
-                            <a:schemeClr val="dk1"/>
-                          </a:solidFill>
-                          <a:latin typeface="Gill Sans MT" panose="020B0502020104020203"/>
-                        </a:defRPr>
-                      </a:lvl3pPr>
-                      <a:lvl4pPr marL="1028700" algn="l" defTabSz="342900" rtl="0" eaLnBrk="1" latinLnBrk="0" hangingPunct="1">
-                        <a:defRPr sz="1350" kern="1200">
-                          <a:solidFill>
-                            <a:schemeClr val="dk1"/>
-                          </a:solidFill>
-                          <a:latin typeface="Gill Sans MT" panose="020B0502020104020203"/>
-                        </a:defRPr>
-                      </a:lvl4pPr>
-                      <a:lvl5pPr marL="1371600" algn="l" defTabSz="342900" rtl="0" eaLnBrk="1" latinLnBrk="0" hangingPunct="1">
-                        <a:defRPr sz="1350" kern="1200">
-                          <a:solidFill>
-                            <a:schemeClr val="dk1"/>
-                          </a:solidFill>
-                          <a:latin typeface="Gill Sans MT" panose="020B0502020104020203"/>
-                        </a:defRPr>
-                      </a:lvl5pPr>
-                      <a:lvl6pPr marL="1714500" algn="l" defTabSz="342900" rtl="0" eaLnBrk="1" latinLnBrk="0" hangingPunct="1">
-                        <a:defRPr sz="1350" kern="1200">
-                          <a:solidFill>
-                            <a:schemeClr val="dk1"/>
-                          </a:solidFill>
-                          <a:latin typeface="Gill Sans MT" panose="020B0502020104020203"/>
-                        </a:defRPr>
-                      </a:lvl6pPr>
-                      <a:lvl7pPr marL="2057400" algn="l" defTabSz="342900" rtl="0" eaLnBrk="1" latinLnBrk="0" hangingPunct="1">
-                        <a:defRPr sz="1350" kern="1200">
-                          <a:solidFill>
-                            <a:schemeClr val="dk1"/>
-                          </a:solidFill>
-                          <a:latin typeface="Gill Sans MT" panose="020B0502020104020203"/>
-                        </a:defRPr>
-                      </a:lvl7pPr>
-                      <a:lvl8pPr marL="2400300" algn="l" defTabSz="342900" rtl="0" eaLnBrk="1" latinLnBrk="0" hangingPunct="1">
-                        <a:defRPr sz="1350" kern="1200">
-                          <a:solidFill>
-                            <a:schemeClr val="dk1"/>
-                          </a:solidFill>
-                          <a:latin typeface="Gill Sans MT" panose="020B0502020104020203"/>
-                        </a:defRPr>
-                      </a:lvl8pPr>
-                      <a:lvl9pPr marL="2743200" algn="l" defTabSz="342900" rtl="0" eaLnBrk="1" latinLnBrk="0" hangingPunct="1">
-                        <a:defRPr sz="1350" kern="1200">
-                          <a:solidFill>
-                            <a:schemeClr val="dk1"/>
-                          </a:solidFill>
-                          <a:latin typeface="Gill Sans MT" panose="020B0502020104020203"/>
-                        </a:defRPr>
-                      </a:lvl9pPr>
-                    </a:lstStyle>
-                    <a:p>
-                      <a:pPr algn="ctr"/>
-                      <a:r>
-                        <a:rPr lang="en-US" b="1" i="0">
-                          <a:solidFill>
-                            <a:schemeClr val="tx1"/>
-                          </a:solidFill>
+                          <a:effectLst/>
+                          <a:uLnTx/>
+                          <a:uFillTx/>
                           <a:latin typeface="Times New Roman" panose="02020603050405020304" pitchFamily="18" charset="0"/>
+                          <a:ea typeface="+mn-ea"/>
                           <a:cs typeface="Times New Roman" panose="02020603050405020304" pitchFamily="18" charset="0"/>
                         </a:rPr>
                         <a:t>2022</a:t>
                       </a:r>
                     </a:p>
+                    <a:p>
+                      <a:endParaRPr lang="en-IN" dirty="0"/>
+                    </a:p>
                   </a:txBody>
-                  <a:tcPr anchor="ctr">
-                    <a:lnL w="12700">
-                      <a:solidFill>
-                        <a:sysClr val="windowText" lastClr="000000"/>
-                      </a:solidFill>
-                    </a:lnL>
-                    <a:lnR w="12700">
-                      <a:solidFill>
-                        <a:sysClr val="windowText" lastClr="000000"/>
-                      </a:solidFill>
-                    </a:lnR>
-                    <a:lnT w="12700">
-                      <a:solidFill>
-                        <a:sysClr val="windowText" lastClr="000000"/>
-                      </a:solidFill>
-                    </a:lnT>
-                    <a:lnB w="12700">
-                      <a:solidFill>
-                        <a:sysClr val="windowText" lastClr="000000"/>
-                      </a:solidFill>
-                    </a:lnB>
-                    <a:lnTlToBr w="12700" cmpd="sng">
-                      <a:noFill/>
-                      <a:prstDash val="solid"/>
-                    </a:lnTlToBr>
-                    <a:lnBlToTr w="12700" cmpd="sng">
-                      <a:noFill/>
-                      <a:prstDash val="solid"/>
-                    </a:lnBlToTr>
-                    <a:solidFill>
-                      <a:srgbClr val="EBEBEB"/>
-                    </a:solidFill>
-                  </a:tcPr>
+                  <a:tcPr/>
                 </a:tc>
                 <a:tc>
                   <a:txBody>
                     <a:bodyPr/>
-                    <a:lstStyle>
-                      <a:lvl1pPr marL="0" algn="l" defTabSz="342900" rtl="0" eaLnBrk="1" latinLnBrk="0" hangingPunct="1">
-                        <a:defRPr sz="1350" kern="1200">
+                    <a:lstStyle/>
+                    <a:p>
+                      <a:pPr marL="0" marR="0" lvl="0" indent="0" algn="ctr" defTabSz="342900" rtl="0" eaLnBrk="1" fontAlgn="auto" latinLnBrk="0" hangingPunct="1">
+                        <a:lnSpc>
+                          <a:spcPct val="100000"/>
+                        </a:lnSpc>
+                        <a:spcBef>
+                          <a:spcPts val="0"/>
+                        </a:spcBef>
+                        <a:spcAft>
+                          <a:spcPts val="0"/>
+                        </a:spcAft>
+                        <a:buClrTx/>
+                        <a:buSzTx/>
+                        <a:buFontTx/>
+                        <a:buNone/>
+                        <a:tabLst/>
+                        <a:defRPr/>
+                      </a:pPr>
+                      <a:r>
+                        <a:rPr kumimoji="0" lang="en-US" sz="1350" b="1" i="0" u="none" strike="noStrike" kern="1200" cap="none" spc="0" normalizeH="0" baseline="0" noProof="0" dirty="0">
+                          <a:ln>
+                            <a:noFill/>
+                          </a:ln>
                           <a:solidFill>
-                            <a:schemeClr val="dk1"/>
+                            <a:prstClr val="black"/>
                           </a:solidFill>
-                          <a:latin typeface="Gill Sans MT" panose="020B0502020104020203"/>
-                        </a:defRPr>
-                      </a:lvl1pPr>
-                      <a:lvl2pPr marL="342900" algn="l" defTabSz="342900" rtl="0" eaLnBrk="1" latinLnBrk="0" hangingPunct="1">
-                        <a:defRPr sz="1350" kern="1200">
-                          <a:solidFill>
-                            <a:schemeClr val="dk1"/>
-                          </a:solidFill>
-                          <a:latin typeface="Gill Sans MT" panose="020B0502020104020203"/>
-                        </a:defRPr>
-                      </a:lvl2pPr>
-                      <a:lvl3pPr marL="685800" algn="l" defTabSz="342900" rtl="0" eaLnBrk="1" latinLnBrk="0" hangingPunct="1">
-                        <a:defRPr sz="1350" kern="1200">
-                          <a:solidFill>
-                            <a:schemeClr val="dk1"/>
-                          </a:solidFill>
-                          <a:latin typeface="Gill Sans MT" panose="020B0502020104020203"/>
-                        </a:defRPr>
-                      </a:lvl3pPr>
-                      <a:lvl4pPr marL="1028700" algn="l" defTabSz="342900" rtl="0" eaLnBrk="1" latinLnBrk="0" hangingPunct="1">
-                        <a:defRPr sz="1350" kern="1200">
-                          <a:solidFill>
-                            <a:schemeClr val="dk1"/>
-                          </a:solidFill>
-                          <a:latin typeface="Gill Sans MT" panose="020B0502020104020203"/>
-                        </a:defRPr>
-                      </a:lvl4pPr>
-                      <a:lvl5pPr marL="1371600" algn="l" defTabSz="342900" rtl="0" eaLnBrk="1" latinLnBrk="0" hangingPunct="1">
-                        <a:defRPr sz="1350" kern="1200">
-                          <a:solidFill>
-                            <a:schemeClr val="dk1"/>
-                          </a:solidFill>
-                          <a:latin typeface="Gill Sans MT" panose="020B0502020104020203"/>
-                        </a:defRPr>
-                      </a:lvl5pPr>
-                      <a:lvl6pPr marL="1714500" algn="l" defTabSz="342900" rtl="0" eaLnBrk="1" latinLnBrk="0" hangingPunct="1">
-                        <a:defRPr sz="1350" kern="1200">
-                          <a:solidFill>
-                            <a:schemeClr val="dk1"/>
-                          </a:solidFill>
-                          <a:latin typeface="Gill Sans MT" panose="020B0502020104020203"/>
-                        </a:defRPr>
-                      </a:lvl6pPr>
-                      <a:lvl7pPr marL="2057400" algn="l" defTabSz="342900" rtl="0" eaLnBrk="1" latinLnBrk="0" hangingPunct="1">
-                        <a:defRPr sz="1350" kern="1200">
-                          <a:solidFill>
-                            <a:schemeClr val="dk1"/>
-                          </a:solidFill>
-                          <a:latin typeface="Gill Sans MT" panose="020B0502020104020203"/>
-                        </a:defRPr>
-                      </a:lvl7pPr>
-                      <a:lvl8pPr marL="2400300" algn="l" defTabSz="342900" rtl="0" eaLnBrk="1" latinLnBrk="0" hangingPunct="1">
-                        <a:defRPr sz="1350" kern="1200">
-                          <a:solidFill>
-                            <a:schemeClr val="dk1"/>
-                          </a:solidFill>
-                          <a:latin typeface="Gill Sans MT" panose="020B0502020104020203"/>
-                        </a:defRPr>
-                      </a:lvl8pPr>
-                      <a:lvl9pPr marL="2743200" algn="l" defTabSz="342900" rtl="0" eaLnBrk="1" latinLnBrk="0" hangingPunct="1">
-                        <a:defRPr sz="1350" kern="1200">
-                          <a:solidFill>
-                            <a:schemeClr val="dk1"/>
-                          </a:solidFill>
-                          <a:latin typeface="Gill Sans MT" panose="020B0502020104020203"/>
-                        </a:defRPr>
-                      </a:lvl9pPr>
-                    </a:lstStyle>
-                    <a:p>
-                      <a:pPr algn="ctr"/>
-                      <a:r>
-                        <a:rPr lang="en-US" b="1" i="0">
-                          <a:solidFill>
-                            <a:schemeClr val="tx1"/>
-                          </a:solidFill>
+                          <a:effectLst/>
+                          <a:uLnTx/>
+                          <a:uFillTx/>
                           <a:latin typeface="Times New Roman" panose="02020603050405020304" pitchFamily="18" charset="0"/>
+                          <a:ea typeface="+mn-ea"/>
                           <a:cs typeface="Times New Roman" panose="02020603050405020304" pitchFamily="18" charset="0"/>
                         </a:rPr>
                         <a:t>Combines language models with diffusion for photorealism.</a:t>
                       </a:r>
-                      <a:endParaRPr lang="en-US" b="1" i="0" dirty="0">
-                        <a:solidFill>
-                          <a:schemeClr val="tx1"/>
-                        </a:solidFill>
-                        <a:latin typeface="Times New Roman" panose="02020603050405020304" pitchFamily="18" charset="0"/>
-                        <a:cs typeface="Times New Roman" panose="02020603050405020304" pitchFamily="18" charset="0"/>
-                      </a:endParaRPr>
+                    </a:p>
+                    <a:p>
+                      <a:endParaRPr lang="en-IN" dirty="0"/>
                     </a:p>
                   </a:txBody>
-                  <a:tcPr anchor="ctr">
-                    <a:lnL w="12700">
-                      <a:solidFill>
-                        <a:sysClr val="windowText" lastClr="000000"/>
-                      </a:solidFill>
-                    </a:lnL>
-                    <a:lnR w="12700">
-                      <a:solidFill>
-                        <a:sysClr val="windowText" lastClr="000000"/>
-                      </a:solidFill>
-                    </a:lnR>
-                    <a:lnT w="12700">
-                      <a:solidFill>
-                        <a:sysClr val="windowText" lastClr="000000"/>
-                      </a:solidFill>
-                    </a:lnT>
-                    <a:lnB w="12700">
-                      <a:solidFill>
-                        <a:sysClr val="windowText" lastClr="000000"/>
-                      </a:solidFill>
-                    </a:lnB>
-                    <a:lnTlToBr w="12700" cmpd="sng">
-                      <a:noFill/>
-                      <a:prstDash val="solid"/>
-                    </a:lnTlToBr>
-                    <a:lnBlToTr w="12700" cmpd="sng">
-                      <a:noFill/>
-                      <a:prstDash val="solid"/>
-                    </a:lnBlToTr>
-                    <a:solidFill>
-                      <a:srgbClr val="EBEBEB"/>
-                    </a:solidFill>
-                  </a:tcPr>
+                  <a:tcPr/>
                 </a:tc>
                 <a:tc>
                   <a:txBody>
                     <a:bodyPr/>
-                    <a:lstStyle>
-                      <a:lvl1pPr marL="0" algn="l" defTabSz="342900" rtl="0" eaLnBrk="1" latinLnBrk="0" hangingPunct="1">
-                        <a:defRPr sz="1350" kern="1200">
+                    <a:lstStyle/>
+                    <a:p>
+                      <a:pPr marL="0" marR="0" lvl="0" indent="0" algn="ctr" defTabSz="342900" rtl="0" eaLnBrk="1" fontAlgn="auto" latinLnBrk="0" hangingPunct="1">
+                        <a:lnSpc>
+                          <a:spcPct val="100000"/>
+                        </a:lnSpc>
+                        <a:spcBef>
+                          <a:spcPts val="0"/>
+                        </a:spcBef>
+                        <a:spcAft>
+                          <a:spcPts val="0"/>
+                        </a:spcAft>
+                        <a:buClrTx/>
+                        <a:buSzTx/>
+                        <a:buFontTx/>
+                        <a:buNone/>
+                        <a:tabLst/>
+                        <a:defRPr/>
+                      </a:pPr>
+                      <a:r>
+                        <a:rPr kumimoji="0" lang="en-US" sz="1350" b="1" i="0" u="none" strike="noStrike" kern="1200" cap="none" spc="0" normalizeH="0" baseline="0" noProof="0" dirty="0">
+                          <a:ln>
+                            <a:noFill/>
+                          </a:ln>
                           <a:solidFill>
-                            <a:schemeClr val="dk1"/>
+                            <a:prstClr val="black"/>
                           </a:solidFill>
-                          <a:latin typeface="Gill Sans MT" panose="020B0502020104020203"/>
-                        </a:defRPr>
-                      </a:lvl1pPr>
-                      <a:lvl2pPr marL="342900" algn="l" defTabSz="342900" rtl="0" eaLnBrk="1" latinLnBrk="0" hangingPunct="1">
-                        <a:defRPr sz="1350" kern="1200">
-                          <a:solidFill>
-                            <a:schemeClr val="dk1"/>
-                          </a:solidFill>
-                          <a:latin typeface="Gill Sans MT" panose="020B0502020104020203"/>
-                        </a:defRPr>
-                      </a:lvl2pPr>
-                      <a:lvl3pPr marL="685800" algn="l" defTabSz="342900" rtl="0" eaLnBrk="1" latinLnBrk="0" hangingPunct="1">
-                        <a:defRPr sz="1350" kern="1200">
-                          <a:solidFill>
-                            <a:schemeClr val="dk1"/>
-                          </a:solidFill>
-                          <a:latin typeface="Gill Sans MT" panose="020B0502020104020203"/>
-                        </a:defRPr>
-                      </a:lvl3pPr>
-                      <a:lvl4pPr marL="1028700" algn="l" defTabSz="342900" rtl="0" eaLnBrk="1" latinLnBrk="0" hangingPunct="1">
-                        <a:defRPr sz="1350" kern="1200">
-                          <a:solidFill>
-                            <a:schemeClr val="dk1"/>
-                          </a:solidFill>
-                          <a:latin typeface="Gill Sans MT" panose="020B0502020104020203"/>
-                        </a:defRPr>
-                      </a:lvl4pPr>
-                      <a:lvl5pPr marL="1371600" algn="l" defTabSz="342900" rtl="0" eaLnBrk="1" latinLnBrk="0" hangingPunct="1">
-                        <a:defRPr sz="1350" kern="1200">
-                          <a:solidFill>
-                            <a:schemeClr val="dk1"/>
-                          </a:solidFill>
-                          <a:latin typeface="Gill Sans MT" panose="020B0502020104020203"/>
-                        </a:defRPr>
-                      </a:lvl5pPr>
-                      <a:lvl6pPr marL="1714500" algn="l" defTabSz="342900" rtl="0" eaLnBrk="1" latinLnBrk="0" hangingPunct="1">
-                        <a:defRPr sz="1350" kern="1200">
-                          <a:solidFill>
-                            <a:schemeClr val="dk1"/>
-                          </a:solidFill>
-                          <a:latin typeface="Gill Sans MT" panose="020B0502020104020203"/>
-                        </a:defRPr>
-                      </a:lvl6pPr>
-                      <a:lvl7pPr marL="2057400" algn="l" defTabSz="342900" rtl="0" eaLnBrk="1" latinLnBrk="0" hangingPunct="1">
-                        <a:defRPr sz="1350" kern="1200">
-                          <a:solidFill>
-                            <a:schemeClr val="dk1"/>
-                          </a:solidFill>
-                          <a:latin typeface="Gill Sans MT" panose="020B0502020104020203"/>
-                        </a:defRPr>
-                      </a:lvl7pPr>
-                      <a:lvl8pPr marL="2400300" algn="l" defTabSz="342900" rtl="0" eaLnBrk="1" latinLnBrk="0" hangingPunct="1">
-                        <a:defRPr sz="1350" kern="1200">
-                          <a:solidFill>
-                            <a:schemeClr val="dk1"/>
-                          </a:solidFill>
-                          <a:latin typeface="Gill Sans MT" panose="020B0502020104020203"/>
-                        </a:defRPr>
-                      </a:lvl8pPr>
-                      <a:lvl9pPr marL="2743200" algn="l" defTabSz="342900" rtl="0" eaLnBrk="1" latinLnBrk="0" hangingPunct="1">
-                        <a:defRPr sz="1350" kern="1200">
-                          <a:solidFill>
-                            <a:schemeClr val="dk1"/>
-                          </a:solidFill>
-                          <a:latin typeface="Gill Sans MT" panose="020B0502020104020203"/>
-                        </a:defRPr>
-                      </a:lvl9pPr>
-                    </a:lstStyle>
-                    <a:p>
-                      <a:pPr algn="ctr"/>
-                      <a:r>
-                        <a:rPr lang="en-US" b="1" i="0" dirty="0">
-                          <a:solidFill>
-                            <a:schemeClr val="tx1"/>
-                          </a:solidFill>
+                          <a:effectLst/>
+                          <a:uLnTx/>
+                          <a:uFillTx/>
                           <a:latin typeface="Times New Roman" panose="02020603050405020304" pitchFamily="18" charset="0"/>
+                          <a:ea typeface="+mn-ea"/>
                           <a:cs typeface="Times New Roman" panose="02020603050405020304" pitchFamily="18" charset="0"/>
                         </a:rPr>
                         <a:t>Slower inference; requires quality training data.</a:t>
                       </a:r>
                     </a:p>
+                    <a:p>
+                      <a:endParaRPr lang="en-IN" dirty="0"/>
+                    </a:p>
                   </a:txBody>
-                  <a:tcPr anchor="ctr">
-                    <a:lnL w="12700">
-                      <a:solidFill>
-                        <a:sysClr val="windowText" lastClr="000000"/>
-                      </a:solidFill>
-                    </a:lnL>
-                    <a:lnR w="12700">
-                      <a:solidFill>
-                        <a:sysClr val="windowText" lastClr="000000"/>
-                      </a:solidFill>
-                    </a:lnR>
-                    <a:lnT w="12700">
-                      <a:solidFill>
-                        <a:sysClr val="windowText" lastClr="000000"/>
-                      </a:solidFill>
-                    </a:lnT>
-                    <a:lnB w="12700">
-                      <a:solidFill>
-                        <a:sysClr val="windowText" lastClr="000000"/>
-                      </a:solidFill>
-                    </a:lnB>
-                    <a:lnTlToBr w="12700" cmpd="sng">
-                      <a:noFill/>
-                      <a:prstDash val="solid"/>
-                    </a:lnTlToBr>
-                    <a:lnBlToTr w="12700" cmpd="sng">
-                      <a:noFill/>
-                      <a:prstDash val="solid"/>
-                    </a:lnBlToTr>
-                    <a:solidFill>
-                      <a:srgbClr val="EBEBEB"/>
-                    </a:solidFill>
-                  </a:tcPr>
+                  <a:tcPr/>
                 </a:tc>
                 <a:extLst>
                   <a:ext uri="{0D108BD9-81ED-4DB2-BD59-A6C34878D82A}">
-                    <a16:rowId xmlns:a16="http://schemas.microsoft.com/office/drawing/2014/main" val="3355340268"/>
-                  </a:ext>
-                </a:extLst>
-              </a:tr>
-              <a:tr h="832672">
-                <a:tc>
-                  <a:txBody>
-                    <a:bodyPr/>
-                    <a:lstStyle>
-                      <a:lvl1pPr marL="0" algn="l" defTabSz="342900" rtl="0" eaLnBrk="1" latinLnBrk="0" hangingPunct="1">
-                        <a:defRPr sz="1350" kern="1200">
-                          <a:solidFill>
-                            <a:schemeClr val="dk1"/>
-                          </a:solidFill>
-                          <a:latin typeface="Gill Sans MT" panose="020B0502020104020203"/>
-                        </a:defRPr>
-                      </a:lvl1pPr>
-                      <a:lvl2pPr marL="342900" algn="l" defTabSz="342900" rtl="0" eaLnBrk="1" latinLnBrk="0" hangingPunct="1">
-                        <a:defRPr sz="1350" kern="1200">
-                          <a:solidFill>
-                            <a:schemeClr val="dk1"/>
-                          </a:solidFill>
-                          <a:latin typeface="Gill Sans MT" panose="020B0502020104020203"/>
-                        </a:defRPr>
-                      </a:lvl2pPr>
-                      <a:lvl3pPr marL="685800" algn="l" defTabSz="342900" rtl="0" eaLnBrk="1" latinLnBrk="0" hangingPunct="1">
-                        <a:defRPr sz="1350" kern="1200">
-                          <a:solidFill>
-                            <a:schemeClr val="dk1"/>
-                          </a:solidFill>
-                          <a:latin typeface="Gill Sans MT" panose="020B0502020104020203"/>
-                        </a:defRPr>
-                      </a:lvl3pPr>
-                      <a:lvl4pPr marL="1028700" algn="l" defTabSz="342900" rtl="0" eaLnBrk="1" latinLnBrk="0" hangingPunct="1">
-                        <a:defRPr sz="1350" kern="1200">
-                          <a:solidFill>
-                            <a:schemeClr val="dk1"/>
-                          </a:solidFill>
-                          <a:latin typeface="Gill Sans MT" panose="020B0502020104020203"/>
-                        </a:defRPr>
-                      </a:lvl4pPr>
-                      <a:lvl5pPr marL="1371600" algn="l" defTabSz="342900" rtl="0" eaLnBrk="1" latinLnBrk="0" hangingPunct="1">
-                        <a:defRPr sz="1350" kern="1200">
-                          <a:solidFill>
-                            <a:schemeClr val="dk1"/>
-                          </a:solidFill>
-                          <a:latin typeface="Gill Sans MT" panose="020B0502020104020203"/>
-                        </a:defRPr>
-                      </a:lvl5pPr>
-                      <a:lvl6pPr marL="1714500" algn="l" defTabSz="342900" rtl="0" eaLnBrk="1" latinLnBrk="0" hangingPunct="1">
-                        <a:defRPr sz="1350" kern="1200">
-                          <a:solidFill>
-                            <a:schemeClr val="dk1"/>
-                          </a:solidFill>
-                          <a:latin typeface="Gill Sans MT" panose="020B0502020104020203"/>
-                        </a:defRPr>
-                      </a:lvl6pPr>
-                      <a:lvl7pPr marL="2057400" algn="l" defTabSz="342900" rtl="0" eaLnBrk="1" latinLnBrk="0" hangingPunct="1">
-                        <a:defRPr sz="1350" kern="1200">
-                          <a:solidFill>
-                            <a:schemeClr val="dk1"/>
-                          </a:solidFill>
-                          <a:latin typeface="Gill Sans MT" panose="020B0502020104020203"/>
-                        </a:defRPr>
-                      </a:lvl7pPr>
-                      <a:lvl8pPr marL="2400300" algn="l" defTabSz="342900" rtl="0" eaLnBrk="1" latinLnBrk="0" hangingPunct="1">
-                        <a:defRPr sz="1350" kern="1200">
-                          <a:solidFill>
-                            <a:schemeClr val="dk1"/>
-                          </a:solidFill>
-                          <a:latin typeface="Gill Sans MT" panose="020B0502020104020203"/>
-                        </a:defRPr>
-                      </a:lvl8pPr>
-                      <a:lvl9pPr marL="2743200" algn="l" defTabSz="342900" rtl="0" eaLnBrk="1" latinLnBrk="0" hangingPunct="1">
-                        <a:defRPr sz="1350" kern="1200">
-                          <a:solidFill>
-                            <a:schemeClr val="dk1"/>
-                          </a:solidFill>
-                          <a:latin typeface="Gill Sans MT" panose="020B0502020104020203"/>
-                        </a:defRPr>
-                      </a:lvl9pPr>
-                    </a:lstStyle>
-                    <a:p>
-                      <a:pPr algn="ctr"/>
-                      <a:r>
-                        <a:rPr lang="en-US" b="1" i="0">
-                          <a:solidFill>
-                            <a:schemeClr val="tx1"/>
-                          </a:solidFill>
-                          <a:latin typeface="Times New Roman" panose="02020603050405020304" pitchFamily="18" charset="0"/>
-                          <a:cs typeface="Times New Roman" panose="02020603050405020304" pitchFamily="18" charset="0"/>
-                        </a:rPr>
-                        <a:t>4.</a:t>
-                      </a:r>
-                    </a:p>
-                  </a:txBody>
-                  <a:tcPr anchor="ctr">
-                    <a:lnL w="12700">
-                      <a:solidFill>
-                        <a:sysClr val="windowText" lastClr="000000"/>
-                      </a:solidFill>
-                    </a:lnL>
-                    <a:lnR w="12700">
-                      <a:solidFill>
-                        <a:sysClr val="windowText" lastClr="000000"/>
-                      </a:solidFill>
-                    </a:lnR>
-                    <a:lnT w="12700">
-                      <a:solidFill>
-                        <a:sysClr val="windowText" lastClr="000000"/>
-                      </a:solidFill>
-                    </a:lnT>
-                    <a:lnB w="12700">
-                      <a:solidFill>
-                        <a:sysClr val="windowText" lastClr="000000"/>
-                      </a:solidFill>
-                    </a:lnB>
-                    <a:lnTlToBr w="12700" cmpd="sng">
-                      <a:noFill/>
-                      <a:prstDash val="solid"/>
-                    </a:lnTlToBr>
-                    <a:lnBlToTr w="12700" cmpd="sng">
-                      <a:noFill/>
-                      <a:prstDash val="solid"/>
-                    </a:lnBlToTr>
-                    <a:solidFill>
-                      <a:srgbClr val="4D1434">
-                        <a:tint val="20000"/>
-                      </a:srgbClr>
-                    </a:solidFill>
-                  </a:tcPr>
-                </a:tc>
-                <a:tc>
-                  <a:txBody>
-                    <a:bodyPr/>
-                    <a:lstStyle>
-                      <a:lvl1pPr marL="0" algn="l" defTabSz="342900" rtl="0" eaLnBrk="1" latinLnBrk="0" hangingPunct="1">
-                        <a:defRPr sz="1350" kern="1200">
-                          <a:solidFill>
-                            <a:schemeClr val="dk1"/>
-                          </a:solidFill>
-                          <a:latin typeface="Gill Sans MT" panose="020B0502020104020203"/>
-                        </a:defRPr>
-                      </a:lvl1pPr>
-                      <a:lvl2pPr marL="342900" algn="l" defTabSz="342900" rtl="0" eaLnBrk="1" latinLnBrk="0" hangingPunct="1">
-                        <a:defRPr sz="1350" kern="1200">
-                          <a:solidFill>
-                            <a:schemeClr val="dk1"/>
-                          </a:solidFill>
-                          <a:latin typeface="Gill Sans MT" panose="020B0502020104020203"/>
-                        </a:defRPr>
-                      </a:lvl2pPr>
-                      <a:lvl3pPr marL="685800" algn="l" defTabSz="342900" rtl="0" eaLnBrk="1" latinLnBrk="0" hangingPunct="1">
-                        <a:defRPr sz="1350" kern="1200">
-                          <a:solidFill>
-                            <a:schemeClr val="dk1"/>
-                          </a:solidFill>
-                          <a:latin typeface="Gill Sans MT" panose="020B0502020104020203"/>
-                        </a:defRPr>
-                      </a:lvl3pPr>
-                      <a:lvl4pPr marL="1028700" algn="l" defTabSz="342900" rtl="0" eaLnBrk="1" latinLnBrk="0" hangingPunct="1">
-                        <a:defRPr sz="1350" kern="1200">
-                          <a:solidFill>
-                            <a:schemeClr val="dk1"/>
-                          </a:solidFill>
-                          <a:latin typeface="Gill Sans MT" panose="020B0502020104020203"/>
-                        </a:defRPr>
-                      </a:lvl4pPr>
-                      <a:lvl5pPr marL="1371600" algn="l" defTabSz="342900" rtl="0" eaLnBrk="1" latinLnBrk="0" hangingPunct="1">
-                        <a:defRPr sz="1350" kern="1200">
-                          <a:solidFill>
-                            <a:schemeClr val="dk1"/>
-                          </a:solidFill>
-                          <a:latin typeface="Gill Sans MT" panose="020B0502020104020203"/>
-                        </a:defRPr>
-                      </a:lvl5pPr>
-                      <a:lvl6pPr marL="1714500" algn="l" defTabSz="342900" rtl="0" eaLnBrk="1" latinLnBrk="0" hangingPunct="1">
-                        <a:defRPr sz="1350" kern="1200">
-                          <a:solidFill>
-                            <a:schemeClr val="dk1"/>
-                          </a:solidFill>
-                          <a:latin typeface="Gill Sans MT" panose="020B0502020104020203"/>
-                        </a:defRPr>
-                      </a:lvl6pPr>
-                      <a:lvl7pPr marL="2057400" algn="l" defTabSz="342900" rtl="0" eaLnBrk="1" latinLnBrk="0" hangingPunct="1">
-                        <a:defRPr sz="1350" kern="1200">
-                          <a:solidFill>
-                            <a:schemeClr val="dk1"/>
-                          </a:solidFill>
-                          <a:latin typeface="Gill Sans MT" panose="020B0502020104020203"/>
-                        </a:defRPr>
-                      </a:lvl7pPr>
-                      <a:lvl8pPr marL="2400300" algn="l" defTabSz="342900" rtl="0" eaLnBrk="1" latinLnBrk="0" hangingPunct="1">
-                        <a:defRPr sz="1350" kern="1200">
-                          <a:solidFill>
-                            <a:schemeClr val="dk1"/>
-                          </a:solidFill>
-                          <a:latin typeface="Gill Sans MT" panose="020B0502020104020203"/>
-                        </a:defRPr>
-                      </a:lvl8pPr>
-                      <a:lvl9pPr marL="2743200" algn="l" defTabSz="342900" rtl="0" eaLnBrk="1" latinLnBrk="0" hangingPunct="1">
-                        <a:defRPr sz="1350" kern="1200">
-                          <a:solidFill>
-                            <a:schemeClr val="dk1"/>
-                          </a:solidFill>
-                          <a:latin typeface="Gill Sans MT" panose="020B0502020104020203"/>
-                        </a:defRPr>
-                      </a:lvl9pPr>
-                    </a:lstStyle>
-                    <a:p>
-                      <a:pPr algn="ctr"/>
-                      <a:r>
-                        <a:rPr lang="en-US" b="1" i="0" dirty="0">
-                          <a:solidFill>
-                            <a:schemeClr val="tx1"/>
-                          </a:solidFill>
-                          <a:latin typeface="Times New Roman" panose="02020603050405020304" pitchFamily="18" charset="0"/>
-                          <a:cs typeface="Times New Roman" panose="02020603050405020304" pitchFamily="18" charset="0"/>
-                        </a:rPr>
-                        <a:t>Prafulla </a:t>
-                      </a:r>
-                      <a:r>
-                        <a:rPr lang="en-US" b="1" i="0" dirty="0" err="1">
-                          <a:solidFill>
-                            <a:schemeClr val="tx1"/>
-                          </a:solidFill>
-                          <a:latin typeface="Times New Roman" panose="02020603050405020304" pitchFamily="18" charset="0"/>
-                          <a:cs typeface="Times New Roman" panose="02020603050405020304" pitchFamily="18" charset="0"/>
-                        </a:rPr>
-                        <a:t>Dhariwal</a:t>
-                      </a:r>
-                      <a:endParaRPr lang="en-US" b="1" i="0" dirty="0">
-                        <a:solidFill>
-                          <a:schemeClr val="tx1"/>
-                        </a:solidFill>
-                        <a:latin typeface="Times New Roman" panose="02020603050405020304" pitchFamily="18" charset="0"/>
-                        <a:cs typeface="Times New Roman" panose="02020603050405020304" pitchFamily="18" charset="0"/>
-                      </a:endParaRPr>
-                    </a:p>
-                  </a:txBody>
-                  <a:tcPr anchor="ctr">
-                    <a:lnL w="12700">
-                      <a:solidFill>
-                        <a:sysClr val="windowText" lastClr="000000"/>
-                      </a:solidFill>
-                    </a:lnL>
-                    <a:lnR w="12700">
-                      <a:solidFill>
-                        <a:sysClr val="windowText" lastClr="000000"/>
-                      </a:solidFill>
-                    </a:lnR>
-                    <a:lnT w="12700">
-                      <a:solidFill>
-                        <a:sysClr val="windowText" lastClr="000000"/>
-                      </a:solidFill>
-                    </a:lnT>
-                    <a:lnB w="12700">
-                      <a:solidFill>
-                        <a:sysClr val="windowText" lastClr="000000"/>
-                      </a:solidFill>
-                    </a:lnB>
-                    <a:lnTlToBr w="12700" cmpd="sng">
-                      <a:noFill/>
-                      <a:prstDash val="solid"/>
-                    </a:lnTlToBr>
-                    <a:lnBlToTr w="12700" cmpd="sng">
-                      <a:noFill/>
-                      <a:prstDash val="solid"/>
-                    </a:lnBlToTr>
-                    <a:solidFill>
-                      <a:srgbClr val="4D1434">
-                        <a:tint val="20000"/>
-                      </a:srgbClr>
-                    </a:solidFill>
-                  </a:tcPr>
-                </a:tc>
-                <a:tc>
-                  <a:txBody>
-                    <a:bodyPr/>
-                    <a:lstStyle>
-                      <a:lvl1pPr marL="0" algn="l" defTabSz="342900" rtl="0" eaLnBrk="1" latinLnBrk="0" hangingPunct="1">
-                        <a:defRPr sz="1350" kern="1200">
-                          <a:solidFill>
-                            <a:schemeClr val="dk1"/>
-                          </a:solidFill>
-                          <a:latin typeface="Gill Sans MT" panose="020B0502020104020203"/>
-                        </a:defRPr>
-                      </a:lvl1pPr>
-                      <a:lvl2pPr marL="342900" algn="l" defTabSz="342900" rtl="0" eaLnBrk="1" latinLnBrk="0" hangingPunct="1">
-                        <a:defRPr sz="1350" kern="1200">
-                          <a:solidFill>
-                            <a:schemeClr val="dk1"/>
-                          </a:solidFill>
-                          <a:latin typeface="Gill Sans MT" panose="020B0502020104020203"/>
-                        </a:defRPr>
-                      </a:lvl2pPr>
-                      <a:lvl3pPr marL="685800" algn="l" defTabSz="342900" rtl="0" eaLnBrk="1" latinLnBrk="0" hangingPunct="1">
-                        <a:defRPr sz="1350" kern="1200">
-                          <a:solidFill>
-                            <a:schemeClr val="dk1"/>
-                          </a:solidFill>
-                          <a:latin typeface="Gill Sans MT" panose="020B0502020104020203"/>
-                        </a:defRPr>
-                      </a:lvl3pPr>
-                      <a:lvl4pPr marL="1028700" algn="l" defTabSz="342900" rtl="0" eaLnBrk="1" latinLnBrk="0" hangingPunct="1">
-                        <a:defRPr sz="1350" kern="1200">
-                          <a:solidFill>
-                            <a:schemeClr val="dk1"/>
-                          </a:solidFill>
-                          <a:latin typeface="Gill Sans MT" panose="020B0502020104020203"/>
-                        </a:defRPr>
-                      </a:lvl4pPr>
-                      <a:lvl5pPr marL="1371600" algn="l" defTabSz="342900" rtl="0" eaLnBrk="1" latinLnBrk="0" hangingPunct="1">
-                        <a:defRPr sz="1350" kern="1200">
-                          <a:solidFill>
-                            <a:schemeClr val="dk1"/>
-                          </a:solidFill>
-                          <a:latin typeface="Gill Sans MT" panose="020B0502020104020203"/>
-                        </a:defRPr>
-                      </a:lvl5pPr>
-                      <a:lvl6pPr marL="1714500" algn="l" defTabSz="342900" rtl="0" eaLnBrk="1" latinLnBrk="0" hangingPunct="1">
-                        <a:defRPr sz="1350" kern="1200">
-                          <a:solidFill>
-                            <a:schemeClr val="dk1"/>
-                          </a:solidFill>
-                          <a:latin typeface="Gill Sans MT" panose="020B0502020104020203"/>
-                        </a:defRPr>
-                      </a:lvl6pPr>
-                      <a:lvl7pPr marL="2057400" algn="l" defTabSz="342900" rtl="0" eaLnBrk="1" latinLnBrk="0" hangingPunct="1">
-                        <a:defRPr sz="1350" kern="1200">
-                          <a:solidFill>
-                            <a:schemeClr val="dk1"/>
-                          </a:solidFill>
-                          <a:latin typeface="Gill Sans MT" panose="020B0502020104020203"/>
-                        </a:defRPr>
-                      </a:lvl7pPr>
-                      <a:lvl8pPr marL="2400300" algn="l" defTabSz="342900" rtl="0" eaLnBrk="1" latinLnBrk="0" hangingPunct="1">
-                        <a:defRPr sz="1350" kern="1200">
-                          <a:solidFill>
-                            <a:schemeClr val="dk1"/>
-                          </a:solidFill>
-                          <a:latin typeface="Gill Sans MT" panose="020B0502020104020203"/>
-                        </a:defRPr>
-                      </a:lvl8pPr>
-                      <a:lvl9pPr marL="2743200" algn="l" defTabSz="342900" rtl="0" eaLnBrk="1" latinLnBrk="0" hangingPunct="1">
-                        <a:defRPr sz="1350" kern="1200">
-                          <a:solidFill>
-                            <a:schemeClr val="dk1"/>
-                          </a:solidFill>
-                          <a:latin typeface="Gill Sans MT" panose="020B0502020104020203"/>
-                        </a:defRPr>
-                      </a:lvl9pPr>
-                    </a:lstStyle>
-                    <a:p>
-                      <a:pPr algn="ctr"/>
-                      <a:r>
-                        <a:rPr lang="en-US" b="1" i="0" dirty="0">
-                          <a:solidFill>
-                            <a:schemeClr val="tx1"/>
-                          </a:solidFill>
-                          <a:latin typeface="Times New Roman" panose="02020603050405020304" pitchFamily="18" charset="0"/>
-                          <a:cs typeface="Times New Roman" panose="02020603050405020304" pitchFamily="18" charset="0"/>
-                        </a:rPr>
-                        <a:t>Hierarchical Text-Conditional</a:t>
-                      </a:r>
-                    </a:p>
-                    <a:p>
-                      <a:pPr algn="ctr"/>
-                      <a:r>
-                        <a:rPr lang="en-US" b="1" i="0" dirty="0">
-                          <a:solidFill>
-                            <a:schemeClr val="tx1"/>
-                          </a:solidFill>
-                          <a:latin typeface="Times New Roman" panose="02020603050405020304" pitchFamily="18" charset="0"/>
-                          <a:cs typeface="Times New Roman" panose="02020603050405020304" pitchFamily="18" charset="0"/>
-                        </a:rPr>
-                        <a:t>Image Generation with CLIP </a:t>
-                      </a:r>
-                      <a:r>
-                        <a:rPr lang="en-US" b="1" i="0" dirty="0" err="1">
-                          <a:solidFill>
-                            <a:schemeClr val="tx1"/>
-                          </a:solidFill>
-                          <a:latin typeface="Times New Roman" panose="02020603050405020304" pitchFamily="18" charset="0"/>
-                          <a:cs typeface="Times New Roman" panose="02020603050405020304" pitchFamily="18" charset="0"/>
-                        </a:rPr>
-                        <a:t>Latents</a:t>
-                      </a:r>
-                      <a:endParaRPr lang="en-US" b="1" i="0" dirty="0">
-                        <a:solidFill>
-                          <a:schemeClr val="tx1"/>
-                        </a:solidFill>
-                        <a:latin typeface="Times New Roman" panose="02020603050405020304" pitchFamily="18" charset="0"/>
-                        <a:cs typeface="Times New Roman" panose="02020603050405020304" pitchFamily="18" charset="0"/>
-                      </a:endParaRPr>
-                    </a:p>
-                  </a:txBody>
-                  <a:tcPr anchor="ctr">
-                    <a:lnL w="12700">
-                      <a:solidFill>
-                        <a:sysClr val="windowText" lastClr="000000"/>
-                      </a:solidFill>
-                    </a:lnL>
-                    <a:lnR w="12700">
-                      <a:solidFill>
-                        <a:sysClr val="windowText" lastClr="000000"/>
-                      </a:solidFill>
-                    </a:lnR>
-                    <a:lnT w="12700">
-                      <a:solidFill>
-                        <a:sysClr val="windowText" lastClr="000000"/>
-                      </a:solidFill>
-                    </a:lnT>
-                    <a:lnB w="12700">
-                      <a:solidFill>
-                        <a:sysClr val="windowText" lastClr="000000"/>
-                      </a:solidFill>
-                    </a:lnB>
-                    <a:lnTlToBr w="12700" cmpd="sng">
-                      <a:noFill/>
-                      <a:prstDash val="solid"/>
-                    </a:lnTlToBr>
-                    <a:lnBlToTr w="12700" cmpd="sng">
-                      <a:noFill/>
-                      <a:prstDash val="solid"/>
-                    </a:lnBlToTr>
-                    <a:solidFill>
-                      <a:srgbClr val="4D1434">
-                        <a:tint val="20000"/>
-                      </a:srgbClr>
-                    </a:solidFill>
-                  </a:tcPr>
-                </a:tc>
-                <a:tc>
-                  <a:txBody>
-                    <a:bodyPr/>
-                    <a:lstStyle>
-                      <a:lvl1pPr marL="0" algn="l" defTabSz="342900" rtl="0" eaLnBrk="1" latinLnBrk="0" hangingPunct="1">
-                        <a:defRPr sz="1350" kern="1200">
-                          <a:solidFill>
-                            <a:schemeClr val="dk1"/>
-                          </a:solidFill>
-                          <a:latin typeface="Gill Sans MT" panose="020B0502020104020203"/>
-                        </a:defRPr>
-                      </a:lvl1pPr>
-                      <a:lvl2pPr marL="342900" algn="l" defTabSz="342900" rtl="0" eaLnBrk="1" latinLnBrk="0" hangingPunct="1">
-                        <a:defRPr sz="1350" kern="1200">
-                          <a:solidFill>
-                            <a:schemeClr val="dk1"/>
-                          </a:solidFill>
-                          <a:latin typeface="Gill Sans MT" panose="020B0502020104020203"/>
-                        </a:defRPr>
-                      </a:lvl2pPr>
-                      <a:lvl3pPr marL="685800" algn="l" defTabSz="342900" rtl="0" eaLnBrk="1" latinLnBrk="0" hangingPunct="1">
-                        <a:defRPr sz="1350" kern="1200">
-                          <a:solidFill>
-                            <a:schemeClr val="dk1"/>
-                          </a:solidFill>
-                          <a:latin typeface="Gill Sans MT" panose="020B0502020104020203"/>
-                        </a:defRPr>
-                      </a:lvl3pPr>
-                      <a:lvl4pPr marL="1028700" algn="l" defTabSz="342900" rtl="0" eaLnBrk="1" latinLnBrk="0" hangingPunct="1">
-                        <a:defRPr sz="1350" kern="1200">
-                          <a:solidFill>
-                            <a:schemeClr val="dk1"/>
-                          </a:solidFill>
-                          <a:latin typeface="Gill Sans MT" panose="020B0502020104020203"/>
-                        </a:defRPr>
-                      </a:lvl4pPr>
-                      <a:lvl5pPr marL="1371600" algn="l" defTabSz="342900" rtl="0" eaLnBrk="1" latinLnBrk="0" hangingPunct="1">
-                        <a:defRPr sz="1350" kern="1200">
-                          <a:solidFill>
-                            <a:schemeClr val="dk1"/>
-                          </a:solidFill>
-                          <a:latin typeface="Gill Sans MT" panose="020B0502020104020203"/>
-                        </a:defRPr>
-                      </a:lvl5pPr>
-                      <a:lvl6pPr marL="1714500" algn="l" defTabSz="342900" rtl="0" eaLnBrk="1" latinLnBrk="0" hangingPunct="1">
-                        <a:defRPr sz="1350" kern="1200">
-                          <a:solidFill>
-                            <a:schemeClr val="dk1"/>
-                          </a:solidFill>
-                          <a:latin typeface="Gill Sans MT" panose="020B0502020104020203"/>
-                        </a:defRPr>
-                      </a:lvl6pPr>
-                      <a:lvl7pPr marL="2057400" algn="l" defTabSz="342900" rtl="0" eaLnBrk="1" latinLnBrk="0" hangingPunct="1">
-                        <a:defRPr sz="1350" kern="1200">
-                          <a:solidFill>
-                            <a:schemeClr val="dk1"/>
-                          </a:solidFill>
-                          <a:latin typeface="Gill Sans MT" panose="020B0502020104020203"/>
-                        </a:defRPr>
-                      </a:lvl7pPr>
-                      <a:lvl8pPr marL="2400300" algn="l" defTabSz="342900" rtl="0" eaLnBrk="1" latinLnBrk="0" hangingPunct="1">
-                        <a:defRPr sz="1350" kern="1200">
-                          <a:solidFill>
-                            <a:schemeClr val="dk1"/>
-                          </a:solidFill>
-                          <a:latin typeface="Gill Sans MT" panose="020B0502020104020203"/>
-                        </a:defRPr>
-                      </a:lvl8pPr>
-                      <a:lvl9pPr marL="2743200" algn="l" defTabSz="342900" rtl="0" eaLnBrk="1" latinLnBrk="0" hangingPunct="1">
-                        <a:defRPr sz="1350" kern="1200">
-                          <a:solidFill>
-                            <a:schemeClr val="dk1"/>
-                          </a:solidFill>
-                          <a:latin typeface="Gill Sans MT" panose="020B0502020104020203"/>
-                        </a:defRPr>
-                      </a:lvl9pPr>
-                    </a:lstStyle>
-                    <a:p>
-                      <a:pPr algn="ctr"/>
-                      <a:r>
-                        <a:rPr lang="en-US" b="1" i="0">
-                          <a:solidFill>
-                            <a:schemeClr val="tx1"/>
-                          </a:solidFill>
-                          <a:latin typeface="Times New Roman" panose="02020603050405020304" pitchFamily="18" charset="0"/>
-                          <a:cs typeface="Times New Roman" panose="02020603050405020304" pitchFamily="18" charset="0"/>
-                        </a:rPr>
-                        <a:t>2021</a:t>
-                      </a:r>
-                    </a:p>
-                  </a:txBody>
-                  <a:tcPr anchor="ctr">
-                    <a:lnL w="12700">
-                      <a:solidFill>
-                        <a:sysClr val="windowText" lastClr="000000"/>
-                      </a:solidFill>
-                    </a:lnL>
-                    <a:lnR w="12700">
-                      <a:solidFill>
-                        <a:sysClr val="windowText" lastClr="000000"/>
-                      </a:solidFill>
-                    </a:lnR>
-                    <a:lnT w="12700">
-                      <a:solidFill>
-                        <a:sysClr val="windowText" lastClr="000000"/>
-                      </a:solidFill>
-                    </a:lnT>
-                    <a:lnB w="12700">
-                      <a:solidFill>
-                        <a:sysClr val="windowText" lastClr="000000"/>
-                      </a:solidFill>
-                    </a:lnB>
-                    <a:lnTlToBr w="12700" cmpd="sng">
-                      <a:noFill/>
-                      <a:prstDash val="solid"/>
-                    </a:lnTlToBr>
-                    <a:lnBlToTr w="12700" cmpd="sng">
-                      <a:noFill/>
-                      <a:prstDash val="solid"/>
-                    </a:lnBlToTr>
-                    <a:solidFill>
-                      <a:srgbClr val="4D1434">
-                        <a:tint val="20000"/>
-                      </a:srgbClr>
-                    </a:solidFill>
-                  </a:tcPr>
-                </a:tc>
-                <a:tc>
-                  <a:txBody>
-                    <a:bodyPr/>
-                    <a:lstStyle>
-                      <a:lvl1pPr marL="0" algn="l" defTabSz="342900" rtl="0" eaLnBrk="1" latinLnBrk="0" hangingPunct="1">
-                        <a:defRPr sz="1350" kern="1200">
-                          <a:solidFill>
-                            <a:schemeClr val="dk1"/>
-                          </a:solidFill>
-                          <a:latin typeface="Gill Sans MT" panose="020B0502020104020203"/>
-                        </a:defRPr>
-                      </a:lvl1pPr>
-                      <a:lvl2pPr marL="342900" algn="l" defTabSz="342900" rtl="0" eaLnBrk="1" latinLnBrk="0" hangingPunct="1">
-                        <a:defRPr sz="1350" kern="1200">
-                          <a:solidFill>
-                            <a:schemeClr val="dk1"/>
-                          </a:solidFill>
-                          <a:latin typeface="Gill Sans MT" panose="020B0502020104020203"/>
-                        </a:defRPr>
-                      </a:lvl2pPr>
-                      <a:lvl3pPr marL="685800" algn="l" defTabSz="342900" rtl="0" eaLnBrk="1" latinLnBrk="0" hangingPunct="1">
-                        <a:defRPr sz="1350" kern="1200">
-                          <a:solidFill>
-                            <a:schemeClr val="dk1"/>
-                          </a:solidFill>
-                          <a:latin typeface="Gill Sans MT" panose="020B0502020104020203"/>
-                        </a:defRPr>
-                      </a:lvl3pPr>
-                      <a:lvl4pPr marL="1028700" algn="l" defTabSz="342900" rtl="0" eaLnBrk="1" latinLnBrk="0" hangingPunct="1">
-                        <a:defRPr sz="1350" kern="1200">
-                          <a:solidFill>
-                            <a:schemeClr val="dk1"/>
-                          </a:solidFill>
-                          <a:latin typeface="Gill Sans MT" panose="020B0502020104020203"/>
-                        </a:defRPr>
-                      </a:lvl4pPr>
-                      <a:lvl5pPr marL="1371600" algn="l" defTabSz="342900" rtl="0" eaLnBrk="1" latinLnBrk="0" hangingPunct="1">
-                        <a:defRPr sz="1350" kern="1200">
-                          <a:solidFill>
-                            <a:schemeClr val="dk1"/>
-                          </a:solidFill>
-                          <a:latin typeface="Gill Sans MT" panose="020B0502020104020203"/>
-                        </a:defRPr>
-                      </a:lvl5pPr>
-                      <a:lvl6pPr marL="1714500" algn="l" defTabSz="342900" rtl="0" eaLnBrk="1" latinLnBrk="0" hangingPunct="1">
-                        <a:defRPr sz="1350" kern="1200">
-                          <a:solidFill>
-                            <a:schemeClr val="dk1"/>
-                          </a:solidFill>
-                          <a:latin typeface="Gill Sans MT" panose="020B0502020104020203"/>
-                        </a:defRPr>
-                      </a:lvl6pPr>
-                      <a:lvl7pPr marL="2057400" algn="l" defTabSz="342900" rtl="0" eaLnBrk="1" latinLnBrk="0" hangingPunct="1">
-                        <a:defRPr sz="1350" kern="1200">
-                          <a:solidFill>
-                            <a:schemeClr val="dk1"/>
-                          </a:solidFill>
-                          <a:latin typeface="Gill Sans MT" panose="020B0502020104020203"/>
-                        </a:defRPr>
-                      </a:lvl7pPr>
-                      <a:lvl8pPr marL="2400300" algn="l" defTabSz="342900" rtl="0" eaLnBrk="1" latinLnBrk="0" hangingPunct="1">
-                        <a:defRPr sz="1350" kern="1200">
-                          <a:solidFill>
-                            <a:schemeClr val="dk1"/>
-                          </a:solidFill>
-                          <a:latin typeface="Gill Sans MT" panose="020B0502020104020203"/>
-                        </a:defRPr>
-                      </a:lvl8pPr>
-                      <a:lvl9pPr marL="2743200" algn="l" defTabSz="342900" rtl="0" eaLnBrk="1" latinLnBrk="0" hangingPunct="1">
-                        <a:defRPr sz="1350" kern="1200">
-                          <a:solidFill>
-                            <a:schemeClr val="dk1"/>
-                          </a:solidFill>
-                          <a:latin typeface="Gill Sans MT" panose="020B0502020104020203"/>
-                        </a:defRPr>
-                      </a:lvl9pPr>
-                    </a:lstStyle>
-                    <a:p>
-                      <a:pPr algn="ctr"/>
-                      <a:r>
-                        <a:rPr lang="en-US" b="1" i="0" dirty="0">
-                          <a:solidFill>
-                            <a:schemeClr val="tx1"/>
-                          </a:solidFill>
-                          <a:latin typeface="Times New Roman" panose="02020603050405020304" pitchFamily="18" charset="0"/>
-                          <a:cs typeface="Times New Roman" panose="02020603050405020304" pitchFamily="18" charset="0"/>
-                        </a:rPr>
-                        <a:t>Aligns text and images hierarchically using CLIP.</a:t>
-                      </a:r>
-                    </a:p>
-                  </a:txBody>
-                  <a:tcPr anchor="ctr">
-                    <a:lnL w="12700">
-                      <a:solidFill>
-                        <a:sysClr val="windowText" lastClr="000000"/>
-                      </a:solidFill>
-                    </a:lnL>
-                    <a:lnR w="12700">
-                      <a:solidFill>
-                        <a:sysClr val="windowText" lastClr="000000"/>
-                      </a:solidFill>
-                    </a:lnR>
-                    <a:lnT w="12700">
-                      <a:solidFill>
-                        <a:sysClr val="windowText" lastClr="000000"/>
-                      </a:solidFill>
-                    </a:lnT>
-                    <a:lnB w="12700">
-                      <a:solidFill>
-                        <a:sysClr val="windowText" lastClr="000000"/>
-                      </a:solidFill>
-                    </a:lnB>
-                    <a:lnTlToBr w="12700" cmpd="sng">
-                      <a:noFill/>
-                      <a:prstDash val="solid"/>
-                    </a:lnTlToBr>
-                    <a:lnBlToTr w="12700" cmpd="sng">
-                      <a:noFill/>
-                      <a:prstDash val="solid"/>
-                    </a:lnBlToTr>
-                    <a:solidFill>
-                      <a:srgbClr val="4D1434">
-                        <a:tint val="20000"/>
-                      </a:srgbClr>
-                    </a:solidFill>
-                  </a:tcPr>
-                </a:tc>
-                <a:tc>
-                  <a:txBody>
-                    <a:bodyPr/>
-                    <a:lstStyle>
-                      <a:lvl1pPr marL="0" algn="l" defTabSz="342900" rtl="0" eaLnBrk="1" latinLnBrk="0" hangingPunct="1">
-                        <a:defRPr sz="1350" kern="1200">
-                          <a:solidFill>
-                            <a:schemeClr val="dk1"/>
-                          </a:solidFill>
-                          <a:latin typeface="Gill Sans MT" panose="020B0502020104020203"/>
-                        </a:defRPr>
-                      </a:lvl1pPr>
-                      <a:lvl2pPr marL="342900" algn="l" defTabSz="342900" rtl="0" eaLnBrk="1" latinLnBrk="0" hangingPunct="1">
-                        <a:defRPr sz="1350" kern="1200">
-                          <a:solidFill>
-                            <a:schemeClr val="dk1"/>
-                          </a:solidFill>
-                          <a:latin typeface="Gill Sans MT" panose="020B0502020104020203"/>
-                        </a:defRPr>
-                      </a:lvl2pPr>
-                      <a:lvl3pPr marL="685800" algn="l" defTabSz="342900" rtl="0" eaLnBrk="1" latinLnBrk="0" hangingPunct="1">
-                        <a:defRPr sz="1350" kern="1200">
-                          <a:solidFill>
-                            <a:schemeClr val="dk1"/>
-                          </a:solidFill>
-                          <a:latin typeface="Gill Sans MT" panose="020B0502020104020203"/>
-                        </a:defRPr>
-                      </a:lvl3pPr>
-                      <a:lvl4pPr marL="1028700" algn="l" defTabSz="342900" rtl="0" eaLnBrk="1" latinLnBrk="0" hangingPunct="1">
-                        <a:defRPr sz="1350" kern="1200">
-                          <a:solidFill>
-                            <a:schemeClr val="dk1"/>
-                          </a:solidFill>
-                          <a:latin typeface="Gill Sans MT" panose="020B0502020104020203"/>
-                        </a:defRPr>
-                      </a:lvl4pPr>
-                      <a:lvl5pPr marL="1371600" algn="l" defTabSz="342900" rtl="0" eaLnBrk="1" latinLnBrk="0" hangingPunct="1">
-                        <a:defRPr sz="1350" kern="1200">
-                          <a:solidFill>
-                            <a:schemeClr val="dk1"/>
-                          </a:solidFill>
-                          <a:latin typeface="Gill Sans MT" panose="020B0502020104020203"/>
-                        </a:defRPr>
-                      </a:lvl5pPr>
-                      <a:lvl6pPr marL="1714500" algn="l" defTabSz="342900" rtl="0" eaLnBrk="1" latinLnBrk="0" hangingPunct="1">
-                        <a:defRPr sz="1350" kern="1200">
-                          <a:solidFill>
-                            <a:schemeClr val="dk1"/>
-                          </a:solidFill>
-                          <a:latin typeface="Gill Sans MT" panose="020B0502020104020203"/>
-                        </a:defRPr>
-                      </a:lvl6pPr>
-                      <a:lvl7pPr marL="2057400" algn="l" defTabSz="342900" rtl="0" eaLnBrk="1" latinLnBrk="0" hangingPunct="1">
-                        <a:defRPr sz="1350" kern="1200">
-                          <a:solidFill>
-                            <a:schemeClr val="dk1"/>
-                          </a:solidFill>
-                          <a:latin typeface="Gill Sans MT" panose="020B0502020104020203"/>
-                        </a:defRPr>
-                      </a:lvl7pPr>
-                      <a:lvl8pPr marL="2400300" algn="l" defTabSz="342900" rtl="0" eaLnBrk="1" latinLnBrk="0" hangingPunct="1">
-                        <a:defRPr sz="1350" kern="1200">
-                          <a:solidFill>
-                            <a:schemeClr val="dk1"/>
-                          </a:solidFill>
-                          <a:latin typeface="Gill Sans MT" panose="020B0502020104020203"/>
-                        </a:defRPr>
-                      </a:lvl8pPr>
-                      <a:lvl9pPr marL="2743200" algn="l" defTabSz="342900" rtl="0" eaLnBrk="1" latinLnBrk="0" hangingPunct="1">
-                        <a:defRPr sz="1350" kern="1200">
-                          <a:solidFill>
-                            <a:schemeClr val="dk1"/>
-                          </a:solidFill>
-                          <a:latin typeface="Gill Sans MT" panose="020B0502020104020203"/>
-                        </a:defRPr>
-                      </a:lvl9pPr>
-                    </a:lstStyle>
-                    <a:p>
-                      <a:pPr algn="ctr"/>
-                      <a:r>
-                        <a:rPr lang="en-US" b="1" i="0" dirty="0">
-                          <a:solidFill>
-                            <a:schemeClr val="tx1"/>
-                          </a:solidFill>
-                          <a:latin typeface="Times New Roman" panose="02020603050405020304" pitchFamily="18" charset="0"/>
-                          <a:cs typeface="Times New Roman" panose="02020603050405020304" pitchFamily="18" charset="0"/>
-                        </a:rPr>
-                        <a:t>Struggles with diverse inputs; use case limitations.</a:t>
-                      </a:r>
-                    </a:p>
-                  </a:txBody>
-                  <a:tcPr anchor="ctr">
-                    <a:lnL w="12700">
-                      <a:solidFill>
-                        <a:sysClr val="windowText" lastClr="000000"/>
-                      </a:solidFill>
-                    </a:lnL>
-                    <a:lnR w="12700">
-                      <a:solidFill>
-                        <a:sysClr val="windowText" lastClr="000000"/>
-                      </a:solidFill>
-                    </a:lnR>
-                    <a:lnT w="12700">
-                      <a:solidFill>
-                        <a:sysClr val="windowText" lastClr="000000"/>
-                      </a:solidFill>
-                    </a:lnT>
-                    <a:lnB w="12700">
-                      <a:solidFill>
-                        <a:sysClr val="windowText" lastClr="000000"/>
-                      </a:solidFill>
-                    </a:lnB>
-                    <a:lnTlToBr w="12700" cmpd="sng">
-                      <a:noFill/>
-                      <a:prstDash val="solid"/>
-                    </a:lnTlToBr>
-                    <a:lnBlToTr w="12700" cmpd="sng">
-                      <a:noFill/>
-                      <a:prstDash val="solid"/>
-                    </a:lnBlToTr>
-                    <a:solidFill>
-                      <a:srgbClr val="4D1434">
-                        <a:tint val="20000"/>
-                      </a:srgbClr>
-                    </a:solidFill>
-                  </a:tcPr>
-                </a:tc>
-                <a:extLst>
-                  <a:ext uri="{0D108BD9-81ED-4DB2-BD59-A6C34878D82A}">
-                    <a16:rowId xmlns:a16="http://schemas.microsoft.com/office/drawing/2014/main" val="655222558"/>
-                  </a:ext>
-                </a:extLst>
-              </a:tr>
-              <a:tr h="671517">
-                <a:tc>
-                  <a:txBody>
-                    <a:bodyPr/>
-                    <a:lstStyle>
-                      <a:lvl1pPr marL="0" algn="l" defTabSz="342900" rtl="0" eaLnBrk="1" latinLnBrk="0" hangingPunct="1">
-                        <a:defRPr sz="1350" kern="1200">
-                          <a:solidFill>
-                            <a:schemeClr val="dk1"/>
-                          </a:solidFill>
-                          <a:latin typeface="Gill Sans MT" panose="020B0502020104020203"/>
-                        </a:defRPr>
-                      </a:lvl1pPr>
-                      <a:lvl2pPr marL="342900" algn="l" defTabSz="342900" rtl="0" eaLnBrk="1" latinLnBrk="0" hangingPunct="1">
-                        <a:defRPr sz="1350" kern="1200">
-                          <a:solidFill>
-                            <a:schemeClr val="dk1"/>
-                          </a:solidFill>
-                          <a:latin typeface="Gill Sans MT" panose="020B0502020104020203"/>
-                        </a:defRPr>
-                      </a:lvl2pPr>
-                      <a:lvl3pPr marL="685800" algn="l" defTabSz="342900" rtl="0" eaLnBrk="1" latinLnBrk="0" hangingPunct="1">
-                        <a:defRPr sz="1350" kern="1200">
-                          <a:solidFill>
-                            <a:schemeClr val="dk1"/>
-                          </a:solidFill>
-                          <a:latin typeface="Gill Sans MT" panose="020B0502020104020203"/>
-                        </a:defRPr>
-                      </a:lvl3pPr>
-                      <a:lvl4pPr marL="1028700" algn="l" defTabSz="342900" rtl="0" eaLnBrk="1" latinLnBrk="0" hangingPunct="1">
-                        <a:defRPr sz="1350" kern="1200">
-                          <a:solidFill>
-                            <a:schemeClr val="dk1"/>
-                          </a:solidFill>
-                          <a:latin typeface="Gill Sans MT" panose="020B0502020104020203"/>
-                        </a:defRPr>
-                      </a:lvl4pPr>
-                      <a:lvl5pPr marL="1371600" algn="l" defTabSz="342900" rtl="0" eaLnBrk="1" latinLnBrk="0" hangingPunct="1">
-                        <a:defRPr sz="1350" kern="1200">
-                          <a:solidFill>
-                            <a:schemeClr val="dk1"/>
-                          </a:solidFill>
-                          <a:latin typeface="Gill Sans MT" panose="020B0502020104020203"/>
-                        </a:defRPr>
-                      </a:lvl5pPr>
-                      <a:lvl6pPr marL="1714500" algn="l" defTabSz="342900" rtl="0" eaLnBrk="1" latinLnBrk="0" hangingPunct="1">
-                        <a:defRPr sz="1350" kern="1200">
-                          <a:solidFill>
-                            <a:schemeClr val="dk1"/>
-                          </a:solidFill>
-                          <a:latin typeface="Gill Sans MT" panose="020B0502020104020203"/>
-                        </a:defRPr>
-                      </a:lvl6pPr>
-                      <a:lvl7pPr marL="2057400" algn="l" defTabSz="342900" rtl="0" eaLnBrk="1" latinLnBrk="0" hangingPunct="1">
-                        <a:defRPr sz="1350" kern="1200">
-                          <a:solidFill>
-                            <a:schemeClr val="dk1"/>
-                          </a:solidFill>
-                          <a:latin typeface="Gill Sans MT" panose="020B0502020104020203"/>
-                        </a:defRPr>
-                      </a:lvl7pPr>
-                      <a:lvl8pPr marL="2400300" algn="l" defTabSz="342900" rtl="0" eaLnBrk="1" latinLnBrk="0" hangingPunct="1">
-                        <a:defRPr sz="1350" kern="1200">
-                          <a:solidFill>
-                            <a:schemeClr val="dk1"/>
-                          </a:solidFill>
-                          <a:latin typeface="Gill Sans MT" panose="020B0502020104020203"/>
-                        </a:defRPr>
-                      </a:lvl8pPr>
-                      <a:lvl9pPr marL="2743200" algn="l" defTabSz="342900" rtl="0" eaLnBrk="1" latinLnBrk="0" hangingPunct="1">
-                        <a:defRPr sz="1350" kern="1200">
-                          <a:solidFill>
-                            <a:schemeClr val="dk1"/>
-                          </a:solidFill>
-                          <a:latin typeface="Gill Sans MT" panose="020B0502020104020203"/>
-                        </a:defRPr>
-                      </a:lvl9pPr>
-                    </a:lstStyle>
-                    <a:p>
-                      <a:pPr algn="ctr"/>
-                      <a:r>
-                        <a:rPr lang="en-US" b="1" i="0">
-                          <a:solidFill>
-                            <a:schemeClr val="tx1"/>
-                          </a:solidFill>
-                          <a:latin typeface="Times New Roman" panose="02020603050405020304" pitchFamily="18" charset="0"/>
-                          <a:cs typeface="Times New Roman" panose="02020603050405020304" pitchFamily="18" charset="0"/>
-                        </a:rPr>
-                        <a:t>5.</a:t>
-                      </a:r>
-                    </a:p>
-                  </a:txBody>
-                  <a:tcPr anchor="ctr">
-                    <a:lnL w="12700">
-                      <a:solidFill>
-                        <a:sysClr val="windowText" lastClr="000000"/>
-                      </a:solidFill>
-                    </a:lnL>
-                    <a:lnR w="12700">
-                      <a:solidFill>
-                        <a:sysClr val="windowText" lastClr="000000"/>
-                      </a:solidFill>
-                    </a:lnR>
-                    <a:lnT w="12700">
-                      <a:solidFill>
-                        <a:sysClr val="windowText" lastClr="000000"/>
-                      </a:solidFill>
-                    </a:lnT>
-                    <a:lnB w="12700">
-                      <a:solidFill>
-                        <a:sysClr val="windowText" lastClr="000000"/>
-                      </a:solidFill>
-                    </a:lnB>
-                    <a:lnTlToBr w="12700" cmpd="sng">
-                      <a:noFill/>
-                      <a:prstDash val="solid"/>
-                    </a:lnTlToBr>
-                    <a:lnBlToTr w="12700" cmpd="sng">
-                      <a:noFill/>
-                      <a:prstDash val="solid"/>
-                    </a:lnBlToTr>
-                    <a:solidFill>
-                      <a:srgbClr val="EBEBEB"/>
-                    </a:solidFill>
-                  </a:tcPr>
-                </a:tc>
-                <a:tc>
-                  <a:txBody>
-                    <a:bodyPr/>
-                    <a:lstStyle>
-                      <a:lvl1pPr marL="0" algn="l" defTabSz="342900" rtl="0" eaLnBrk="1" latinLnBrk="0" hangingPunct="1">
-                        <a:defRPr sz="1350" kern="1200">
-                          <a:solidFill>
-                            <a:schemeClr val="dk1"/>
-                          </a:solidFill>
-                          <a:latin typeface="Gill Sans MT" panose="020B0502020104020203"/>
-                        </a:defRPr>
-                      </a:lvl1pPr>
-                      <a:lvl2pPr marL="342900" algn="l" defTabSz="342900" rtl="0" eaLnBrk="1" latinLnBrk="0" hangingPunct="1">
-                        <a:defRPr sz="1350" kern="1200">
-                          <a:solidFill>
-                            <a:schemeClr val="dk1"/>
-                          </a:solidFill>
-                          <a:latin typeface="Gill Sans MT" panose="020B0502020104020203"/>
-                        </a:defRPr>
-                      </a:lvl2pPr>
-                      <a:lvl3pPr marL="685800" algn="l" defTabSz="342900" rtl="0" eaLnBrk="1" latinLnBrk="0" hangingPunct="1">
-                        <a:defRPr sz="1350" kern="1200">
-                          <a:solidFill>
-                            <a:schemeClr val="dk1"/>
-                          </a:solidFill>
-                          <a:latin typeface="Gill Sans MT" panose="020B0502020104020203"/>
-                        </a:defRPr>
-                      </a:lvl3pPr>
-                      <a:lvl4pPr marL="1028700" algn="l" defTabSz="342900" rtl="0" eaLnBrk="1" latinLnBrk="0" hangingPunct="1">
-                        <a:defRPr sz="1350" kern="1200">
-                          <a:solidFill>
-                            <a:schemeClr val="dk1"/>
-                          </a:solidFill>
-                          <a:latin typeface="Gill Sans MT" panose="020B0502020104020203"/>
-                        </a:defRPr>
-                      </a:lvl4pPr>
-                      <a:lvl5pPr marL="1371600" algn="l" defTabSz="342900" rtl="0" eaLnBrk="1" latinLnBrk="0" hangingPunct="1">
-                        <a:defRPr sz="1350" kern="1200">
-                          <a:solidFill>
-                            <a:schemeClr val="dk1"/>
-                          </a:solidFill>
-                          <a:latin typeface="Gill Sans MT" panose="020B0502020104020203"/>
-                        </a:defRPr>
-                      </a:lvl5pPr>
-                      <a:lvl6pPr marL="1714500" algn="l" defTabSz="342900" rtl="0" eaLnBrk="1" latinLnBrk="0" hangingPunct="1">
-                        <a:defRPr sz="1350" kern="1200">
-                          <a:solidFill>
-                            <a:schemeClr val="dk1"/>
-                          </a:solidFill>
-                          <a:latin typeface="Gill Sans MT" panose="020B0502020104020203"/>
-                        </a:defRPr>
-                      </a:lvl6pPr>
-                      <a:lvl7pPr marL="2057400" algn="l" defTabSz="342900" rtl="0" eaLnBrk="1" latinLnBrk="0" hangingPunct="1">
-                        <a:defRPr sz="1350" kern="1200">
-                          <a:solidFill>
-                            <a:schemeClr val="dk1"/>
-                          </a:solidFill>
-                          <a:latin typeface="Gill Sans MT" panose="020B0502020104020203"/>
-                        </a:defRPr>
-                      </a:lvl7pPr>
-                      <a:lvl8pPr marL="2400300" algn="l" defTabSz="342900" rtl="0" eaLnBrk="1" latinLnBrk="0" hangingPunct="1">
-                        <a:defRPr sz="1350" kern="1200">
-                          <a:solidFill>
-                            <a:schemeClr val="dk1"/>
-                          </a:solidFill>
-                          <a:latin typeface="Gill Sans MT" panose="020B0502020104020203"/>
-                        </a:defRPr>
-                      </a:lvl8pPr>
-                      <a:lvl9pPr marL="2743200" algn="l" defTabSz="342900" rtl="0" eaLnBrk="1" latinLnBrk="0" hangingPunct="1">
-                        <a:defRPr sz="1350" kern="1200">
-                          <a:solidFill>
-                            <a:schemeClr val="dk1"/>
-                          </a:solidFill>
-                          <a:latin typeface="Gill Sans MT" panose="020B0502020104020203"/>
-                        </a:defRPr>
-                      </a:lvl9pPr>
-                    </a:lstStyle>
-                    <a:p>
-                      <a:pPr algn="ctr"/>
-                      <a:r>
-                        <a:rPr lang="en-US" b="1" i="0" dirty="0">
-                          <a:solidFill>
-                            <a:schemeClr val="tx1"/>
-                          </a:solidFill>
-                          <a:latin typeface="Times New Roman" panose="02020603050405020304" pitchFamily="18" charset="0"/>
-                          <a:cs typeface="Times New Roman" panose="02020603050405020304" pitchFamily="18" charset="0"/>
-                        </a:rPr>
-                        <a:t>Stefan Heinrich</a:t>
-                      </a:r>
-                    </a:p>
-                  </a:txBody>
-                  <a:tcPr anchor="ctr">
-                    <a:lnL w="12700">
-                      <a:solidFill>
-                        <a:sysClr val="windowText" lastClr="000000"/>
-                      </a:solidFill>
-                    </a:lnL>
-                    <a:lnR w="12700">
-                      <a:solidFill>
-                        <a:sysClr val="windowText" lastClr="000000"/>
-                      </a:solidFill>
-                    </a:lnR>
-                    <a:lnT w="12700">
-                      <a:solidFill>
-                        <a:sysClr val="windowText" lastClr="000000"/>
-                      </a:solidFill>
-                    </a:lnT>
-                    <a:lnB w="12700">
-                      <a:solidFill>
-                        <a:sysClr val="windowText" lastClr="000000"/>
-                      </a:solidFill>
-                    </a:lnB>
-                    <a:lnTlToBr w="12700" cmpd="sng">
-                      <a:noFill/>
-                      <a:prstDash val="solid"/>
-                    </a:lnTlToBr>
-                    <a:lnBlToTr w="12700" cmpd="sng">
-                      <a:noFill/>
-                      <a:prstDash val="solid"/>
-                    </a:lnBlToTr>
-                    <a:solidFill>
-                      <a:srgbClr val="EBEBEB"/>
-                    </a:solidFill>
-                  </a:tcPr>
-                </a:tc>
-                <a:tc>
-                  <a:txBody>
-                    <a:bodyPr/>
-                    <a:lstStyle>
-                      <a:lvl1pPr marL="0" algn="l" defTabSz="342900" rtl="0" eaLnBrk="1" latinLnBrk="0" hangingPunct="1">
-                        <a:defRPr sz="1350" kern="1200">
-                          <a:solidFill>
-                            <a:schemeClr val="dk1"/>
-                          </a:solidFill>
-                          <a:latin typeface="Gill Sans MT" panose="020B0502020104020203"/>
-                        </a:defRPr>
-                      </a:lvl1pPr>
-                      <a:lvl2pPr marL="342900" algn="l" defTabSz="342900" rtl="0" eaLnBrk="1" latinLnBrk="0" hangingPunct="1">
-                        <a:defRPr sz="1350" kern="1200">
-                          <a:solidFill>
-                            <a:schemeClr val="dk1"/>
-                          </a:solidFill>
-                          <a:latin typeface="Gill Sans MT" panose="020B0502020104020203"/>
-                        </a:defRPr>
-                      </a:lvl2pPr>
-                      <a:lvl3pPr marL="685800" algn="l" defTabSz="342900" rtl="0" eaLnBrk="1" latinLnBrk="0" hangingPunct="1">
-                        <a:defRPr sz="1350" kern="1200">
-                          <a:solidFill>
-                            <a:schemeClr val="dk1"/>
-                          </a:solidFill>
-                          <a:latin typeface="Gill Sans MT" panose="020B0502020104020203"/>
-                        </a:defRPr>
-                      </a:lvl3pPr>
-                      <a:lvl4pPr marL="1028700" algn="l" defTabSz="342900" rtl="0" eaLnBrk="1" latinLnBrk="0" hangingPunct="1">
-                        <a:defRPr sz="1350" kern="1200">
-                          <a:solidFill>
-                            <a:schemeClr val="dk1"/>
-                          </a:solidFill>
-                          <a:latin typeface="Gill Sans MT" panose="020B0502020104020203"/>
-                        </a:defRPr>
-                      </a:lvl4pPr>
-                      <a:lvl5pPr marL="1371600" algn="l" defTabSz="342900" rtl="0" eaLnBrk="1" latinLnBrk="0" hangingPunct="1">
-                        <a:defRPr sz="1350" kern="1200">
-                          <a:solidFill>
-                            <a:schemeClr val="dk1"/>
-                          </a:solidFill>
-                          <a:latin typeface="Gill Sans MT" panose="020B0502020104020203"/>
-                        </a:defRPr>
-                      </a:lvl5pPr>
-                      <a:lvl6pPr marL="1714500" algn="l" defTabSz="342900" rtl="0" eaLnBrk="1" latinLnBrk="0" hangingPunct="1">
-                        <a:defRPr sz="1350" kern="1200">
-                          <a:solidFill>
-                            <a:schemeClr val="dk1"/>
-                          </a:solidFill>
-                          <a:latin typeface="Gill Sans MT" panose="020B0502020104020203"/>
-                        </a:defRPr>
-                      </a:lvl6pPr>
-                      <a:lvl7pPr marL="2057400" algn="l" defTabSz="342900" rtl="0" eaLnBrk="1" latinLnBrk="0" hangingPunct="1">
-                        <a:defRPr sz="1350" kern="1200">
-                          <a:solidFill>
-                            <a:schemeClr val="dk1"/>
-                          </a:solidFill>
-                          <a:latin typeface="Gill Sans MT" panose="020B0502020104020203"/>
-                        </a:defRPr>
-                      </a:lvl7pPr>
-                      <a:lvl8pPr marL="2400300" algn="l" defTabSz="342900" rtl="0" eaLnBrk="1" latinLnBrk="0" hangingPunct="1">
-                        <a:defRPr sz="1350" kern="1200">
-                          <a:solidFill>
-                            <a:schemeClr val="dk1"/>
-                          </a:solidFill>
-                          <a:latin typeface="Gill Sans MT" panose="020B0502020104020203"/>
-                        </a:defRPr>
-                      </a:lvl8pPr>
-                      <a:lvl9pPr marL="2743200" algn="l" defTabSz="342900" rtl="0" eaLnBrk="1" latinLnBrk="0" hangingPunct="1">
-                        <a:defRPr sz="1350" kern="1200">
-                          <a:solidFill>
-                            <a:schemeClr val="dk1"/>
-                          </a:solidFill>
-                          <a:latin typeface="Gill Sans MT" panose="020B0502020104020203"/>
-                        </a:defRPr>
-                      </a:lvl9pPr>
-                    </a:lstStyle>
-                    <a:p>
-                      <a:pPr algn="ctr"/>
-                      <a:r>
-                        <a:rPr lang="en-US" b="1" i="0" dirty="0">
-                          <a:solidFill>
-                            <a:schemeClr val="tx1"/>
-                          </a:solidFill>
-                          <a:latin typeface="Times New Roman" panose="02020603050405020304" pitchFamily="18" charset="0"/>
-                          <a:cs typeface="Times New Roman" panose="02020603050405020304" pitchFamily="18" charset="0"/>
-                        </a:rPr>
-                        <a:t>Semantic Object Accuracy for Generative</a:t>
-                      </a:r>
-                    </a:p>
-                    <a:p>
-                      <a:pPr algn="ctr"/>
-                      <a:r>
-                        <a:rPr lang="en-US" b="1" i="0" dirty="0">
-                          <a:solidFill>
-                            <a:schemeClr val="tx1"/>
-                          </a:solidFill>
-                          <a:latin typeface="Times New Roman" panose="02020603050405020304" pitchFamily="18" charset="0"/>
-                          <a:cs typeface="Times New Roman" panose="02020603050405020304" pitchFamily="18" charset="0"/>
-                        </a:rPr>
-                        <a:t>Text-to-Image Synthesis</a:t>
-                      </a:r>
-                    </a:p>
-                  </a:txBody>
-                  <a:tcPr anchor="ctr">
-                    <a:lnL w="12700">
-                      <a:solidFill>
-                        <a:sysClr val="windowText" lastClr="000000"/>
-                      </a:solidFill>
-                    </a:lnL>
-                    <a:lnR w="12700">
-                      <a:solidFill>
-                        <a:sysClr val="windowText" lastClr="000000"/>
-                      </a:solidFill>
-                    </a:lnR>
-                    <a:lnT w="12700">
-                      <a:solidFill>
-                        <a:sysClr val="windowText" lastClr="000000"/>
-                      </a:solidFill>
-                    </a:lnT>
-                    <a:lnB w="12700">
-                      <a:solidFill>
-                        <a:sysClr val="windowText" lastClr="000000"/>
-                      </a:solidFill>
-                    </a:lnB>
-                    <a:lnTlToBr w="12700" cmpd="sng">
-                      <a:noFill/>
-                      <a:prstDash val="solid"/>
-                    </a:lnTlToBr>
-                    <a:lnBlToTr w="12700" cmpd="sng">
-                      <a:noFill/>
-                      <a:prstDash val="solid"/>
-                    </a:lnBlToTr>
-                    <a:solidFill>
-                      <a:srgbClr val="EBEBEB"/>
-                    </a:solidFill>
-                  </a:tcPr>
-                </a:tc>
-                <a:tc>
-                  <a:txBody>
-                    <a:bodyPr/>
-                    <a:lstStyle>
-                      <a:lvl1pPr marL="0" algn="l" defTabSz="342900" rtl="0" eaLnBrk="1" latinLnBrk="0" hangingPunct="1">
-                        <a:defRPr sz="1350" kern="1200">
-                          <a:solidFill>
-                            <a:schemeClr val="dk1"/>
-                          </a:solidFill>
-                          <a:latin typeface="Gill Sans MT" panose="020B0502020104020203"/>
-                        </a:defRPr>
-                      </a:lvl1pPr>
-                      <a:lvl2pPr marL="342900" algn="l" defTabSz="342900" rtl="0" eaLnBrk="1" latinLnBrk="0" hangingPunct="1">
-                        <a:defRPr sz="1350" kern="1200">
-                          <a:solidFill>
-                            <a:schemeClr val="dk1"/>
-                          </a:solidFill>
-                          <a:latin typeface="Gill Sans MT" panose="020B0502020104020203"/>
-                        </a:defRPr>
-                      </a:lvl2pPr>
-                      <a:lvl3pPr marL="685800" algn="l" defTabSz="342900" rtl="0" eaLnBrk="1" latinLnBrk="0" hangingPunct="1">
-                        <a:defRPr sz="1350" kern="1200">
-                          <a:solidFill>
-                            <a:schemeClr val="dk1"/>
-                          </a:solidFill>
-                          <a:latin typeface="Gill Sans MT" panose="020B0502020104020203"/>
-                        </a:defRPr>
-                      </a:lvl3pPr>
-                      <a:lvl4pPr marL="1028700" algn="l" defTabSz="342900" rtl="0" eaLnBrk="1" latinLnBrk="0" hangingPunct="1">
-                        <a:defRPr sz="1350" kern="1200">
-                          <a:solidFill>
-                            <a:schemeClr val="dk1"/>
-                          </a:solidFill>
-                          <a:latin typeface="Gill Sans MT" panose="020B0502020104020203"/>
-                        </a:defRPr>
-                      </a:lvl4pPr>
-                      <a:lvl5pPr marL="1371600" algn="l" defTabSz="342900" rtl="0" eaLnBrk="1" latinLnBrk="0" hangingPunct="1">
-                        <a:defRPr sz="1350" kern="1200">
-                          <a:solidFill>
-                            <a:schemeClr val="dk1"/>
-                          </a:solidFill>
-                          <a:latin typeface="Gill Sans MT" panose="020B0502020104020203"/>
-                        </a:defRPr>
-                      </a:lvl5pPr>
-                      <a:lvl6pPr marL="1714500" algn="l" defTabSz="342900" rtl="0" eaLnBrk="1" latinLnBrk="0" hangingPunct="1">
-                        <a:defRPr sz="1350" kern="1200">
-                          <a:solidFill>
-                            <a:schemeClr val="dk1"/>
-                          </a:solidFill>
-                          <a:latin typeface="Gill Sans MT" panose="020B0502020104020203"/>
-                        </a:defRPr>
-                      </a:lvl6pPr>
-                      <a:lvl7pPr marL="2057400" algn="l" defTabSz="342900" rtl="0" eaLnBrk="1" latinLnBrk="0" hangingPunct="1">
-                        <a:defRPr sz="1350" kern="1200">
-                          <a:solidFill>
-                            <a:schemeClr val="dk1"/>
-                          </a:solidFill>
-                          <a:latin typeface="Gill Sans MT" panose="020B0502020104020203"/>
-                        </a:defRPr>
-                      </a:lvl7pPr>
-                      <a:lvl8pPr marL="2400300" algn="l" defTabSz="342900" rtl="0" eaLnBrk="1" latinLnBrk="0" hangingPunct="1">
-                        <a:defRPr sz="1350" kern="1200">
-                          <a:solidFill>
-                            <a:schemeClr val="dk1"/>
-                          </a:solidFill>
-                          <a:latin typeface="Gill Sans MT" panose="020B0502020104020203"/>
-                        </a:defRPr>
-                      </a:lvl8pPr>
-                      <a:lvl9pPr marL="2743200" algn="l" defTabSz="342900" rtl="0" eaLnBrk="1" latinLnBrk="0" hangingPunct="1">
-                        <a:defRPr sz="1350" kern="1200">
-                          <a:solidFill>
-                            <a:schemeClr val="dk1"/>
-                          </a:solidFill>
-                          <a:latin typeface="Gill Sans MT" panose="020B0502020104020203"/>
-                        </a:defRPr>
-                      </a:lvl9pPr>
-                    </a:lstStyle>
-                    <a:p>
-                      <a:pPr algn="ctr"/>
-                      <a:r>
-                        <a:rPr lang="en-US" b="1" i="0" dirty="0">
-                          <a:solidFill>
-                            <a:schemeClr val="tx1"/>
-                          </a:solidFill>
-                          <a:latin typeface="Times New Roman" panose="02020603050405020304" pitchFamily="18" charset="0"/>
-                          <a:cs typeface="Times New Roman" panose="02020603050405020304" pitchFamily="18" charset="0"/>
-                        </a:rPr>
-                        <a:t>2020</a:t>
-                      </a:r>
-                    </a:p>
-                  </a:txBody>
-                  <a:tcPr anchor="ctr">
-                    <a:lnL w="12700">
-                      <a:solidFill>
-                        <a:sysClr val="windowText" lastClr="000000"/>
-                      </a:solidFill>
-                    </a:lnL>
-                    <a:lnR w="12700">
-                      <a:solidFill>
-                        <a:sysClr val="windowText" lastClr="000000"/>
-                      </a:solidFill>
-                    </a:lnR>
-                    <a:lnT w="12700">
-                      <a:solidFill>
-                        <a:sysClr val="windowText" lastClr="000000"/>
-                      </a:solidFill>
-                    </a:lnT>
-                    <a:lnB w="12700">
-                      <a:solidFill>
-                        <a:sysClr val="windowText" lastClr="000000"/>
-                      </a:solidFill>
-                    </a:lnB>
-                    <a:lnTlToBr w="12700" cmpd="sng">
-                      <a:noFill/>
-                      <a:prstDash val="solid"/>
-                    </a:lnTlToBr>
-                    <a:lnBlToTr w="12700" cmpd="sng">
-                      <a:noFill/>
-                      <a:prstDash val="solid"/>
-                    </a:lnBlToTr>
-                    <a:solidFill>
-                      <a:srgbClr val="EBEBEB"/>
-                    </a:solidFill>
-                  </a:tcPr>
-                </a:tc>
-                <a:tc>
-                  <a:txBody>
-                    <a:bodyPr/>
-                    <a:lstStyle>
-                      <a:lvl1pPr marL="0" algn="l" defTabSz="342900" rtl="0" eaLnBrk="1" latinLnBrk="0" hangingPunct="1">
-                        <a:defRPr sz="1350" kern="1200">
-                          <a:solidFill>
-                            <a:schemeClr val="dk1"/>
-                          </a:solidFill>
-                          <a:latin typeface="Gill Sans MT" panose="020B0502020104020203"/>
-                        </a:defRPr>
-                      </a:lvl1pPr>
-                      <a:lvl2pPr marL="342900" algn="l" defTabSz="342900" rtl="0" eaLnBrk="1" latinLnBrk="0" hangingPunct="1">
-                        <a:defRPr sz="1350" kern="1200">
-                          <a:solidFill>
-                            <a:schemeClr val="dk1"/>
-                          </a:solidFill>
-                          <a:latin typeface="Gill Sans MT" panose="020B0502020104020203"/>
-                        </a:defRPr>
-                      </a:lvl2pPr>
-                      <a:lvl3pPr marL="685800" algn="l" defTabSz="342900" rtl="0" eaLnBrk="1" latinLnBrk="0" hangingPunct="1">
-                        <a:defRPr sz="1350" kern="1200">
-                          <a:solidFill>
-                            <a:schemeClr val="dk1"/>
-                          </a:solidFill>
-                          <a:latin typeface="Gill Sans MT" panose="020B0502020104020203"/>
-                        </a:defRPr>
-                      </a:lvl3pPr>
-                      <a:lvl4pPr marL="1028700" algn="l" defTabSz="342900" rtl="0" eaLnBrk="1" latinLnBrk="0" hangingPunct="1">
-                        <a:defRPr sz="1350" kern="1200">
-                          <a:solidFill>
-                            <a:schemeClr val="dk1"/>
-                          </a:solidFill>
-                          <a:latin typeface="Gill Sans MT" panose="020B0502020104020203"/>
-                        </a:defRPr>
-                      </a:lvl4pPr>
-                      <a:lvl5pPr marL="1371600" algn="l" defTabSz="342900" rtl="0" eaLnBrk="1" latinLnBrk="0" hangingPunct="1">
-                        <a:defRPr sz="1350" kern="1200">
-                          <a:solidFill>
-                            <a:schemeClr val="dk1"/>
-                          </a:solidFill>
-                          <a:latin typeface="Gill Sans MT" panose="020B0502020104020203"/>
-                        </a:defRPr>
-                      </a:lvl5pPr>
-                      <a:lvl6pPr marL="1714500" algn="l" defTabSz="342900" rtl="0" eaLnBrk="1" latinLnBrk="0" hangingPunct="1">
-                        <a:defRPr sz="1350" kern="1200">
-                          <a:solidFill>
-                            <a:schemeClr val="dk1"/>
-                          </a:solidFill>
-                          <a:latin typeface="Gill Sans MT" panose="020B0502020104020203"/>
-                        </a:defRPr>
-                      </a:lvl6pPr>
-                      <a:lvl7pPr marL="2057400" algn="l" defTabSz="342900" rtl="0" eaLnBrk="1" latinLnBrk="0" hangingPunct="1">
-                        <a:defRPr sz="1350" kern="1200">
-                          <a:solidFill>
-                            <a:schemeClr val="dk1"/>
-                          </a:solidFill>
-                          <a:latin typeface="Gill Sans MT" panose="020B0502020104020203"/>
-                        </a:defRPr>
-                      </a:lvl7pPr>
-                      <a:lvl8pPr marL="2400300" algn="l" defTabSz="342900" rtl="0" eaLnBrk="1" latinLnBrk="0" hangingPunct="1">
-                        <a:defRPr sz="1350" kern="1200">
-                          <a:solidFill>
-                            <a:schemeClr val="dk1"/>
-                          </a:solidFill>
-                          <a:latin typeface="Gill Sans MT" panose="020B0502020104020203"/>
-                        </a:defRPr>
-                      </a:lvl8pPr>
-                      <a:lvl9pPr marL="2743200" algn="l" defTabSz="342900" rtl="0" eaLnBrk="1" latinLnBrk="0" hangingPunct="1">
-                        <a:defRPr sz="1350" kern="1200">
-                          <a:solidFill>
-                            <a:schemeClr val="dk1"/>
-                          </a:solidFill>
-                          <a:latin typeface="Gill Sans MT" panose="020B0502020104020203"/>
-                        </a:defRPr>
-                      </a:lvl9pPr>
-                    </a:lstStyle>
-                    <a:p>
-                      <a:pPr algn="ctr"/>
-                      <a:r>
-                        <a:rPr lang="en-US" b="1" i="0" dirty="0">
-                          <a:solidFill>
-                            <a:schemeClr val="tx1"/>
-                          </a:solidFill>
-                          <a:latin typeface="Times New Roman" panose="02020603050405020304" pitchFamily="18" charset="0"/>
-                          <a:cs typeface="Times New Roman" panose="02020603050405020304" pitchFamily="18" charset="0"/>
-                        </a:rPr>
-                        <a:t>Focuses on semantic accuracy in image generation.</a:t>
-                      </a:r>
-                    </a:p>
-                  </a:txBody>
-                  <a:tcPr anchor="ctr">
-                    <a:lnL w="12700">
-                      <a:solidFill>
-                        <a:sysClr val="windowText" lastClr="000000"/>
-                      </a:solidFill>
-                    </a:lnL>
-                    <a:lnR w="12700">
-                      <a:solidFill>
-                        <a:sysClr val="windowText" lastClr="000000"/>
-                      </a:solidFill>
-                    </a:lnR>
-                    <a:lnT w="12700">
-                      <a:solidFill>
-                        <a:sysClr val="windowText" lastClr="000000"/>
-                      </a:solidFill>
-                    </a:lnT>
-                    <a:lnB w="12700">
-                      <a:solidFill>
-                        <a:sysClr val="windowText" lastClr="000000"/>
-                      </a:solidFill>
-                    </a:lnB>
-                    <a:lnTlToBr w="12700" cmpd="sng">
-                      <a:noFill/>
-                      <a:prstDash val="solid"/>
-                    </a:lnTlToBr>
-                    <a:lnBlToTr w="12700" cmpd="sng">
-                      <a:noFill/>
-                      <a:prstDash val="solid"/>
-                    </a:lnBlToTr>
-                    <a:solidFill>
-                      <a:srgbClr val="EBEBEB"/>
-                    </a:solidFill>
-                  </a:tcPr>
-                </a:tc>
-                <a:tc>
-                  <a:txBody>
-                    <a:bodyPr/>
-                    <a:lstStyle>
-                      <a:lvl1pPr marL="0" algn="l" defTabSz="342900" rtl="0" eaLnBrk="1" latinLnBrk="0" hangingPunct="1">
-                        <a:defRPr sz="1350" kern="1200">
-                          <a:solidFill>
-                            <a:schemeClr val="dk1"/>
-                          </a:solidFill>
-                          <a:latin typeface="Gill Sans MT" panose="020B0502020104020203"/>
-                        </a:defRPr>
-                      </a:lvl1pPr>
-                      <a:lvl2pPr marL="342900" algn="l" defTabSz="342900" rtl="0" eaLnBrk="1" latinLnBrk="0" hangingPunct="1">
-                        <a:defRPr sz="1350" kern="1200">
-                          <a:solidFill>
-                            <a:schemeClr val="dk1"/>
-                          </a:solidFill>
-                          <a:latin typeface="Gill Sans MT" panose="020B0502020104020203"/>
-                        </a:defRPr>
-                      </a:lvl2pPr>
-                      <a:lvl3pPr marL="685800" algn="l" defTabSz="342900" rtl="0" eaLnBrk="1" latinLnBrk="0" hangingPunct="1">
-                        <a:defRPr sz="1350" kern="1200">
-                          <a:solidFill>
-                            <a:schemeClr val="dk1"/>
-                          </a:solidFill>
-                          <a:latin typeface="Gill Sans MT" panose="020B0502020104020203"/>
-                        </a:defRPr>
-                      </a:lvl3pPr>
-                      <a:lvl4pPr marL="1028700" algn="l" defTabSz="342900" rtl="0" eaLnBrk="1" latinLnBrk="0" hangingPunct="1">
-                        <a:defRPr sz="1350" kern="1200">
-                          <a:solidFill>
-                            <a:schemeClr val="dk1"/>
-                          </a:solidFill>
-                          <a:latin typeface="Gill Sans MT" panose="020B0502020104020203"/>
-                        </a:defRPr>
-                      </a:lvl4pPr>
-                      <a:lvl5pPr marL="1371600" algn="l" defTabSz="342900" rtl="0" eaLnBrk="1" latinLnBrk="0" hangingPunct="1">
-                        <a:defRPr sz="1350" kern="1200">
-                          <a:solidFill>
-                            <a:schemeClr val="dk1"/>
-                          </a:solidFill>
-                          <a:latin typeface="Gill Sans MT" panose="020B0502020104020203"/>
-                        </a:defRPr>
-                      </a:lvl5pPr>
-                      <a:lvl6pPr marL="1714500" algn="l" defTabSz="342900" rtl="0" eaLnBrk="1" latinLnBrk="0" hangingPunct="1">
-                        <a:defRPr sz="1350" kern="1200">
-                          <a:solidFill>
-                            <a:schemeClr val="dk1"/>
-                          </a:solidFill>
-                          <a:latin typeface="Gill Sans MT" panose="020B0502020104020203"/>
-                        </a:defRPr>
-                      </a:lvl6pPr>
-                      <a:lvl7pPr marL="2057400" algn="l" defTabSz="342900" rtl="0" eaLnBrk="1" latinLnBrk="0" hangingPunct="1">
-                        <a:defRPr sz="1350" kern="1200">
-                          <a:solidFill>
-                            <a:schemeClr val="dk1"/>
-                          </a:solidFill>
-                          <a:latin typeface="Gill Sans MT" panose="020B0502020104020203"/>
-                        </a:defRPr>
-                      </a:lvl7pPr>
-                      <a:lvl8pPr marL="2400300" algn="l" defTabSz="342900" rtl="0" eaLnBrk="1" latinLnBrk="0" hangingPunct="1">
-                        <a:defRPr sz="1350" kern="1200">
-                          <a:solidFill>
-                            <a:schemeClr val="dk1"/>
-                          </a:solidFill>
-                          <a:latin typeface="Gill Sans MT" panose="020B0502020104020203"/>
-                        </a:defRPr>
-                      </a:lvl8pPr>
-                      <a:lvl9pPr marL="2743200" algn="l" defTabSz="342900" rtl="0" eaLnBrk="1" latinLnBrk="0" hangingPunct="1">
-                        <a:defRPr sz="1350" kern="1200">
-                          <a:solidFill>
-                            <a:schemeClr val="dk1"/>
-                          </a:solidFill>
-                          <a:latin typeface="Gill Sans MT" panose="020B0502020104020203"/>
-                        </a:defRPr>
-                      </a:lvl9pPr>
-                    </a:lstStyle>
-                    <a:p>
-                      <a:pPr algn="ctr"/>
-                      <a:r>
-                        <a:rPr lang="en-US" b="1" i="0" dirty="0">
-                          <a:solidFill>
-                            <a:schemeClr val="tx1"/>
-                          </a:solidFill>
-                          <a:latin typeface="Times New Roman" panose="02020603050405020304" pitchFamily="18" charset="0"/>
-                          <a:cs typeface="Times New Roman" panose="02020603050405020304" pitchFamily="18" charset="0"/>
-                        </a:rPr>
-                        <a:t>Overlooks other quality aspects; subjective metrics.</a:t>
-                      </a:r>
-                    </a:p>
-                  </a:txBody>
-                  <a:tcPr anchor="ctr">
-                    <a:lnL w="12700">
-                      <a:solidFill>
-                        <a:sysClr val="windowText" lastClr="000000"/>
-                      </a:solidFill>
-                    </a:lnL>
-                    <a:lnR w="12700">
-                      <a:solidFill>
-                        <a:sysClr val="windowText" lastClr="000000"/>
-                      </a:solidFill>
-                    </a:lnR>
-                    <a:lnT w="12700">
-                      <a:solidFill>
-                        <a:sysClr val="windowText" lastClr="000000"/>
-                      </a:solidFill>
-                    </a:lnT>
-                    <a:lnB w="12700">
-                      <a:solidFill>
-                        <a:sysClr val="windowText" lastClr="000000"/>
-                      </a:solidFill>
-                    </a:lnB>
-                    <a:lnTlToBr w="12700" cmpd="sng">
-                      <a:noFill/>
-                      <a:prstDash val="solid"/>
-                    </a:lnTlToBr>
-                    <a:lnBlToTr w="12700" cmpd="sng">
-                      <a:noFill/>
-                      <a:prstDash val="solid"/>
-                    </a:lnBlToTr>
-                    <a:solidFill>
-                      <a:srgbClr val="EBEBEB"/>
-                    </a:solidFill>
-                  </a:tcPr>
-                </a:tc>
-                <a:extLst>
-                  <a:ext uri="{0D108BD9-81ED-4DB2-BD59-A6C34878D82A}">
-                    <a16:rowId xmlns:a16="http://schemas.microsoft.com/office/drawing/2014/main" val="3942420149"/>
+                    <a16:rowId xmlns:a16="http://schemas.microsoft.com/office/drawing/2014/main" val="477711464"/>
                   </a:ext>
                 </a:extLst>
               </a:tr>
@@ -16553,6 +13700,11 @@
         </a:graphic>
       </p:graphicFrame>
     </p:spTree>
+    <p:extLst>
+      <p:ext uri="{BB962C8B-B14F-4D97-AF65-F5344CB8AC3E}">
+        <p14:creationId xmlns:p14="http://schemas.microsoft.com/office/powerpoint/2010/main" val="1408044103"/>
+      </p:ext>
+    </p:extLst>
   </p:cSld>
   <p:clrMapOvr>
     <a:masterClrMapping/>
@@ -16565,7 +13717,13 @@
   <p:cSld>
     <p:spTree>
       <p:nvGrpSpPr>
-        <p:cNvPr id="1" name="Shape 127"/>
+        <p:cNvPr id="1" name="Shape 110">
+          <a:extLst>
+            <a:ext uri="{FF2B5EF4-FFF2-40B4-BE49-F238E27FC236}">
+              <a16:creationId xmlns:a16="http://schemas.microsoft.com/office/drawing/2014/main" id="{BA2B3B14-8385-0705-EBF1-9CE1C14A6C5B}"/>
+            </a:ext>
+          </a:extLst>
+        </p:cNvPr>
         <p:cNvGrpSpPr/>
         <p:nvPr/>
       </p:nvGrpSpPr>
@@ -16579,7 +13737,13 @@
       </p:grpSpPr>
       <p:sp>
         <p:nvSpPr>
-          <p:cNvPr id="128" name="Google Shape;128;p24"/>
+          <p:cNvPr id="111" name="Google Shape;111;p21">
+            <a:extLst>
+              <a:ext uri="{FF2B5EF4-FFF2-40B4-BE49-F238E27FC236}">
+                <a16:creationId xmlns:a16="http://schemas.microsoft.com/office/drawing/2014/main" id="{6C9D4898-6A56-55EA-C8CA-49DE2BB72397}"/>
+              </a:ext>
+            </a:extLst>
+          </p:cNvPr>
           <p:cNvSpPr txBox="1">
             <a:spLocks noGrp="1"/>
           </p:cNvSpPr>
@@ -16588,9 +13752,22 @@
           </p:nvPr>
         </p:nvSpPr>
         <p:spPr>
+          <a:xfrm>
+            <a:off x="311700" y="161317"/>
+            <a:ext cx="8520600" cy="572700"/>
+          </a:xfrm>
           <a:prstGeom prst="rect">
             <a:avLst/>
           </a:prstGeom>
+          <a:ln w="9525" cap="flat" cmpd="sng">
+            <a:solidFill>
+              <a:srgbClr val="FFFFFF"/>
+            </a:solidFill>
+            <a:prstDash val="solid"/>
+            <a:round/>
+            <a:headEnd type="none" w="sm" len="sm"/>
+            <a:tailEnd type="none" w="sm" len="sm"/>
+          </a:ln>
         </p:spPr>
         <p:txBody>
           <a:bodyPr spcFirstLastPara="1" wrap="square" lIns="91425" tIns="91425" rIns="91425" bIns="91425" anchor="t" anchorCtr="0">
@@ -16605,535 +13782,1251 @@
               <a:spcAft>
                 <a:spcPts val="0"/>
               </a:spcAft>
+              <a:buSzPts val="990"/>
               <a:buNone/>
             </a:pPr>
             <a:r>
-              <a:rPr lang="en-US" sz="2900" b="1" dirty="0">
+              <a:rPr lang="en-US" sz="2920" b="1" dirty="0">
                 <a:latin typeface="Times New Roman" pitchFamily="18" charset="0"/>
                 <a:cs typeface="Times New Roman" pitchFamily="18" charset="0"/>
               </a:rPr>
-              <a:t>SYSTEM OVERVIEW</a:t>
+              <a:t>LITERATURE SURVEY</a:t>
             </a:r>
           </a:p>
         </p:txBody>
       </p:sp>
-      <p:sp>
-        <p:nvSpPr>
-          <p:cNvPr id="129" name="Google Shape;129;p24"/>
-          <p:cNvSpPr txBox="1">
-            <a:spLocks noGrp="1"/>
-          </p:cNvSpPr>
+      <p:graphicFrame>
+        <p:nvGraphicFramePr>
+          <p:cNvPr id="6" name="Table 5">
+            <a:extLst>
+              <a:ext uri="{FF2B5EF4-FFF2-40B4-BE49-F238E27FC236}">
+                <a16:creationId xmlns:a16="http://schemas.microsoft.com/office/drawing/2014/main" id="{5DF8E250-40A2-EEA6-0282-69CC7A30F41B}"/>
+              </a:ext>
+            </a:extLst>
+          </p:cNvPr>
+          <p:cNvGraphicFramePr>
+            <a:graphicFrameLocks noGrp="1"/>
+          </p:cNvGraphicFramePr>
           <p:nvPr>
-            <p:ph type="body" idx="1"/>
+            <p:extLst>
+              <p:ext uri="{D42A27DB-BD31-4B8C-83A1-F6EECF244321}">
+                <p14:modId xmlns:p14="http://schemas.microsoft.com/office/powerpoint/2010/main" val="4150746470"/>
+              </p:ext>
+            </p:extLst>
           </p:nvPr>
-        </p:nvSpPr>
-        <p:spPr>
-          <a:xfrm>
-            <a:off x="195072" y="1017726"/>
-            <a:ext cx="8637228" cy="3932226"/>
-          </a:xfrm>
-          <a:prstGeom prst="rect">
-            <a:avLst/>
-          </a:prstGeom>
-        </p:spPr>
-        <p:txBody>
-          <a:bodyPr spcFirstLastPara="1" wrap="square" lIns="91425" tIns="91425" rIns="91425" bIns="91425" anchor="t" anchorCtr="0">
-            <a:normAutofit lnSpcReduction="10000"/>
-          </a:bodyPr>
-          <a:lstStyle/>
-          <a:p>
-            <a:pPr>
-              <a:buFont typeface="Wingdings" panose="05000000000000000000" pitchFamily="2" charset="2"/>
-              <a:buChar char="q"/>
-            </a:pPr>
-            <a:r>
-              <a:rPr lang="en-US" b="1" dirty="0">
-                <a:latin typeface="Times New Roman" panose="02020603050405020304" pitchFamily="18" charset="0"/>
-                <a:cs typeface="Times New Roman" panose="02020603050405020304" pitchFamily="18" charset="0"/>
-              </a:rPr>
-              <a:t>Literature Review</a:t>
-            </a:r>
-          </a:p>
-          <a:p>
-            <a:pPr marL="114300" indent="0">
-              <a:buNone/>
-            </a:pPr>
-            <a:r>
-              <a:rPr lang="en-US" b="1" dirty="0">
-                <a:latin typeface="Times New Roman" panose="02020603050405020304" pitchFamily="18" charset="0"/>
-                <a:cs typeface="Times New Roman" panose="02020603050405020304" pitchFamily="18" charset="0"/>
-              </a:rPr>
-              <a:t>AI Technologies and Applications</a:t>
-            </a:r>
-            <a:r>
-              <a:rPr lang="en-US" dirty="0">
-                <a:latin typeface="Times New Roman" panose="02020603050405020304" pitchFamily="18" charset="0"/>
-                <a:cs typeface="Times New Roman" panose="02020603050405020304" pitchFamily="18" charset="0"/>
-              </a:rPr>
-              <a:t>:</a:t>
-            </a:r>
-          </a:p>
-          <a:p>
-            <a:pPr marL="457200" lvl="1" indent="0">
-              <a:buNone/>
-            </a:pPr>
-            <a:r>
-              <a:rPr lang="en-US" dirty="0">
-                <a:latin typeface="Times New Roman" panose="02020603050405020304" pitchFamily="18" charset="0"/>
-                <a:cs typeface="Times New Roman" panose="02020603050405020304" pitchFamily="18" charset="0"/>
-              </a:rPr>
-              <a:t>Text-to-image models, especially diffusion models, significantly enhance image quality and relevance​(</a:t>
-            </a:r>
-            <a:r>
-              <a:rPr lang="en-US" dirty="0">
-                <a:latin typeface="Times New Roman" panose="02020603050405020304" pitchFamily="18" charset="0"/>
-                <a:cs typeface="Times New Roman" panose="02020603050405020304" pitchFamily="18" charset="0"/>
-                <a:hlinkClick r:id="rId3"/>
-              </a:rPr>
-              <a:t>ar5iv</a:t>
-            </a:r>
-            <a:r>
-              <a:rPr lang="en-US" dirty="0">
-                <a:latin typeface="Times New Roman" panose="02020603050405020304" pitchFamily="18" charset="0"/>
-                <a:cs typeface="Times New Roman" panose="02020603050405020304" pitchFamily="18" charset="0"/>
-              </a:rPr>
-              <a:t>)​(</a:t>
-            </a:r>
-            <a:r>
-              <a:rPr lang="en-US" dirty="0" err="1">
-                <a:latin typeface="Times New Roman" panose="02020603050405020304" pitchFamily="18" charset="0"/>
-                <a:cs typeface="Times New Roman" panose="02020603050405020304" pitchFamily="18" charset="0"/>
-                <a:hlinkClick r:id="rId4"/>
-              </a:rPr>
-              <a:t>NeurIPS</a:t>
-            </a:r>
-            <a:r>
-              <a:rPr lang="en-US" dirty="0">
-                <a:latin typeface="Times New Roman" panose="02020603050405020304" pitchFamily="18" charset="0"/>
-                <a:cs typeface="Times New Roman" panose="02020603050405020304" pitchFamily="18" charset="0"/>
-                <a:hlinkClick r:id="rId4"/>
-              </a:rPr>
-              <a:t> Proceedings</a:t>
-            </a:r>
-            <a:r>
-              <a:rPr lang="en-US" dirty="0">
-                <a:latin typeface="Times New Roman" panose="02020603050405020304" pitchFamily="18" charset="0"/>
-                <a:cs typeface="Times New Roman" panose="02020603050405020304" pitchFamily="18" charset="0"/>
-              </a:rPr>
-              <a:t>).</a:t>
-            </a:r>
-          </a:p>
-          <a:p>
-            <a:pPr marL="457200" lvl="1" indent="0">
-              <a:buNone/>
-            </a:pPr>
-            <a:endParaRPr lang="en-US" dirty="0">
-              <a:latin typeface="Times New Roman" panose="02020603050405020304" pitchFamily="18" charset="0"/>
-              <a:cs typeface="Times New Roman" panose="02020603050405020304" pitchFamily="18" charset="0"/>
-            </a:endParaRPr>
-          </a:p>
-          <a:p>
-            <a:pPr marL="114300" indent="0">
-              <a:buNone/>
-            </a:pPr>
-            <a:r>
-              <a:rPr lang="en-US" b="1" dirty="0">
-                <a:latin typeface="Times New Roman" panose="02020603050405020304" pitchFamily="18" charset="0"/>
-                <a:cs typeface="Times New Roman" panose="02020603050405020304" pitchFamily="18" charset="0"/>
-              </a:rPr>
-              <a:t>Ethical Considerations</a:t>
-            </a:r>
-            <a:r>
-              <a:rPr lang="en-US" dirty="0">
-                <a:latin typeface="Times New Roman" panose="02020603050405020304" pitchFamily="18" charset="0"/>
-                <a:cs typeface="Times New Roman" panose="02020603050405020304" pitchFamily="18" charset="0"/>
-              </a:rPr>
-              <a:t>:</a:t>
-            </a:r>
-          </a:p>
-          <a:p>
-            <a:pPr marL="457200" lvl="1" indent="0">
-              <a:buNone/>
-            </a:pPr>
-            <a:r>
-              <a:rPr lang="en-US" dirty="0">
-                <a:latin typeface="Times New Roman" panose="02020603050405020304" pitchFamily="18" charset="0"/>
-                <a:cs typeface="Times New Roman" panose="02020603050405020304" pitchFamily="18" charset="0"/>
-              </a:rPr>
-              <a:t>Ethical concerns include copyright, bias, and potential misuse, highlighting the need for guidelines​(</a:t>
-            </a:r>
-            <a:r>
-              <a:rPr lang="en-US" dirty="0">
-                <a:latin typeface="Times New Roman" panose="02020603050405020304" pitchFamily="18" charset="0"/>
-                <a:cs typeface="Times New Roman" panose="02020603050405020304" pitchFamily="18" charset="0"/>
-                <a:hlinkClick r:id="rId5"/>
-              </a:rPr>
-              <a:t>Hugging Face</a:t>
-            </a:r>
-            <a:r>
-              <a:rPr lang="en-US" dirty="0">
-                <a:latin typeface="Times New Roman" panose="02020603050405020304" pitchFamily="18" charset="0"/>
-                <a:cs typeface="Times New Roman" panose="02020603050405020304" pitchFamily="18" charset="0"/>
-              </a:rPr>
-              <a:t>).</a:t>
-            </a:r>
-          </a:p>
-          <a:p>
-            <a:pPr marL="457200" lvl="1" indent="0">
-              <a:buNone/>
-            </a:pPr>
-            <a:endParaRPr lang="en-US" dirty="0">
-              <a:latin typeface="Times New Roman" panose="02020603050405020304" pitchFamily="18" charset="0"/>
-              <a:cs typeface="Times New Roman" panose="02020603050405020304" pitchFamily="18" charset="0"/>
-            </a:endParaRPr>
-          </a:p>
-          <a:p>
-            <a:pPr marL="114300" indent="0">
-              <a:buNone/>
-            </a:pPr>
-            <a:r>
-              <a:rPr lang="en-US" b="1" dirty="0">
-                <a:latin typeface="Times New Roman" panose="02020603050405020304" pitchFamily="18" charset="0"/>
-                <a:cs typeface="Times New Roman" panose="02020603050405020304" pitchFamily="18" charset="0"/>
-              </a:rPr>
-              <a:t>Social and Economic Impacts</a:t>
-            </a:r>
-            <a:r>
-              <a:rPr lang="en-US" dirty="0">
-                <a:latin typeface="Times New Roman" panose="02020603050405020304" pitchFamily="18" charset="0"/>
-                <a:cs typeface="Times New Roman" panose="02020603050405020304" pitchFamily="18" charset="0"/>
-              </a:rPr>
-              <a:t>:</a:t>
-            </a:r>
-          </a:p>
-          <a:p>
-            <a:pPr marL="457200" lvl="1" indent="0">
-              <a:buNone/>
-            </a:pPr>
-            <a:r>
-              <a:rPr lang="en-US" dirty="0">
-                <a:latin typeface="Times New Roman" panose="02020603050405020304" pitchFamily="18" charset="0"/>
-                <a:cs typeface="Times New Roman" panose="02020603050405020304" pitchFamily="18" charset="0"/>
-              </a:rPr>
-              <a:t>These models democratize content creation but may disrupt traditional artistic jobs​(</a:t>
-            </a:r>
-            <a:r>
-              <a:rPr lang="en-US" dirty="0">
-                <a:latin typeface="Times New Roman" panose="02020603050405020304" pitchFamily="18" charset="0"/>
-                <a:cs typeface="Times New Roman" panose="02020603050405020304" pitchFamily="18" charset="0"/>
-                <a:hlinkClick r:id="rId3"/>
-              </a:rPr>
-              <a:t>ar5iv</a:t>
-            </a:r>
-            <a:r>
-              <a:rPr lang="en-US" dirty="0">
-                <a:latin typeface="Times New Roman" panose="02020603050405020304" pitchFamily="18" charset="0"/>
-                <a:cs typeface="Times New Roman" panose="02020603050405020304" pitchFamily="18" charset="0"/>
-              </a:rPr>
-              <a:t>)​(</a:t>
-            </a:r>
-            <a:r>
-              <a:rPr lang="en-US" dirty="0" err="1">
-                <a:latin typeface="Times New Roman" panose="02020603050405020304" pitchFamily="18" charset="0"/>
-                <a:cs typeface="Times New Roman" panose="02020603050405020304" pitchFamily="18" charset="0"/>
-                <a:hlinkClick r:id="rId4"/>
-              </a:rPr>
-              <a:t>NeurIPS</a:t>
-            </a:r>
-            <a:r>
-              <a:rPr lang="en-US" dirty="0">
-                <a:latin typeface="Times New Roman" panose="02020603050405020304" pitchFamily="18" charset="0"/>
-                <a:cs typeface="Times New Roman" panose="02020603050405020304" pitchFamily="18" charset="0"/>
-                <a:hlinkClick r:id="rId4"/>
-              </a:rPr>
-              <a:t> Proceedings</a:t>
-            </a:r>
-            <a:r>
-              <a:rPr lang="en-US" dirty="0">
-                <a:latin typeface="Times New Roman" panose="02020603050405020304" pitchFamily="18" charset="0"/>
-                <a:cs typeface="Times New Roman" panose="02020603050405020304" pitchFamily="18" charset="0"/>
-              </a:rPr>
-              <a:t>).</a:t>
-            </a:r>
-          </a:p>
-          <a:p>
-            <a:pPr marL="457200" lvl="1" indent="0">
-              <a:buNone/>
-            </a:pPr>
-            <a:endParaRPr lang="en-US" dirty="0">
-              <a:latin typeface="Times New Roman" panose="02020603050405020304" pitchFamily="18" charset="0"/>
-              <a:cs typeface="Times New Roman" panose="02020603050405020304" pitchFamily="18" charset="0"/>
-            </a:endParaRPr>
-          </a:p>
-          <a:p>
-            <a:pPr marL="114300" indent="0">
-              <a:buNone/>
-            </a:pPr>
-            <a:r>
-              <a:rPr lang="en-US" b="1" dirty="0">
-                <a:latin typeface="Times New Roman" panose="02020603050405020304" pitchFamily="18" charset="0"/>
-                <a:cs typeface="Times New Roman" panose="02020603050405020304" pitchFamily="18" charset="0"/>
-              </a:rPr>
-              <a:t>Policy Implications</a:t>
-            </a:r>
-            <a:r>
-              <a:rPr lang="en-US" dirty="0">
-                <a:latin typeface="Times New Roman" panose="02020603050405020304" pitchFamily="18" charset="0"/>
-                <a:cs typeface="Times New Roman" panose="02020603050405020304" pitchFamily="18" charset="0"/>
-              </a:rPr>
-              <a:t>:</a:t>
-            </a:r>
-          </a:p>
-          <a:p>
-            <a:pPr marL="457200" lvl="1" indent="0">
-              <a:buNone/>
-            </a:pPr>
-            <a:r>
-              <a:rPr lang="en-US" dirty="0">
-                <a:latin typeface="Times New Roman" panose="02020603050405020304" pitchFamily="18" charset="0"/>
-                <a:cs typeface="Times New Roman" panose="02020603050405020304" pitchFamily="18" charset="0"/>
-              </a:rPr>
-              <a:t>Policymakers must develop regulations that promote ethical use while encouraging innovation​(</a:t>
-            </a:r>
-            <a:r>
-              <a:rPr lang="en-US" dirty="0">
-                <a:latin typeface="Times New Roman" panose="02020603050405020304" pitchFamily="18" charset="0"/>
-                <a:cs typeface="Times New Roman" panose="02020603050405020304" pitchFamily="18" charset="0"/>
-                <a:hlinkClick r:id="rId6"/>
-              </a:rPr>
-              <a:t>ar5iv</a:t>
-            </a:r>
-            <a:r>
-              <a:rPr lang="en-US" dirty="0">
-                <a:latin typeface="Times New Roman" panose="02020603050405020304" pitchFamily="18" charset="0"/>
-                <a:cs typeface="Times New Roman" panose="02020603050405020304" pitchFamily="18" charset="0"/>
-              </a:rPr>
-              <a:t>)​(</a:t>
-            </a:r>
-            <a:r>
-              <a:rPr lang="en-US" dirty="0">
-                <a:latin typeface="Times New Roman" panose="02020603050405020304" pitchFamily="18" charset="0"/>
-                <a:cs typeface="Times New Roman" panose="02020603050405020304" pitchFamily="18" charset="0"/>
-                <a:hlinkClick r:id="rId5"/>
-              </a:rPr>
-              <a:t>Hugging Face</a:t>
-            </a:r>
-            <a:r>
-              <a:rPr lang="en-US" dirty="0">
-                <a:latin typeface="Times New Roman" panose="02020603050405020304" pitchFamily="18" charset="0"/>
-                <a:cs typeface="Times New Roman" panose="02020603050405020304" pitchFamily="18" charset="0"/>
-              </a:rPr>
-              <a:t>).</a:t>
-            </a:r>
-          </a:p>
-          <a:p>
-            <a:pPr marL="457200" lvl="1" indent="0">
-              <a:buNone/>
-            </a:pPr>
-            <a:endParaRPr lang="en-US" dirty="0">
-              <a:latin typeface="Times New Roman" panose="02020603050405020304" pitchFamily="18" charset="0"/>
-              <a:cs typeface="Times New Roman" panose="02020603050405020304" pitchFamily="18" charset="0"/>
-            </a:endParaRPr>
-          </a:p>
-          <a:p>
-            <a:pPr marL="114300" indent="0">
-              <a:buNone/>
-            </a:pPr>
-            <a:r>
-              <a:rPr lang="en-US" b="1" dirty="0">
-                <a:latin typeface="Times New Roman" panose="02020603050405020304" pitchFamily="18" charset="0"/>
-                <a:cs typeface="Times New Roman" panose="02020603050405020304" pitchFamily="18" charset="0"/>
-              </a:rPr>
-              <a:t>Key Trends and Gaps</a:t>
-            </a:r>
-            <a:r>
-              <a:rPr lang="en-US" dirty="0">
-                <a:latin typeface="Times New Roman" panose="02020603050405020304" pitchFamily="18" charset="0"/>
-                <a:cs typeface="Times New Roman" panose="02020603050405020304" pitchFamily="18" charset="0"/>
-              </a:rPr>
-              <a:t>:</a:t>
-            </a:r>
-          </a:p>
-          <a:p>
-            <a:pPr marL="457200" lvl="1" indent="0">
-              <a:buNone/>
-            </a:pPr>
-            <a:r>
-              <a:rPr lang="en-US" dirty="0">
-                <a:latin typeface="Times New Roman" panose="02020603050405020304" pitchFamily="18" charset="0"/>
-                <a:cs typeface="Times New Roman" panose="02020603050405020304" pitchFamily="18" charset="0"/>
-              </a:rPr>
-              <a:t>Trends show a shift from GANs to diffusion models, with gaps in understanding long-term societal effects​(</a:t>
-            </a:r>
-            <a:r>
-              <a:rPr lang="en-US" dirty="0">
-                <a:latin typeface="Times New Roman" panose="02020603050405020304" pitchFamily="18" charset="0"/>
-                <a:cs typeface="Times New Roman" panose="02020603050405020304" pitchFamily="18" charset="0"/>
-                <a:hlinkClick r:id="rId3"/>
-              </a:rPr>
-              <a:t>ar5iv</a:t>
-            </a:r>
-            <a:r>
-              <a:rPr lang="en-US" dirty="0">
-                <a:latin typeface="Times New Roman" panose="02020603050405020304" pitchFamily="18" charset="0"/>
-                <a:cs typeface="Times New Roman" panose="02020603050405020304" pitchFamily="18" charset="0"/>
-              </a:rPr>
-              <a:t>)​(</a:t>
-            </a:r>
-            <a:r>
-              <a:rPr lang="en-US" dirty="0" err="1">
-                <a:latin typeface="Times New Roman" panose="02020603050405020304" pitchFamily="18" charset="0"/>
-                <a:cs typeface="Times New Roman" panose="02020603050405020304" pitchFamily="18" charset="0"/>
-                <a:hlinkClick r:id="rId4"/>
-              </a:rPr>
-              <a:t>NeurIPS</a:t>
-            </a:r>
-            <a:r>
-              <a:rPr lang="en-US" dirty="0">
-                <a:latin typeface="Times New Roman" panose="02020603050405020304" pitchFamily="18" charset="0"/>
-                <a:cs typeface="Times New Roman" panose="02020603050405020304" pitchFamily="18" charset="0"/>
-                <a:hlinkClick r:id="rId4"/>
-              </a:rPr>
-              <a:t> Proceedings</a:t>
-            </a:r>
-            <a:r>
-              <a:rPr lang="en-US" dirty="0">
-                <a:latin typeface="Times New Roman" panose="02020603050405020304" pitchFamily="18" charset="0"/>
-                <a:cs typeface="Times New Roman" panose="02020603050405020304" pitchFamily="18" charset="0"/>
-              </a:rPr>
-              <a:t>)​(</a:t>
-            </a:r>
-            <a:r>
-              <a:rPr lang="en-US" dirty="0">
-                <a:latin typeface="Times New Roman" panose="02020603050405020304" pitchFamily="18" charset="0"/>
-                <a:cs typeface="Times New Roman" panose="02020603050405020304" pitchFamily="18" charset="0"/>
-                <a:hlinkClick r:id="rId6"/>
-              </a:rPr>
-              <a:t>ar5iv</a:t>
-            </a:r>
-            <a:r>
-              <a:rPr lang="en-US" dirty="0">
-                <a:latin typeface="Times New Roman" panose="02020603050405020304" pitchFamily="18" charset="0"/>
-                <a:cs typeface="Times New Roman" panose="02020603050405020304" pitchFamily="18" charset="0"/>
-              </a:rPr>
-              <a:t>).</a:t>
-            </a:r>
-          </a:p>
-          <a:p>
-            <a:pPr marL="457200" lvl="1" indent="0">
-              <a:buNone/>
-            </a:pPr>
-            <a:endParaRPr lang="en-US" dirty="0">
-              <a:latin typeface="Times New Roman" panose="02020603050405020304" pitchFamily="18" charset="0"/>
-              <a:cs typeface="Times New Roman" panose="02020603050405020304" pitchFamily="18" charset="0"/>
-            </a:endParaRPr>
-          </a:p>
-          <a:p>
-            <a:pPr>
-              <a:buFont typeface="Wingdings" panose="05000000000000000000" pitchFamily="2" charset="2"/>
-              <a:buChar char="q"/>
-            </a:pPr>
-            <a:r>
-              <a:rPr lang="en-US" b="1" dirty="0">
-                <a:latin typeface="Times New Roman" panose="02020603050405020304" pitchFamily="18" charset="0"/>
-                <a:cs typeface="Times New Roman" panose="02020603050405020304" pitchFamily="18" charset="0"/>
-              </a:rPr>
-              <a:t>Methodology</a:t>
-            </a:r>
-          </a:p>
-          <a:p>
-            <a:pPr marL="114300" indent="0">
-              <a:buNone/>
-            </a:pPr>
-            <a:r>
-              <a:rPr lang="en-US" b="1" dirty="0">
-                <a:latin typeface="Times New Roman" panose="02020603050405020304" pitchFamily="18" charset="0"/>
-                <a:cs typeface="Times New Roman" panose="02020603050405020304" pitchFamily="18" charset="0"/>
-              </a:rPr>
-              <a:t>Data Collection Methods</a:t>
-            </a:r>
-            <a:r>
-              <a:rPr lang="en-US" dirty="0">
-                <a:latin typeface="Times New Roman" panose="02020603050405020304" pitchFamily="18" charset="0"/>
-                <a:cs typeface="Times New Roman" panose="02020603050405020304" pitchFamily="18" charset="0"/>
-              </a:rPr>
-              <a:t>:</a:t>
-            </a:r>
-          </a:p>
-          <a:p>
-            <a:pPr marL="457200" lvl="1" indent="0">
-              <a:buNone/>
-            </a:pPr>
-            <a:r>
-              <a:rPr lang="en-US" dirty="0">
-                <a:latin typeface="Times New Roman" panose="02020603050405020304" pitchFamily="18" charset="0"/>
-                <a:cs typeface="Times New Roman" panose="02020603050405020304" pitchFamily="18" charset="0"/>
-              </a:rPr>
-              <a:t>Conducted a literature review and qualitative interviews for insights​(</a:t>
-            </a:r>
-            <a:r>
-              <a:rPr lang="en-US" dirty="0">
-                <a:latin typeface="Times New Roman" panose="02020603050405020304" pitchFamily="18" charset="0"/>
-                <a:cs typeface="Times New Roman" panose="02020603050405020304" pitchFamily="18" charset="0"/>
-                <a:hlinkClick r:id="rId3"/>
-              </a:rPr>
-              <a:t>ar5iv</a:t>
-            </a:r>
-            <a:r>
-              <a:rPr lang="en-US" dirty="0">
-                <a:latin typeface="Times New Roman" panose="02020603050405020304" pitchFamily="18" charset="0"/>
-                <a:cs typeface="Times New Roman" panose="02020603050405020304" pitchFamily="18" charset="0"/>
-              </a:rPr>
-              <a:t>)​(</a:t>
-            </a:r>
-            <a:r>
-              <a:rPr lang="en-US" dirty="0" err="1">
-                <a:latin typeface="Times New Roman" panose="02020603050405020304" pitchFamily="18" charset="0"/>
-                <a:cs typeface="Times New Roman" panose="02020603050405020304" pitchFamily="18" charset="0"/>
-                <a:hlinkClick r:id="rId4"/>
-              </a:rPr>
-              <a:t>NeurIPS</a:t>
-            </a:r>
-            <a:r>
-              <a:rPr lang="en-US" dirty="0">
-                <a:latin typeface="Times New Roman" panose="02020603050405020304" pitchFamily="18" charset="0"/>
-                <a:cs typeface="Times New Roman" panose="02020603050405020304" pitchFamily="18" charset="0"/>
-                <a:hlinkClick r:id="rId4"/>
-              </a:rPr>
-              <a:t> Proceedings</a:t>
-            </a:r>
-            <a:r>
-              <a:rPr lang="en-US" dirty="0">
-                <a:latin typeface="Times New Roman" panose="02020603050405020304" pitchFamily="18" charset="0"/>
-                <a:cs typeface="Times New Roman" panose="02020603050405020304" pitchFamily="18" charset="0"/>
-              </a:rPr>
-              <a:t>).</a:t>
-            </a:r>
-          </a:p>
-          <a:p>
-            <a:pPr marL="457200" lvl="1" indent="0">
-              <a:buNone/>
-            </a:pPr>
-            <a:endParaRPr lang="en-US" dirty="0">
-              <a:latin typeface="Times New Roman" panose="02020603050405020304" pitchFamily="18" charset="0"/>
-              <a:cs typeface="Times New Roman" panose="02020603050405020304" pitchFamily="18" charset="0"/>
-            </a:endParaRPr>
-          </a:p>
-          <a:p>
-            <a:pPr marL="0" lvl="0" indent="0" algn="l" rtl="0">
-              <a:spcBef>
-                <a:spcPts val="0"/>
-              </a:spcBef>
-              <a:spcAft>
-                <a:spcPts val="1200"/>
-              </a:spcAft>
-              <a:buNone/>
-            </a:pPr>
-            <a:endParaRPr dirty="0"/>
-          </a:p>
-        </p:txBody>
-      </p:sp>
+        </p:nvGraphicFramePr>
+        <p:xfrm>
+          <a:off x="311700" y="928057"/>
+          <a:ext cx="8520600" cy="2948940"/>
+        </p:xfrm>
+        <a:graphic>
+          <a:graphicData uri="http://schemas.openxmlformats.org/drawingml/2006/table">
+            <a:tbl>
+              <a:tblPr firstRow="1" bandRow="1">
+                <a:tableStyleId>{37D83386-13FC-43DB-8499-5F42DD60CBE9}</a:tableStyleId>
+              </a:tblPr>
+              <a:tblGrid>
+                <a:gridCol w="634015">
+                  <a:extLst>
+                    <a:ext uri="{9D8B030D-6E8A-4147-A177-3AD203B41FA5}">
+                      <a16:colId xmlns:a16="http://schemas.microsoft.com/office/drawing/2014/main" val="4202910363"/>
+                    </a:ext>
+                  </a:extLst>
+                </a:gridCol>
+                <a:gridCol w="1315233">
+                  <a:extLst>
+                    <a:ext uri="{9D8B030D-6E8A-4147-A177-3AD203B41FA5}">
+                      <a16:colId xmlns:a16="http://schemas.microsoft.com/office/drawing/2014/main" val="2451810770"/>
+                    </a:ext>
+                  </a:extLst>
+                </a:gridCol>
+                <a:gridCol w="2311052">
+                  <a:extLst>
+                    <a:ext uri="{9D8B030D-6E8A-4147-A177-3AD203B41FA5}">
+                      <a16:colId xmlns:a16="http://schemas.microsoft.com/office/drawing/2014/main" val="377651226"/>
+                    </a:ext>
+                  </a:extLst>
+                </a:gridCol>
+                <a:gridCol w="1033397">
+                  <a:extLst>
+                    <a:ext uri="{9D8B030D-6E8A-4147-A177-3AD203B41FA5}">
+                      <a16:colId xmlns:a16="http://schemas.microsoft.com/office/drawing/2014/main" val="4030478309"/>
+                    </a:ext>
+                  </a:extLst>
+                </a:gridCol>
+                <a:gridCol w="1806803">
+                  <a:extLst>
+                    <a:ext uri="{9D8B030D-6E8A-4147-A177-3AD203B41FA5}">
+                      <a16:colId xmlns:a16="http://schemas.microsoft.com/office/drawing/2014/main" val="3300647693"/>
+                    </a:ext>
+                  </a:extLst>
+                </a:gridCol>
+                <a:gridCol w="1420100">
+                  <a:extLst>
+                    <a:ext uri="{9D8B030D-6E8A-4147-A177-3AD203B41FA5}">
+                      <a16:colId xmlns:a16="http://schemas.microsoft.com/office/drawing/2014/main" val="101045522"/>
+                    </a:ext>
+                  </a:extLst>
+                </a:gridCol>
+              </a:tblGrid>
+              <a:tr h="0">
+                <a:tc>
+                  <a:txBody>
+                    <a:bodyPr/>
+                    <a:lstStyle/>
+                    <a:p>
+                      <a:pPr marL="0" marR="0" lvl="0" indent="0" algn="ctr" defTabSz="342900" rtl="0" eaLnBrk="1" fontAlgn="auto" latinLnBrk="0" hangingPunct="1">
+                        <a:lnSpc>
+                          <a:spcPct val="100000"/>
+                        </a:lnSpc>
+                        <a:spcBef>
+                          <a:spcPts val="0"/>
+                        </a:spcBef>
+                        <a:spcAft>
+                          <a:spcPts val="0"/>
+                        </a:spcAft>
+                        <a:buClrTx/>
+                        <a:buSzTx/>
+                        <a:buFontTx/>
+                        <a:buNone/>
+                        <a:tabLst/>
+                        <a:defRPr/>
+                      </a:pPr>
+                      <a:r>
+                        <a:rPr kumimoji="0" lang="en-US" sz="1350" b="1" i="0" u="none" strike="noStrike" kern="1200" cap="none" spc="0" normalizeH="0" baseline="0" noProof="0" dirty="0">
+                          <a:ln>
+                            <a:noFill/>
+                          </a:ln>
+                          <a:solidFill>
+                            <a:prstClr val="black"/>
+                          </a:solidFill>
+                          <a:effectLst/>
+                          <a:uLnTx/>
+                          <a:uFillTx/>
+                          <a:latin typeface="Times New Roman" panose="02020603050405020304" pitchFamily="18" charset="0"/>
+                          <a:ea typeface="+mn-ea"/>
+                          <a:cs typeface="Times New Roman" panose="02020603050405020304" pitchFamily="18" charset="0"/>
+                        </a:rPr>
+                        <a:t>Sr. No.</a:t>
+                      </a:r>
+                    </a:p>
+                    <a:p>
+                      <a:endParaRPr lang="en-IN" dirty="0"/>
+                    </a:p>
+                  </a:txBody>
+                  <a:tcPr/>
+                </a:tc>
+                <a:tc>
+                  <a:txBody>
+                    <a:bodyPr/>
+                    <a:lstStyle/>
+                    <a:p>
+                      <a:pPr marL="0" marR="0" lvl="0" indent="0" algn="ctr" defTabSz="342900" rtl="0" eaLnBrk="1" fontAlgn="auto" latinLnBrk="0" hangingPunct="1">
+                        <a:lnSpc>
+                          <a:spcPct val="100000"/>
+                        </a:lnSpc>
+                        <a:spcBef>
+                          <a:spcPts val="0"/>
+                        </a:spcBef>
+                        <a:spcAft>
+                          <a:spcPts val="0"/>
+                        </a:spcAft>
+                        <a:buClrTx/>
+                        <a:buSzTx/>
+                        <a:buFontTx/>
+                        <a:buNone/>
+                        <a:tabLst/>
+                        <a:defRPr/>
+                      </a:pPr>
+                      <a:r>
+                        <a:rPr kumimoji="0" lang="en-US" sz="1350" b="1" i="0" u="none" strike="noStrike" kern="1200" cap="none" spc="0" normalizeH="0" baseline="0" noProof="0" dirty="0">
+                          <a:ln>
+                            <a:noFill/>
+                          </a:ln>
+                          <a:solidFill>
+                            <a:prstClr val="black"/>
+                          </a:solidFill>
+                          <a:effectLst/>
+                          <a:uLnTx/>
+                          <a:uFillTx/>
+                          <a:latin typeface="Times New Roman" panose="02020603050405020304" pitchFamily="18" charset="0"/>
+                          <a:ea typeface="+mn-ea"/>
+                          <a:cs typeface="Times New Roman" panose="02020603050405020304" pitchFamily="18" charset="0"/>
+                        </a:rPr>
+                        <a:t>Authors</a:t>
+                      </a:r>
+                    </a:p>
+                    <a:p>
+                      <a:endParaRPr lang="en-IN" dirty="0"/>
+                    </a:p>
+                  </a:txBody>
+                  <a:tcPr/>
+                </a:tc>
+                <a:tc>
+                  <a:txBody>
+                    <a:bodyPr/>
+                    <a:lstStyle/>
+                    <a:p>
+                      <a:pPr marL="0" marR="0" lvl="0" indent="0" algn="ctr" defTabSz="342900" rtl="0" eaLnBrk="1" fontAlgn="auto" latinLnBrk="0" hangingPunct="1">
+                        <a:lnSpc>
+                          <a:spcPct val="100000"/>
+                        </a:lnSpc>
+                        <a:spcBef>
+                          <a:spcPts val="0"/>
+                        </a:spcBef>
+                        <a:spcAft>
+                          <a:spcPts val="0"/>
+                        </a:spcAft>
+                        <a:buClrTx/>
+                        <a:buSzTx/>
+                        <a:buFontTx/>
+                        <a:buNone/>
+                        <a:tabLst/>
+                        <a:defRPr/>
+                      </a:pPr>
+                      <a:r>
+                        <a:rPr kumimoji="0" lang="en-US" sz="1350" b="1" i="0" u="none" strike="noStrike" kern="1200" cap="none" spc="0" normalizeH="0" baseline="0" noProof="0" dirty="0">
+                          <a:ln>
+                            <a:noFill/>
+                          </a:ln>
+                          <a:solidFill>
+                            <a:prstClr val="black"/>
+                          </a:solidFill>
+                          <a:effectLst/>
+                          <a:uLnTx/>
+                          <a:uFillTx/>
+                          <a:latin typeface="Times New Roman" panose="02020603050405020304" pitchFamily="18" charset="0"/>
+                          <a:ea typeface="+mn-ea"/>
+                          <a:cs typeface="Times New Roman" panose="02020603050405020304" pitchFamily="18" charset="0"/>
+                        </a:rPr>
+                        <a:t>Name of the paper</a:t>
+                      </a:r>
+                    </a:p>
+                    <a:p>
+                      <a:endParaRPr lang="en-IN" dirty="0"/>
+                    </a:p>
+                  </a:txBody>
+                  <a:tcPr/>
+                </a:tc>
+                <a:tc>
+                  <a:txBody>
+                    <a:bodyPr/>
+                    <a:lstStyle/>
+                    <a:p>
+                      <a:pPr marL="0" marR="0" lvl="0" indent="0" algn="ctr" defTabSz="342900" rtl="0" eaLnBrk="1" fontAlgn="auto" latinLnBrk="0" hangingPunct="1">
+                        <a:lnSpc>
+                          <a:spcPct val="100000"/>
+                        </a:lnSpc>
+                        <a:spcBef>
+                          <a:spcPts val="0"/>
+                        </a:spcBef>
+                        <a:spcAft>
+                          <a:spcPts val="0"/>
+                        </a:spcAft>
+                        <a:buClrTx/>
+                        <a:buSzTx/>
+                        <a:buFontTx/>
+                        <a:buNone/>
+                        <a:tabLst/>
+                        <a:defRPr/>
+                      </a:pPr>
+                      <a:r>
+                        <a:rPr kumimoji="0" lang="en-US" sz="1350" b="1" i="0" u="none" strike="noStrike" kern="1200" cap="none" spc="0" normalizeH="0" baseline="0" noProof="0" dirty="0">
+                          <a:ln>
+                            <a:noFill/>
+                          </a:ln>
+                          <a:solidFill>
+                            <a:prstClr val="black"/>
+                          </a:solidFill>
+                          <a:effectLst/>
+                          <a:uLnTx/>
+                          <a:uFillTx/>
+                          <a:latin typeface="Times New Roman" panose="02020603050405020304" pitchFamily="18" charset="0"/>
+                          <a:ea typeface="+mn-ea"/>
+                          <a:cs typeface="Times New Roman" panose="02020603050405020304" pitchFamily="18" charset="0"/>
+                        </a:rPr>
+                        <a:t>Year of Publication</a:t>
+                      </a:r>
+                    </a:p>
+                    <a:p>
+                      <a:endParaRPr lang="en-IN" dirty="0"/>
+                    </a:p>
+                  </a:txBody>
+                  <a:tcPr/>
+                </a:tc>
+                <a:tc>
+                  <a:txBody>
+                    <a:bodyPr/>
+                    <a:lstStyle/>
+                    <a:p>
+                      <a:pPr marL="0" marR="0" lvl="0" indent="0" algn="ctr" defTabSz="342900" rtl="0" eaLnBrk="1" fontAlgn="auto" latinLnBrk="0" hangingPunct="1">
+                        <a:lnSpc>
+                          <a:spcPct val="100000"/>
+                        </a:lnSpc>
+                        <a:spcBef>
+                          <a:spcPts val="0"/>
+                        </a:spcBef>
+                        <a:spcAft>
+                          <a:spcPts val="0"/>
+                        </a:spcAft>
+                        <a:buClrTx/>
+                        <a:buSzTx/>
+                        <a:buFontTx/>
+                        <a:buNone/>
+                        <a:tabLst/>
+                        <a:defRPr/>
+                      </a:pPr>
+                      <a:r>
+                        <a:rPr kumimoji="0" lang="en-US" sz="1350" b="1" i="0" u="none" strike="noStrike" kern="1200" cap="none" spc="0" normalizeH="0" baseline="0" noProof="0" dirty="0">
+                          <a:ln>
+                            <a:noFill/>
+                          </a:ln>
+                          <a:solidFill>
+                            <a:prstClr val="black"/>
+                          </a:solidFill>
+                          <a:effectLst/>
+                          <a:uLnTx/>
+                          <a:uFillTx/>
+                          <a:latin typeface="Times New Roman" panose="02020603050405020304" pitchFamily="18" charset="0"/>
+                          <a:ea typeface="+mn-ea"/>
+                          <a:cs typeface="Times New Roman" panose="02020603050405020304" pitchFamily="18" charset="0"/>
+                        </a:rPr>
+                        <a:t>Description</a:t>
+                      </a:r>
+                    </a:p>
+                    <a:p>
+                      <a:endParaRPr lang="en-IN" dirty="0"/>
+                    </a:p>
+                  </a:txBody>
+                  <a:tcPr/>
+                </a:tc>
+                <a:tc>
+                  <a:txBody>
+                    <a:bodyPr/>
+                    <a:lstStyle/>
+                    <a:p>
+                      <a:pPr marL="0" marR="0" lvl="0" indent="0" algn="ctr" defTabSz="342900" rtl="0" eaLnBrk="1" fontAlgn="auto" latinLnBrk="0" hangingPunct="1">
+                        <a:lnSpc>
+                          <a:spcPct val="100000"/>
+                        </a:lnSpc>
+                        <a:spcBef>
+                          <a:spcPts val="0"/>
+                        </a:spcBef>
+                        <a:spcAft>
+                          <a:spcPts val="0"/>
+                        </a:spcAft>
+                        <a:buClrTx/>
+                        <a:buSzTx/>
+                        <a:buFontTx/>
+                        <a:buNone/>
+                        <a:tabLst/>
+                        <a:defRPr/>
+                      </a:pPr>
+                      <a:r>
+                        <a:rPr kumimoji="0" lang="en-US" sz="1350" b="1" i="0" u="none" strike="noStrike" kern="1200" cap="none" spc="0" normalizeH="0" baseline="0" noProof="0" dirty="0">
+                          <a:ln>
+                            <a:noFill/>
+                          </a:ln>
+                          <a:solidFill>
+                            <a:prstClr val="black"/>
+                          </a:solidFill>
+                          <a:effectLst/>
+                          <a:uLnTx/>
+                          <a:uFillTx/>
+                          <a:latin typeface="Times New Roman" panose="02020603050405020304" pitchFamily="18" charset="0"/>
+                          <a:ea typeface="+mn-ea"/>
+                          <a:cs typeface="Times New Roman" panose="02020603050405020304" pitchFamily="18" charset="0"/>
+                        </a:rPr>
+                        <a:t>Limitations</a:t>
+                      </a:r>
+                    </a:p>
+                    <a:p>
+                      <a:endParaRPr lang="en-IN" dirty="0"/>
+                    </a:p>
+                  </a:txBody>
+                  <a:tcPr/>
+                </a:tc>
+                <a:extLst>
+                  <a:ext uri="{0D108BD9-81ED-4DB2-BD59-A6C34878D82A}">
+                    <a16:rowId xmlns:a16="http://schemas.microsoft.com/office/drawing/2014/main" val="2015306878"/>
+                  </a:ext>
+                </a:extLst>
+              </a:tr>
+              <a:tr h="745451">
+                <a:tc>
+                  <a:txBody>
+                    <a:bodyPr/>
+                    <a:lstStyle/>
+                    <a:p>
+                      <a:pPr marL="0" marR="0" lvl="0" indent="0" algn="ctr" defTabSz="342900" rtl="0" eaLnBrk="1" fontAlgn="auto" latinLnBrk="0" hangingPunct="1">
+                        <a:lnSpc>
+                          <a:spcPct val="100000"/>
+                        </a:lnSpc>
+                        <a:spcBef>
+                          <a:spcPts val="0"/>
+                        </a:spcBef>
+                        <a:spcAft>
+                          <a:spcPts val="0"/>
+                        </a:spcAft>
+                        <a:buClrTx/>
+                        <a:buSzTx/>
+                        <a:buFontTx/>
+                        <a:buNone/>
+                        <a:tabLst/>
+                        <a:defRPr/>
+                      </a:pPr>
+                      <a:endParaRPr kumimoji="0" lang="en-US" sz="1350" b="1" i="0" u="none" strike="noStrike" kern="1200" cap="none" spc="0" normalizeH="0" baseline="0" noProof="0" dirty="0">
+                        <a:ln>
+                          <a:noFill/>
+                        </a:ln>
+                        <a:solidFill>
+                          <a:prstClr val="black"/>
+                        </a:solidFill>
+                        <a:effectLst/>
+                        <a:uLnTx/>
+                        <a:uFillTx/>
+                        <a:latin typeface="Times New Roman" panose="02020603050405020304" pitchFamily="18" charset="0"/>
+                        <a:ea typeface="+mn-ea"/>
+                        <a:cs typeface="Times New Roman" panose="02020603050405020304" pitchFamily="18" charset="0"/>
+                      </a:endParaRPr>
+                    </a:p>
+                    <a:p>
+                      <a:pPr marL="0" marR="0" lvl="0" indent="0" algn="ctr" defTabSz="342900" rtl="0" eaLnBrk="1" fontAlgn="auto" latinLnBrk="0" hangingPunct="1">
+                        <a:lnSpc>
+                          <a:spcPct val="100000"/>
+                        </a:lnSpc>
+                        <a:spcBef>
+                          <a:spcPts val="0"/>
+                        </a:spcBef>
+                        <a:spcAft>
+                          <a:spcPts val="0"/>
+                        </a:spcAft>
+                        <a:buClrTx/>
+                        <a:buSzTx/>
+                        <a:buFontTx/>
+                        <a:buNone/>
+                        <a:tabLst/>
+                        <a:defRPr/>
+                      </a:pPr>
+                      <a:r>
+                        <a:rPr kumimoji="0" lang="en-US" sz="1350" b="1" i="0" u="none" strike="noStrike" kern="1200" cap="none" spc="0" normalizeH="0" baseline="0" noProof="0" dirty="0">
+                          <a:ln>
+                            <a:noFill/>
+                          </a:ln>
+                          <a:solidFill>
+                            <a:prstClr val="black"/>
+                          </a:solidFill>
+                          <a:effectLst/>
+                          <a:uLnTx/>
+                          <a:uFillTx/>
+                          <a:latin typeface="Times New Roman" panose="02020603050405020304" pitchFamily="18" charset="0"/>
+                          <a:ea typeface="+mn-ea"/>
+                          <a:cs typeface="Times New Roman" panose="02020603050405020304" pitchFamily="18" charset="0"/>
+                        </a:rPr>
+                        <a:t>4.</a:t>
+                      </a:r>
+                    </a:p>
+                    <a:p>
+                      <a:endParaRPr lang="en-IN" dirty="0"/>
+                    </a:p>
+                  </a:txBody>
+                  <a:tcPr/>
+                </a:tc>
+                <a:tc>
+                  <a:txBody>
+                    <a:bodyPr/>
+                    <a:lstStyle/>
+                    <a:p>
+                      <a:pPr marL="0" marR="0" lvl="0" indent="0" algn="ctr" defTabSz="342900" rtl="0" eaLnBrk="1" fontAlgn="auto" latinLnBrk="0" hangingPunct="1">
+                        <a:lnSpc>
+                          <a:spcPct val="100000"/>
+                        </a:lnSpc>
+                        <a:spcBef>
+                          <a:spcPts val="0"/>
+                        </a:spcBef>
+                        <a:spcAft>
+                          <a:spcPts val="0"/>
+                        </a:spcAft>
+                        <a:buClrTx/>
+                        <a:buSzTx/>
+                        <a:buFontTx/>
+                        <a:buNone/>
+                        <a:tabLst/>
+                        <a:defRPr/>
+                      </a:pPr>
+                      <a:r>
+                        <a:rPr kumimoji="0" lang="en-US" sz="1350" b="1" i="0" u="none" strike="noStrike" kern="1200" cap="none" spc="0" normalizeH="0" baseline="0" noProof="0" dirty="0">
+                          <a:ln>
+                            <a:noFill/>
+                          </a:ln>
+                          <a:solidFill>
+                            <a:prstClr val="black"/>
+                          </a:solidFill>
+                          <a:effectLst/>
+                          <a:uLnTx/>
+                          <a:uFillTx/>
+                          <a:latin typeface="Times New Roman" panose="02020603050405020304" pitchFamily="18" charset="0"/>
+                          <a:ea typeface="+mn-ea"/>
+                          <a:cs typeface="Times New Roman" panose="02020603050405020304" pitchFamily="18" charset="0"/>
+                        </a:rPr>
+                        <a:t>Prafulla </a:t>
+                      </a:r>
+                      <a:r>
+                        <a:rPr kumimoji="0" lang="en-US" sz="1350" b="1" i="0" u="none" strike="noStrike" kern="1200" cap="none" spc="0" normalizeH="0" baseline="0" noProof="0" dirty="0" err="1">
+                          <a:ln>
+                            <a:noFill/>
+                          </a:ln>
+                          <a:solidFill>
+                            <a:prstClr val="black"/>
+                          </a:solidFill>
+                          <a:effectLst/>
+                          <a:uLnTx/>
+                          <a:uFillTx/>
+                          <a:latin typeface="Times New Roman" panose="02020603050405020304" pitchFamily="18" charset="0"/>
+                          <a:ea typeface="+mn-ea"/>
+                          <a:cs typeface="Times New Roman" panose="02020603050405020304" pitchFamily="18" charset="0"/>
+                        </a:rPr>
+                        <a:t>Dhariwal</a:t>
+                      </a:r>
+                      <a:endParaRPr kumimoji="0" lang="en-US" sz="1350" b="1" i="0" u="none" strike="noStrike" kern="1200" cap="none" spc="0" normalizeH="0" baseline="0" noProof="0" dirty="0">
+                        <a:ln>
+                          <a:noFill/>
+                        </a:ln>
+                        <a:solidFill>
+                          <a:prstClr val="black"/>
+                        </a:solidFill>
+                        <a:effectLst/>
+                        <a:uLnTx/>
+                        <a:uFillTx/>
+                        <a:latin typeface="Times New Roman" panose="02020603050405020304" pitchFamily="18" charset="0"/>
+                        <a:ea typeface="+mn-ea"/>
+                        <a:cs typeface="Times New Roman" panose="02020603050405020304" pitchFamily="18" charset="0"/>
+                      </a:endParaRPr>
+                    </a:p>
+                    <a:p>
+                      <a:endParaRPr lang="en-IN" dirty="0"/>
+                    </a:p>
+                  </a:txBody>
+                  <a:tcPr/>
+                </a:tc>
+                <a:tc>
+                  <a:txBody>
+                    <a:bodyPr/>
+                    <a:lstStyle/>
+                    <a:p>
+                      <a:pPr marL="0" marR="0" lvl="0" indent="0" algn="ctr" defTabSz="342900" rtl="0" eaLnBrk="1" fontAlgn="auto" latinLnBrk="0" hangingPunct="1">
+                        <a:lnSpc>
+                          <a:spcPct val="100000"/>
+                        </a:lnSpc>
+                        <a:spcBef>
+                          <a:spcPts val="0"/>
+                        </a:spcBef>
+                        <a:spcAft>
+                          <a:spcPts val="0"/>
+                        </a:spcAft>
+                        <a:buClrTx/>
+                        <a:buSzTx/>
+                        <a:buFontTx/>
+                        <a:buNone/>
+                        <a:tabLst/>
+                        <a:defRPr/>
+                      </a:pPr>
+                      <a:r>
+                        <a:rPr kumimoji="0" lang="en-US" sz="1350" b="1" i="0" u="none" strike="noStrike" kern="1200" cap="none" spc="0" normalizeH="0" baseline="0" noProof="0" dirty="0">
+                          <a:ln>
+                            <a:noFill/>
+                          </a:ln>
+                          <a:solidFill>
+                            <a:prstClr val="black"/>
+                          </a:solidFill>
+                          <a:effectLst/>
+                          <a:uLnTx/>
+                          <a:uFillTx/>
+                          <a:latin typeface="Times New Roman" panose="02020603050405020304" pitchFamily="18" charset="0"/>
+                          <a:ea typeface="+mn-ea"/>
+                          <a:cs typeface="Times New Roman" panose="02020603050405020304" pitchFamily="18" charset="0"/>
+                        </a:rPr>
+                        <a:t>Hierarchical Text-Conditional</a:t>
+                      </a:r>
+                    </a:p>
+                    <a:p>
+                      <a:pPr marL="0" marR="0" lvl="0" indent="0" algn="ctr" defTabSz="342900" rtl="0" eaLnBrk="1" fontAlgn="auto" latinLnBrk="0" hangingPunct="1">
+                        <a:lnSpc>
+                          <a:spcPct val="100000"/>
+                        </a:lnSpc>
+                        <a:spcBef>
+                          <a:spcPts val="0"/>
+                        </a:spcBef>
+                        <a:spcAft>
+                          <a:spcPts val="0"/>
+                        </a:spcAft>
+                        <a:buClrTx/>
+                        <a:buSzTx/>
+                        <a:buFontTx/>
+                        <a:buNone/>
+                        <a:tabLst/>
+                        <a:defRPr/>
+                      </a:pPr>
+                      <a:r>
+                        <a:rPr kumimoji="0" lang="en-US" sz="1350" b="1" i="0" u="none" strike="noStrike" kern="1200" cap="none" spc="0" normalizeH="0" baseline="0" noProof="0" dirty="0">
+                          <a:ln>
+                            <a:noFill/>
+                          </a:ln>
+                          <a:solidFill>
+                            <a:prstClr val="black"/>
+                          </a:solidFill>
+                          <a:effectLst/>
+                          <a:uLnTx/>
+                          <a:uFillTx/>
+                          <a:latin typeface="Times New Roman" panose="02020603050405020304" pitchFamily="18" charset="0"/>
+                          <a:ea typeface="+mn-ea"/>
+                          <a:cs typeface="Times New Roman" panose="02020603050405020304" pitchFamily="18" charset="0"/>
+                        </a:rPr>
+                        <a:t>Image Generation with CLIP </a:t>
+                      </a:r>
+                      <a:r>
+                        <a:rPr kumimoji="0" lang="en-US" sz="1350" b="1" i="0" u="none" strike="noStrike" kern="1200" cap="none" spc="0" normalizeH="0" baseline="0" noProof="0" dirty="0" err="1">
+                          <a:ln>
+                            <a:noFill/>
+                          </a:ln>
+                          <a:solidFill>
+                            <a:prstClr val="black"/>
+                          </a:solidFill>
+                          <a:effectLst/>
+                          <a:uLnTx/>
+                          <a:uFillTx/>
+                          <a:latin typeface="Times New Roman" panose="02020603050405020304" pitchFamily="18" charset="0"/>
+                          <a:ea typeface="+mn-ea"/>
+                          <a:cs typeface="Times New Roman" panose="02020603050405020304" pitchFamily="18" charset="0"/>
+                        </a:rPr>
+                        <a:t>Latents</a:t>
+                      </a:r>
+                      <a:endParaRPr kumimoji="0" lang="en-US" sz="1350" b="1" i="0" u="none" strike="noStrike" kern="1200" cap="none" spc="0" normalizeH="0" baseline="0" noProof="0" dirty="0">
+                        <a:ln>
+                          <a:noFill/>
+                        </a:ln>
+                        <a:solidFill>
+                          <a:prstClr val="black"/>
+                        </a:solidFill>
+                        <a:effectLst/>
+                        <a:uLnTx/>
+                        <a:uFillTx/>
+                        <a:latin typeface="Times New Roman" panose="02020603050405020304" pitchFamily="18" charset="0"/>
+                        <a:ea typeface="+mn-ea"/>
+                        <a:cs typeface="Times New Roman" panose="02020603050405020304" pitchFamily="18" charset="0"/>
+                      </a:endParaRPr>
+                    </a:p>
+                    <a:p>
+                      <a:endParaRPr lang="en-IN" dirty="0"/>
+                    </a:p>
+                  </a:txBody>
+                  <a:tcPr/>
+                </a:tc>
+                <a:tc>
+                  <a:txBody>
+                    <a:bodyPr/>
+                    <a:lstStyle/>
+                    <a:p>
+                      <a:pPr marL="0" marR="0" lvl="0" indent="0" algn="ctr" defTabSz="342900" rtl="0" eaLnBrk="1" fontAlgn="auto" latinLnBrk="0" hangingPunct="1">
+                        <a:lnSpc>
+                          <a:spcPct val="100000"/>
+                        </a:lnSpc>
+                        <a:spcBef>
+                          <a:spcPts val="0"/>
+                        </a:spcBef>
+                        <a:spcAft>
+                          <a:spcPts val="0"/>
+                        </a:spcAft>
+                        <a:buClrTx/>
+                        <a:buSzTx/>
+                        <a:buFontTx/>
+                        <a:buNone/>
+                        <a:tabLst/>
+                        <a:defRPr/>
+                      </a:pPr>
+                      <a:endParaRPr kumimoji="0" lang="en-US" sz="1350" b="1" i="0" u="none" strike="noStrike" kern="1200" cap="none" spc="0" normalizeH="0" baseline="0" noProof="0" dirty="0">
+                        <a:ln>
+                          <a:noFill/>
+                        </a:ln>
+                        <a:solidFill>
+                          <a:prstClr val="black"/>
+                        </a:solidFill>
+                        <a:effectLst/>
+                        <a:uLnTx/>
+                        <a:uFillTx/>
+                        <a:latin typeface="Times New Roman" panose="02020603050405020304" pitchFamily="18" charset="0"/>
+                        <a:ea typeface="+mn-ea"/>
+                        <a:cs typeface="Times New Roman" panose="02020603050405020304" pitchFamily="18" charset="0"/>
+                      </a:endParaRPr>
+                    </a:p>
+                    <a:p>
+                      <a:pPr marL="0" marR="0" lvl="0" indent="0" algn="ctr" defTabSz="342900" rtl="0" eaLnBrk="1" fontAlgn="auto" latinLnBrk="0" hangingPunct="1">
+                        <a:lnSpc>
+                          <a:spcPct val="100000"/>
+                        </a:lnSpc>
+                        <a:spcBef>
+                          <a:spcPts val="0"/>
+                        </a:spcBef>
+                        <a:spcAft>
+                          <a:spcPts val="0"/>
+                        </a:spcAft>
+                        <a:buClrTx/>
+                        <a:buSzTx/>
+                        <a:buFontTx/>
+                        <a:buNone/>
+                        <a:tabLst/>
+                        <a:defRPr/>
+                      </a:pPr>
+                      <a:r>
+                        <a:rPr kumimoji="0" lang="en-US" sz="1350" b="1" i="0" u="none" strike="noStrike" kern="1200" cap="none" spc="0" normalizeH="0" baseline="0" noProof="0" dirty="0">
+                          <a:ln>
+                            <a:noFill/>
+                          </a:ln>
+                          <a:solidFill>
+                            <a:prstClr val="black"/>
+                          </a:solidFill>
+                          <a:effectLst/>
+                          <a:uLnTx/>
+                          <a:uFillTx/>
+                          <a:latin typeface="Times New Roman" panose="02020603050405020304" pitchFamily="18" charset="0"/>
+                          <a:ea typeface="+mn-ea"/>
+                          <a:cs typeface="Times New Roman" panose="02020603050405020304" pitchFamily="18" charset="0"/>
+                        </a:rPr>
+                        <a:t>2021</a:t>
+                      </a:r>
+                    </a:p>
+                    <a:p>
+                      <a:endParaRPr lang="en-IN" dirty="0"/>
+                    </a:p>
+                  </a:txBody>
+                  <a:tcPr/>
+                </a:tc>
+                <a:tc>
+                  <a:txBody>
+                    <a:bodyPr/>
+                    <a:lstStyle/>
+                    <a:p>
+                      <a:pPr marL="0" marR="0" lvl="0" indent="0" algn="ctr" defTabSz="342900" rtl="0" eaLnBrk="1" fontAlgn="auto" latinLnBrk="0" hangingPunct="1">
+                        <a:lnSpc>
+                          <a:spcPct val="100000"/>
+                        </a:lnSpc>
+                        <a:spcBef>
+                          <a:spcPts val="0"/>
+                        </a:spcBef>
+                        <a:spcAft>
+                          <a:spcPts val="0"/>
+                        </a:spcAft>
+                        <a:buClrTx/>
+                        <a:buSzTx/>
+                        <a:buFontTx/>
+                        <a:buNone/>
+                        <a:tabLst/>
+                        <a:defRPr/>
+                      </a:pPr>
+                      <a:r>
+                        <a:rPr kumimoji="0" lang="en-US" sz="1350" b="1" i="0" u="none" strike="noStrike" kern="1200" cap="none" spc="0" normalizeH="0" baseline="0" noProof="0" dirty="0">
+                          <a:ln>
+                            <a:noFill/>
+                          </a:ln>
+                          <a:solidFill>
+                            <a:prstClr val="black"/>
+                          </a:solidFill>
+                          <a:effectLst/>
+                          <a:uLnTx/>
+                          <a:uFillTx/>
+                          <a:latin typeface="Times New Roman" panose="02020603050405020304" pitchFamily="18" charset="0"/>
+                          <a:ea typeface="+mn-ea"/>
+                          <a:cs typeface="Times New Roman" panose="02020603050405020304" pitchFamily="18" charset="0"/>
+                        </a:rPr>
+                        <a:t>Aligns text and images hierarchically using CLIP.</a:t>
+                      </a:r>
+                    </a:p>
+                    <a:p>
+                      <a:endParaRPr lang="en-IN" dirty="0"/>
+                    </a:p>
+                  </a:txBody>
+                  <a:tcPr/>
+                </a:tc>
+                <a:tc>
+                  <a:txBody>
+                    <a:bodyPr/>
+                    <a:lstStyle/>
+                    <a:p>
+                      <a:pPr marL="0" marR="0" lvl="0" indent="0" algn="ctr" defTabSz="342900" rtl="0" eaLnBrk="1" fontAlgn="auto" latinLnBrk="0" hangingPunct="1">
+                        <a:lnSpc>
+                          <a:spcPct val="100000"/>
+                        </a:lnSpc>
+                        <a:spcBef>
+                          <a:spcPts val="0"/>
+                        </a:spcBef>
+                        <a:spcAft>
+                          <a:spcPts val="0"/>
+                        </a:spcAft>
+                        <a:buClrTx/>
+                        <a:buSzTx/>
+                        <a:buFontTx/>
+                        <a:buNone/>
+                        <a:tabLst/>
+                        <a:defRPr/>
+                      </a:pPr>
+                      <a:r>
+                        <a:rPr kumimoji="0" lang="en-US" sz="1350" b="1" i="0" u="none" strike="noStrike" kern="1200" cap="none" spc="0" normalizeH="0" baseline="0" noProof="0" dirty="0">
+                          <a:ln>
+                            <a:noFill/>
+                          </a:ln>
+                          <a:solidFill>
+                            <a:prstClr val="black"/>
+                          </a:solidFill>
+                          <a:effectLst/>
+                          <a:uLnTx/>
+                          <a:uFillTx/>
+                          <a:latin typeface="Times New Roman" panose="02020603050405020304" pitchFamily="18" charset="0"/>
+                          <a:ea typeface="+mn-ea"/>
+                          <a:cs typeface="Times New Roman" panose="02020603050405020304" pitchFamily="18" charset="0"/>
+                        </a:rPr>
+                        <a:t>Struggles with diverse inputs; use case limitations.</a:t>
+                      </a:r>
+                    </a:p>
+                    <a:p>
+                      <a:endParaRPr lang="en-IN" dirty="0"/>
+                    </a:p>
+                  </a:txBody>
+                  <a:tcPr/>
+                </a:tc>
+                <a:extLst>
+                  <a:ext uri="{0D108BD9-81ED-4DB2-BD59-A6C34878D82A}">
+                    <a16:rowId xmlns:a16="http://schemas.microsoft.com/office/drawing/2014/main" val="417664965"/>
+                  </a:ext>
+                </a:extLst>
+              </a:tr>
+              <a:tr h="934472">
+                <a:tc>
+                  <a:txBody>
+                    <a:bodyPr/>
+                    <a:lstStyle/>
+                    <a:p>
+                      <a:pPr marL="0" marR="0" lvl="0" indent="0" algn="ctr" defTabSz="342900" rtl="0" eaLnBrk="1" fontAlgn="auto" latinLnBrk="0" hangingPunct="1">
+                        <a:lnSpc>
+                          <a:spcPct val="100000"/>
+                        </a:lnSpc>
+                        <a:spcBef>
+                          <a:spcPts val="0"/>
+                        </a:spcBef>
+                        <a:spcAft>
+                          <a:spcPts val="0"/>
+                        </a:spcAft>
+                        <a:buClrTx/>
+                        <a:buSzTx/>
+                        <a:buFontTx/>
+                        <a:buNone/>
+                        <a:tabLst/>
+                        <a:defRPr/>
+                      </a:pPr>
+                      <a:endParaRPr kumimoji="0" lang="en-US" sz="1350" b="1" i="0" u="none" strike="noStrike" kern="1200" cap="none" spc="0" normalizeH="0" baseline="0" noProof="0" dirty="0">
+                        <a:ln>
+                          <a:noFill/>
+                        </a:ln>
+                        <a:solidFill>
+                          <a:prstClr val="black"/>
+                        </a:solidFill>
+                        <a:effectLst/>
+                        <a:uLnTx/>
+                        <a:uFillTx/>
+                        <a:latin typeface="Times New Roman" panose="02020603050405020304" pitchFamily="18" charset="0"/>
+                        <a:ea typeface="+mn-ea"/>
+                        <a:cs typeface="Times New Roman" panose="02020603050405020304" pitchFamily="18" charset="0"/>
+                      </a:endParaRPr>
+                    </a:p>
+                    <a:p>
+                      <a:pPr marL="0" marR="0" lvl="0" indent="0" algn="ctr" defTabSz="342900" rtl="0" eaLnBrk="1" fontAlgn="auto" latinLnBrk="0" hangingPunct="1">
+                        <a:lnSpc>
+                          <a:spcPct val="100000"/>
+                        </a:lnSpc>
+                        <a:spcBef>
+                          <a:spcPts val="0"/>
+                        </a:spcBef>
+                        <a:spcAft>
+                          <a:spcPts val="0"/>
+                        </a:spcAft>
+                        <a:buClrTx/>
+                        <a:buSzTx/>
+                        <a:buFontTx/>
+                        <a:buNone/>
+                        <a:tabLst/>
+                        <a:defRPr/>
+                      </a:pPr>
+                      <a:r>
+                        <a:rPr kumimoji="0" lang="en-US" sz="1350" b="1" i="0" u="none" strike="noStrike" kern="1200" cap="none" spc="0" normalizeH="0" baseline="0" noProof="0" dirty="0">
+                          <a:ln>
+                            <a:noFill/>
+                          </a:ln>
+                          <a:solidFill>
+                            <a:prstClr val="black"/>
+                          </a:solidFill>
+                          <a:effectLst/>
+                          <a:uLnTx/>
+                          <a:uFillTx/>
+                          <a:latin typeface="Times New Roman" panose="02020603050405020304" pitchFamily="18" charset="0"/>
+                          <a:ea typeface="+mn-ea"/>
+                          <a:cs typeface="Times New Roman" panose="02020603050405020304" pitchFamily="18" charset="0"/>
+                        </a:rPr>
+                        <a:t>5.</a:t>
+                      </a:r>
+                    </a:p>
+                    <a:p>
+                      <a:endParaRPr lang="en-IN" dirty="0"/>
+                    </a:p>
+                  </a:txBody>
+                  <a:tcPr/>
+                </a:tc>
+                <a:tc>
+                  <a:txBody>
+                    <a:bodyPr/>
+                    <a:lstStyle/>
+                    <a:p>
+                      <a:pPr marL="0" marR="0" lvl="0" indent="0" algn="ctr" defTabSz="342900" rtl="0" eaLnBrk="1" fontAlgn="auto" latinLnBrk="0" hangingPunct="1">
+                        <a:lnSpc>
+                          <a:spcPct val="100000"/>
+                        </a:lnSpc>
+                        <a:spcBef>
+                          <a:spcPts val="0"/>
+                        </a:spcBef>
+                        <a:spcAft>
+                          <a:spcPts val="0"/>
+                        </a:spcAft>
+                        <a:buClrTx/>
+                        <a:buSzTx/>
+                        <a:buFontTx/>
+                        <a:buNone/>
+                        <a:tabLst/>
+                        <a:defRPr/>
+                      </a:pPr>
+                      <a:endParaRPr kumimoji="0" lang="en-US" sz="1350" b="1" i="0" u="none" strike="noStrike" kern="1200" cap="none" spc="0" normalizeH="0" baseline="0" noProof="0" dirty="0">
+                        <a:ln>
+                          <a:noFill/>
+                        </a:ln>
+                        <a:solidFill>
+                          <a:prstClr val="black"/>
+                        </a:solidFill>
+                        <a:effectLst/>
+                        <a:uLnTx/>
+                        <a:uFillTx/>
+                        <a:latin typeface="Times New Roman" panose="02020603050405020304" pitchFamily="18" charset="0"/>
+                        <a:ea typeface="+mn-ea"/>
+                        <a:cs typeface="Times New Roman" panose="02020603050405020304" pitchFamily="18" charset="0"/>
+                      </a:endParaRPr>
+                    </a:p>
+                    <a:p>
+                      <a:pPr marL="0" marR="0" lvl="0" indent="0" algn="ctr" defTabSz="342900" rtl="0" eaLnBrk="1" fontAlgn="auto" latinLnBrk="0" hangingPunct="1">
+                        <a:lnSpc>
+                          <a:spcPct val="100000"/>
+                        </a:lnSpc>
+                        <a:spcBef>
+                          <a:spcPts val="0"/>
+                        </a:spcBef>
+                        <a:spcAft>
+                          <a:spcPts val="0"/>
+                        </a:spcAft>
+                        <a:buClrTx/>
+                        <a:buSzTx/>
+                        <a:buFontTx/>
+                        <a:buNone/>
+                        <a:tabLst/>
+                        <a:defRPr/>
+                      </a:pPr>
+                      <a:r>
+                        <a:rPr kumimoji="0" lang="en-US" sz="1350" b="1" i="0" u="none" strike="noStrike" kern="1200" cap="none" spc="0" normalizeH="0" baseline="0" noProof="0" dirty="0">
+                          <a:ln>
+                            <a:noFill/>
+                          </a:ln>
+                          <a:solidFill>
+                            <a:prstClr val="black"/>
+                          </a:solidFill>
+                          <a:effectLst/>
+                          <a:uLnTx/>
+                          <a:uFillTx/>
+                          <a:latin typeface="Times New Roman" panose="02020603050405020304" pitchFamily="18" charset="0"/>
+                          <a:ea typeface="+mn-ea"/>
+                          <a:cs typeface="Times New Roman" panose="02020603050405020304" pitchFamily="18" charset="0"/>
+                        </a:rPr>
+                        <a:t>Stefan Heinrich</a:t>
+                      </a:r>
+                    </a:p>
+                    <a:p>
+                      <a:endParaRPr lang="en-IN" dirty="0"/>
+                    </a:p>
+                  </a:txBody>
+                  <a:tcPr/>
+                </a:tc>
+                <a:tc>
+                  <a:txBody>
+                    <a:bodyPr/>
+                    <a:lstStyle/>
+                    <a:p>
+                      <a:pPr marL="0" marR="0" lvl="0" indent="0" algn="ctr" defTabSz="342900" rtl="0" eaLnBrk="1" fontAlgn="auto" latinLnBrk="0" hangingPunct="1">
+                        <a:lnSpc>
+                          <a:spcPct val="100000"/>
+                        </a:lnSpc>
+                        <a:spcBef>
+                          <a:spcPts val="0"/>
+                        </a:spcBef>
+                        <a:spcAft>
+                          <a:spcPts val="0"/>
+                        </a:spcAft>
+                        <a:buClrTx/>
+                        <a:buSzTx/>
+                        <a:buFontTx/>
+                        <a:buNone/>
+                        <a:tabLst/>
+                        <a:defRPr/>
+                      </a:pPr>
+                      <a:r>
+                        <a:rPr kumimoji="0" lang="en-US" sz="1350" b="1" i="0" u="none" strike="noStrike" kern="1200" cap="none" spc="0" normalizeH="0" baseline="0" noProof="0" dirty="0">
+                          <a:ln>
+                            <a:noFill/>
+                          </a:ln>
+                          <a:solidFill>
+                            <a:prstClr val="black"/>
+                          </a:solidFill>
+                          <a:effectLst/>
+                          <a:uLnTx/>
+                          <a:uFillTx/>
+                          <a:latin typeface="Times New Roman" panose="02020603050405020304" pitchFamily="18" charset="0"/>
+                          <a:ea typeface="+mn-ea"/>
+                          <a:cs typeface="Times New Roman" panose="02020603050405020304" pitchFamily="18" charset="0"/>
+                        </a:rPr>
+                        <a:t>Semantic Object Accuracy for Generative</a:t>
+                      </a:r>
+                    </a:p>
+                    <a:p>
+                      <a:pPr marL="0" marR="0" lvl="0" indent="0" algn="ctr" defTabSz="342900" rtl="0" eaLnBrk="1" fontAlgn="auto" latinLnBrk="0" hangingPunct="1">
+                        <a:lnSpc>
+                          <a:spcPct val="100000"/>
+                        </a:lnSpc>
+                        <a:spcBef>
+                          <a:spcPts val="0"/>
+                        </a:spcBef>
+                        <a:spcAft>
+                          <a:spcPts val="0"/>
+                        </a:spcAft>
+                        <a:buClrTx/>
+                        <a:buSzTx/>
+                        <a:buFontTx/>
+                        <a:buNone/>
+                        <a:tabLst/>
+                        <a:defRPr/>
+                      </a:pPr>
+                      <a:r>
+                        <a:rPr kumimoji="0" lang="en-US" sz="1350" b="1" i="0" u="none" strike="noStrike" kern="1200" cap="none" spc="0" normalizeH="0" baseline="0" noProof="0" dirty="0">
+                          <a:ln>
+                            <a:noFill/>
+                          </a:ln>
+                          <a:solidFill>
+                            <a:prstClr val="black"/>
+                          </a:solidFill>
+                          <a:effectLst/>
+                          <a:uLnTx/>
+                          <a:uFillTx/>
+                          <a:latin typeface="Times New Roman" panose="02020603050405020304" pitchFamily="18" charset="0"/>
+                          <a:ea typeface="+mn-ea"/>
+                          <a:cs typeface="Times New Roman" panose="02020603050405020304" pitchFamily="18" charset="0"/>
+                        </a:rPr>
+                        <a:t>Text-to-Image Synthesis</a:t>
+                      </a:r>
+                    </a:p>
+                    <a:p>
+                      <a:endParaRPr lang="en-IN" dirty="0"/>
+                    </a:p>
+                  </a:txBody>
+                  <a:tcPr/>
+                </a:tc>
+                <a:tc>
+                  <a:txBody>
+                    <a:bodyPr/>
+                    <a:lstStyle/>
+                    <a:p>
+                      <a:pPr marL="0" marR="0" lvl="0" indent="0" algn="ctr" defTabSz="342900" rtl="0" eaLnBrk="1" fontAlgn="auto" latinLnBrk="0" hangingPunct="1">
+                        <a:lnSpc>
+                          <a:spcPct val="100000"/>
+                        </a:lnSpc>
+                        <a:spcBef>
+                          <a:spcPts val="0"/>
+                        </a:spcBef>
+                        <a:spcAft>
+                          <a:spcPts val="0"/>
+                        </a:spcAft>
+                        <a:buClrTx/>
+                        <a:buSzTx/>
+                        <a:buFontTx/>
+                        <a:buNone/>
+                        <a:tabLst/>
+                        <a:defRPr/>
+                      </a:pPr>
+                      <a:endParaRPr kumimoji="0" lang="en-US" sz="1350" b="1" i="0" u="none" strike="noStrike" kern="1200" cap="none" spc="0" normalizeH="0" baseline="0" noProof="0" dirty="0">
+                        <a:ln>
+                          <a:noFill/>
+                        </a:ln>
+                        <a:solidFill>
+                          <a:prstClr val="black"/>
+                        </a:solidFill>
+                        <a:effectLst/>
+                        <a:uLnTx/>
+                        <a:uFillTx/>
+                        <a:latin typeface="Times New Roman" panose="02020603050405020304" pitchFamily="18" charset="0"/>
+                        <a:ea typeface="+mn-ea"/>
+                        <a:cs typeface="Times New Roman" panose="02020603050405020304" pitchFamily="18" charset="0"/>
+                      </a:endParaRPr>
+                    </a:p>
+                    <a:p>
+                      <a:pPr marL="0" marR="0" lvl="0" indent="0" algn="ctr" defTabSz="342900" rtl="0" eaLnBrk="1" fontAlgn="auto" latinLnBrk="0" hangingPunct="1">
+                        <a:lnSpc>
+                          <a:spcPct val="100000"/>
+                        </a:lnSpc>
+                        <a:spcBef>
+                          <a:spcPts val="0"/>
+                        </a:spcBef>
+                        <a:spcAft>
+                          <a:spcPts val="0"/>
+                        </a:spcAft>
+                        <a:buClrTx/>
+                        <a:buSzTx/>
+                        <a:buFontTx/>
+                        <a:buNone/>
+                        <a:tabLst/>
+                        <a:defRPr/>
+                      </a:pPr>
+                      <a:r>
+                        <a:rPr kumimoji="0" lang="en-US" sz="1350" b="1" i="0" u="none" strike="noStrike" kern="1200" cap="none" spc="0" normalizeH="0" baseline="0" noProof="0" dirty="0">
+                          <a:ln>
+                            <a:noFill/>
+                          </a:ln>
+                          <a:solidFill>
+                            <a:prstClr val="black"/>
+                          </a:solidFill>
+                          <a:effectLst/>
+                          <a:uLnTx/>
+                          <a:uFillTx/>
+                          <a:latin typeface="Times New Roman" panose="02020603050405020304" pitchFamily="18" charset="0"/>
+                          <a:ea typeface="+mn-ea"/>
+                          <a:cs typeface="Times New Roman" panose="02020603050405020304" pitchFamily="18" charset="0"/>
+                        </a:rPr>
+                        <a:t>2020</a:t>
+                      </a:r>
+                    </a:p>
+                    <a:p>
+                      <a:endParaRPr lang="en-IN" dirty="0"/>
+                    </a:p>
+                  </a:txBody>
+                  <a:tcPr/>
+                </a:tc>
+                <a:tc>
+                  <a:txBody>
+                    <a:bodyPr/>
+                    <a:lstStyle/>
+                    <a:p>
+                      <a:pPr marL="0" marR="0" lvl="0" indent="0" algn="ctr" defTabSz="342900" rtl="0" eaLnBrk="1" fontAlgn="auto" latinLnBrk="0" hangingPunct="1">
+                        <a:lnSpc>
+                          <a:spcPct val="100000"/>
+                        </a:lnSpc>
+                        <a:spcBef>
+                          <a:spcPts val="0"/>
+                        </a:spcBef>
+                        <a:spcAft>
+                          <a:spcPts val="0"/>
+                        </a:spcAft>
+                        <a:buClrTx/>
+                        <a:buSzTx/>
+                        <a:buFontTx/>
+                        <a:buNone/>
+                        <a:tabLst/>
+                        <a:defRPr/>
+                      </a:pPr>
+                      <a:r>
+                        <a:rPr kumimoji="0" lang="en-US" sz="1350" b="1" i="0" u="none" strike="noStrike" kern="1200" cap="none" spc="0" normalizeH="0" baseline="0" noProof="0" dirty="0">
+                          <a:ln>
+                            <a:noFill/>
+                          </a:ln>
+                          <a:solidFill>
+                            <a:prstClr val="black"/>
+                          </a:solidFill>
+                          <a:effectLst/>
+                          <a:uLnTx/>
+                          <a:uFillTx/>
+                          <a:latin typeface="Times New Roman" panose="02020603050405020304" pitchFamily="18" charset="0"/>
+                          <a:ea typeface="+mn-ea"/>
+                          <a:cs typeface="Times New Roman" panose="02020603050405020304" pitchFamily="18" charset="0"/>
+                        </a:rPr>
+                        <a:t>Focuses on semantic accuracy in image generation.</a:t>
+                      </a:r>
+                    </a:p>
+                    <a:p>
+                      <a:endParaRPr lang="en-IN" dirty="0"/>
+                    </a:p>
+                  </a:txBody>
+                  <a:tcPr/>
+                </a:tc>
+                <a:tc>
+                  <a:txBody>
+                    <a:bodyPr/>
+                    <a:lstStyle/>
+                    <a:p>
+                      <a:pPr marL="0" marR="0" lvl="0" indent="0" algn="ctr" defTabSz="342900" rtl="0" eaLnBrk="1" fontAlgn="auto" latinLnBrk="0" hangingPunct="1">
+                        <a:lnSpc>
+                          <a:spcPct val="100000"/>
+                        </a:lnSpc>
+                        <a:spcBef>
+                          <a:spcPts val="0"/>
+                        </a:spcBef>
+                        <a:spcAft>
+                          <a:spcPts val="0"/>
+                        </a:spcAft>
+                        <a:buClrTx/>
+                        <a:buSzTx/>
+                        <a:buFontTx/>
+                        <a:buNone/>
+                        <a:tabLst/>
+                        <a:defRPr/>
+                      </a:pPr>
+                      <a:r>
+                        <a:rPr kumimoji="0" lang="en-US" sz="1350" b="1" i="0" u="none" strike="noStrike" kern="1200" cap="none" spc="0" normalizeH="0" baseline="0" noProof="0" dirty="0">
+                          <a:ln>
+                            <a:noFill/>
+                          </a:ln>
+                          <a:solidFill>
+                            <a:prstClr val="black"/>
+                          </a:solidFill>
+                          <a:effectLst/>
+                          <a:uLnTx/>
+                          <a:uFillTx/>
+                          <a:latin typeface="Times New Roman" panose="02020603050405020304" pitchFamily="18" charset="0"/>
+                          <a:ea typeface="+mn-ea"/>
+                          <a:cs typeface="Times New Roman" panose="02020603050405020304" pitchFamily="18" charset="0"/>
+                        </a:rPr>
+                        <a:t>Overlooks other quality aspects; subjective metrics.</a:t>
+                      </a:r>
+                    </a:p>
+                    <a:p>
+                      <a:endParaRPr lang="en-IN" dirty="0"/>
+                    </a:p>
+                  </a:txBody>
+                  <a:tcPr/>
+                </a:tc>
+                <a:extLst>
+                  <a:ext uri="{0D108BD9-81ED-4DB2-BD59-A6C34878D82A}">
+                    <a16:rowId xmlns:a16="http://schemas.microsoft.com/office/drawing/2014/main" val="477711464"/>
+                  </a:ext>
+                </a:extLst>
+              </a:tr>
+            </a:tbl>
+          </a:graphicData>
+        </a:graphic>
+      </p:graphicFrame>
     </p:spTree>
+    <p:extLst>
+      <p:ext uri="{BB962C8B-B14F-4D97-AF65-F5344CB8AC3E}">
+        <p14:creationId xmlns:p14="http://schemas.microsoft.com/office/powerpoint/2010/main" val="1840461981"/>
+      </p:ext>
+    </p:extLst>
   </p:cSld>
   <p:clrMapOvr>
     <a:masterClrMapping/>
@@ -17210,8 +15103,8 @@
         </p:nvSpPr>
         <p:spPr>
           <a:xfrm>
-            <a:off x="311700" y="1152474"/>
-            <a:ext cx="8520600" cy="3456101"/>
+            <a:off x="195072" y="1017726"/>
+            <a:ext cx="8637228" cy="3932226"/>
           </a:xfrm>
           <a:prstGeom prst="rect">
             <a:avLst/>
@@ -17219,19 +15112,32 @@
         </p:spPr>
         <p:txBody>
           <a:bodyPr spcFirstLastPara="1" wrap="square" lIns="91425" tIns="91425" rIns="91425" bIns="91425" anchor="t" anchorCtr="0">
-            <a:normAutofit/>
+            <a:normAutofit lnSpcReduction="10000"/>
           </a:bodyPr>
           <a:lstStyle/>
           <a:p>
-            <a:pPr marL="114300" indent="0">
-              <a:buNone/>
+            <a:pPr>
+              <a:buFont typeface="Wingdings" panose="05000000000000000000" pitchFamily="2" charset="2"/>
+              <a:buChar char="q"/>
             </a:pPr>
             <a:r>
               <a:rPr lang="en-US" b="1" dirty="0">
                 <a:latin typeface="Times New Roman" panose="02020603050405020304" pitchFamily="18" charset="0"/>
                 <a:cs typeface="Times New Roman" panose="02020603050405020304" pitchFamily="18" charset="0"/>
               </a:rPr>
-              <a:t>Data Analysis Techniques</a:t>
+              <a:t>Literature Review</a:t>
+            </a:r>
+          </a:p>
+          <a:p>
+            <a:pPr marL="114300" indent="0">
+              <a:buNone/>
+            </a:pPr>
+            <a:r>
+              <a:rPr lang="en-US" b="1" dirty="0">
+                <a:latin typeface="Times New Roman" panose="02020603050405020304" pitchFamily="18" charset="0"/>
+                <a:cs typeface="Times New Roman" panose="02020603050405020304" pitchFamily="18" charset="0"/>
+              </a:rPr>
+              <a:t>AI Technologies and Applications</a:t>
             </a:r>
             <a:r>
               <a:rPr lang="en-US" dirty="0">
@@ -17242,7 +15148,7 @@
             </a:r>
           </a:p>
           <a:p>
-            <a:pPr marL="114300" indent="0">
+            <a:pPr marL="457200" lvl="1" indent="0">
               <a:buNone/>
             </a:pPr>
             <a:r>
@@ -17250,11 +15156,49 @@
                 <a:latin typeface="Times New Roman" panose="02020603050405020304" pitchFamily="18" charset="0"/>
                 <a:cs typeface="Times New Roman" panose="02020603050405020304" pitchFamily="18" charset="0"/>
               </a:rPr>
-              <a:t>      Employed thematic analysis and qualitative coding to synthesize findings​</a:t>
-            </a:r>
-          </a:p>
-          <a:p>
-            <a:pPr marL="114300" indent="0">
+              <a:t>Text-to-image models, especially diffusion models, significantly enhance image quality and relevance​(</a:t>
+            </a:r>
+            <a:r>
+              <a:rPr lang="en-US" dirty="0">
+                <a:latin typeface="Times New Roman" panose="02020603050405020304" pitchFamily="18" charset="0"/>
+                <a:cs typeface="Times New Roman" panose="02020603050405020304" pitchFamily="18" charset="0"/>
+                <a:hlinkClick r:id="rId3"/>
+              </a:rPr>
+              <a:t>ar5iv</a:t>
+            </a:r>
+            <a:r>
+              <a:rPr lang="en-US" dirty="0">
+                <a:latin typeface="Times New Roman" panose="02020603050405020304" pitchFamily="18" charset="0"/>
+                <a:cs typeface="Times New Roman" panose="02020603050405020304" pitchFamily="18" charset="0"/>
+              </a:rPr>
+              <a:t>)​(</a:t>
+            </a:r>
+            <a:r>
+              <a:rPr lang="en-US" dirty="0" err="1">
+                <a:latin typeface="Times New Roman" panose="02020603050405020304" pitchFamily="18" charset="0"/>
+                <a:cs typeface="Times New Roman" panose="02020603050405020304" pitchFamily="18" charset="0"/>
+                <a:hlinkClick r:id="rId4"/>
+              </a:rPr>
+              <a:t>NeurIPS</a:t>
+            </a:r>
+            <a:r>
+              <a:rPr lang="en-US" dirty="0">
+                <a:latin typeface="Times New Roman" panose="02020603050405020304" pitchFamily="18" charset="0"/>
+                <a:cs typeface="Times New Roman" panose="02020603050405020304" pitchFamily="18" charset="0"/>
+                <a:hlinkClick r:id="rId4"/>
+              </a:rPr>
+              <a:t> Proceedings</a:t>
+            </a:r>
+            <a:r>
+              <a:rPr lang="en-US" dirty="0">
+                <a:latin typeface="Times New Roman" panose="02020603050405020304" pitchFamily="18" charset="0"/>
+                <a:cs typeface="Times New Roman" panose="02020603050405020304" pitchFamily="18" charset="0"/>
+              </a:rPr>
+              <a:t>).</a:t>
+            </a:r>
+          </a:p>
+          <a:p>
+            <a:pPr marL="457200" lvl="1" indent="0">
               <a:buNone/>
             </a:pPr>
             <a:endParaRPr lang="en-US" dirty="0">
@@ -17282,7 +15226,7 @@
             </a:r>
           </a:p>
           <a:p>
-            <a:pPr marL="114300" indent="0">
+            <a:pPr marL="457200" lvl="1" indent="0">
               <a:buNone/>
             </a:pPr>
             <a:r>
@@ -17290,14 +15234,270 @@
                 <a:latin typeface="Times New Roman" panose="02020603050405020304" pitchFamily="18" charset="0"/>
                 <a:cs typeface="Times New Roman" panose="02020603050405020304" pitchFamily="18" charset="0"/>
               </a:rPr>
-              <a:t>     Followed ethical guidelines for transparency and bias mitigation</a:t>
-            </a:r>
+              <a:t>Ethical concerns include copyright, bias, and potential misuse, highlighting the need for guidelines​(</a:t>
+            </a:r>
+            <a:r>
+              <a:rPr lang="en-US" dirty="0">
+                <a:latin typeface="Times New Roman" panose="02020603050405020304" pitchFamily="18" charset="0"/>
+                <a:cs typeface="Times New Roman" panose="02020603050405020304" pitchFamily="18" charset="0"/>
+                <a:hlinkClick r:id="rId5"/>
+              </a:rPr>
+              <a:t>Hugging Face</a:t>
+            </a:r>
+            <a:r>
+              <a:rPr lang="en-US" dirty="0">
+                <a:latin typeface="Times New Roman" panose="02020603050405020304" pitchFamily="18" charset="0"/>
+                <a:cs typeface="Times New Roman" panose="02020603050405020304" pitchFamily="18" charset="0"/>
+              </a:rPr>
+              <a:t>).</a:t>
+            </a:r>
+          </a:p>
+          <a:p>
+            <a:pPr marL="457200" lvl="1" indent="0">
+              <a:buNone/>
+            </a:pPr>
+            <a:endParaRPr lang="en-US" dirty="0">
+              <a:latin typeface="Times New Roman" panose="02020603050405020304" pitchFamily="18" charset="0"/>
+              <a:cs typeface="Times New Roman" panose="02020603050405020304" pitchFamily="18" charset="0"/>
+            </a:endParaRPr>
           </a:p>
           <a:p>
             <a:pPr marL="114300" indent="0">
               <a:buNone/>
             </a:pPr>
-            <a:endParaRPr lang="en-US" b="1" dirty="0">
+            <a:r>
+              <a:rPr lang="en-US" b="1" dirty="0">
+                <a:latin typeface="Times New Roman" panose="02020603050405020304" pitchFamily="18" charset="0"/>
+                <a:cs typeface="Times New Roman" panose="02020603050405020304" pitchFamily="18" charset="0"/>
+              </a:rPr>
+              <a:t>Social and Economic Impacts</a:t>
+            </a:r>
+            <a:r>
+              <a:rPr lang="en-US" dirty="0">
+                <a:latin typeface="Times New Roman" panose="02020603050405020304" pitchFamily="18" charset="0"/>
+                <a:cs typeface="Times New Roman" panose="02020603050405020304" pitchFamily="18" charset="0"/>
+              </a:rPr>
+              <a:t>:</a:t>
+            </a:r>
+          </a:p>
+          <a:p>
+            <a:pPr marL="457200" lvl="1" indent="0">
+              <a:buNone/>
+            </a:pPr>
+            <a:r>
+              <a:rPr lang="en-US" dirty="0">
+                <a:latin typeface="Times New Roman" panose="02020603050405020304" pitchFamily="18" charset="0"/>
+                <a:cs typeface="Times New Roman" panose="02020603050405020304" pitchFamily="18" charset="0"/>
+              </a:rPr>
+              <a:t>These models democratize content creation but may disrupt traditional artistic jobs​(</a:t>
+            </a:r>
+            <a:r>
+              <a:rPr lang="en-US" dirty="0">
+                <a:latin typeface="Times New Roman" panose="02020603050405020304" pitchFamily="18" charset="0"/>
+                <a:cs typeface="Times New Roman" panose="02020603050405020304" pitchFamily="18" charset="0"/>
+                <a:hlinkClick r:id="rId3"/>
+              </a:rPr>
+              <a:t>ar5iv</a:t>
+            </a:r>
+            <a:r>
+              <a:rPr lang="en-US" dirty="0">
+                <a:latin typeface="Times New Roman" panose="02020603050405020304" pitchFamily="18" charset="0"/>
+                <a:cs typeface="Times New Roman" panose="02020603050405020304" pitchFamily="18" charset="0"/>
+              </a:rPr>
+              <a:t>)​(</a:t>
+            </a:r>
+            <a:r>
+              <a:rPr lang="en-US" dirty="0" err="1">
+                <a:latin typeface="Times New Roman" panose="02020603050405020304" pitchFamily="18" charset="0"/>
+                <a:cs typeface="Times New Roman" panose="02020603050405020304" pitchFamily="18" charset="0"/>
+                <a:hlinkClick r:id="rId4"/>
+              </a:rPr>
+              <a:t>NeurIPS</a:t>
+            </a:r>
+            <a:r>
+              <a:rPr lang="en-US" dirty="0">
+                <a:latin typeface="Times New Roman" panose="02020603050405020304" pitchFamily="18" charset="0"/>
+                <a:cs typeface="Times New Roman" panose="02020603050405020304" pitchFamily="18" charset="0"/>
+                <a:hlinkClick r:id="rId4"/>
+              </a:rPr>
+              <a:t> Proceedings</a:t>
+            </a:r>
+            <a:r>
+              <a:rPr lang="en-US" dirty="0">
+                <a:latin typeface="Times New Roman" panose="02020603050405020304" pitchFamily="18" charset="0"/>
+                <a:cs typeface="Times New Roman" panose="02020603050405020304" pitchFamily="18" charset="0"/>
+              </a:rPr>
+              <a:t>).</a:t>
+            </a:r>
+          </a:p>
+          <a:p>
+            <a:pPr marL="457200" lvl="1" indent="0">
+              <a:buNone/>
+            </a:pPr>
+            <a:endParaRPr lang="en-US" dirty="0">
+              <a:latin typeface="Times New Roman" panose="02020603050405020304" pitchFamily="18" charset="0"/>
+              <a:cs typeface="Times New Roman" panose="02020603050405020304" pitchFamily="18" charset="0"/>
+            </a:endParaRPr>
+          </a:p>
+          <a:p>
+            <a:pPr marL="114300" indent="0">
+              <a:buNone/>
+            </a:pPr>
+            <a:r>
+              <a:rPr lang="en-US" b="1" dirty="0">
+                <a:latin typeface="Times New Roman" panose="02020603050405020304" pitchFamily="18" charset="0"/>
+                <a:cs typeface="Times New Roman" panose="02020603050405020304" pitchFamily="18" charset="0"/>
+              </a:rPr>
+              <a:t>Policy Implications</a:t>
+            </a:r>
+            <a:r>
+              <a:rPr lang="en-US" dirty="0">
+                <a:latin typeface="Times New Roman" panose="02020603050405020304" pitchFamily="18" charset="0"/>
+                <a:cs typeface="Times New Roman" panose="02020603050405020304" pitchFamily="18" charset="0"/>
+              </a:rPr>
+              <a:t>:</a:t>
+            </a:r>
+          </a:p>
+          <a:p>
+            <a:pPr marL="457200" lvl="1" indent="0">
+              <a:buNone/>
+            </a:pPr>
+            <a:r>
+              <a:rPr lang="en-US" dirty="0">
+                <a:latin typeface="Times New Roman" panose="02020603050405020304" pitchFamily="18" charset="0"/>
+                <a:cs typeface="Times New Roman" panose="02020603050405020304" pitchFamily="18" charset="0"/>
+              </a:rPr>
+              <a:t>Policymakers must develop regulations that promote ethical use while encouraging innovation​(</a:t>
+            </a:r>
+            <a:r>
+              <a:rPr lang="en-US" dirty="0">
+                <a:latin typeface="Times New Roman" panose="02020603050405020304" pitchFamily="18" charset="0"/>
+                <a:cs typeface="Times New Roman" panose="02020603050405020304" pitchFamily="18" charset="0"/>
+                <a:hlinkClick r:id="rId6"/>
+              </a:rPr>
+              <a:t>ar5iv</a:t>
+            </a:r>
+            <a:r>
+              <a:rPr lang="en-US" dirty="0">
+                <a:latin typeface="Times New Roman" panose="02020603050405020304" pitchFamily="18" charset="0"/>
+                <a:cs typeface="Times New Roman" panose="02020603050405020304" pitchFamily="18" charset="0"/>
+              </a:rPr>
+              <a:t>)​(</a:t>
+            </a:r>
+            <a:r>
+              <a:rPr lang="en-US" dirty="0">
+                <a:latin typeface="Times New Roman" panose="02020603050405020304" pitchFamily="18" charset="0"/>
+                <a:cs typeface="Times New Roman" panose="02020603050405020304" pitchFamily="18" charset="0"/>
+                <a:hlinkClick r:id="rId5"/>
+              </a:rPr>
+              <a:t>Hugging Face</a:t>
+            </a:r>
+            <a:r>
+              <a:rPr lang="en-US" dirty="0">
+                <a:latin typeface="Times New Roman" panose="02020603050405020304" pitchFamily="18" charset="0"/>
+                <a:cs typeface="Times New Roman" panose="02020603050405020304" pitchFamily="18" charset="0"/>
+              </a:rPr>
+              <a:t>).</a:t>
+            </a:r>
+          </a:p>
+          <a:p>
+            <a:pPr marL="457200" lvl="1" indent="0">
+              <a:buNone/>
+            </a:pPr>
+            <a:endParaRPr lang="en-US" dirty="0">
+              <a:latin typeface="Times New Roman" panose="02020603050405020304" pitchFamily="18" charset="0"/>
+              <a:cs typeface="Times New Roman" panose="02020603050405020304" pitchFamily="18" charset="0"/>
+            </a:endParaRPr>
+          </a:p>
+          <a:p>
+            <a:pPr marL="114300" indent="0">
+              <a:buNone/>
+            </a:pPr>
+            <a:r>
+              <a:rPr lang="en-US" b="1" dirty="0">
+                <a:latin typeface="Times New Roman" panose="02020603050405020304" pitchFamily="18" charset="0"/>
+                <a:cs typeface="Times New Roman" panose="02020603050405020304" pitchFamily="18" charset="0"/>
+              </a:rPr>
+              <a:t>Key Trends and Gaps</a:t>
+            </a:r>
+            <a:r>
+              <a:rPr lang="en-US" dirty="0">
+                <a:latin typeface="Times New Roman" panose="02020603050405020304" pitchFamily="18" charset="0"/>
+                <a:cs typeface="Times New Roman" panose="02020603050405020304" pitchFamily="18" charset="0"/>
+              </a:rPr>
+              <a:t>:</a:t>
+            </a:r>
+          </a:p>
+          <a:p>
+            <a:pPr marL="457200" lvl="1" indent="0">
+              <a:buNone/>
+            </a:pPr>
+            <a:r>
+              <a:rPr lang="en-US" dirty="0">
+                <a:latin typeface="Times New Roman" panose="02020603050405020304" pitchFamily="18" charset="0"/>
+                <a:cs typeface="Times New Roman" panose="02020603050405020304" pitchFamily="18" charset="0"/>
+              </a:rPr>
+              <a:t>Trends show a shift from GANs to diffusion models, with gaps in understanding long-term societal effects​(</a:t>
+            </a:r>
+            <a:r>
+              <a:rPr lang="en-US" dirty="0">
+                <a:latin typeface="Times New Roman" panose="02020603050405020304" pitchFamily="18" charset="0"/>
+                <a:cs typeface="Times New Roman" panose="02020603050405020304" pitchFamily="18" charset="0"/>
+                <a:hlinkClick r:id="rId3"/>
+              </a:rPr>
+              <a:t>ar5iv</a:t>
+            </a:r>
+            <a:r>
+              <a:rPr lang="en-US" dirty="0">
+                <a:latin typeface="Times New Roman" panose="02020603050405020304" pitchFamily="18" charset="0"/>
+                <a:cs typeface="Times New Roman" panose="02020603050405020304" pitchFamily="18" charset="0"/>
+              </a:rPr>
+              <a:t>)​(</a:t>
+            </a:r>
+            <a:r>
+              <a:rPr lang="en-US" dirty="0" err="1">
+                <a:latin typeface="Times New Roman" panose="02020603050405020304" pitchFamily="18" charset="0"/>
+                <a:cs typeface="Times New Roman" panose="02020603050405020304" pitchFamily="18" charset="0"/>
+                <a:hlinkClick r:id="rId4"/>
+              </a:rPr>
+              <a:t>NeurIPS</a:t>
+            </a:r>
+            <a:r>
+              <a:rPr lang="en-US" dirty="0">
+                <a:latin typeface="Times New Roman" panose="02020603050405020304" pitchFamily="18" charset="0"/>
+                <a:cs typeface="Times New Roman" panose="02020603050405020304" pitchFamily="18" charset="0"/>
+                <a:hlinkClick r:id="rId4"/>
+              </a:rPr>
+              <a:t> Proceedings</a:t>
+            </a:r>
+            <a:r>
+              <a:rPr lang="en-US" dirty="0">
+                <a:latin typeface="Times New Roman" panose="02020603050405020304" pitchFamily="18" charset="0"/>
+                <a:cs typeface="Times New Roman" panose="02020603050405020304" pitchFamily="18" charset="0"/>
+              </a:rPr>
+              <a:t>)​(</a:t>
+            </a:r>
+            <a:r>
+              <a:rPr lang="en-US" dirty="0">
+                <a:latin typeface="Times New Roman" panose="02020603050405020304" pitchFamily="18" charset="0"/>
+                <a:cs typeface="Times New Roman" panose="02020603050405020304" pitchFamily="18" charset="0"/>
+                <a:hlinkClick r:id="rId6"/>
+              </a:rPr>
+              <a:t>ar5iv</a:t>
+            </a:r>
+            <a:r>
+              <a:rPr lang="en-US" dirty="0">
+                <a:latin typeface="Times New Roman" panose="02020603050405020304" pitchFamily="18" charset="0"/>
+                <a:cs typeface="Times New Roman" panose="02020603050405020304" pitchFamily="18" charset="0"/>
+              </a:rPr>
+              <a:t>).</a:t>
+            </a:r>
+          </a:p>
+          <a:p>
+            <a:pPr marL="457200" lvl="1" indent="0">
+              <a:buNone/>
+            </a:pPr>
+            <a:endParaRPr lang="en-US" dirty="0">
               <a:latin typeface="Times New Roman" panose="02020603050405020304" pitchFamily="18" charset="0"/>
               <a:cs typeface="Times New Roman" panose="02020603050405020304" pitchFamily="18" charset="0"/>
             </a:endParaRPr>
@@ -17312,7 +15512,7 @@
                 <a:latin typeface="Times New Roman" panose="02020603050405020304" pitchFamily="18" charset="0"/>
                 <a:cs typeface="Times New Roman" panose="02020603050405020304" pitchFamily="18" charset="0"/>
               </a:rPr>
-              <a:t>Findings</a:t>
+              <a:t>Methodology</a:t>
             </a:r>
           </a:p>
           <a:p>
@@ -17324,7 +15524,7 @@
                 <a:latin typeface="Times New Roman" panose="02020603050405020304" pitchFamily="18" charset="0"/>
                 <a:cs typeface="Times New Roman" panose="02020603050405020304" pitchFamily="18" charset="0"/>
               </a:rPr>
-              <a:t>Key Findings</a:t>
+              <a:t>Data Collection Methods</a:t>
             </a:r>
             <a:r>
               <a:rPr lang="en-US" dirty="0">
@@ -17343,7 +15543,7 @@
                 <a:latin typeface="Times New Roman" panose="02020603050405020304" pitchFamily="18" charset="0"/>
                 <a:cs typeface="Times New Roman" panose="02020603050405020304" pitchFamily="18" charset="0"/>
               </a:rPr>
-              <a:t>Text-to-image models enhance creativity and personalization, with diffusion models showing superior image quality. Ethical issues around misuse and bias are significant​(</a:t>
+              <a:t>Conducted a literature review and qualitative interviews for insights​(</a:t>
             </a:r>
             <a:r>
               <a:rPr lang="en-US" dirty="0">
@@ -17381,137 +15581,17 @@
                 <a:latin typeface="Times New Roman" panose="02020603050405020304" pitchFamily="18" charset="0"/>
                 <a:cs typeface="Times New Roman" panose="02020603050405020304" pitchFamily="18" charset="0"/>
               </a:rPr>
-              <a:t>)​(</a:t>
-            </a:r>
-            <a:r>
-              <a:rPr lang="en-US" dirty="0">
-                <a:latin typeface="Times New Roman" panose="02020603050405020304" pitchFamily="18" charset="0"/>
-                <a:cs typeface="Times New Roman" panose="02020603050405020304" pitchFamily="18" charset="0"/>
-                <a:hlinkClick r:id="rId5"/>
-              </a:rPr>
-              <a:t>Hugging Face</a:t>
-            </a:r>
-            <a:r>
-              <a:rPr lang="en-US" dirty="0">
-                <a:latin typeface="Times New Roman" panose="02020603050405020304" pitchFamily="18" charset="0"/>
-                <a:cs typeface="Times New Roman" panose="02020603050405020304" pitchFamily="18" charset="0"/>
-              </a:rPr>
-              <a:t>)​(</a:t>
-            </a:r>
-            <a:r>
-              <a:rPr lang="en-US" dirty="0">
-                <a:latin typeface="Times New Roman" panose="02020603050405020304" pitchFamily="18" charset="0"/>
-                <a:cs typeface="Times New Roman" panose="02020603050405020304" pitchFamily="18" charset="0"/>
-                <a:hlinkClick r:id="rId6"/>
-              </a:rPr>
-              <a:t>ar5iv</a:t>
-            </a:r>
-            <a:r>
-              <a:rPr lang="en-US" dirty="0">
-                <a:latin typeface="Times New Roman" panose="02020603050405020304" pitchFamily="18" charset="0"/>
-                <a:cs typeface="Times New Roman" panose="02020603050405020304" pitchFamily="18" charset="0"/>
-              </a:rPr>
               <a:t>).</a:t>
             </a:r>
           </a:p>
           <a:p>
-            <a:pPr marL="114300" indent="0">
+            <a:pPr marL="457200" lvl="1" indent="0">
               <a:buNone/>
             </a:pPr>
-            <a:r>
-              <a:rPr lang="en-US" b="1" dirty="0">
-                <a:latin typeface="Times New Roman" panose="02020603050405020304" pitchFamily="18" charset="0"/>
-                <a:cs typeface="Times New Roman" panose="02020603050405020304" pitchFamily="18" charset="0"/>
-              </a:rPr>
-              <a:t>Implications</a:t>
-            </a:r>
-            <a:r>
-              <a:rPr lang="en-US" dirty="0">
-                <a:latin typeface="Times New Roman" panose="02020603050405020304" pitchFamily="18" charset="0"/>
-                <a:cs typeface="Times New Roman" panose="02020603050405020304" pitchFamily="18" charset="0"/>
-              </a:rPr>
-              <a:t>:</a:t>
-            </a:r>
-          </a:p>
-          <a:p>
-            <a:pPr marL="457200" lvl="1" indent="0">
-              <a:buNone/>
-            </a:pPr>
-            <a:r>
-              <a:rPr lang="en-US" dirty="0">
-                <a:latin typeface="Times New Roman" panose="02020603050405020304" pitchFamily="18" charset="0"/>
-                <a:cs typeface="Times New Roman" panose="02020603050405020304" pitchFamily="18" charset="0"/>
-              </a:rPr>
-              <a:t>Ethical considerations are essential; collaboration between policymakers and developers is necessary to balance innovation with societal values​(</a:t>
-            </a:r>
-            <a:r>
-              <a:rPr lang="en-US" dirty="0">
-                <a:latin typeface="Times New Roman" panose="02020603050405020304" pitchFamily="18" charset="0"/>
-                <a:cs typeface="Times New Roman" panose="02020603050405020304" pitchFamily="18" charset="0"/>
-                <a:hlinkClick r:id="rId3"/>
-              </a:rPr>
-              <a:t>ar5iv</a:t>
-            </a:r>
-            <a:r>
-              <a:rPr lang="en-US" dirty="0">
-                <a:latin typeface="Times New Roman" panose="02020603050405020304" pitchFamily="18" charset="0"/>
-                <a:cs typeface="Times New Roman" panose="02020603050405020304" pitchFamily="18" charset="0"/>
-              </a:rPr>
-              <a:t>)​(</a:t>
-            </a:r>
-            <a:r>
-              <a:rPr lang="en-US" dirty="0" err="1">
-                <a:latin typeface="Times New Roman" panose="02020603050405020304" pitchFamily="18" charset="0"/>
-                <a:cs typeface="Times New Roman" panose="02020603050405020304" pitchFamily="18" charset="0"/>
-                <a:hlinkClick r:id="rId4"/>
-              </a:rPr>
-              <a:t>NeurIPS</a:t>
-            </a:r>
-            <a:r>
-              <a:rPr lang="en-US" dirty="0">
-                <a:latin typeface="Times New Roman" panose="02020603050405020304" pitchFamily="18" charset="0"/>
-                <a:cs typeface="Times New Roman" panose="02020603050405020304" pitchFamily="18" charset="0"/>
-                <a:hlinkClick r:id="rId4"/>
-              </a:rPr>
-              <a:t> Proceedings</a:t>
-            </a:r>
-            <a:r>
-              <a:rPr lang="en-US" dirty="0">
-                <a:latin typeface="Times New Roman" panose="02020603050405020304" pitchFamily="18" charset="0"/>
-                <a:cs typeface="Times New Roman" panose="02020603050405020304" pitchFamily="18" charset="0"/>
-              </a:rPr>
-              <a:t>)​(</a:t>
-            </a:r>
-            <a:r>
-              <a:rPr lang="en-US" dirty="0">
-                <a:latin typeface="Times New Roman" panose="02020603050405020304" pitchFamily="18" charset="0"/>
-                <a:cs typeface="Times New Roman" panose="02020603050405020304" pitchFamily="18" charset="0"/>
-                <a:hlinkClick r:id="rId5"/>
-              </a:rPr>
-              <a:t>Hugging Face</a:t>
-            </a:r>
-            <a:r>
-              <a:rPr lang="en-US" dirty="0">
-                <a:latin typeface="Times New Roman" panose="02020603050405020304" pitchFamily="18" charset="0"/>
-                <a:cs typeface="Times New Roman" panose="02020603050405020304" pitchFamily="18" charset="0"/>
-              </a:rPr>
-              <a:t>)​(</a:t>
-            </a:r>
-            <a:r>
-              <a:rPr lang="en-US" dirty="0">
-                <a:latin typeface="Times New Roman" panose="02020603050405020304" pitchFamily="18" charset="0"/>
-                <a:cs typeface="Times New Roman" panose="02020603050405020304" pitchFamily="18" charset="0"/>
-                <a:hlinkClick r:id="rId6"/>
-              </a:rPr>
-              <a:t>ar5iv</a:t>
-            </a:r>
-            <a:r>
-              <a:rPr lang="en-US" dirty="0">
-                <a:latin typeface="Times New Roman" panose="02020603050405020304" pitchFamily="18" charset="0"/>
-                <a:cs typeface="Times New Roman" panose="02020603050405020304" pitchFamily="18" charset="0"/>
-              </a:rPr>
-              <a:t>).</a:t>
-            </a:r>
+            <a:endParaRPr lang="en-US" dirty="0">
+              <a:latin typeface="Times New Roman" panose="02020603050405020304" pitchFamily="18" charset="0"/>
+              <a:cs typeface="Times New Roman" panose="02020603050405020304" pitchFamily="18" charset="0"/>
+            </a:endParaRPr>
           </a:p>
           <a:p>
             <a:pPr marL="0" lvl="0" indent="0" algn="l" rtl="0">
@@ -17523,16 +15603,11 @@
               </a:spcAft>
               <a:buNone/>
             </a:pPr>
-            <a:endParaRPr lang="en-US" dirty="0"/>
+            <a:endParaRPr dirty="0"/>
           </a:p>
         </p:txBody>
       </p:sp>
     </p:spTree>
-    <p:extLst>
-      <p:ext uri="{BB962C8B-B14F-4D97-AF65-F5344CB8AC3E}">
-        <p14:creationId xmlns:p14="http://schemas.microsoft.com/office/powerpoint/2010/main" val="2167993787"/>
-      </p:ext>
-    </p:extLst>
   </p:cSld>
   <p:clrMapOvr>
     <a:masterClrMapping/>
@@ -17608,6 +15683,10 @@
           </p:nvPr>
         </p:nvSpPr>
         <p:spPr>
+          <a:xfrm>
+            <a:off x="311700" y="1152474"/>
+            <a:ext cx="8520600" cy="3456101"/>
+          </a:xfrm>
           <a:prstGeom prst="rect">
             <a:avLst/>
           </a:prstGeom>
@@ -17618,6 +15697,297 @@
           </a:bodyPr>
           <a:lstStyle/>
           <a:p>
+            <a:pPr marL="114300" indent="0">
+              <a:buNone/>
+            </a:pPr>
+            <a:r>
+              <a:rPr lang="en-US" b="1" dirty="0">
+                <a:latin typeface="Times New Roman" panose="02020603050405020304" pitchFamily="18" charset="0"/>
+                <a:cs typeface="Times New Roman" panose="02020603050405020304" pitchFamily="18" charset="0"/>
+              </a:rPr>
+              <a:t>Data Analysis Techniques</a:t>
+            </a:r>
+            <a:r>
+              <a:rPr lang="en-US" dirty="0">
+                <a:latin typeface="Times New Roman" panose="02020603050405020304" pitchFamily="18" charset="0"/>
+                <a:cs typeface="Times New Roman" panose="02020603050405020304" pitchFamily="18" charset="0"/>
+              </a:rPr>
+              <a:t>:</a:t>
+            </a:r>
+          </a:p>
+          <a:p>
+            <a:pPr marL="114300" indent="0">
+              <a:buNone/>
+            </a:pPr>
+            <a:r>
+              <a:rPr lang="en-US" dirty="0">
+                <a:latin typeface="Times New Roman" panose="02020603050405020304" pitchFamily="18" charset="0"/>
+                <a:cs typeface="Times New Roman" panose="02020603050405020304" pitchFamily="18" charset="0"/>
+              </a:rPr>
+              <a:t>      Employed thematic analysis and qualitative coding to synthesize findings​</a:t>
+            </a:r>
+          </a:p>
+          <a:p>
+            <a:pPr marL="114300" indent="0">
+              <a:buNone/>
+            </a:pPr>
+            <a:endParaRPr lang="en-US" dirty="0">
+              <a:latin typeface="Times New Roman" panose="02020603050405020304" pitchFamily="18" charset="0"/>
+              <a:cs typeface="Times New Roman" panose="02020603050405020304" pitchFamily="18" charset="0"/>
+            </a:endParaRPr>
+          </a:p>
+          <a:p>
+            <a:pPr marL="114300" indent="0">
+              <a:buNone/>
+            </a:pPr>
+            <a:r>
+              <a:rPr lang="en-US" b="1" dirty="0">
+                <a:latin typeface="Times New Roman" panose="02020603050405020304" pitchFamily="18" charset="0"/>
+                <a:cs typeface="Times New Roman" panose="02020603050405020304" pitchFamily="18" charset="0"/>
+              </a:rPr>
+              <a:t>Ethical Considerations</a:t>
+            </a:r>
+            <a:r>
+              <a:rPr lang="en-US" dirty="0">
+                <a:latin typeface="Times New Roman" panose="02020603050405020304" pitchFamily="18" charset="0"/>
+                <a:cs typeface="Times New Roman" panose="02020603050405020304" pitchFamily="18" charset="0"/>
+              </a:rPr>
+              <a:t>:</a:t>
+            </a:r>
+          </a:p>
+          <a:p>
+            <a:pPr marL="114300" indent="0">
+              <a:buNone/>
+            </a:pPr>
+            <a:r>
+              <a:rPr lang="en-US" dirty="0">
+                <a:latin typeface="Times New Roman" panose="02020603050405020304" pitchFamily="18" charset="0"/>
+                <a:cs typeface="Times New Roman" panose="02020603050405020304" pitchFamily="18" charset="0"/>
+              </a:rPr>
+              <a:t>     Followed ethical guidelines for transparency and bias mitigation</a:t>
+            </a:r>
+          </a:p>
+          <a:p>
+            <a:pPr marL="114300" indent="0">
+              <a:buNone/>
+            </a:pPr>
+            <a:endParaRPr lang="en-US" b="1" dirty="0">
+              <a:latin typeface="Times New Roman" panose="02020603050405020304" pitchFamily="18" charset="0"/>
+              <a:cs typeface="Times New Roman" panose="02020603050405020304" pitchFamily="18" charset="0"/>
+            </a:endParaRPr>
+          </a:p>
+          <a:p>
+            <a:pPr>
+              <a:buFont typeface="Wingdings" panose="05000000000000000000" pitchFamily="2" charset="2"/>
+              <a:buChar char="q"/>
+            </a:pPr>
+            <a:r>
+              <a:rPr lang="en-US" b="1" dirty="0">
+                <a:latin typeface="Times New Roman" panose="02020603050405020304" pitchFamily="18" charset="0"/>
+                <a:cs typeface="Times New Roman" panose="02020603050405020304" pitchFamily="18" charset="0"/>
+              </a:rPr>
+              <a:t>Findings</a:t>
+            </a:r>
+          </a:p>
+          <a:p>
+            <a:pPr marL="114300" indent="0">
+              <a:buNone/>
+            </a:pPr>
+            <a:r>
+              <a:rPr lang="en-US" b="1" dirty="0">
+                <a:latin typeface="Times New Roman" panose="02020603050405020304" pitchFamily="18" charset="0"/>
+                <a:cs typeface="Times New Roman" panose="02020603050405020304" pitchFamily="18" charset="0"/>
+              </a:rPr>
+              <a:t>Key Findings</a:t>
+            </a:r>
+            <a:r>
+              <a:rPr lang="en-US" dirty="0">
+                <a:latin typeface="Times New Roman" panose="02020603050405020304" pitchFamily="18" charset="0"/>
+                <a:cs typeface="Times New Roman" panose="02020603050405020304" pitchFamily="18" charset="0"/>
+              </a:rPr>
+              <a:t>:</a:t>
+            </a:r>
+          </a:p>
+          <a:p>
+            <a:pPr marL="457200" lvl="1" indent="0">
+              <a:buNone/>
+            </a:pPr>
+            <a:r>
+              <a:rPr lang="en-US" dirty="0">
+                <a:latin typeface="Times New Roman" panose="02020603050405020304" pitchFamily="18" charset="0"/>
+                <a:cs typeface="Times New Roman" panose="02020603050405020304" pitchFamily="18" charset="0"/>
+              </a:rPr>
+              <a:t>Text-to-image models enhance creativity and personalization, with diffusion models showing superior image quality. Ethical issues around misuse and bias are significant​(</a:t>
+            </a:r>
+            <a:r>
+              <a:rPr lang="en-US" dirty="0">
+                <a:latin typeface="Times New Roman" panose="02020603050405020304" pitchFamily="18" charset="0"/>
+                <a:cs typeface="Times New Roman" panose="02020603050405020304" pitchFamily="18" charset="0"/>
+                <a:hlinkClick r:id="rId3"/>
+              </a:rPr>
+              <a:t>ar5iv</a:t>
+            </a:r>
+            <a:r>
+              <a:rPr lang="en-US" dirty="0">
+                <a:latin typeface="Times New Roman" panose="02020603050405020304" pitchFamily="18" charset="0"/>
+                <a:cs typeface="Times New Roman" panose="02020603050405020304" pitchFamily="18" charset="0"/>
+              </a:rPr>
+              <a:t>)​(</a:t>
+            </a:r>
+            <a:r>
+              <a:rPr lang="en-US" dirty="0" err="1">
+                <a:latin typeface="Times New Roman" panose="02020603050405020304" pitchFamily="18" charset="0"/>
+                <a:cs typeface="Times New Roman" panose="02020603050405020304" pitchFamily="18" charset="0"/>
+                <a:hlinkClick r:id="rId4"/>
+              </a:rPr>
+              <a:t>NeurIPS</a:t>
+            </a:r>
+            <a:r>
+              <a:rPr lang="en-US" dirty="0">
+                <a:latin typeface="Times New Roman" panose="02020603050405020304" pitchFamily="18" charset="0"/>
+                <a:cs typeface="Times New Roman" panose="02020603050405020304" pitchFamily="18" charset="0"/>
+                <a:hlinkClick r:id="rId4"/>
+              </a:rPr>
+              <a:t> Proceedings</a:t>
+            </a:r>
+            <a:r>
+              <a:rPr lang="en-US" dirty="0">
+                <a:latin typeface="Times New Roman" panose="02020603050405020304" pitchFamily="18" charset="0"/>
+                <a:cs typeface="Times New Roman" panose="02020603050405020304" pitchFamily="18" charset="0"/>
+              </a:rPr>
+              <a:t>)​(</a:t>
+            </a:r>
+            <a:r>
+              <a:rPr lang="en-US" dirty="0">
+                <a:latin typeface="Times New Roman" panose="02020603050405020304" pitchFamily="18" charset="0"/>
+                <a:cs typeface="Times New Roman" panose="02020603050405020304" pitchFamily="18" charset="0"/>
+                <a:hlinkClick r:id="rId5"/>
+              </a:rPr>
+              <a:t>Hugging Face</a:t>
+            </a:r>
+            <a:r>
+              <a:rPr lang="en-US" dirty="0">
+                <a:latin typeface="Times New Roman" panose="02020603050405020304" pitchFamily="18" charset="0"/>
+                <a:cs typeface="Times New Roman" panose="02020603050405020304" pitchFamily="18" charset="0"/>
+              </a:rPr>
+              <a:t>)​(</a:t>
+            </a:r>
+            <a:r>
+              <a:rPr lang="en-US" dirty="0">
+                <a:latin typeface="Times New Roman" panose="02020603050405020304" pitchFamily="18" charset="0"/>
+                <a:cs typeface="Times New Roman" panose="02020603050405020304" pitchFamily="18" charset="0"/>
+                <a:hlinkClick r:id="rId6"/>
+              </a:rPr>
+              <a:t>ar5iv</a:t>
+            </a:r>
+            <a:r>
+              <a:rPr lang="en-US" dirty="0">
+                <a:latin typeface="Times New Roman" panose="02020603050405020304" pitchFamily="18" charset="0"/>
+                <a:cs typeface="Times New Roman" panose="02020603050405020304" pitchFamily="18" charset="0"/>
+              </a:rPr>
+              <a:t>).</a:t>
+            </a:r>
+          </a:p>
+          <a:p>
+            <a:pPr marL="114300" indent="0">
+              <a:buNone/>
+            </a:pPr>
+            <a:r>
+              <a:rPr lang="en-US" b="1" dirty="0">
+                <a:latin typeface="Times New Roman" panose="02020603050405020304" pitchFamily="18" charset="0"/>
+                <a:cs typeface="Times New Roman" panose="02020603050405020304" pitchFamily="18" charset="0"/>
+              </a:rPr>
+              <a:t>Implications</a:t>
+            </a:r>
+            <a:r>
+              <a:rPr lang="en-US" dirty="0">
+                <a:latin typeface="Times New Roman" panose="02020603050405020304" pitchFamily="18" charset="0"/>
+                <a:cs typeface="Times New Roman" panose="02020603050405020304" pitchFamily="18" charset="0"/>
+              </a:rPr>
+              <a:t>:</a:t>
+            </a:r>
+          </a:p>
+          <a:p>
+            <a:pPr marL="457200" lvl="1" indent="0">
+              <a:buNone/>
+            </a:pPr>
+            <a:r>
+              <a:rPr lang="en-US" dirty="0">
+                <a:latin typeface="Times New Roman" panose="02020603050405020304" pitchFamily="18" charset="0"/>
+                <a:cs typeface="Times New Roman" panose="02020603050405020304" pitchFamily="18" charset="0"/>
+              </a:rPr>
+              <a:t>Ethical considerations are essential; collaboration between policymakers and developers is necessary to balance innovation with societal values​(</a:t>
+            </a:r>
+            <a:r>
+              <a:rPr lang="en-US" dirty="0">
+                <a:latin typeface="Times New Roman" panose="02020603050405020304" pitchFamily="18" charset="0"/>
+                <a:cs typeface="Times New Roman" panose="02020603050405020304" pitchFamily="18" charset="0"/>
+                <a:hlinkClick r:id="rId3"/>
+              </a:rPr>
+              <a:t>ar5iv</a:t>
+            </a:r>
+            <a:r>
+              <a:rPr lang="en-US" dirty="0">
+                <a:latin typeface="Times New Roman" panose="02020603050405020304" pitchFamily="18" charset="0"/>
+                <a:cs typeface="Times New Roman" panose="02020603050405020304" pitchFamily="18" charset="0"/>
+              </a:rPr>
+              <a:t>)​(</a:t>
+            </a:r>
+            <a:r>
+              <a:rPr lang="en-US" dirty="0" err="1">
+                <a:latin typeface="Times New Roman" panose="02020603050405020304" pitchFamily="18" charset="0"/>
+                <a:cs typeface="Times New Roman" panose="02020603050405020304" pitchFamily="18" charset="0"/>
+                <a:hlinkClick r:id="rId4"/>
+              </a:rPr>
+              <a:t>NeurIPS</a:t>
+            </a:r>
+            <a:r>
+              <a:rPr lang="en-US" dirty="0">
+                <a:latin typeface="Times New Roman" panose="02020603050405020304" pitchFamily="18" charset="0"/>
+                <a:cs typeface="Times New Roman" panose="02020603050405020304" pitchFamily="18" charset="0"/>
+                <a:hlinkClick r:id="rId4"/>
+              </a:rPr>
+              <a:t> Proceedings</a:t>
+            </a:r>
+            <a:r>
+              <a:rPr lang="en-US" dirty="0">
+                <a:latin typeface="Times New Roman" panose="02020603050405020304" pitchFamily="18" charset="0"/>
+                <a:cs typeface="Times New Roman" panose="02020603050405020304" pitchFamily="18" charset="0"/>
+              </a:rPr>
+              <a:t>)​(</a:t>
+            </a:r>
+            <a:r>
+              <a:rPr lang="en-US" dirty="0">
+                <a:latin typeface="Times New Roman" panose="02020603050405020304" pitchFamily="18" charset="0"/>
+                <a:cs typeface="Times New Roman" panose="02020603050405020304" pitchFamily="18" charset="0"/>
+                <a:hlinkClick r:id="rId5"/>
+              </a:rPr>
+              <a:t>Hugging Face</a:t>
+            </a:r>
+            <a:r>
+              <a:rPr lang="en-US" dirty="0">
+                <a:latin typeface="Times New Roman" panose="02020603050405020304" pitchFamily="18" charset="0"/>
+                <a:cs typeface="Times New Roman" panose="02020603050405020304" pitchFamily="18" charset="0"/>
+              </a:rPr>
+              <a:t>)​(</a:t>
+            </a:r>
+            <a:r>
+              <a:rPr lang="en-US" dirty="0">
+                <a:latin typeface="Times New Roman" panose="02020603050405020304" pitchFamily="18" charset="0"/>
+                <a:cs typeface="Times New Roman" panose="02020603050405020304" pitchFamily="18" charset="0"/>
+                <a:hlinkClick r:id="rId6"/>
+              </a:rPr>
+              <a:t>ar5iv</a:t>
+            </a:r>
+            <a:r>
+              <a:rPr lang="en-US" dirty="0">
+                <a:latin typeface="Times New Roman" panose="02020603050405020304" pitchFamily="18" charset="0"/>
+                <a:cs typeface="Times New Roman" panose="02020603050405020304" pitchFamily="18" charset="0"/>
+              </a:rPr>
+              <a:t>).</a:t>
+            </a:r>
+          </a:p>
+          <a:p>
             <a:pPr marL="0" lvl="0" indent="0" algn="l" rtl="0">
               <a:spcBef>
                 <a:spcPts val="0"/>
@@ -17631,40 +16001,10 @@
           </a:p>
         </p:txBody>
       </p:sp>
-      <p:pic>
-        <p:nvPicPr>
-          <p:cNvPr id="3" name="Picture 2">
-            <a:extLst>
-              <a:ext uri="{FF2B5EF4-FFF2-40B4-BE49-F238E27FC236}">
-                <a16:creationId xmlns:a16="http://schemas.microsoft.com/office/drawing/2014/main" id="{B68BE17F-51B0-C922-EBF6-7DCA9F77E16F}"/>
-              </a:ext>
-            </a:extLst>
-          </p:cNvPr>
-          <p:cNvPicPr>
-            <a:picLocks noChangeAspect="1"/>
-          </p:cNvPicPr>
-          <p:nvPr/>
-        </p:nvPicPr>
-        <p:blipFill>
-          <a:blip r:embed="rId3"/>
-          <a:stretch>
-            <a:fillRect/>
-          </a:stretch>
-        </p:blipFill>
-        <p:spPr>
-          <a:xfrm>
-            <a:off x="2023707" y="1426962"/>
-            <a:ext cx="5096586" cy="2867425"/>
-          </a:xfrm>
-          <a:prstGeom prst="rect">
-            <a:avLst/>
-          </a:prstGeom>
-        </p:spPr>
-      </p:pic>
     </p:spTree>
     <p:extLst>
       <p:ext uri="{BB962C8B-B14F-4D97-AF65-F5344CB8AC3E}">
-        <p14:creationId xmlns:p14="http://schemas.microsoft.com/office/powerpoint/2010/main" val="192572254"/>
+        <p14:creationId xmlns:p14="http://schemas.microsoft.com/office/powerpoint/2010/main" val="2167993787"/>
       </p:ext>
     </p:extLst>
   </p:cSld>
@@ -18264,6 +16604,12 @@
 </file>
 
 <file path=customXml/item1.xml><?xml version="1.0" encoding="utf-8"?>
+<p:properties xmlns:p="http://schemas.microsoft.com/office/2006/metadata/properties" xmlns:xsi="http://www.w3.org/2001/XMLSchema-instance" xmlns:pc="http://schemas.microsoft.com/office/infopath/2007/PartnerControls">
+  <documentManagement/>
+</p:properties>
+</file>
+
+<file path=customXml/item2.xml><?xml version="1.0" encoding="utf-8"?>
 <ct:contentTypeSchema xmlns:ct="http://schemas.microsoft.com/office/2006/metadata/contentType" xmlns:ma="http://schemas.microsoft.com/office/2006/metadata/properties/metaAttributes" ct:_="" ma:_="" ma:contentTypeName="Document" ma:contentTypeID="0x010100A61D65E5B15E514E936E8C8FB88F7A66" ma:contentTypeVersion="8" ma:contentTypeDescription="Create a new document." ma:contentTypeScope="" ma:versionID="b8aa540713a5fd16e435814ee33f5cf4">
   <xsd:schema xmlns:xsd="http://www.w3.org/2001/XMLSchema" xmlns:xs="http://www.w3.org/2001/XMLSchema" xmlns:p="http://schemas.microsoft.com/office/2006/metadata/properties" xmlns:ns2="85de9595-7355-4228-9e90-85bca62ff7db" xmlns:ns3="910aad1b-4098-4be5-ac95-6b67441042b9" targetNamespace="http://schemas.microsoft.com/office/2006/metadata/properties" ma:root="true" ma:fieldsID="04dde1a11660952aba67ff83a977c872" ns2:_="" ns3:_="">
     <xsd:import namespace="85de9595-7355-4228-9e90-85bca62ff7db"/>
@@ -18454,12 +16800,6 @@
 </ct:contentTypeSchema>
 </file>
 
-<file path=customXml/item2.xml><?xml version="1.0" encoding="utf-8"?>
-<p:properties xmlns:p="http://schemas.microsoft.com/office/2006/metadata/properties" xmlns:xsi="http://www.w3.org/2001/XMLSchema-instance" xmlns:pc="http://schemas.microsoft.com/office/infopath/2007/PartnerControls">
-  <documentManagement/>
-</p:properties>
-</file>
-
 <file path=customXml/item3.xml><?xml version="1.0" encoding="utf-8"?>
 <?mso-contentType ?>
 <FormTemplates xmlns="http://schemas.microsoft.com/sharepoint/v3/contenttype/forms">
@@ -18470,6 +16810,15 @@
 </file>
 
 <file path=customXml/itemProps1.xml><?xml version="1.0" encoding="utf-8"?>
+<ds:datastoreItem xmlns:ds="http://schemas.openxmlformats.org/officeDocument/2006/customXml" ds:itemID="{5041B207-F690-4E95-8B48-3D7E0C5D0399}">
+  <ds:schemaRefs>
+    <ds:schemaRef ds:uri="http://schemas.microsoft.com/office/2006/metadata/properties"/>
+    <ds:schemaRef ds:uri="http://schemas.microsoft.com/office/infopath/2007/PartnerControls"/>
+  </ds:schemaRefs>
+</ds:datastoreItem>
+</file>
+
+<file path=customXml/itemProps2.xml><?xml version="1.0" encoding="utf-8"?>
 <ds:datastoreItem xmlns:ds="http://schemas.openxmlformats.org/officeDocument/2006/customXml" ds:itemID="{0ABF1086-31BD-4871-ABF4-FB3B23F33B72}">
   <ds:schemaRefs>
     <ds:schemaRef ds:uri="http://schemas.microsoft.com/office/2006/metadata/contentType"/>
@@ -18488,15 +16837,6 @@
 </ds:datastoreItem>
 </file>
 
-<file path=customXml/itemProps2.xml><?xml version="1.0" encoding="utf-8"?>
-<ds:datastoreItem xmlns:ds="http://schemas.openxmlformats.org/officeDocument/2006/customXml" ds:itemID="{5041B207-F690-4E95-8B48-3D7E0C5D0399}">
-  <ds:schemaRefs>
-    <ds:schemaRef ds:uri="http://schemas.microsoft.com/office/2006/metadata/properties"/>
-    <ds:schemaRef ds:uri="http://schemas.microsoft.com/office/infopath/2007/PartnerControls"/>
-  </ds:schemaRefs>
-</ds:datastoreItem>
-</file>
-
 <file path=customXml/itemProps3.xml><?xml version="1.0" encoding="utf-8"?>
 <ds:datastoreItem xmlns:ds="http://schemas.openxmlformats.org/officeDocument/2006/customXml" ds:itemID="{690DC1D4-2C01-48A5-8F80-D22F29BE6E3F}">
   <ds:schemaRefs>
